--- a/kickstarter_presentation.pptx
+++ b/kickstarter_presentation.pptx
@@ -10,6 +10,7 @@
     <p:sldId id="260" r:id="rId4"/>
     <p:sldId id="261" r:id="rId5"/>
     <p:sldId id="262" r:id="rId6"/>
+    <p:sldId id="264" r:id="rId7"/>
   </p:sldIdLst>
   <p:sldSz cx="12192000" cy="6858000"/>
   <p:notesSz cx="6858000" cy="9144000"/>
@@ -108,6 +109,11 @@
       </a:defRPr>
     </a:lvl9pPr>
   </p:defaultTextStyle>
+  <p:extLst>
+    <p:ext uri="{EFAFB233-063F-42B5-8137-9DF3F51BA10A}">
+      <p15:sldGuideLst xmlns:p15="http://schemas.microsoft.com/office/powerpoint/2012/main"/>
+    </p:ext>
+  </p:extLst>
 </p:presentation>
 </file>
 
@@ -260,7 +266,7 @@
           <a:p>
             <a:fld id="{8BCA8B54-44FD-4BC2-950D-8D2D192923EF}" type="datetimeFigureOut">
               <a:rPr lang="en-DE" smtClean="0"/>
-              <a:t>02/11/2021</a:t>
+              <a:t>24/11/2021</a:t>
             </a:fld>
             <a:endParaRPr lang="en-DE"/>
           </a:p>
@@ -460,7 +466,7 @@
           <a:p>
             <a:fld id="{8BCA8B54-44FD-4BC2-950D-8D2D192923EF}" type="datetimeFigureOut">
               <a:rPr lang="en-DE" smtClean="0"/>
-              <a:t>02/11/2021</a:t>
+              <a:t>24/11/2021</a:t>
             </a:fld>
             <a:endParaRPr lang="en-DE"/>
           </a:p>
@@ -670,7 +676,7 @@
           <a:p>
             <a:fld id="{8BCA8B54-44FD-4BC2-950D-8D2D192923EF}" type="datetimeFigureOut">
               <a:rPr lang="en-DE" smtClean="0"/>
-              <a:t>02/11/2021</a:t>
+              <a:t>24/11/2021</a:t>
             </a:fld>
             <a:endParaRPr lang="en-DE"/>
           </a:p>
@@ -870,7 +876,7 @@
           <a:p>
             <a:fld id="{8BCA8B54-44FD-4BC2-950D-8D2D192923EF}" type="datetimeFigureOut">
               <a:rPr lang="en-DE" smtClean="0"/>
-              <a:t>02/11/2021</a:t>
+              <a:t>24/11/2021</a:t>
             </a:fld>
             <a:endParaRPr lang="en-DE"/>
           </a:p>
@@ -1146,7 +1152,7 @@
           <a:p>
             <a:fld id="{8BCA8B54-44FD-4BC2-950D-8D2D192923EF}" type="datetimeFigureOut">
               <a:rPr lang="en-DE" smtClean="0"/>
-              <a:t>02/11/2021</a:t>
+              <a:t>24/11/2021</a:t>
             </a:fld>
             <a:endParaRPr lang="en-DE"/>
           </a:p>
@@ -1414,7 +1420,7 @@
           <a:p>
             <a:fld id="{8BCA8B54-44FD-4BC2-950D-8D2D192923EF}" type="datetimeFigureOut">
               <a:rPr lang="en-DE" smtClean="0"/>
-              <a:t>02/11/2021</a:t>
+              <a:t>24/11/2021</a:t>
             </a:fld>
             <a:endParaRPr lang="en-DE"/>
           </a:p>
@@ -1829,7 +1835,7 @@
           <a:p>
             <a:fld id="{8BCA8B54-44FD-4BC2-950D-8D2D192923EF}" type="datetimeFigureOut">
               <a:rPr lang="en-DE" smtClean="0"/>
-              <a:t>02/11/2021</a:t>
+              <a:t>24/11/2021</a:t>
             </a:fld>
             <a:endParaRPr lang="en-DE"/>
           </a:p>
@@ -1971,7 +1977,7 @@
           <a:p>
             <a:fld id="{8BCA8B54-44FD-4BC2-950D-8D2D192923EF}" type="datetimeFigureOut">
               <a:rPr lang="en-DE" smtClean="0"/>
-              <a:t>02/11/2021</a:t>
+              <a:t>24/11/2021</a:t>
             </a:fld>
             <a:endParaRPr lang="en-DE"/>
           </a:p>
@@ -2084,7 +2090,7 @@
           <a:p>
             <a:fld id="{8BCA8B54-44FD-4BC2-950D-8D2D192923EF}" type="datetimeFigureOut">
               <a:rPr lang="en-DE" smtClean="0"/>
-              <a:t>02/11/2021</a:t>
+              <a:t>24/11/2021</a:t>
             </a:fld>
             <a:endParaRPr lang="en-DE"/>
           </a:p>
@@ -2397,7 +2403,7 @@
           <a:p>
             <a:fld id="{8BCA8B54-44FD-4BC2-950D-8D2D192923EF}" type="datetimeFigureOut">
               <a:rPr lang="en-DE" smtClean="0"/>
-              <a:t>02/11/2021</a:t>
+              <a:t>24/11/2021</a:t>
             </a:fld>
             <a:endParaRPr lang="en-DE"/>
           </a:p>
@@ -2686,7 +2692,7 @@
           <a:p>
             <a:fld id="{8BCA8B54-44FD-4BC2-950D-8D2D192923EF}" type="datetimeFigureOut">
               <a:rPr lang="en-DE" smtClean="0"/>
-              <a:t>02/11/2021</a:t>
+              <a:t>24/11/2021</a:t>
             </a:fld>
             <a:endParaRPr lang="en-DE"/>
           </a:p>
@@ -2929,7 +2935,7 @@
           <a:p>
             <a:fld id="{8BCA8B54-44FD-4BC2-950D-8D2D192923EF}" type="datetimeFigureOut">
               <a:rPr lang="en-DE" smtClean="0"/>
-              <a:t>02/11/2021</a:t>
+              <a:t>24/11/2021</a:t>
             </a:fld>
             <a:endParaRPr lang="en-DE"/>
           </a:p>
@@ -3832,7 +3838,15 @@
             </a:r>
             <a:r>
               <a:rPr lang="de-DE" dirty="0" err="1"/>
-              <a:t>funded</a:t>
+              <a:t>successful</a:t>
+            </a:r>
+            <a:r>
+              <a:rPr lang="de-DE" dirty="0"/>
+              <a:t> and </a:t>
+            </a:r>
+            <a:r>
+              <a:rPr lang="de-DE" dirty="0" err="1"/>
+              <a:t>failed</a:t>
             </a:r>
             <a:r>
               <a:rPr lang="de-DE" dirty="0"/>
@@ -3867,18 +3881,9 @@
           <a:bodyPr/>
           <a:lstStyle/>
           <a:p>
-            <a:r>
-              <a:rPr lang="de-DE" dirty="0" err="1"/>
-              <a:t>Nodus</a:t>
-            </a:r>
-            <a:r>
-              <a:rPr lang="de-DE" dirty="0"/>
-              <a:t> </a:t>
-            </a:r>
-            <a:r>
-              <a:rPr lang="de-DE" dirty="0" err="1"/>
-              <a:t>labs</a:t>
-            </a:r>
+            <a:pPr marL="0" indent="0">
+              <a:buNone/>
+            </a:pPr>
             <a:endParaRPr lang="en-DE" dirty="0"/>
           </a:p>
         </p:txBody>
@@ -3915,28 +3920,35 @@
       </p:grpSpPr>
       <p:sp>
         <p:nvSpPr>
-          <p:cNvPr id="2" name="Title 1">
-            <a:extLst>
-              <a:ext uri="{FF2B5EF4-FFF2-40B4-BE49-F238E27FC236}">
-                <a16:creationId xmlns:a16="http://schemas.microsoft.com/office/drawing/2014/main" id="{64192EB4-B8CA-46AE-94DF-0C16132A4A47}"/>
-              </a:ext>
-            </a:extLst>
-          </p:cNvPr>
-          <p:cNvSpPr>
-            <a:spLocks noGrp="1"/>
-          </p:cNvSpPr>
-          <p:nvPr>
-            <p:ph type="title"/>
-          </p:nvPr>
-        </p:nvSpPr>
-        <p:spPr/>
-        <p:txBody>
-          <a:bodyPr/>
+          <p:cNvPr id="8" name="TextBox 7">
+            <a:extLst>
+              <a:ext uri="{FF2B5EF4-FFF2-40B4-BE49-F238E27FC236}">
+                <a16:creationId xmlns:a16="http://schemas.microsoft.com/office/drawing/2014/main" id="{DDEDC727-DA49-412F-8E7C-5782BDA6BDB8}"/>
+              </a:ext>
+            </a:extLst>
+          </p:cNvPr>
+          <p:cNvSpPr txBox="1"/>
+          <p:nvPr/>
+        </p:nvSpPr>
+        <p:spPr>
+          <a:xfrm>
+            <a:off x="0" y="0"/>
+            <a:ext cx="4546363" cy="646331"/>
+          </a:xfrm>
+          <a:prstGeom prst="rect">
+            <a:avLst/>
+          </a:prstGeom>
+          <a:noFill/>
+        </p:spPr>
+        <p:txBody>
+          <a:bodyPr wrap="square" rtlCol="0">
+            <a:spAutoFit/>
+          </a:bodyPr>
           <a:lstStyle/>
           <a:p>
             <a:r>
               <a:rPr lang="de-DE" dirty="0" err="1"/>
-              <a:t>One</a:t>
+              <a:t>With</a:t>
             </a:r>
             <a:r>
               <a:rPr lang="de-DE" dirty="0"/>
@@ -3944,7 +3956,7 @@
             </a:r>
             <a:r>
               <a:rPr lang="de-DE" dirty="0" err="1"/>
-              <a:t>slide</a:t>
+              <a:t>increasing</a:t>
             </a:r>
             <a:r>
               <a:rPr lang="de-DE" dirty="0"/>
@@ -3952,7 +3964,7 @@
             </a:r>
             <a:r>
               <a:rPr lang="de-DE" dirty="0" err="1"/>
-              <a:t>to</a:t>
+              <a:t>goal</a:t>
             </a:r>
             <a:r>
               <a:rPr lang="de-DE" dirty="0"/>
@@ -3960,41 +3972,212 @@
             </a:r>
             <a:r>
               <a:rPr lang="de-DE" dirty="0" err="1"/>
-              <a:t>show</a:t>
+              <a:t>amount</a:t>
             </a:r>
             <a:r>
               <a:rPr lang="de-DE" dirty="0"/>
-              <a:t> Tableau Analysis / Dashboard</a:t>
+              <a:t> and </a:t>
+            </a:r>
+            <a:r>
+              <a:rPr lang="de-DE" dirty="0" err="1"/>
+              <a:t>duration</a:t>
+            </a:r>
+            <a:r>
+              <a:rPr lang="de-DE" dirty="0"/>
+              <a:t> </a:t>
+            </a:r>
+            <a:r>
+              <a:rPr lang="de-DE" dirty="0" err="1"/>
+              <a:t>the</a:t>
+            </a:r>
+            <a:r>
+              <a:rPr lang="de-DE" dirty="0"/>
+              <a:t> </a:t>
+            </a:r>
+            <a:r>
+              <a:rPr lang="de-DE" dirty="0" err="1"/>
+              <a:t>chance</a:t>
+            </a:r>
+            <a:r>
+              <a:rPr lang="de-DE" dirty="0"/>
+              <a:t> </a:t>
+            </a:r>
+            <a:r>
+              <a:rPr lang="de-DE" dirty="0" err="1"/>
+              <a:t>of</a:t>
+            </a:r>
+            <a:r>
+              <a:rPr lang="de-DE" dirty="0"/>
+              <a:t> </a:t>
+            </a:r>
+            <a:r>
+              <a:rPr lang="de-DE" dirty="0" err="1"/>
+              <a:t>success</a:t>
+            </a:r>
+            <a:r>
+              <a:rPr lang="de-DE" dirty="0"/>
+              <a:t> </a:t>
+            </a:r>
+            <a:r>
+              <a:rPr lang="de-DE" dirty="0" err="1"/>
+              <a:t>decreases</a:t>
             </a:r>
             <a:endParaRPr lang="en-DE" dirty="0"/>
           </a:p>
         </p:txBody>
       </p:sp>
-      <p:sp>
-        <p:nvSpPr>
-          <p:cNvPr id="3" name="Content Placeholder 2">
-            <a:extLst>
-              <a:ext uri="{FF2B5EF4-FFF2-40B4-BE49-F238E27FC236}">
-                <a16:creationId xmlns:a16="http://schemas.microsoft.com/office/drawing/2014/main" id="{23AC8E27-62C3-43CC-B649-008F0DA55CCB}"/>
-              </a:ext>
-            </a:extLst>
-          </p:cNvPr>
-          <p:cNvSpPr>
-            <a:spLocks noGrp="1"/>
-          </p:cNvSpPr>
-          <p:nvPr>
-            <p:ph idx="1"/>
-          </p:nvPr>
-        </p:nvSpPr>
-        <p:spPr/>
-        <p:txBody>
-          <a:bodyPr/>
-          <a:lstStyle/>
-          <a:p>
+      <p:pic>
+        <p:nvPicPr>
+          <p:cNvPr id="10" name="Picture 9">
+            <a:extLst>
+              <a:ext uri="{FF2B5EF4-FFF2-40B4-BE49-F238E27FC236}">
+                <a16:creationId xmlns:a16="http://schemas.microsoft.com/office/drawing/2014/main" id="{9396503D-5FB7-4BE8-932D-5C736BDFEF52}"/>
+              </a:ext>
+            </a:extLst>
+          </p:cNvPr>
+          <p:cNvPicPr>
+            <a:picLocks noChangeAspect="1"/>
+          </p:cNvPicPr>
+          <p:nvPr/>
+        </p:nvPicPr>
+        <p:blipFill>
+          <a:blip r:embed="rId2"/>
+          <a:stretch>
+            <a:fillRect/>
+          </a:stretch>
+        </p:blipFill>
+        <p:spPr>
+          <a:xfrm>
+            <a:off x="5189544" y="758484"/>
+            <a:ext cx="6943725" cy="2619375"/>
+          </a:xfrm>
+          <a:prstGeom prst="rect">
+            <a:avLst/>
+          </a:prstGeom>
+        </p:spPr>
+      </p:pic>
+      <p:sp>
+        <p:nvSpPr>
+          <p:cNvPr id="11" name="TextBox 10">
+            <a:extLst>
+              <a:ext uri="{FF2B5EF4-FFF2-40B4-BE49-F238E27FC236}">
+                <a16:creationId xmlns:a16="http://schemas.microsoft.com/office/drawing/2014/main" id="{F5E216C3-388B-4A49-B5BC-8F3366BDC911}"/>
+              </a:ext>
+            </a:extLst>
+          </p:cNvPr>
+          <p:cNvSpPr txBox="1"/>
+          <p:nvPr/>
+        </p:nvSpPr>
+        <p:spPr>
+          <a:xfrm>
+            <a:off x="5248275" y="-1"/>
+            <a:ext cx="4546363" cy="646331"/>
+          </a:xfrm>
+          <a:prstGeom prst="rect">
+            <a:avLst/>
+          </a:prstGeom>
+          <a:noFill/>
+        </p:spPr>
+        <p:txBody>
+          <a:bodyPr wrap="square" rtlCol="0">
+            <a:spAutoFit/>
+          </a:bodyPr>
+          <a:lstStyle/>
+          <a:p>
+            <a:r>
+              <a:rPr lang="de-DE" dirty="0"/>
+              <a:t>Projects </a:t>
+            </a:r>
+            <a:r>
+              <a:rPr lang="de-DE" dirty="0" err="1"/>
+              <a:t>that</a:t>
+            </a:r>
+            <a:r>
+              <a:rPr lang="de-DE" dirty="0"/>
+              <a:t> </a:t>
+            </a:r>
+            <a:r>
+              <a:rPr lang="de-DE" dirty="0" err="1"/>
+              <a:t>start</a:t>
+            </a:r>
+            <a:r>
+              <a:rPr lang="de-DE" dirty="0"/>
+              <a:t> </a:t>
+            </a:r>
+            <a:r>
+              <a:rPr lang="de-DE" dirty="0" err="1"/>
+              <a:t>Tuesdays</a:t>
+            </a:r>
+            <a:r>
+              <a:rPr lang="de-DE" dirty="0"/>
+              <a:t> and end Tuesday </a:t>
+            </a:r>
+            <a:r>
+              <a:rPr lang="de-DE" dirty="0" err="1"/>
+              <a:t>have</a:t>
+            </a:r>
+            <a:r>
+              <a:rPr lang="de-DE" dirty="0"/>
+              <a:t> </a:t>
+            </a:r>
+            <a:r>
+              <a:rPr lang="de-DE" dirty="0" err="1"/>
+              <a:t>the</a:t>
+            </a:r>
+            <a:r>
+              <a:rPr lang="de-DE" dirty="0"/>
+              <a:t> </a:t>
+            </a:r>
+            <a:r>
+              <a:rPr lang="de-DE" dirty="0" err="1"/>
+              <a:t>highes</a:t>
+            </a:r>
+            <a:r>
+              <a:rPr lang="de-DE" dirty="0"/>
+              <a:t> </a:t>
+            </a:r>
+            <a:r>
+              <a:rPr lang="de-DE" dirty="0" err="1"/>
+              <a:t>success</a:t>
+            </a:r>
+            <a:r>
+              <a:rPr lang="de-DE" dirty="0"/>
+              <a:t> rate</a:t>
+            </a:r>
             <a:endParaRPr lang="en-DE" dirty="0"/>
           </a:p>
         </p:txBody>
       </p:sp>
+      <p:pic>
+        <p:nvPicPr>
+          <p:cNvPr id="15" name="Picture 14">
+            <a:extLst>
+              <a:ext uri="{FF2B5EF4-FFF2-40B4-BE49-F238E27FC236}">
+                <a16:creationId xmlns:a16="http://schemas.microsoft.com/office/drawing/2014/main" id="{12BF8BED-F22B-48F7-9B47-592F6F992119}"/>
+              </a:ext>
+            </a:extLst>
+          </p:cNvPr>
+          <p:cNvPicPr>
+            <a:picLocks noChangeAspect="1"/>
+          </p:cNvPicPr>
+          <p:nvPr/>
+        </p:nvPicPr>
+        <p:blipFill>
+          <a:blip r:embed="rId3"/>
+          <a:stretch>
+            <a:fillRect/>
+          </a:stretch>
+        </p:blipFill>
+        <p:spPr>
+          <a:xfrm>
+            <a:off x="0" y="758484"/>
+            <a:ext cx="4294598" cy="4868043"/>
+          </a:xfrm>
+          <a:prstGeom prst="rect">
+            <a:avLst/>
+          </a:prstGeom>
+        </p:spPr>
+      </p:pic>
     </p:spTree>
     <p:extLst>
       <p:ext uri="{BB962C8B-B14F-4D97-AF65-F5344CB8AC3E}">
@@ -4255,6 +4438,95 @@
     <p:extLst>
       <p:ext uri="{BB962C8B-B14F-4D97-AF65-F5344CB8AC3E}">
         <p14:creationId xmlns:p14="http://schemas.microsoft.com/office/powerpoint/2010/main" val="725130882"/>
+      </p:ext>
+    </p:extLst>
+  </p:cSld>
+  <p:clrMapOvr>
+    <a:masterClrMapping/>
+  </p:clrMapOvr>
+</p:sld>
+</file>
+
+<file path=ppt/slides/slide6.xml><?xml version="1.0" encoding="utf-8"?>
+<p:sld xmlns:a="http://schemas.openxmlformats.org/drawingml/2006/main" xmlns:r="http://schemas.openxmlformats.org/officeDocument/2006/relationships" xmlns:p="http://schemas.openxmlformats.org/presentationml/2006/main">
+  <p:cSld>
+    <p:spTree>
+      <p:nvGrpSpPr>
+        <p:cNvPr id="1" name=""/>
+        <p:cNvGrpSpPr/>
+        <p:nvPr/>
+      </p:nvGrpSpPr>
+      <p:grpSpPr>
+        <a:xfrm>
+          <a:off x="0" y="0"/>
+          <a:ext cx="0" cy="0"/>
+          <a:chOff x="0" y="0"/>
+          <a:chExt cx="0" cy="0"/>
+        </a:xfrm>
+      </p:grpSpPr>
+      <p:pic>
+        <p:nvPicPr>
+          <p:cNvPr id="5" name="Content Placeholder 4">
+            <a:extLst>
+              <a:ext uri="{FF2B5EF4-FFF2-40B4-BE49-F238E27FC236}">
+                <a16:creationId xmlns:a16="http://schemas.microsoft.com/office/drawing/2014/main" id="{8D2E850E-4E09-4300-88B4-4011C9671385}"/>
+              </a:ext>
+            </a:extLst>
+          </p:cNvPr>
+          <p:cNvPicPr>
+            <a:picLocks noGrp="1" noChangeAspect="1"/>
+          </p:cNvPicPr>
+          <p:nvPr>
+            <p:ph idx="1"/>
+          </p:nvPr>
+        </p:nvPicPr>
+        <p:blipFill>
+          <a:blip r:embed="rId2"/>
+          <a:stretch>
+            <a:fillRect/>
+          </a:stretch>
+        </p:blipFill>
+        <p:spPr>
+          <a:xfrm>
+            <a:off x="97076" y="828942"/>
+            <a:ext cx="7408191" cy="4351338"/>
+          </a:xfrm>
+        </p:spPr>
+      </p:pic>
+      <p:pic>
+        <p:nvPicPr>
+          <p:cNvPr id="7" name="Picture 6">
+            <a:extLst>
+              <a:ext uri="{FF2B5EF4-FFF2-40B4-BE49-F238E27FC236}">
+                <a16:creationId xmlns:a16="http://schemas.microsoft.com/office/drawing/2014/main" id="{1AD88752-F986-48A3-8F44-A4D01052D6CB}"/>
+              </a:ext>
+            </a:extLst>
+          </p:cNvPr>
+          <p:cNvPicPr>
+            <a:picLocks noChangeAspect="1"/>
+          </p:cNvPicPr>
+          <p:nvPr/>
+        </p:nvPicPr>
+        <p:blipFill>
+          <a:blip r:embed="rId3"/>
+          <a:stretch>
+            <a:fillRect/>
+          </a:stretch>
+        </p:blipFill>
+        <p:spPr>
+          <a:xfrm>
+            <a:off x="97076" y="120293"/>
+            <a:ext cx="3486096" cy="708649"/>
+          </a:xfrm>
+          <a:prstGeom prst="rect">
+            <a:avLst/>
+          </a:prstGeom>
+        </p:spPr>
+      </p:pic>
+    </p:spTree>
+    <p:extLst>
+      <p:ext uri="{BB962C8B-B14F-4D97-AF65-F5344CB8AC3E}">
+        <p14:creationId xmlns:p14="http://schemas.microsoft.com/office/powerpoint/2010/main" val="1651806079"/>
       </p:ext>
     </p:extLst>
   </p:cSld>

--- a/kickstarter_presentation.pptx
+++ b/kickstarter_presentation.pptx
@@ -4,13 +4,18 @@
   <p:sldMasterIdLst>
     <p:sldMasterId id="2147483648" r:id="rId1"/>
   </p:sldMasterIdLst>
+  <p:notesMasterIdLst>
+    <p:notesMasterId r:id="rId10"/>
+  </p:notesMasterIdLst>
   <p:sldIdLst>
     <p:sldId id="258" r:id="rId2"/>
-    <p:sldId id="263" r:id="rId3"/>
-    <p:sldId id="260" r:id="rId4"/>
-    <p:sldId id="261" r:id="rId5"/>
-    <p:sldId id="262" r:id="rId6"/>
-    <p:sldId id="264" r:id="rId7"/>
+    <p:sldId id="267" r:id="rId3"/>
+    <p:sldId id="268" r:id="rId4"/>
+    <p:sldId id="269" r:id="rId5"/>
+    <p:sldId id="270" r:id="rId6"/>
+    <p:sldId id="263" r:id="rId7"/>
+    <p:sldId id="265" r:id="rId8"/>
+    <p:sldId id="260" r:id="rId9"/>
   </p:sldIdLst>
   <p:sldSz cx="12192000" cy="6858000"/>
   <p:notesSz cx="6858000" cy="9144000"/>
@@ -117,6 +122,889 @@
 </p:presentation>
 </file>
 
+<file path=ppt/notesMasters/notesMaster1.xml><?xml version="1.0" encoding="utf-8"?>
+<p:notesMaster xmlns:a="http://schemas.openxmlformats.org/drawingml/2006/main" xmlns:r="http://schemas.openxmlformats.org/officeDocument/2006/relationships" xmlns:p="http://schemas.openxmlformats.org/presentationml/2006/main">
+  <p:cSld>
+    <p:bg>
+      <p:bgRef idx="1001">
+        <a:schemeClr val="bg1"/>
+      </p:bgRef>
+    </p:bg>
+    <p:spTree>
+      <p:nvGrpSpPr>
+        <p:cNvPr id="1" name=""/>
+        <p:cNvGrpSpPr/>
+        <p:nvPr/>
+      </p:nvGrpSpPr>
+      <p:grpSpPr>
+        <a:xfrm>
+          <a:off x="0" y="0"/>
+          <a:ext cx="0" cy="0"/>
+          <a:chOff x="0" y="0"/>
+          <a:chExt cx="0" cy="0"/>
+        </a:xfrm>
+      </p:grpSpPr>
+      <p:sp>
+        <p:nvSpPr>
+          <p:cNvPr id="2" name="Header Placeholder 1"/>
+          <p:cNvSpPr>
+            <a:spLocks noGrp="1"/>
+          </p:cNvSpPr>
+          <p:nvPr>
+            <p:ph type="hdr" sz="quarter"/>
+          </p:nvPr>
+        </p:nvSpPr>
+        <p:spPr>
+          <a:xfrm>
+            <a:off x="0" y="0"/>
+            <a:ext cx="2971800" cy="458788"/>
+          </a:xfrm>
+          <a:prstGeom prst="rect">
+            <a:avLst/>
+          </a:prstGeom>
+        </p:spPr>
+        <p:txBody>
+          <a:bodyPr vert="horz" lIns="91440" tIns="45720" rIns="91440" bIns="45720" rtlCol="0"/>
+          <a:lstStyle>
+            <a:lvl1pPr algn="l">
+              <a:defRPr sz="1200"/>
+            </a:lvl1pPr>
+          </a:lstStyle>
+          <a:p>
+            <a:endParaRPr lang="en-DE"/>
+          </a:p>
+        </p:txBody>
+      </p:sp>
+      <p:sp>
+        <p:nvSpPr>
+          <p:cNvPr id="3" name="Date Placeholder 2"/>
+          <p:cNvSpPr>
+            <a:spLocks noGrp="1"/>
+          </p:cNvSpPr>
+          <p:nvPr>
+            <p:ph type="dt" idx="1"/>
+          </p:nvPr>
+        </p:nvSpPr>
+        <p:spPr>
+          <a:xfrm>
+            <a:off x="3884613" y="0"/>
+            <a:ext cx="2971800" cy="458788"/>
+          </a:xfrm>
+          <a:prstGeom prst="rect">
+            <a:avLst/>
+          </a:prstGeom>
+        </p:spPr>
+        <p:txBody>
+          <a:bodyPr vert="horz" lIns="91440" tIns="45720" rIns="91440" bIns="45720" rtlCol="0"/>
+          <a:lstStyle>
+            <a:lvl1pPr algn="r">
+              <a:defRPr sz="1200"/>
+            </a:lvl1pPr>
+          </a:lstStyle>
+          <a:p>
+            <a:fld id="{20F3E6C6-BE90-4FCE-A21E-5CB3AF5FD184}" type="datetimeFigureOut">
+              <a:rPr lang="en-DE" smtClean="0"/>
+              <a:t>25/11/2021</a:t>
+            </a:fld>
+            <a:endParaRPr lang="en-DE"/>
+          </a:p>
+        </p:txBody>
+      </p:sp>
+      <p:sp>
+        <p:nvSpPr>
+          <p:cNvPr id="4" name="Slide Image Placeholder 3"/>
+          <p:cNvSpPr>
+            <a:spLocks noGrp="1" noRot="1" noChangeAspect="1"/>
+          </p:cNvSpPr>
+          <p:nvPr>
+            <p:ph type="sldImg" idx="2"/>
+          </p:nvPr>
+        </p:nvSpPr>
+        <p:spPr>
+          <a:xfrm>
+            <a:off x="685800" y="1143000"/>
+            <a:ext cx="5486400" cy="3086100"/>
+          </a:xfrm>
+          <a:prstGeom prst="rect">
+            <a:avLst/>
+          </a:prstGeom>
+          <a:noFill/>
+          <a:ln w="12700">
+            <a:solidFill>
+              <a:prstClr val="black"/>
+            </a:solidFill>
+          </a:ln>
+        </p:spPr>
+        <p:txBody>
+          <a:bodyPr vert="horz" lIns="91440" tIns="45720" rIns="91440" bIns="45720" rtlCol="0" anchor="ctr"/>
+          <a:lstStyle/>
+          <a:p>
+            <a:endParaRPr lang="en-DE"/>
+          </a:p>
+        </p:txBody>
+      </p:sp>
+      <p:sp>
+        <p:nvSpPr>
+          <p:cNvPr id="5" name="Notes Placeholder 4"/>
+          <p:cNvSpPr>
+            <a:spLocks noGrp="1"/>
+          </p:cNvSpPr>
+          <p:nvPr>
+            <p:ph type="body" sz="quarter" idx="3"/>
+          </p:nvPr>
+        </p:nvSpPr>
+        <p:spPr>
+          <a:xfrm>
+            <a:off x="685800" y="4400550"/>
+            <a:ext cx="5486400" cy="3600450"/>
+          </a:xfrm>
+          <a:prstGeom prst="rect">
+            <a:avLst/>
+          </a:prstGeom>
+        </p:spPr>
+        <p:txBody>
+          <a:bodyPr vert="horz" lIns="91440" tIns="45720" rIns="91440" bIns="45720" rtlCol="0"/>
+          <a:lstStyle/>
+          <a:p>
+            <a:pPr lvl="0"/>
+            <a:r>
+              <a:rPr lang="en-US"/>
+              <a:t>Click to edit Master text styles</a:t>
+            </a:r>
+          </a:p>
+          <a:p>
+            <a:pPr lvl="1"/>
+            <a:r>
+              <a:rPr lang="en-US"/>
+              <a:t>Second level</a:t>
+            </a:r>
+          </a:p>
+          <a:p>
+            <a:pPr lvl="2"/>
+            <a:r>
+              <a:rPr lang="en-US"/>
+              <a:t>Third level</a:t>
+            </a:r>
+          </a:p>
+          <a:p>
+            <a:pPr lvl="3"/>
+            <a:r>
+              <a:rPr lang="en-US"/>
+              <a:t>Fourth level</a:t>
+            </a:r>
+          </a:p>
+          <a:p>
+            <a:pPr lvl="4"/>
+            <a:r>
+              <a:rPr lang="en-US"/>
+              <a:t>Fifth level</a:t>
+            </a:r>
+            <a:endParaRPr lang="en-DE"/>
+          </a:p>
+        </p:txBody>
+      </p:sp>
+      <p:sp>
+        <p:nvSpPr>
+          <p:cNvPr id="6" name="Footer Placeholder 5"/>
+          <p:cNvSpPr>
+            <a:spLocks noGrp="1"/>
+          </p:cNvSpPr>
+          <p:nvPr>
+            <p:ph type="ftr" sz="quarter" idx="4"/>
+          </p:nvPr>
+        </p:nvSpPr>
+        <p:spPr>
+          <a:xfrm>
+            <a:off x="0" y="8685213"/>
+            <a:ext cx="2971800" cy="458787"/>
+          </a:xfrm>
+          <a:prstGeom prst="rect">
+            <a:avLst/>
+          </a:prstGeom>
+        </p:spPr>
+        <p:txBody>
+          <a:bodyPr vert="horz" lIns="91440" tIns="45720" rIns="91440" bIns="45720" rtlCol="0" anchor="b"/>
+          <a:lstStyle>
+            <a:lvl1pPr algn="l">
+              <a:defRPr sz="1200"/>
+            </a:lvl1pPr>
+          </a:lstStyle>
+          <a:p>
+            <a:endParaRPr lang="en-DE"/>
+          </a:p>
+        </p:txBody>
+      </p:sp>
+      <p:sp>
+        <p:nvSpPr>
+          <p:cNvPr id="7" name="Slide Number Placeholder 6"/>
+          <p:cNvSpPr>
+            <a:spLocks noGrp="1"/>
+          </p:cNvSpPr>
+          <p:nvPr>
+            <p:ph type="sldNum" sz="quarter" idx="5"/>
+          </p:nvPr>
+        </p:nvSpPr>
+        <p:spPr>
+          <a:xfrm>
+            <a:off x="3884613" y="8685213"/>
+            <a:ext cx="2971800" cy="458787"/>
+          </a:xfrm>
+          <a:prstGeom prst="rect">
+            <a:avLst/>
+          </a:prstGeom>
+        </p:spPr>
+        <p:txBody>
+          <a:bodyPr vert="horz" lIns="91440" tIns="45720" rIns="91440" bIns="45720" rtlCol="0" anchor="b"/>
+          <a:lstStyle>
+            <a:lvl1pPr algn="r">
+              <a:defRPr sz="1200"/>
+            </a:lvl1pPr>
+          </a:lstStyle>
+          <a:p>
+            <a:fld id="{0B7FCA78-F67D-4C9F-A032-C0A6CEF2EF96}" type="slidenum">
+              <a:rPr lang="en-DE" smtClean="0"/>
+              <a:t>‹#›</a:t>
+            </a:fld>
+            <a:endParaRPr lang="en-DE"/>
+          </a:p>
+        </p:txBody>
+      </p:sp>
+    </p:spTree>
+    <p:extLst>
+      <p:ext uri="{BB962C8B-B14F-4D97-AF65-F5344CB8AC3E}">
+        <p14:creationId xmlns:p14="http://schemas.microsoft.com/office/powerpoint/2010/main" val="2211522612"/>
+      </p:ext>
+    </p:extLst>
+  </p:cSld>
+  <p:clrMap bg1="lt1" tx1="dk1" bg2="lt2" tx2="dk2" accent1="accent1" accent2="accent2" accent3="accent3" accent4="accent4" accent5="accent5" accent6="accent6" hlink="hlink" folHlink="folHlink"/>
+  <p:notesStyle>
+    <a:lvl1pPr marL="0" algn="l" defTabSz="914400" rtl="0" eaLnBrk="1" latinLnBrk="0" hangingPunct="1">
+      <a:defRPr sz="1200" kern="1200">
+        <a:solidFill>
+          <a:schemeClr val="tx1"/>
+        </a:solidFill>
+        <a:latin typeface="+mn-lt"/>
+        <a:ea typeface="+mn-ea"/>
+        <a:cs typeface="+mn-cs"/>
+      </a:defRPr>
+    </a:lvl1pPr>
+    <a:lvl2pPr marL="457200" algn="l" defTabSz="914400" rtl="0" eaLnBrk="1" latinLnBrk="0" hangingPunct="1">
+      <a:defRPr sz="1200" kern="1200">
+        <a:solidFill>
+          <a:schemeClr val="tx1"/>
+        </a:solidFill>
+        <a:latin typeface="+mn-lt"/>
+        <a:ea typeface="+mn-ea"/>
+        <a:cs typeface="+mn-cs"/>
+      </a:defRPr>
+    </a:lvl2pPr>
+    <a:lvl3pPr marL="914400" algn="l" defTabSz="914400" rtl="0" eaLnBrk="1" latinLnBrk="0" hangingPunct="1">
+      <a:defRPr sz="1200" kern="1200">
+        <a:solidFill>
+          <a:schemeClr val="tx1"/>
+        </a:solidFill>
+        <a:latin typeface="+mn-lt"/>
+        <a:ea typeface="+mn-ea"/>
+        <a:cs typeface="+mn-cs"/>
+      </a:defRPr>
+    </a:lvl3pPr>
+    <a:lvl4pPr marL="1371600" algn="l" defTabSz="914400" rtl="0" eaLnBrk="1" latinLnBrk="0" hangingPunct="1">
+      <a:defRPr sz="1200" kern="1200">
+        <a:solidFill>
+          <a:schemeClr val="tx1"/>
+        </a:solidFill>
+        <a:latin typeface="+mn-lt"/>
+        <a:ea typeface="+mn-ea"/>
+        <a:cs typeface="+mn-cs"/>
+      </a:defRPr>
+    </a:lvl4pPr>
+    <a:lvl5pPr marL="1828800" algn="l" defTabSz="914400" rtl="0" eaLnBrk="1" latinLnBrk="0" hangingPunct="1">
+      <a:defRPr sz="1200" kern="1200">
+        <a:solidFill>
+          <a:schemeClr val="tx1"/>
+        </a:solidFill>
+        <a:latin typeface="+mn-lt"/>
+        <a:ea typeface="+mn-ea"/>
+        <a:cs typeface="+mn-cs"/>
+      </a:defRPr>
+    </a:lvl5pPr>
+    <a:lvl6pPr marL="2286000" algn="l" defTabSz="914400" rtl="0" eaLnBrk="1" latinLnBrk="0" hangingPunct="1">
+      <a:defRPr sz="1200" kern="1200">
+        <a:solidFill>
+          <a:schemeClr val="tx1"/>
+        </a:solidFill>
+        <a:latin typeface="+mn-lt"/>
+        <a:ea typeface="+mn-ea"/>
+        <a:cs typeface="+mn-cs"/>
+      </a:defRPr>
+    </a:lvl6pPr>
+    <a:lvl7pPr marL="2743200" algn="l" defTabSz="914400" rtl="0" eaLnBrk="1" latinLnBrk="0" hangingPunct="1">
+      <a:defRPr sz="1200" kern="1200">
+        <a:solidFill>
+          <a:schemeClr val="tx1"/>
+        </a:solidFill>
+        <a:latin typeface="+mn-lt"/>
+        <a:ea typeface="+mn-ea"/>
+        <a:cs typeface="+mn-cs"/>
+      </a:defRPr>
+    </a:lvl7pPr>
+    <a:lvl8pPr marL="3200400" algn="l" defTabSz="914400" rtl="0" eaLnBrk="1" latinLnBrk="0" hangingPunct="1">
+      <a:defRPr sz="1200" kern="1200">
+        <a:solidFill>
+          <a:schemeClr val="tx1"/>
+        </a:solidFill>
+        <a:latin typeface="+mn-lt"/>
+        <a:ea typeface="+mn-ea"/>
+        <a:cs typeface="+mn-cs"/>
+      </a:defRPr>
+    </a:lvl8pPr>
+    <a:lvl9pPr marL="3657600" algn="l" defTabSz="914400" rtl="0" eaLnBrk="1" latinLnBrk="0" hangingPunct="1">
+      <a:defRPr sz="1200" kern="1200">
+        <a:solidFill>
+          <a:schemeClr val="tx1"/>
+        </a:solidFill>
+        <a:latin typeface="+mn-lt"/>
+        <a:ea typeface="+mn-ea"/>
+        <a:cs typeface="+mn-cs"/>
+      </a:defRPr>
+    </a:lvl9pPr>
+  </p:notesStyle>
+</p:notesMaster>
+</file>
+
+<file path=ppt/notesSlides/notesSlide1.xml><?xml version="1.0" encoding="utf-8"?>
+<p:notes xmlns:a="http://schemas.openxmlformats.org/drawingml/2006/main" xmlns:r="http://schemas.openxmlformats.org/officeDocument/2006/relationships" xmlns:p="http://schemas.openxmlformats.org/presentationml/2006/main">
+  <p:cSld>
+    <p:spTree>
+      <p:nvGrpSpPr>
+        <p:cNvPr id="1" name=""/>
+        <p:cNvGrpSpPr/>
+        <p:nvPr/>
+      </p:nvGrpSpPr>
+      <p:grpSpPr>
+        <a:xfrm>
+          <a:off x="0" y="0"/>
+          <a:ext cx="0" cy="0"/>
+          <a:chOff x="0" y="0"/>
+          <a:chExt cx="0" cy="0"/>
+        </a:xfrm>
+      </p:grpSpPr>
+      <p:sp>
+        <p:nvSpPr>
+          <p:cNvPr id="2" name="Slide Image Placeholder 1"/>
+          <p:cNvSpPr>
+            <a:spLocks noGrp="1" noRot="1" noChangeAspect="1"/>
+          </p:cNvSpPr>
+          <p:nvPr>
+            <p:ph type="sldImg"/>
+          </p:nvPr>
+        </p:nvSpPr>
+        <p:spPr/>
+      </p:sp>
+      <p:sp>
+        <p:nvSpPr>
+          <p:cNvPr id="3" name="Notes Placeholder 2"/>
+          <p:cNvSpPr>
+            <a:spLocks noGrp="1"/>
+          </p:cNvSpPr>
+          <p:nvPr>
+            <p:ph type="body" idx="1"/>
+          </p:nvPr>
+        </p:nvSpPr>
+        <p:spPr/>
+        <p:txBody>
+          <a:bodyPr/>
+          <a:lstStyle/>
+          <a:p>
+            <a:r>
+              <a:rPr lang="en-GB" dirty="0"/>
+              <a:t>No pictures</a:t>
+            </a:r>
+          </a:p>
+          <a:p>
+            <a:r>
+              <a:rPr lang="en-GB" dirty="0"/>
+              <a:t>No videos</a:t>
+            </a:r>
+          </a:p>
+          <a:p>
+            <a:r>
+              <a:rPr lang="en-GB" dirty="0"/>
+              <a:t>No product presentations</a:t>
+            </a:r>
+          </a:p>
+          <a:p>
+            <a:r>
+              <a:rPr lang="en-GB" dirty="0"/>
+              <a:t>No information about ‘reward’ for backing the project</a:t>
+            </a:r>
+          </a:p>
+        </p:txBody>
+      </p:sp>
+      <p:sp>
+        <p:nvSpPr>
+          <p:cNvPr id="4" name="Slide Number Placeholder 3"/>
+          <p:cNvSpPr>
+            <a:spLocks noGrp="1"/>
+          </p:cNvSpPr>
+          <p:nvPr>
+            <p:ph type="sldNum" sz="quarter" idx="5"/>
+          </p:nvPr>
+        </p:nvSpPr>
+        <p:spPr/>
+        <p:txBody>
+          <a:bodyPr/>
+          <a:lstStyle/>
+          <a:p>
+            <a:fld id="{0B7FCA78-F67D-4C9F-A032-C0A6CEF2EF96}" type="slidenum">
+              <a:rPr lang="en-DE" smtClean="0"/>
+              <a:t>3</a:t>
+            </a:fld>
+            <a:endParaRPr lang="en-DE"/>
+          </a:p>
+        </p:txBody>
+      </p:sp>
+    </p:spTree>
+    <p:extLst>
+      <p:ext uri="{BB962C8B-B14F-4D97-AF65-F5344CB8AC3E}">
+        <p14:creationId xmlns:p14="http://schemas.microsoft.com/office/powerpoint/2010/main" val="1477892719"/>
+      </p:ext>
+    </p:extLst>
+  </p:cSld>
+  <p:clrMapOvr>
+    <a:masterClrMapping/>
+  </p:clrMapOvr>
+</p:notes>
+</file>
+
+<file path=ppt/notesSlides/notesSlide2.xml><?xml version="1.0" encoding="utf-8"?>
+<p:notes xmlns:a="http://schemas.openxmlformats.org/drawingml/2006/main" xmlns:r="http://schemas.openxmlformats.org/officeDocument/2006/relationships" xmlns:p="http://schemas.openxmlformats.org/presentationml/2006/main">
+  <p:cSld>
+    <p:spTree>
+      <p:nvGrpSpPr>
+        <p:cNvPr id="1" name=""/>
+        <p:cNvGrpSpPr/>
+        <p:nvPr/>
+      </p:nvGrpSpPr>
+      <p:grpSpPr>
+        <a:xfrm>
+          <a:off x="0" y="0"/>
+          <a:ext cx="0" cy="0"/>
+          <a:chOff x="0" y="0"/>
+          <a:chExt cx="0" cy="0"/>
+        </a:xfrm>
+      </p:grpSpPr>
+      <p:sp>
+        <p:nvSpPr>
+          <p:cNvPr id="2" name="Slide Image Placeholder 1"/>
+          <p:cNvSpPr>
+            <a:spLocks noGrp="1" noRot="1" noChangeAspect="1"/>
+          </p:cNvSpPr>
+          <p:nvPr>
+            <p:ph type="sldImg"/>
+          </p:nvPr>
+        </p:nvSpPr>
+        <p:spPr/>
+      </p:sp>
+      <p:sp>
+        <p:nvSpPr>
+          <p:cNvPr id="3" name="Notes Placeholder 2"/>
+          <p:cNvSpPr>
+            <a:spLocks noGrp="1"/>
+          </p:cNvSpPr>
+          <p:nvPr>
+            <p:ph type="body" idx="1"/>
+          </p:nvPr>
+        </p:nvSpPr>
+        <p:spPr/>
+        <p:txBody>
+          <a:bodyPr/>
+          <a:lstStyle/>
+          <a:p>
+            <a:r>
+              <a:rPr lang="en-GB" dirty="0"/>
+              <a:t>best accuracy  82.33%</a:t>
+            </a:r>
+          </a:p>
+          <a:p>
+            <a:r>
+              <a:rPr lang="en-GB" dirty="0"/>
+              <a:t>Tree Classifier - </a:t>
+            </a:r>
+            <a:r>
+              <a:rPr lang="en-GB" dirty="0" err="1"/>
+              <a:t>Winsorize</a:t>
+            </a:r>
+            <a:r>
+              <a:rPr lang="en-GB" dirty="0"/>
+              <a:t> outliers – manual upscaling – </a:t>
+            </a:r>
+            <a:r>
+              <a:rPr lang="en-GB" dirty="0" err="1"/>
+              <a:t>MinMaxScaler</a:t>
+            </a:r>
+            <a:endParaRPr lang="en-GB" dirty="0"/>
+          </a:p>
+          <a:p>
+            <a:endParaRPr lang="en-GB" dirty="0"/>
+          </a:p>
+          <a:p>
+            <a:r>
+              <a:rPr lang="en-GB" dirty="0"/>
+              <a:t>Differentiate on quality depending on success or failure (quality true positives or false negative)</a:t>
+            </a:r>
+          </a:p>
+          <a:p>
+            <a:endParaRPr lang="en-GB" dirty="0"/>
+          </a:p>
+          <a:p>
+            <a:r>
+              <a:rPr lang="en-GB" dirty="0"/>
+              <a:t>Remove boxes to see if we change our mind including the other inputs</a:t>
+            </a:r>
+          </a:p>
+        </p:txBody>
+      </p:sp>
+      <p:sp>
+        <p:nvSpPr>
+          <p:cNvPr id="4" name="Slide Number Placeholder 3"/>
+          <p:cNvSpPr>
+            <a:spLocks noGrp="1"/>
+          </p:cNvSpPr>
+          <p:nvPr>
+            <p:ph type="sldNum" sz="quarter" idx="5"/>
+          </p:nvPr>
+        </p:nvSpPr>
+        <p:spPr/>
+        <p:txBody>
+          <a:bodyPr/>
+          <a:lstStyle/>
+          <a:p>
+            <a:fld id="{0B7FCA78-F67D-4C9F-A032-C0A6CEF2EF96}" type="slidenum">
+              <a:rPr lang="en-DE" smtClean="0"/>
+              <a:t>5</a:t>
+            </a:fld>
+            <a:endParaRPr lang="en-DE"/>
+          </a:p>
+        </p:txBody>
+      </p:sp>
+    </p:spTree>
+    <p:extLst>
+      <p:ext uri="{BB962C8B-B14F-4D97-AF65-F5344CB8AC3E}">
+        <p14:creationId xmlns:p14="http://schemas.microsoft.com/office/powerpoint/2010/main" val="34517861"/>
+      </p:ext>
+    </p:extLst>
+  </p:cSld>
+  <p:clrMapOvr>
+    <a:masterClrMapping/>
+  </p:clrMapOvr>
+</p:notes>
+</file>
+
+<file path=ppt/notesSlides/notesSlide3.xml><?xml version="1.0" encoding="utf-8"?>
+<p:notes xmlns:a="http://schemas.openxmlformats.org/drawingml/2006/main" xmlns:r="http://schemas.openxmlformats.org/officeDocument/2006/relationships" xmlns:p="http://schemas.openxmlformats.org/presentationml/2006/main">
+  <p:cSld>
+    <p:spTree>
+      <p:nvGrpSpPr>
+        <p:cNvPr id="1" name=""/>
+        <p:cNvGrpSpPr/>
+        <p:nvPr/>
+      </p:nvGrpSpPr>
+      <p:grpSpPr>
+        <a:xfrm>
+          <a:off x="0" y="0"/>
+          <a:ext cx="0" cy="0"/>
+          <a:chOff x="0" y="0"/>
+          <a:chExt cx="0" cy="0"/>
+        </a:xfrm>
+      </p:grpSpPr>
+      <p:sp>
+        <p:nvSpPr>
+          <p:cNvPr id="2" name="Slide Image Placeholder 1"/>
+          <p:cNvSpPr>
+            <a:spLocks noGrp="1" noRot="1" noChangeAspect="1"/>
+          </p:cNvSpPr>
+          <p:nvPr>
+            <p:ph type="sldImg"/>
+          </p:nvPr>
+        </p:nvSpPr>
+        <p:spPr/>
+      </p:sp>
+      <p:sp>
+        <p:nvSpPr>
+          <p:cNvPr id="3" name="Notes Placeholder 2"/>
+          <p:cNvSpPr>
+            <a:spLocks noGrp="1"/>
+          </p:cNvSpPr>
+          <p:nvPr>
+            <p:ph type="body" idx="1"/>
+          </p:nvPr>
+        </p:nvSpPr>
+        <p:spPr/>
+        <p:txBody>
+          <a:bodyPr/>
+          <a:lstStyle/>
+          <a:p>
+            <a:r>
+              <a:rPr lang="en-GB" dirty="0"/>
+              <a:t>Go into success factors</a:t>
+            </a:r>
+            <a:endParaRPr lang="en-DE" dirty="0"/>
+          </a:p>
+        </p:txBody>
+      </p:sp>
+      <p:sp>
+        <p:nvSpPr>
+          <p:cNvPr id="4" name="Slide Number Placeholder 3"/>
+          <p:cNvSpPr>
+            <a:spLocks noGrp="1"/>
+          </p:cNvSpPr>
+          <p:nvPr>
+            <p:ph type="sldNum" sz="quarter" idx="5"/>
+          </p:nvPr>
+        </p:nvSpPr>
+        <p:spPr/>
+        <p:txBody>
+          <a:bodyPr/>
+          <a:lstStyle/>
+          <a:p>
+            <a:fld id="{0B7FCA78-F67D-4C9F-A032-C0A6CEF2EF96}" type="slidenum">
+              <a:rPr lang="en-DE" smtClean="0"/>
+              <a:t>6</a:t>
+            </a:fld>
+            <a:endParaRPr lang="en-DE"/>
+          </a:p>
+        </p:txBody>
+      </p:sp>
+    </p:spTree>
+    <p:extLst>
+      <p:ext uri="{BB962C8B-B14F-4D97-AF65-F5344CB8AC3E}">
+        <p14:creationId xmlns:p14="http://schemas.microsoft.com/office/powerpoint/2010/main" val="2450403800"/>
+      </p:ext>
+    </p:extLst>
+  </p:cSld>
+  <p:clrMapOvr>
+    <a:masterClrMapping/>
+  </p:clrMapOvr>
+</p:notes>
+</file>
+
+<file path=ppt/notesSlides/notesSlide4.xml><?xml version="1.0" encoding="utf-8"?>
+<p:notes xmlns:a="http://schemas.openxmlformats.org/drawingml/2006/main" xmlns:r="http://schemas.openxmlformats.org/officeDocument/2006/relationships" xmlns:p="http://schemas.openxmlformats.org/presentationml/2006/main">
+  <p:cSld>
+    <p:spTree>
+      <p:nvGrpSpPr>
+        <p:cNvPr id="1" name=""/>
+        <p:cNvGrpSpPr/>
+        <p:nvPr/>
+      </p:nvGrpSpPr>
+      <p:grpSpPr>
+        <a:xfrm>
+          <a:off x="0" y="0"/>
+          <a:ext cx="0" cy="0"/>
+          <a:chOff x="0" y="0"/>
+          <a:chExt cx="0" cy="0"/>
+        </a:xfrm>
+      </p:grpSpPr>
+      <p:sp>
+        <p:nvSpPr>
+          <p:cNvPr id="2" name="Slide Image Placeholder 1"/>
+          <p:cNvSpPr>
+            <a:spLocks noGrp="1" noRot="1" noChangeAspect="1"/>
+          </p:cNvSpPr>
+          <p:nvPr>
+            <p:ph type="sldImg"/>
+          </p:nvPr>
+        </p:nvSpPr>
+        <p:spPr/>
+      </p:sp>
+      <p:sp>
+        <p:nvSpPr>
+          <p:cNvPr id="3" name="Notes Placeholder 2"/>
+          <p:cNvSpPr>
+            <a:spLocks noGrp="1"/>
+          </p:cNvSpPr>
+          <p:nvPr>
+            <p:ph type="body" idx="1"/>
+          </p:nvPr>
+        </p:nvSpPr>
+        <p:spPr/>
+        <p:txBody>
+          <a:bodyPr/>
+          <a:lstStyle/>
+          <a:p>
+            <a:pPr marL="0" marR="0" lvl="0" indent="0" algn="l" defTabSz="914400" rtl="0" eaLnBrk="1" fontAlgn="auto" latinLnBrk="0" hangingPunct="1">
+              <a:lnSpc>
+                <a:spcPct val="100000"/>
+              </a:lnSpc>
+              <a:spcBef>
+                <a:spcPts val="0"/>
+              </a:spcBef>
+              <a:spcAft>
+                <a:spcPts val="0"/>
+              </a:spcAft>
+              <a:buClrTx/>
+              <a:buSzTx/>
+              <a:buFontTx/>
+              <a:buNone/>
+              <a:tabLst/>
+              <a:defRPr/>
+            </a:pPr>
+            <a:r>
+              <a:rPr lang="en-GB" dirty="0"/>
+              <a:t>Go into success factors</a:t>
+            </a:r>
+            <a:endParaRPr lang="en-DE" dirty="0"/>
+          </a:p>
+          <a:p>
+            <a:endParaRPr lang="en-DE" dirty="0"/>
+          </a:p>
+        </p:txBody>
+      </p:sp>
+      <p:sp>
+        <p:nvSpPr>
+          <p:cNvPr id="4" name="Slide Number Placeholder 3"/>
+          <p:cNvSpPr>
+            <a:spLocks noGrp="1"/>
+          </p:cNvSpPr>
+          <p:nvPr>
+            <p:ph type="sldNum" sz="quarter" idx="5"/>
+          </p:nvPr>
+        </p:nvSpPr>
+        <p:spPr/>
+        <p:txBody>
+          <a:bodyPr/>
+          <a:lstStyle/>
+          <a:p>
+            <a:fld id="{0B7FCA78-F67D-4C9F-A032-C0A6CEF2EF96}" type="slidenum">
+              <a:rPr lang="en-DE" smtClean="0"/>
+              <a:t>7</a:t>
+            </a:fld>
+            <a:endParaRPr lang="en-DE"/>
+          </a:p>
+        </p:txBody>
+      </p:sp>
+    </p:spTree>
+    <p:extLst>
+      <p:ext uri="{BB962C8B-B14F-4D97-AF65-F5344CB8AC3E}">
+        <p14:creationId xmlns:p14="http://schemas.microsoft.com/office/powerpoint/2010/main" val="1615740010"/>
+      </p:ext>
+    </p:extLst>
+  </p:cSld>
+  <p:clrMapOvr>
+    <a:masterClrMapping/>
+  </p:clrMapOvr>
+</p:notes>
+</file>
+
+<file path=ppt/notesSlides/notesSlide5.xml><?xml version="1.0" encoding="utf-8"?>
+<p:notes xmlns:a="http://schemas.openxmlformats.org/drawingml/2006/main" xmlns:r="http://schemas.openxmlformats.org/officeDocument/2006/relationships" xmlns:p="http://schemas.openxmlformats.org/presentationml/2006/main">
+  <p:cSld>
+    <p:spTree>
+      <p:nvGrpSpPr>
+        <p:cNvPr id="1" name=""/>
+        <p:cNvGrpSpPr/>
+        <p:nvPr/>
+      </p:nvGrpSpPr>
+      <p:grpSpPr>
+        <a:xfrm>
+          <a:off x="0" y="0"/>
+          <a:ext cx="0" cy="0"/>
+          <a:chOff x="0" y="0"/>
+          <a:chExt cx="0" cy="0"/>
+        </a:xfrm>
+      </p:grpSpPr>
+      <p:sp>
+        <p:nvSpPr>
+          <p:cNvPr id="2" name="Slide Image Placeholder 1"/>
+          <p:cNvSpPr>
+            <a:spLocks noGrp="1" noRot="1" noChangeAspect="1"/>
+          </p:cNvSpPr>
+          <p:nvPr>
+            <p:ph type="sldImg"/>
+          </p:nvPr>
+        </p:nvSpPr>
+        <p:spPr/>
+      </p:sp>
+      <p:sp>
+        <p:nvSpPr>
+          <p:cNvPr id="3" name="Notes Placeholder 2"/>
+          <p:cNvSpPr>
+            <a:spLocks noGrp="1"/>
+          </p:cNvSpPr>
+          <p:nvPr>
+            <p:ph type="body" idx="1"/>
+          </p:nvPr>
+        </p:nvSpPr>
+        <p:spPr/>
+        <p:txBody>
+          <a:bodyPr/>
+          <a:lstStyle/>
+          <a:p>
+            <a:pPr marL="0" marR="0" lvl="0" indent="0" algn="l" defTabSz="914400" rtl="0" eaLnBrk="1" fontAlgn="auto" latinLnBrk="0" hangingPunct="1">
+              <a:lnSpc>
+                <a:spcPct val="100000"/>
+              </a:lnSpc>
+              <a:spcBef>
+                <a:spcPts val="0"/>
+              </a:spcBef>
+              <a:spcAft>
+                <a:spcPts val="0"/>
+              </a:spcAft>
+              <a:buClrTx/>
+              <a:buSzTx/>
+              <a:buFontTx/>
+              <a:buNone/>
+              <a:tabLst/>
+              <a:defRPr/>
+            </a:pPr>
+            <a:r>
+              <a:rPr lang="en-GB" dirty="0"/>
+              <a:t>Go into success factors</a:t>
+            </a:r>
+            <a:endParaRPr lang="en-DE" dirty="0"/>
+          </a:p>
+          <a:p>
+            <a:endParaRPr lang="en-DE" dirty="0"/>
+          </a:p>
+        </p:txBody>
+      </p:sp>
+      <p:sp>
+        <p:nvSpPr>
+          <p:cNvPr id="4" name="Slide Number Placeholder 3"/>
+          <p:cNvSpPr>
+            <a:spLocks noGrp="1"/>
+          </p:cNvSpPr>
+          <p:nvPr>
+            <p:ph type="sldNum" sz="quarter" idx="5"/>
+          </p:nvPr>
+        </p:nvSpPr>
+        <p:spPr/>
+        <p:txBody>
+          <a:bodyPr/>
+          <a:lstStyle/>
+          <a:p>
+            <a:fld id="{0B7FCA78-F67D-4C9F-A032-C0A6CEF2EF96}" type="slidenum">
+              <a:rPr lang="en-DE" smtClean="0"/>
+              <a:t>8</a:t>
+            </a:fld>
+            <a:endParaRPr lang="en-DE"/>
+          </a:p>
+        </p:txBody>
+      </p:sp>
+    </p:spTree>
+    <p:extLst>
+      <p:ext uri="{BB962C8B-B14F-4D97-AF65-F5344CB8AC3E}">
+        <p14:creationId xmlns:p14="http://schemas.microsoft.com/office/powerpoint/2010/main" val="2000193142"/>
+      </p:ext>
+    </p:extLst>
+  </p:cSld>
+  <p:clrMapOvr>
+    <a:masterClrMapping/>
+  </p:clrMapOvr>
+</p:notes>
+</file>
+
 <file path=ppt/slideLayouts/slideLayout1.xml><?xml version="1.0" encoding="utf-8"?>
 <p:sldLayout xmlns:a="http://schemas.openxmlformats.org/drawingml/2006/main" xmlns:r="http://schemas.openxmlformats.org/officeDocument/2006/relationships" xmlns:p="http://schemas.openxmlformats.org/presentationml/2006/main" type="title" preserve="1">
   <p:cSld name="Title Slide">
@@ -266,7 +1154,7 @@
           <a:p>
             <a:fld id="{8BCA8B54-44FD-4BC2-950D-8D2D192923EF}" type="datetimeFigureOut">
               <a:rPr lang="en-DE" smtClean="0"/>
-              <a:t>24/11/2021</a:t>
+              <a:t>25/11/2021</a:t>
             </a:fld>
             <a:endParaRPr lang="en-DE"/>
           </a:p>
@@ -466,7 +1354,7 @@
           <a:p>
             <a:fld id="{8BCA8B54-44FD-4BC2-950D-8D2D192923EF}" type="datetimeFigureOut">
               <a:rPr lang="en-DE" smtClean="0"/>
-              <a:t>24/11/2021</a:t>
+              <a:t>25/11/2021</a:t>
             </a:fld>
             <a:endParaRPr lang="en-DE"/>
           </a:p>
@@ -676,7 +1564,7 @@
           <a:p>
             <a:fld id="{8BCA8B54-44FD-4BC2-950D-8D2D192923EF}" type="datetimeFigureOut">
               <a:rPr lang="en-DE" smtClean="0"/>
-              <a:t>24/11/2021</a:t>
+              <a:t>25/11/2021</a:t>
             </a:fld>
             <a:endParaRPr lang="en-DE"/>
           </a:p>
@@ -876,7 +1764,7 @@
           <a:p>
             <a:fld id="{8BCA8B54-44FD-4BC2-950D-8D2D192923EF}" type="datetimeFigureOut">
               <a:rPr lang="en-DE" smtClean="0"/>
-              <a:t>24/11/2021</a:t>
+              <a:t>25/11/2021</a:t>
             </a:fld>
             <a:endParaRPr lang="en-DE"/>
           </a:p>
@@ -1152,7 +2040,7 @@
           <a:p>
             <a:fld id="{8BCA8B54-44FD-4BC2-950D-8D2D192923EF}" type="datetimeFigureOut">
               <a:rPr lang="en-DE" smtClean="0"/>
-              <a:t>24/11/2021</a:t>
+              <a:t>25/11/2021</a:t>
             </a:fld>
             <a:endParaRPr lang="en-DE"/>
           </a:p>
@@ -1420,7 +2308,7 @@
           <a:p>
             <a:fld id="{8BCA8B54-44FD-4BC2-950D-8D2D192923EF}" type="datetimeFigureOut">
               <a:rPr lang="en-DE" smtClean="0"/>
-              <a:t>24/11/2021</a:t>
+              <a:t>25/11/2021</a:t>
             </a:fld>
             <a:endParaRPr lang="en-DE"/>
           </a:p>
@@ -1835,7 +2723,7 @@
           <a:p>
             <a:fld id="{8BCA8B54-44FD-4BC2-950D-8D2D192923EF}" type="datetimeFigureOut">
               <a:rPr lang="en-DE" smtClean="0"/>
-              <a:t>24/11/2021</a:t>
+              <a:t>25/11/2021</a:t>
             </a:fld>
             <a:endParaRPr lang="en-DE"/>
           </a:p>
@@ -1977,7 +2865,7 @@
           <a:p>
             <a:fld id="{8BCA8B54-44FD-4BC2-950D-8D2D192923EF}" type="datetimeFigureOut">
               <a:rPr lang="en-DE" smtClean="0"/>
-              <a:t>24/11/2021</a:t>
+              <a:t>25/11/2021</a:t>
             </a:fld>
             <a:endParaRPr lang="en-DE"/>
           </a:p>
@@ -2090,7 +2978,7 @@
           <a:p>
             <a:fld id="{8BCA8B54-44FD-4BC2-950D-8D2D192923EF}" type="datetimeFigureOut">
               <a:rPr lang="en-DE" smtClean="0"/>
-              <a:t>24/11/2021</a:t>
+              <a:t>25/11/2021</a:t>
             </a:fld>
             <a:endParaRPr lang="en-DE"/>
           </a:p>
@@ -2403,7 +3291,7 @@
           <a:p>
             <a:fld id="{8BCA8B54-44FD-4BC2-950D-8D2D192923EF}" type="datetimeFigureOut">
               <a:rPr lang="en-DE" smtClean="0"/>
-              <a:t>24/11/2021</a:t>
+              <a:t>25/11/2021</a:t>
             </a:fld>
             <a:endParaRPr lang="en-DE"/>
           </a:p>
@@ -2692,7 +3580,7 @@
           <a:p>
             <a:fld id="{8BCA8B54-44FD-4BC2-950D-8D2D192923EF}" type="datetimeFigureOut">
               <a:rPr lang="en-DE" smtClean="0"/>
-              <a:t>24/11/2021</a:t>
+              <a:t>25/11/2021</a:t>
             </a:fld>
             <a:endParaRPr lang="en-DE"/>
           </a:p>
@@ -2935,7 +3823,7 @@
           <a:p>
             <a:fld id="{8BCA8B54-44FD-4BC2-950D-8D2D192923EF}" type="datetimeFigureOut">
               <a:rPr lang="en-DE" smtClean="0"/>
-              <a:t>24/11/2021</a:t>
+              <a:t>25/11/2021</a:t>
             </a:fld>
             <a:endParaRPr lang="en-DE"/>
           </a:p>
@@ -3370,7 +4258,7 @@
         </p:nvSpPr>
         <p:spPr>
           <a:xfrm>
-            <a:off x="1524000" y="3816291"/>
+            <a:off x="1524000" y="4209397"/>
             <a:ext cx="9144000" cy="1655762"/>
           </a:xfrm>
         </p:spPr>
@@ -3381,107 +4269,119 @@
           <a:lstStyle/>
           <a:p>
             <a:r>
-              <a:rPr lang="de-DE" b="1" dirty="0">
-                <a:latin typeface="Maison Neue Book"/>
-              </a:rPr>
-              <a:t>Project </a:t>
-            </a:r>
-            <a:r>
-              <a:rPr lang="de-DE" b="1" dirty="0" err="1">
+              <a:rPr lang="de-DE" sz="2000" b="1" dirty="0" err="1">
                 <a:latin typeface="Maison Neue Book"/>
               </a:rPr>
               <a:t>Objective</a:t>
             </a:r>
-            <a:endParaRPr lang="de-DE" b="1" dirty="0">
+            <a:endParaRPr lang="de-DE" sz="2000" b="1" dirty="0">
               <a:latin typeface="Maison Neue Book"/>
             </a:endParaRPr>
           </a:p>
           <a:p>
             <a:r>
-              <a:rPr lang="de-DE" b="1" dirty="0" err="1">
+              <a:rPr lang="en-US" sz="2000" b="1" dirty="0">
                 <a:latin typeface="Maison Neue Book"/>
               </a:rPr>
               <a:t>Predict</a:t>
             </a:r>
             <a:r>
-              <a:rPr lang="de-DE" b="1" dirty="0">
+              <a:rPr lang="de-DE" sz="2000" b="1" dirty="0">
                 <a:latin typeface="Maison Neue Book"/>
               </a:rPr>
               <a:t> </a:t>
             </a:r>
             <a:r>
-              <a:rPr lang="de-DE" b="1" dirty="0" err="1">
+              <a:rPr lang="de-DE" sz="2000" b="1" dirty="0" err="1">
                 <a:latin typeface="Maison Neue Book"/>
               </a:rPr>
-              <a:t>whether</a:t>
-            </a:r>
-            <a:r>
-              <a:rPr lang="de-DE" b="1" dirty="0">
+              <a:t>if</a:t>
+            </a:r>
+            <a:r>
+              <a:rPr lang="de-DE" sz="2000" b="1" dirty="0">
                 <a:latin typeface="Maison Neue Book"/>
               </a:rPr>
               <a:t> a </a:t>
             </a:r>
             <a:r>
-              <a:rPr lang="de-DE" b="1" dirty="0" err="1">
+              <a:rPr lang="de-DE" sz="2000" b="1" dirty="0" err="1">
                 <a:latin typeface="Maison Neue Book"/>
               </a:rPr>
               <a:t>project</a:t>
             </a:r>
             <a:r>
-              <a:rPr lang="de-DE" b="1" dirty="0">
+              <a:rPr lang="de-DE" sz="2000" b="1" dirty="0">
+                <a:latin typeface="Maison Neue Book"/>
+              </a:rPr>
+              <a:t> </a:t>
+            </a:r>
+            <a:r>
+              <a:rPr lang="de-DE" sz="2000" b="1" dirty="0" err="1">
+                <a:latin typeface="Maison Neue Book"/>
+              </a:rPr>
+              <a:t>launched</a:t>
+            </a:r>
+            <a:r>
+              <a:rPr lang="de-DE" sz="2000" b="1" dirty="0">
+                <a:latin typeface="Maison Neue Book"/>
+              </a:rPr>
+              <a:t> on </a:t>
+            </a:r>
+            <a:r>
+              <a:rPr lang="de-DE" sz="2000" b="1" dirty="0" err="1">
+                <a:latin typeface="Maison Neue Book"/>
+              </a:rPr>
+              <a:t>kickstarter</a:t>
+            </a:r>
+            <a:r>
+              <a:rPr lang="de-DE" sz="2000" b="1" dirty="0">
                 <a:latin typeface="Maison Neue Book"/>
               </a:rPr>
               <a:t> will </a:t>
             </a:r>
             <a:r>
-              <a:rPr lang="de-DE" b="1" dirty="0" err="1">
+              <a:rPr lang="de-DE" sz="2000" b="1" dirty="0" err="1">
                 <a:latin typeface="Maison Neue Book"/>
               </a:rPr>
               <a:t>reach</a:t>
             </a:r>
             <a:r>
-              <a:rPr lang="de-DE" b="1" dirty="0">
+              <a:rPr lang="de-DE" sz="2000" b="1" dirty="0">
                 <a:latin typeface="Maison Neue Book"/>
               </a:rPr>
               <a:t> </a:t>
             </a:r>
             <a:r>
-              <a:rPr lang="de-DE" b="1" dirty="0" err="1">
+              <a:rPr lang="de-DE" sz="2000" b="1" dirty="0" err="1">
                 <a:latin typeface="Maison Neue Book"/>
               </a:rPr>
               <a:t>it‘s</a:t>
             </a:r>
             <a:r>
-              <a:rPr lang="de-DE" b="1" dirty="0">
+              <a:rPr lang="de-DE" sz="2000" b="1" dirty="0">
                 <a:latin typeface="Maison Neue Book"/>
               </a:rPr>
               <a:t> </a:t>
             </a:r>
             <a:r>
-              <a:rPr lang="de-DE" b="1" dirty="0" err="1">
+              <a:rPr lang="de-DE" sz="2000" b="1" dirty="0" err="1">
                 <a:latin typeface="Maison Neue Book"/>
               </a:rPr>
               <a:t>funding</a:t>
             </a:r>
             <a:r>
-              <a:rPr lang="de-DE" b="1" dirty="0">
+              <a:rPr lang="de-DE" sz="2000" b="1" dirty="0">
                 <a:latin typeface="Maison Neue Book"/>
               </a:rPr>
               <a:t> </a:t>
             </a:r>
             <a:r>
-              <a:rPr lang="de-DE" b="1" dirty="0" err="1">
+              <a:rPr lang="de-DE" sz="2000" b="1" dirty="0" err="1">
                 <a:latin typeface="Maison Neue Book"/>
               </a:rPr>
               <a:t>goal</a:t>
             </a:r>
-            <a:r>
-              <a:rPr lang="de-DE" b="1" dirty="0">
-                <a:latin typeface="Maison Neue Book"/>
-              </a:rPr>
-              <a:t>.</a:t>
-            </a:r>
-            <a:endParaRPr lang="en-DE" b="1" dirty="0">
+            <a:endParaRPr lang="en-DE" sz="2000" b="1" dirty="0">
               <a:latin typeface="Maison Neue Book"/>
             </a:endParaRPr>
           </a:p>
@@ -3799,105 +4699,230 @@
           <a:chExt cx="0" cy="0"/>
         </a:xfrm>
       </p:grpSpPr>
-      <p:sp>
-        <p:nvSpPr>
-          <p:cNvPr id="2" name="Title 1">
-            <a:extLst>
-              <a:ext uri="{FF2B5EF4-FFF2-40B4-BE49-F238E27FC236}">
-                <a16:creationId xmlns:a16="http://schemas.microsoft.com/office/drawing/2014/main" id="{4620E966-2736-46AE-8605-FAD5C3D8C4B7}"/>
-              </a:ext>
-            </a:extLst>
-          </p:cNvPr>
-          <p:cNvSpPr>
-            <a:spLocks noGrp="1"/>
-          </p:cNvSpPr>
-          <p:nvPr>
-            <p:ph type="title"/>
-          </p:nvPr>
-        </p:nvSpPr>
-        <p:spPr/>
-        <p:txBody>
-          <a:bodyPr/>
+      <p:pic>
+        <p:nvPicPr>
+          <p:cNvPr id="5" name="Picture 4">
+            <a:extLst>
+              <a:ext uri="{FF2B5EF4-FFF2-40B4-BE49-F238E27FC236}">
+                <a16:creationId xmlns:a16="http://schemas.microsoft.com/office/drawing/2014/main" id="{D753DF26-8135-4C60-AAE5-576031F1B958}"/>
+              </a:ext>
+            </a:extLst>
+          </p:cNvPr>
+          <p:cNvPicPr>
+            <a:picLocks noChangeAspect="1"/>
+          </p:cNvPicPr>
+          <p:nvPr/>
+        </p:nvPicPr>
+        <p:blipFill>
+          <a:blip r:embed="rId2"/>
+          <a:stretch>
+            <a:fillRect/>
+          </a:stretch>
+        </p:blipFill>
+        <p:spPr>
+          <a:xfrm>
+            <a:off x="0" y="545321"/>
+            <a:ext cx="12192000" cy="5767357"/>
+          </a:xfrm>
+          <a:prstGeom prst="rect">
+            <a:avLst/>
+          </a:prstGeom>
+        </p:spPr>
+      </p:pic>
+      <p:sp>
+        <p:nvSpPr>
+          <p:cNvPr id="6" name="Rectangle 5">
+            <a:extLst>
+              <a:ext uri="{FF2B5EF4-FFF2-40B4-BE49-F238E27FC236}">
+                <a16:creationId xmlns:a16="http://schemas.microsoft.com/office/drawing/2014/main" id="{5C43DBFB-AE1D-4277-968D-919E7048F9E7}"/>
+              </a:ext>
+            </a:extLst>
+          </p:cNvPr>
+          <p:cNvSpPr/>
+          <p:nvPr/>
+        </p:nvSpPr>
+        <p:spPr>
+          <a:xfrm>
+            <a:off x="6690167" y="3692324"/>
+            <a:ext cx="3460830" cy="833377"/>
+          </a:xfrm>
+          <a:prstGeom prst="rect">
+            <a:avLst/>
+          </a:prstGeom>
+          <a:noFill/>
+          <a:ln w="57150">
+            <a:solidFill>
+              <a:srgbClr val="FF0000"/>
+            </a:solidFill>
+          </a:ln>
+        </p:spPr>
+        <p:style>
+          <a:lnRef idx="2">
+            <a:schemeClr val="accent1">
+              <a:shade val="50000"/>
+            </a:schemeClr>
+          </a:lnRef>
+          <a:fillRef idx="1">
+            <a:schemeClr val="accent1"/>
+          </a:fillRef>
+          <a:effectRef idx="0">
+            <a:schemeClr val="accent1"/>
+          </a:effectRef>
+          <a:fontRef idx="minor">
+            <a:schemeClr val="lt1"/>
+          </a:fontRef>
+        </p:style>
+        <p:txBody>
+          <a:bodyPr rtlCol="0" anchor="ctr"/>
           <a:lstStyle/>
           <a:p>
-            <a:r>
-              <a:rPr lang="de-DE" dirty="0" err="1"/>
-              <a:t>Wordcloud</a:t>
-            </a:r>
-            <a:r>
-              <a:rPr lang="de-DE" dirty="0"/>
-              <a:t> </a:t>
-            </a:r>
-            <a:r>
-              <a:rPr lang="de-DE" dirty="0" err="1"/>
-              <a:t>for</a:t>
-            </a:r>
-            <a:r>
-              <a:rPr lang="de-DE" dirty="0"/>
-              <a:t> </a:t>
-            </a:r>
-            <a:r>
-              <a:rPr lang="de-DE" dirty="0" err="1"/>
-              <a:t>successful</a:t>
-            </a:r>
-            <a:r>
-              <a:rPr lang="de-DE" dirty="0"/>
-              <a:t> and </a:t>
-            </a:r>
-            <a:r>
-              <a:rPr lang="de-DE" dirty="0" err="1"/>
-              <a:t>failed</a:t>
-            </a:r>
-            <a:r>
-              <a:rPr lang="de-DE" dirty="0"/>
-              <a:t> </a:t>
-            </a:r>
-            <a:r>
-              <a:rPr lang="de-DE" dirty="0" err="1"/>
-              <a:t>projects</a:t>
-            </a:r>
-            <a:endParaRPr lang="en-DE" dirty="0"/>
-          </a:p>
-        </p:txBody>
-      </p:sp>
-      <p:sp>
-        <p:nvSpPr>
-          <p:cNvPr id="3" name="Content Placeholder 2">
-            <a:extLst>
-              <a:ext uri="{FF2B5EF4-FFF2-40B4-BE49-F238E27FC236}">
-                <a16:creationId xmlns:a16="http://schemas.microsoft.com/office/drawing/2014/main" id="{5D99C414-E5CA-4ECD-A4AF-F7F500256439}"/>
-              </a:ext>
-            </a:extLst>
-          </p:cNvPr>
-          <p:cNvSpPr>
-            <a:spLocks noGrp="1"/>
-          </p:cNvSpPr>
-          <p:nvPr>
-            <p:ph idx="1"/>
-          </p:nvPr>
-        </p:nvSpPr>
-        <p:spPr/>
-        <p:txBody>
-          <a:bodyPr/>
-          <a:lstStyle/>
-          <a:p>
-            <a:pPr marL="0" indent="0">
-              <a:buNone/>
-            </a:pPr>
-            <a:endParaRPr lang="en-DE" dirty="0"/>
+            <a:pPr algn="ctr"/>
+            <a:endParaRPr lang="en-DE"/>
           </a:p>
         </p:txBody>
       </p:sp>
     </p:spTree>
     <p:extLst>
       <p:ext uri="{BB962C8B-B14F-4D97-AF65-F5344CB8AC3E}">
-        <p14:creationId xmlns:p14="http://schemas.microsoft.com/office/powerpoint/2010/main" val="629496097"/>
+        <p14:creationId xmlns:p14="http://schemas.microsoft.com/office/powerpoint/2010/main" val="1981460191"/>
       </p:ext>
     </p:extLst>
   </p:cSld>
   <p:clrMapOvr>
     <a:masterClrMapping/>
   </p:clrMapOvr>
+  <p:timing>
+    <p:tnLst>
+      <p:par>
+        <p:cTn id="1" dur="indefinite" restart="never" nodeType="tmRoot">
+          <p:childTnLst>
+            <p:seq concurrent="1" nextAc="seek">
+              <p:cTn id="2" dur="indefinite" nodeType="mainSeq">
+                <p:childTnLst>
+                  <p:par>
+                    <p:cTn id="3" fill="hold">
+                      <p:stCondLst>
+                        <p:cond delay="indefinite"/>
+                      </p:stCondLst>
+                      <p:childTnLst>
+                        <p:par>
+                          <p:cTn id="4" fill="hold">
+                            <p:stCondLst>
+                              <p:cond delay="0"/>
+                            </p:stCondLst>
+                            <p:childTnLst>
+                              <p:par>
+                                <p:cTn id="5" presetID="42" presetClass="entr" presetSubtype="0" fill="hold" grpId="0" nodeType="clickEffect">
+                                  <p:stCondLst>
+                                    <p:cond delay="0"/>
+                                  </p:stCondLst>
+                                  <p:childTnLst>
+                                    <p:set>
+                                      <p:cBhvr>
+                                        <p:cTn id="6" dur="1" fill="hold">
+                                          <p:stCondLst>
+                                            <p:cond delay="0"/>
+                                          </p:stCondLst>
+                                        </p:cTn>
+                                        <p:tgtEl>
+                                          <p:spTgt spid="6"/>
+                                        </p:tgtEl>
+                                        <p:attrNameLst>
+                                          <p:attrName>style.visibility</p:attrName>
+                                        </p:attrNameLst>
+                                      </p:cBhvr>
+                                      <p:to>
+                                        <p:strVal val="visible"/>
+                                      </p:to>
+                                    </p:set>
+                                    <p:animEffect transition="in" filter="fade">
+                                      <p:cBhvr>
+                                        <p:cTn id="7" dur="1000"/>
+                                        <p:tgtEl>
+                                          <p:spTgt spid="6"/>
+                                        </p:tgtEl>
+                                      </p:cBhvr>
+                                    </p:animEffect>
+                                    <p:anim calcmode="lin" valueType="num">
+                                      <p:cBhvr>
+                                        <p:cTn id="8" dur="1000" fill="hold"/>
+                                        <p:tgtEl>
+                                          <p:spTgt spid="6"/>
+                                        </p:tgtEl>
+                                        <p:attrNameLst>
+                                          <p:attrName>ppt_x</p:attrName>
+                                        </p:attrNameLst>
+                                      </p:cBhvr>
+                                      <p:tavLst>
+                                        <p:tav tm="0">
+                                          <p:val>
+                                            <p:strVal val="#ppt_x"/>
+                                          </p:val>
+                                        </p:tav>
+                                        <p:tav tm="100000">
+                                          <p:val>
+                                            <p:strVal val="#ppt_x"/>
+                                          </p:val>
+                                        </p:tav>
+                                      </p:tavLst>
+                                    </p:anim>
+                                    <p:anim calcmode="lin" valueType="num">
+                                      <p:cBhvr>
+                                        <p:cTn id="9" dur="1000" fill="hold"/>
+                                        <p:tgtEl>
+                                          <p:spTgt spid="6"/>
+                                        </p:tgtEl>
+                                        <p:attrNameLst>
+                                          <p:attrName>ppt_y</p:attrName>
+                                        </p:attrNameLst>
+                                      </p:cBhvr>
+                                      <p:tavLst>
+                                        <p:tav tm="0">
+                                          <p:val>
+                                            <p:strVal val="#ppt_y+.1"/>
+                                          </p:val>
+                                        </p:tav>
+                                        <p:tav tm="100000">
+                                          <p:val>
+                                            <p:strVal val="#ppt_y"/>
+                                          </p:val>
+                                        </p:tav>
+                                      </p:tavLst>
+                                    </p:anim>
+                                  </p:childTnLst>
+                                </p:cTn>
+                              </p:par>
+                            </p:childTnLst>
+                          </p:cTn>
+                        </p:par>
+                      </p:childTnLst>
+                    </p:cTn>
+                  </p:par>
+                </p:childTnLst>
+              </p:cTn>
+              <p:prevCondLst>
+                <p:cond evt="onPrev" delay="0">
+                  <p:tgtEl>
+                    <p:sldTgt/>
+                  </p:tgtEl>
+                </p:cond>
+              </p:prevCondLst>
+              <p:nextCondLst>
+                <p:cond evt="onNext" delay="0">
+                  <p:tgtEl>
+                    <p:sldTgt/>
+                  </p:tgtEl>
+                </p:cond>
+              </p:nextCondLst>
+            </p:seq>
+          </p:childTnLst>
+        </p:cTn>
+      </p:par>
+    </p:tnLst>
+    <p:bldLst>
+      <p:bldP spid="6" grpId="0" animBg="1"/>
+    </p:bldLst>
+  </p:timing>
 </p:sld>
 </file>
 
@@ -3918,242 +4943,12 @@
           <a:chExt cx="0" cy="0"/>
         </a:xfrm>
       </p:grpSpPr>
-      <p:sp>
-        <p:nvSpPr>
-          <p:cNvPr id="8" name="TextBox 7">
-            <a:extLst>
-              <a:ext uri="{FF2B5EF4-FFF2-40B4-BE49-F238E27FC236}">
-                <a16:creationId xmlns:a16="http://schemas.microsoft.com/office/drawing/2014/main" id="{DDEDC727-DA49-412F-8E7C-5782BDA6BDB8}"/>
-              </a:ext>
-            </a:extLst>
-          </p:cNvPr>
-          <p:cNvSpPr txBox="1"/>
-          <p:nvPr/>
-        </p:nvSpPr>
-        <p:spPr>
-          <a:xfrm>
-            <a:off x="0" y="0"/>
-            <a:ext cx="4546363" cy="646331"/>
-          </a:xfrm>
-          <a:prstGeom prst="rect">
-            <a:avLst/>
-          </a:prstGeom>
-          <a:noFill/>
-        </p:spPr>
-        <p:txBody>
-          <a:bodyPr wrap="square" rtlCol="0">
-            <a:spAutoFit/>
-          </a:bodyPr>
-          <a:lstStyle/>
-          <a:p>
-            <a:r>
-              <a:rPr lang="de-DE" dirty="0" err="1"/>
-              <a:t>With</a:t>
-            </a:r>
-            <a:r>
-              <a:rPr lang="de-DE" dirty="0"/>
-              <a:t> </a:t>
-            </a:r>
-            <a:r>
-              <a:rPr lang="de-DE" dirty="0" err="1"/>
-              <a:t>increasing</a:t>
-            </a:r>
-            <a:r>
-              <a:rPr lang="de-DE" dirty="0"/>
-              <a:t> </a:t>
-            </a:r>
-            <a:r>
-              <a:rPr lang="de-DE" dirty="0" err="1"/>
-              <a:t>goal</a:t>
-            </a:r>
-            <a:r>
-              <a:rPr lang="de-DE" dirty="0"/>
-              <a:t> </a:t>
-            </a:r>
-            <a:r>
-              <a:rPr lang="de-DE" dirty="0" err="1"/>
-              <a:t>amount</a:t>
-            </a:r>
-            <a:r>
-              <a:rPr lang="de-DE" dirty="0"/>
-              <a:t> and </a:t>
-            </a:r>
-            <a:r>
-              <a:rPr lang="de-DE" dirty="0" err="1"/>
-              <a:t>duration</a:t>
-            </a:r>
-            <a:r>
-              <a:rPr lang="de-DE" dirty="0"/>
-              <a:t> </a:t>
-            </a:r>
-            <a:r>
-              <a:rPr lang="de-DE" dirty="0" err="1"/>
-              <a:t>the</a:t>
-            </a:r>
-            <a:r>
-              <a:rPr lang="de-DE" dirty="0"/>
-              <a:t> </a:t>
-            </a:r>
-            <a:r>
-              <a:rPr lang="de-DE" dirty="0" err="1"/>
-              <a:t>chance</a:t>
-            </a:r>
-            <a:r>
-              <a:rPr lang="de-DE" dirty="0"/>
-              <a:t> </a:t>
-            </a:r>
-            <a:r>
-              <a:rPr lang="de-DE" dirty="0" err="1"/>
-              <a:t>of</a:t>
-            </a:r>
-            <a:r>
-              <a:rPr lang="de-DE" dirty="0"/>
-              <a:t> </a:t>
-            </a:r>
-            <a:r>
-              <a:rPr lang="de-DE" dirty="0" err="1"/>
-              <a:t>success</a:t>
-            </a:r>
-            <a:r>
-              <a:rPr lang="de-DE" dirty="0"/>
-              <a:t> </a:t>
-            </a:r>
-            <a:r>
-              <a:rPr lang="de-DE" dirty="0" err="1"/>
-              <a:t>decreases</a:t>
-            </a:r>
-            <a:endParaRPr lang="en-DE" dirty="0"/>
-          </a:p>
-        </p:txBody>
-      </p:sp>
       <p:pic>
         <p:nvPicPr>
-          <p:cNvPr id="10" name="Picture 9">
-            <a:extLst>
-              <a:ext uri="{FF2B5EF4-FFF2-40B4-BE49-F238E27FC236}">
-                <a16:creationId xmlns:a16="http://schemas.microsoft.com/office/drawing/2014/main" id="{9396503D-5FB7-4BE8-932D-5C736BDFEF52}"/>
-              </a:ext>
-            </a:extLst>
-          </p:cNvPr>
-          <p:cNvPicPr>
-            <a:picLocks noChangeAspect="1"/>
-          </p:cNvPicPr>
-          <p:nvPr/>
-        </p:nvPicPr>
-        <p:blipFill>
-          <a:blip r:embed="rId2"/>
-          <a:stretch>
-            <a:fillRect/>
-          </a:stretch>
-        </p:blipFill>
-        <p:spPr>
-          <a:xfrm>
-            <a:off x="5189544" y="758484"/>
-            <a:ext cx="6943725" cy="2619375"/>
-          </a:xfrm>
-          <a:prstGeom prst="rect">
-            <a:avLst/>
-          </a:prstGeom>
-        </p:spPr>
-      </p:pic>
-      <p:sp>
-        <p:nvSpPr>
-          <p:cNvPr id="11" name="TextBox 10">
-            <a:extLst>
-              <a:ext uri="{FF2B5EF4-FFF2-40B4-BE49-F238E27FC236}">
-                <a16:creationId xmlns:a16="http://schemas.microsoft.com/office/drawing/2014/main" id="{F5E216C3-388B-4A49-B5BC-8F3366BDC911}"/>
-              </a:ext>
-            </a:extLst>
-          </p:cNvPr>
-          <p:cNvSpPr txBox="1"/>
-          <p:nvPr/>
-        </p:nvSpPr>
-        <p:spPr>
-          <a:xfrm>
-            <a:off x="5248275" y="-1"/>
-            <a:ext cx="4546363" cy="646331"/>
-          </a:xfrm>
-          <a:prstGeom prst="rect">
-            <a:avLst/>
-          </a:prstGeom>
-          <a:noFill/>
-        </p:spPr>
-        <p:txBody>
-          <a:bodyPr wrap="square" rtlCol="0">
-            <a:spAutoFit/>
-          </a:bodyPr>
-          <a:lstStyle/>
-          <a:p>
-            <a:r>
-              <a:rPr lang="de-DE" dirty="0"/>
-              <a:t>Projects </a:t>
-            </a:r>
-            <a:r>
-              <a:rPr lang="de-DE" dirty="0" err="1"/>
-              <a:t>that</a:t>
-            </a:r>
-            <a:r>
-              <a:rPr lang="de-DE" dirty="0"/>
-              <a:t> </a:t>
-            </a:r>
-            <a:r>
-              <a:rPr lang="de-DE" dirty="0" err="1"/>
-              <a:t>start</a:t>
-            </a:r>
-            <a:r>
-              <a:rPr lang="de-DE" dirty="0"/>
-              <a:t> </a:t>
-            </a:r>
-            <a:r>
-              <a:rPr lang="de-DE" dirty="0" err="1"/>
-              <a:t>Tuesdays</a:t>
-            </a:r>
-            <a:r>
-              <a:rPr lang="de-DE" dirty="0"/>
-              <a:t> and end Tuesday </a:t>
-            </a:r>
-            <a:r>
-              <a:rPr lang="de-DE" dirty="0" err="1"/>
-              <a:t>have</a:t>
-            </a:r>
-            <a:r>
-              <a:rPr lang="de-DE" dirty="0"/>
-              <a:t> </a:t>
-            </a:r>
-            <a:r>
-              <a:rPr lang="de-DE" dirty="0" err="1"/>
-              <a:t>the</a:t>
-            </a:r>
-            <a:r>
-              <a:rPr lang="de-DE" dirty="0"/>
-              <a:t> </a:t>
-            </a:r>
-            <a:r>
-              <a:rPr lang="de-DE" dirty="0" err="1"/>
-              <a:t>highes</a:t>
-            </a:r>
-            <a:r>
-              <a:rPr lang="de-DE" dirty="0"/>
-              <a:t> </a:t>
-            </a:r>
-            <a:r>
-              <a:rPr lang="de-DE" dirty="0" err="1"/>
-              <a:t>success</a:t>
-            </a:r>
-            <a:r>
-              <a:rPr lang="de-DE" dirty="0"/>
-              <a:t> rate</a:t>
-            </a:r>
-            <a:endParaRPr lang="en-DE" dirty="0"/>
-          </a:p>
-        </p:txBody>
-      </p:sp>
-      <p:pic>
-        <p:nvPicPr>
-          <p:cNvPr id="15" name="Picture 14">
-            <a:extLst>
-              <a:ext uri="{FF2B5EF4-FFF2-40B4-BE49-F238E27FC236}">
-                <a16:creationId xmlns:a16="http://schemas.microsoft.com/office/drawing/2014/main" id="{12BF8BED-F22B-48F7-9B47-592F6F992119}"/>
+          <p:cNvPr id="3" name="Picture 2">
+            <a:extLst>
+              <a:ext uri="{FF2B5EF4-FFF2-40B4-BE49-F238E27FC236}">
+                <a16:creationId xmlns:a16="http://schemas.microsoft.com/office/drawing/2014/main" id="{0AF34D35-6A5B-46B0-BF9B-504A325ECE5B}"/>
               </a:ext>
             </a:extLst>
           </p:cNvPr>
@@ -4170,24 +4965,406 @@
         </p:blipFill>
         <p:spPr>
           <a:xfrm>
-            <a:off x="0" y="758484"/>
-            <a:ext cx="4294598" cy="4868043"/>
+            <a:off x="0" y="459730"/>
+            <a:ext cx="12192000" cy="5938539"/>
           </a:xfrm>
           <a:prstGeom prst="rect">
             <a:avLst/>
           </a:prstGeom>
         </p:spPr>
       </p:pic>
+      <p:grpSp>
+        <p:nvGrpSpPr>
+          <p:cNvPr id="9" name="Group 8">
+            <a:extLst>
+              <a:ext uri="{FF2B5EF4-FFF2-40B4-BE49-F238E27FC236}">
+                <a16:creationId xmlns:a16="http://schemas.microsoft.com/office/drawing/2014/main" id="{DDC0C55B-7BF8-4377-8D75-D9F8B6595DCB}"/>
+              </a:ext>
+            </a:extLst>
+          </p:cNvPr>
+          <p:cNvGrpSpPr/>
+          <p:nvPr/>
+        </p:nvGrpSpPr>
+        <p:grpSpPr>
+          <a:xfrm>
+            <a:off x="2048717" y="1759352"/>
+            <a:ext cx="7214888" cy="3298785"/>
+            <a:chOff x="2048717" y="1759352"/>
+            <a:chExt cx="7214888" cy="3298785"/>
+          </a:xfrm>
+        </p:grpSpPr>
+        <p:sp>
+          <p:nvSpPr>
+            <p:cNvPr id="4" name="Rectangle 3">
+              <a:extLst>
+                <a:ext uri="{FF2B5EF4-FFF2-40B4-BE49-F238E27FC236}">
+                  <a16:creationId xmlns:a16="http://schemas.microsoft.com/office/drawing/2014/main" id="{7F4261DD-8F4B-4526-A8CC-2732DEEABFFA}"/>
+                </a:ext>
+              </a:extLst>
+            </p:cNvPr>
+            <p:cNvSpPr/>
+            <p:nvPr/>
+          </p:nvSpPr>
+          <p:spPr>
+            <a:xfrm>
+              <a:off x="2048719" y="1759352"/>
+              <a:ext cx="5312780" cy="3032567"/>
+            </a:xfrm>
+            <a:prstGeom prst="rect">
+              <a:avLst/>
+            </a:prstGeom>
+            <a:solidFill>
+              <a:schemeClr val="bg1">
+                <a:lumMod val="75000"/>
+              </a:schemeClr>
+            </a:solidFill>
+            <a:ln w="38100">
+              <a:solidFill>
+                <a:schemeClr val="bg1">
+                  <a:lumMod val="75000"/>
+                </a:schemeClr>
+              </a:solidFill>
+            </a:ln>
+          </p:spPr>
+          <p:style>
+            <a:lnRef idx="2">
+              <a:schemeClr val="accent1">
+                <a:shade val="50000"/>
+              </a:schemeClr>
+            </a:lnRef>
+            <a:fillRef idx="1">
+              <a:schemeClr val="accent1"/>
+            </a:fillRef>
+            <a:effectRef idx="0">
+              <a:schemeClr val="accent1"/>
+            </a:effectRef>
+            <a:fontRef idx="minor">
+              <a:schemeClr val="lt1"/>
+            </a:fontRef>
+          </p:style>
+          <p:txBody>
+            <a:bodyPr rtlCol="0" anchor="ctr"/>
+            <a:lstStyle/>
+            <a:p>
+              <a:pPr algn="ctr"/>
+              <a:endParaRPr lang="en-DE"/>
+            </a:p>
+          </p:txBody>
+        </p:sp>
+        <p:sp>
+          <p:nvSpPr>
+            <p:cNvPr id="6" name="Rectangle 5">
+              <a:extLst>
+                <a:ext uri="{FF2B5EF4-FFF2-40B4-BE49-F238E27FC236}">
+                  <a16:creationId xmlns:a16="http://schemas.microsoft.com/office/drawing/2014/main" id="{DAAB30C8-5C40-4C68-A148-283D37B863C6}"/>
+                </a:ext>
+              </a:extLst>
+            </p:cNvPr>
+            <p:cNvSpPr/>
+            <p:nvPr/>
+          </p:nvSpPr>
+          <p:spPr>
+            <a:xfrm flipH="1">
+              <a:off x="7465671" y="2372809"/>
+              <a:ext cx="625032" cy="266219"/>
+            </a:xfrm>
+            <a:prstGeom prst="rect">
+              <a:avLst/>
+            </a:prstGeom>
+            <a:solidFill>
+              <a:schemeClr val="bg1">
+                <a:lumMod val="75000"/>
+              </a:schemeClr>
+            </a:solidFill>
+            <a:ln w="38100">
+              <a:solidFill>
+                <a:schemeClr val="bg1">
+                  <a:lumMod val="75000"/>
+                </a:schemeClr>
+              </a:solidFill>
+            </a:ln>
+          </p:spPr>
+          <p:style>
+            <a:lnRef idx="2">
+              <a:schemeClr val="accent1">
+                <a:shade val="50000"/>
+              </a:schemeClr>
+            </a:lnRef>
+            <a:fillRef idx="1">
+              <a:schemeClr val="accent1"/>
+            </a:fillRef>
+            <a:effectRef idx="0">
+              <a:schemeClr val="accent1"/>
+            </a:effectRef>
+            <a:fontRef idx="minor">
+              <a:schemeClr val="lt1"/>
+            </a:fontRef>
+          </p:style>
+          <p:txBody>
+            <a:bodyPr rtlCol="0" anchor="ctr"/>
+            <a:lstStyle/>
+            <a:p>
+              <a:pPr algn="ctr"/>
+              <a:endParaRPr lang="en-DE"/>
+            </a:p>
+          </p:txBody>
+        </p:sp>
+        <p:sp>
+          <p:nvSpPr>
+            <p:cNvPr id="7" name="Rectangle 6">
+              <a:extLst>
+                <a:ext uri="{FF2B5EF4-FFF2-40B4-BE49-F238E27FC236}">
+                  <a16:creationId xmlns:a16="http://schemas.microsoft.com/office/drawing/2014/main" id="{4FEF09B6-5C5A-43FC-82E5-5E21F8698CFD}"/>
+                </a:ext>
+              </a:extLst>
+            </p:cNvPr>
+            <p:cNvSpPr/>
+            <p:nvPr/>
+          </p:nvSpPr>
+          <p:spPr>
+            <a:xfrm flipH="1">
+              <a:off x="7465671" y="1880885"/>
+              <a:ext cx="1797934" cy="266220"/>
+            </a:xfrm>
+            <a:prstGeom prst="rect">
+              <a:avLst/>
+            </a:prstGeom>
+            <a:solidFill>
+              <a:schemeClr val="bg1">
+                <a:lumMod val="75000"/>
+              </a:schemeClr>
+            </a:solidFill>
+            <a:ln w="38100">
+              <a:solidFill>
+                <a:schemeClr val="bg1">
+                  <a:lumMod val="75000"/>
+                </a:schemeClr>
+              </a:solidFill>
+            </a:ln>
+          </p:spPr>
+          <p:style>
+            <a:lnRef idx="2">
+              <a:schemeClr val="accent1">
+                <a:shade val="50000"/>
+              </a:schemeClr>
+            </a:lnRef>
+            <a:fillRef idx="1">
+              <a:schemeClr val="accent1"/>
+            </a:fillRef>
+            <a:effectRef idx="0">
+              <a:schemeClr val="accent1"/>
+            </a:effectRef>
+            <a:fontRef idx="minor">
+              <a:schemeClr val="lt1"/>
+            </a:fontRef>
+          </p:style>
+          <p:txBody>
+            <a:bodyPr rtlCol="0" anchor="ctr"/>
+            <a:lstStyle/>
+            <a:p>
+              <a:pPr algn="ctr"/>
+              <a:endParaRPr lang="en-DE"/>
+            </a:p>
+          </p:txBody>
+        </p:sp>
+        <p:sp>
+          <p:nvSpPr>
+            <p:cNvPr id="8" name="Rectangle 7">
+              <a:extLst>
+                <a:ext uri="{FF2B5EF4-FFF2-40B4-BE49-F238E27FC236}">
+                  <a16:creationId xmlns:a16="http://schemas.microsoft.com/office/drawing/2014/main" id="{D2C8F305-4702-484D-9F24-21707546BE86}"/>
+                </a:ext>
+              </a:extLst>
+            </p:cNvPr>
+            <p:cNvSpPr/>
+            <p:nvPr/>
+          </p:nvSpPr>
+          <p:spPr>
+            <a:xfrm flipH="1">
+              <a:off x="2048717" y="4863293"/>
+              <a:ext cx="821803" cy="194844"/>
+            </a:xfrm>
+            <a:prstGeom prst="rect">
+              <a:avLst/>
+            </a:prstGeom>
+            <a:solidFill>
+              <a:schemeClr val="bg1">
+                <a:lumMod val="75000"/>
+              </a:schemeClr>
+            </a:solidFill>
+            <a:ln w="38100">
+              <a:solidFill>
+                <a:schemeClr val="bg1">
+                  <a:lumMod val="75000"/>
+                </a:schemeClr>
+              </a:solidFill>
+            </a:ln>
+          </p:spPr>
+          <p:style>
+            <a:lnRef idx="2">
+              <a:schemeClr val="accent1">
+                <a:shade val="50000"/>
+              </a:schemeClr>
+            </a:lnRef>
+            <a:fillRef idx="1">
+              <a:schemeClr val="accent1"/>
+            </a:fillRef>
+            <a:effectRef idx="0">
+              <a:schemeClr val="accent1"/>
+            </a:effectRef>
+            <a:fontRef idx="minor">
+              <a:schemeClr val="lt1"/>
+            </a:fontRef>
+          </p:style>
+          <p:txBody>
+            <a:bodyPr rtlCol="0" anchor="ctr"/>
+            <a:lstStyle/>
+            <a:p>
+              <a:pPr algn="ctr"/>
+              <a:endParaRPr lang="en-DE"/>
+            </a:p>
+          </p:txBody>
+        </p:sp>
+      </p:grpSp>
     </p:spTree>
     <p:extLst>
       <p:ext uri="{BB962C8B-B14F-4D97-AF65-F5344CB8AC3E}">
-        <p14:creationId xmlns:p14="http://schemas.microsoft.com/office/powerpoint/2010/main" val="493244057"/>
+        <p14:creationId xmlns:p14="http://schemas.microsoft.com/office/powerpoint/2010/main" val="3912190271"/>
       </p:ext>
     </p:extLst>
   </p:cSld>
   <p:clrMapOvr>
     <a:masterClrMapping/>
   </p:clrMapOvr>
+  <p:timing>
+    <p:tnLst>
+      <p:par>
+        <p:cTn id="1" dur="indefinite" restart="never" nodeType="tmRoot">
+          <p:childTnLst>
+            <p:seq concurrent="1" nextAc="seek">
+              <p:cTn id="2" dur="indefinite" nodeType="mainSeq">
+                <p:childTnLst>
+                  <p:par>
+                    <p:cTn id="3" fill="hold">
+                      <p:stCondLst>
+                        <p:cond delay="indefinite"/>
+                      </p:stCondLst>
+                      <p:childTnLst>
+                        <p:par>
+                          <p:cTn id="4" fill="hold">
+                            <p:stCondLst>
+                              <p:cond delay="0"/>
+                            </p:stCondLst>
+                            <p:childTnLst>
+                              <p:par>
+                                <p:cTn id="5" presetID="42" presetClass="entr" presetSubtype="0" fill="hold" nodeType="clickEffect">
+                                  <p:stCondLst>
+                                    <p:cond delay="0"/>
+                                  </p:stCondLst>
+                                  <p:childTnLst>
+                                    <p:set>
+                                      <p:cBhvr>
+                                        <p:cTn id="6" dur="1" fill="hold">
+                                          <p:stCondLst>
+                                            <p:cond delay="0"/>
+                                          </p:stCondLst>
+                                        </p:cTn>
+                                        <p:tgtEl>
+                                          <p:spTgt spid="9"/>
+                                        </p:tgtEl>
+                                        <p:attrNameLst>
+                                          <p:attrName>style.visibility</p:attrName>
+                                        </p:attrNameLst>
+                                      </p:cBhvr>
+                                      <p:to>
+                                        <p:strVal val="visible"/>
+                                      </p:to>
+                                    </p:set>
+                                    <p:animEffect transition="in" filter="fade">
+                                      <p:cBhvr>
+                                        <p:cTn id="7" dur="1000"/>
+                                        <p:tgtEl>
+                                          <p:spTgt spid="9"/>
+                                        </p:tgtEl>
+                                      </p:cBhvr>
+                                    </p:animEffect>
+                                    <p:anim calcmode="lin" valueType="num">
+                                      <p:cBhvr>
+                                        <p:cTn id="8" dur="1000" fill="hold"/>
+                                        <p:tgtEl>
+                                          <p:spTgt spid="9"/>
+                                        </p:tgtEl>
+                                        <p:attrNameLst>
+                                          <p:attrName>ppt_x</p:attrName>
+                                        </p:attrNameLst>
+                                      </p:cBhvr>
+                                      <p:tavLst>
+                                        <p:tav tm="0">
+                                          <p:val>
+                                            <p:strVal val="#ppt_x"/>
+                                          </p:val>
+                                        </p:tav>
+                                        <p:tav tm="100000">
+                                          <p:val>
+                                            <p:strVal val="#ppt_x"/>
+                                          </p:val>
+                                        </p:tav>
+                                      </p:tavLst>
+                                    </p:anim>
+                                    <p:anim calcmode="lin" valueType="num">
+                                      <p:cBhvr>
+                                        <p:cTn id="9" dur="1000" fill="hold"/>
+                                        <p:tgtEl>
+                                          <p:spTgt spid="9"/>
+                                        </p:tgtEl>
+                                        <p:attrNameLst>
+                                          <p:attrName>ppt_y</p:attrName>
+                                        </p:attrNameLst>
+                                      </p:cBhvr>
+                                      <p:tavLst>
+                                        <p:tav tm="0">
+                                          <p:val>
+                                            <p:strVal val="#ppt_y+.1"/>
+                                          </p:val>
+                                        </p:tav>
+                                        <p:tav tm="100000">
+                                          <p:val>
+                                            <p:strVal val="#ppt_y"/>
+                                          </p:val>
+                                        </p:tav>
+                                      </p:tavLst>
+                                    </p:anim>
+                                  </p:childTnLst>
+                                </p:cTn>
+                              </p:par>
+                            </p:childTnLst>
+                          </p:cTn>
+                        </p:par>
+                      </p:childTnLst>
+                    </p:cTn>
+                  </p:par>
+                </p:childTnLst>
+              </p:cTn>
+              <p:prevCondLst>
+                <p:cond evt="onPrev" delay="0">
+                  <p:tgtEl>
+                    <p:sldTgt/>
+                  </p:tgtEl>
+                </p:cond>
+              </p:prevCondLst>
+              <p:nextCondLst>
+                <p:cond evt="onNext" delay="0">
+                  <p:tgtEl>
+                    <p:sldTgt/>
+                  </p:tgtEl>
+                </p:cond>
+              </p:nextCondLst>
+            </p:seq>
+          </p:childTnLst>
+        </p:cTn>
+      </p:par>
+    </p:tnLst>
+  </p:timing>
 </p:sld>
 </file>
 
@@ -4210,110 +5387,55 @@
       </p:grpSpPr>
       <p:sp>
         <p:nvSpPr>
-          <p:cNvPr id="2" name="Title 1">
-            <a:extLst>
-              <a:ext uri="{FF2B5EF4-FFF2-40B4-BE49-F238E27FC236}">
-                <a16:creationId xmlns:a16="http://schemas.microsoft.com/office/drawing/2014/main" id="{7A49C5B7-BC81-493C-815E-72012DFB47B4}"/>
-              </a:ext>
-            </a:extLst>
-          </p:cNvPr>
-          <p:cNvSpPr>
-            <a:spLocks noGrp="1"/>
-          </p:cNvSpPr>
-          <p:nvPr>
-            <p:ph type="title"/>
-          </p:nvPr>
-        </p:nvSpPr>
-        <p:spPr/>
-        <p:txBody>
-          <a:bodyPr/>
+          <p:cNvPr id="15" name="TextBox 14">
+            <a:extLst>
+              <a:ext uri="{FF2B5EF4-FFF2-40B4-BE49-F238E27FC236}">
+                <a16:creationId xmlns:a16="http://schemas.microsoft.com/office/drawing/2014/main" id="{56B9D942-067C-4AE2-9539-55BC54258A6E}"/>
+              </a:ext>
+            </a:extLst>
+          </p:cNvPr>
+          <p:cNvSpPr txBox="1"/>
+          <p:nvPr/>
+        </p:nvSpPr>
+        <p:spPr>
+          <a:xfrm>
+            <a:off x="3583383" y="3028890"/>
+            <a:ext cx="4546363" cy="1015663"/>
+          </a:xfrm>
+          <a:prstGeom prst="rect">
+            <a:avLst/>
+          </a:prstGeom>
+          <a:noFill/>
+        </p:spPr>
+        <p:txBody>
+          <a:bodyPr wrap="square" rtlCol="0">
+            <a:spAutoFit/>
+          </a:bodyPr>
           <a:lstStyle/>
           <a:p>
-            <a:r>
-              <a:rPr lang="de-DE" dirty="0" err="1"/>
-              <a:t>One</a:t>
-            </a:r>
-            <a:r>
-              <a:rPr lang="de-DE" dirty="0"/>
-              <a:t> </a:t>
-            </a:r>
-            <a:r>
-              <a:rPr lang="de-DE" dirty="0" err="1"/>
-              <a:t>slide</a:t>
-            </a:r>
-            <a:r>
-              <a:rPr lang="de-DE" dirty="0"/>
-              <a:t> </a:t>
-            </a:r>
-            <a:r>
-              <a:rPr lang="de-DE" dirty="0" err="1"/>
-              <a:t>to</a:t>
-            </a:r>
-            <a:r>
-              <a:rPr lang="de-DE" dirty="0"/>
-              <a:t> </a:t>
-            </a:r>
-            <a:r>
-              <a:rPr lang="de-DE" dirty="0" err="1"/>
-              <a:t>briefly</a:t>
-            </a:r>
-            <a:r>
-              <a:rPr lang="de-DE" dirty="0"/>
-              <a:t> </a:t>
-            </a:r>
-            <a:r>
-              <a:rPr lang="de-DE" dirty="0" err="1"/>
-              <a:t>describe</a:t>
-            </a:r>
-            <a:r>
-              <a:rPr lang="de-DE" dirty="0"/>
-              <a:t> </a:t>
-            </a:r>
-            <a:r>
-              <a:rPr lang="de-DE" dirty="0" err="1"/>
-              <a:t>modelling</a:t>
-            </a:r>
-            <a:r>
-              <a:rPr lang="de-DE" dirty="0"/>
-              <a:t> </a:t>
-            </a:r>
-            <a:r>
-              <a:rPr lang="de-DE" dirty="0" err="1"/>
-              <a:t>inputs</a:t>
-            </a:r>
-            <a:endParaRPr lang="en-DE" dirty="0"/>
-          </a:p>
-        </p:txBody>
-      </p:sp>
-      <p:sp>
-        <p:nvSpPr>
-          <p:cNvPr id="3" name="Content Placeholder 2">
-            <a:extLst>
-              <a:ext uri="{FF2B5EF4-FFF2-40B4-BE49-F238E27FC236}">
-                <a16:creationId xmlns:a16="http://schemas.microsoft.com/office/drawing/2014/main" id="{60A7B031-A54C-400F-8300-2D92F1CC068B}"/>
-              </a:ext>
-            </a:extLst>
-          </p:cNvPr>
-          <p:cNvSpPr>
-            <a:spLocks noGrp="1"/>
-          </p:cNvSpPr>
-          <p:nvPr>
-            <p:ph idx="1"/>
-          </p:nvPr>
-        </p:nvSpPr>
-        <p:spPr/>
-        <p:txBody>
-          <a:bodyPr/>
-          <a:lstStyle/>
-          <a:p>
-            <a:endParaRPr lang="en-DE"/>
+            <a:pPr algn="ctr"/>
+            <a:r>
+              <a:rPr lang="en-US" sz="2000" dirty="0">
+                <a:latin typeface="Maison Neue Book"/>
+              </a:rPr>
+              <a:t>Red line along the example project</a:t>
+            </a:r>
+          </a:p>
+          <a:p>
+            <a:pPr algn="ctr"/>
+            <a:r>
+              <a:rPr lang="en-US" sz="2000" dirty="0">
+                <a:latin typeface="Maison Neue Book"/>
+              </a:rPr>
+              <a:t>What information can go into the model from this project?</a:t>
+            </a:r>
           </a:p>
         </p:txBody>
       </p:sp>
     </p:spTree>
     <p:extLst>
       <p:ext uri="{BB962C8B-B14F-4D97-AF65-F5344CB8AC3E}">
-        <p14:creationId xmlns:p14="http://schemas.microsoft.com/office/powerpoint/2010/main" val="1676969579"/>
+        <p14:creationId xmlns:p14="http://schemas.microsoft.com/office/powerpoint/2010/main" val="1711838363"/>
       </p:ext>
     </p:extLst>
   </p:cSld>
@@ -4340,110 +5462,524 @@
           <a:chExt cx="0" cy="0"/>
         </a:xfrm>
       </p:grpSpPr>
-      <p:sp>
-        <p:nvSpPr>
-          <p:cNvPr id="2" name="Title 1">
-            <a:extLst>
-              <a:ext uri="{FF2B5EF4-FFF2-40B4-BE49-F238E27FC236}">
-                <a16:creationId xmlns:a16="http://schemas.microsoft.com/office/drawing/2014/main" id="{2BA69749-BB5C-4949-9704-7EDB0173E81F}"/>
-              </a:ext>
-            </a:extLst>
-          </p:cNvPr>
-          <p:cNvSpPr>
-            <a:spLocks noGrp="1"/>
-          </p:cNvSpPr>
-          <p:nvPr>
-            <p:ph type="title"/>
-          </p:nvPr>
-        </p:nvSpPr>
-        <p:spPr/>
-        <p:txBody>
-          <a:bodyPr/>
+      <p:pic>
+        <p:nvPicPr>
+          <p:cNvPr id="3" name="Picture 2">
+            <a:extLst>
+              <a:ext uri="{FF2B5EF4-FFF2-40B4-BE49-F238E27FC236}">
+                <a16:creationId xmlns:a16="http://schemas.microsoft.com/office/drawing/2014/main" id="{0AF34D35-6A5B-46B0-BF9B-504A325ECE5B}"/>
+              </a:ext>
+            </a:extLst>
+          </p:cNvPr>
+          <p:cNvPicPr>
+            <a:picLocks noChangeAspect="1"/>
+          </p:cNvPicPr>
+          <p:nvPr/>
+        </p:nvPicPr>
+        <p:blipFill>
+          <a:blip r:embed="rId3"/>
+          <a:stretch>
+            <a:fillRect/>
+          </a:stretch>
+        </p:blipFill>
+        <p:spPr>
+          <a:xfrm>
+            <a:off x="0" y="459730"/>
+            <a:ext cx="12192000" cy="5938539"/>
+          </a:xfrm>
+          <a:prstGeom prst="rect">
+            <a:avLst/>
+          </a:prstGeom>
+        </p:spPr>
+      </p:pic>
+      <p:grpSp>
+        <p:nvGrpSpPr>
+          <p:cNvPr id="9" name="Group 8">
+            <a:extLst>
+              <a:ext uri="{FF2B5EF4-FFF2-40B4-BE49-F238E27FC236}">
+                <a16:creationId xmlns:a16="http://schemas.microsoft.com/office/drawing/2014/main" id="{DDC0C55B-7BF8-4377-8D75-D9F8B6595DCB}"/>
+              </a:ext>
+            </a:extLst>
+          </p:cNvPr>
+          <p:cNvGrpSpPr/>
+          <p:nvPr/>
+        </p:nvGrpSpPr>
+        <p:grpSpPr>
+          <a:xfrm>
+            <a:off x="2048717" y="1759352"/>
+            <a:ext cx="7214888" cy="3298785"/>
+            <a:chOff x="2048717" y="1759352"/>
+            <a:chExt cx="7214888" cy="3298785"/>
+          </a:xfrm>
+        </p:grpSpPr>
+        <p:sp>
+          <p:nvSpPr>
+            <p:cNvPr id="4" name="Rectangle 3">
+              <a:extLst>
+                <a:ext uri="{FF2B5EF4-FFF2-40B4-BE49-F238E27FC236}">
+                  <a16:creationId xmlns:a16="http://schemas.microsoft.com/office/drawing/2014/main" id="{7F4261DD-8F4B-4526-A8CC-2732DEEABFFA}"/>
+                </a:ext>
+              </a:extLst>
+            </p:cNvPr>
+            <p:cNvSpPr/>
+            <p:nvPr/>
+          </p:nvSpPr>
+          <p:spPr>
+            <a:xfrm>
+              <a:off x="2048719" y="1759352"/>
+              <a:ext cx="5312780" cy="3032567"/>
+            </a:xfrm>
+            <a:prstGeom prst="rect">
+              <a:avLst/>
+            </a:prstGeom>
+            <a:solidFill>
+              <a:schemeClr val="bg1">
+                <a:lumMod val="75000"/>
+              </a:schemeClr>
+            </a:solidFill>
+            <a:ln w="38100">
+              <a:solidFill>
+                <a:schemeClr val="bg1">
+                  <a:lumMod val="75000"/>
+                </a:schemeClr>
+              </a:solidFill>
+            </a:ln>
+          </p:spPr>
+          <p:style>
+            <a:lnRef idx="2">
+              <a:schemeClr val="accent1">
+                <a:shade val="50000"/>
+              </a:schemeClr>
+            </a:lnRef>
+            <a:fillRef idx="1">
+              <a:schemeClr val="accent1"/>
+            </a:fillRef>
+            <a:effectRef idx="0">
+              <a:schemeClr val="accent1"/>
+            </a:effectRef>
+            <a:fontRef idx="minor">
+              <a:schemeClr val="lt1"/>
+            </a:fontRef>
+          </p:style>
+          <p:txBody>
+            <a:bodyPr rtlCol="0" anchor="ctr"/>
+            <a:lstStyle/>
+            <a:p>
+              <a:pPr algn="ctr"/>
+              <a:endParaRPr lang="en-DE"/>
+            </a:p>
+          </p:txBody>
+        </p:sp>
+        <p:sp>
+          <p:nvSpPr>
+            <p:cNvPr id="6" name="Rectangle 5">
+              <a:extLst>
+                <a:ext uri="{FF2B5EF4-FFF2-40B4-BE49-F238E27FC236}">
+                  <a16:creationId xmlns:a16="http://schemas.microsoft.com/office/drawing/2014/main" id="{DAAB30C8-5C40-4C68-A148-283D37B863C6}"/>
+                </a:ext>
+              </a:extLst>
+            </p:cNvPr>
+            <p:cNvSpPr/>
+            <p:nvPr/>
+          </p:nvSpPr>
+          <p:spPr>
+            <a:xfrm flipH="1">
+              <a:off x="7465671" y="2372809"/>
+              <a:ext cx="625032" cy="266219"/>
+            </a:xfrm>
+            <a:prstGeom prst="rect">
+              <a:avLst/>
+            </a:prstGeom>
+            <a:solidFill>
+              <a:schemeClr val="bg1">
+                <a:lumMod val="75000"/>
+              </a:schemeClr>
+            </a:solidFill>
+            <a:ln w="38100">
+              <a:solidFill>
+                <a:schemeClr val="bg1">
+                  <a:lumMod val="75000"/>
+                </a:schemeClr>
+              </a:solidFill>
+            </a:ln>
+          </p:spPr>
+          <p:style>
+            <a:lnRef idx="2">
+              <a:schemeClr val="accent1">
+                <a:shade val="50000"/>
+              </a:schemeClr>
+            </a:lnRef>
+            <a:fillRef idx="1">
+              <a:schemeClr val="accent1"/>
+            </a:fillRef>
+            <a:effectRef idx="0">
+              <a:schemeClr val="accent1"/>
+            </a:effectRef>
+            <a:fontRef idx="minor">
+              <a:schemeClr val="lt1"/>
+            </a:fontRef>
+          </p:style>
+          <p:txBody>
+            <a:bodyPr rtlCol="0" anchor="ctr"/>
+            <a:lstStyle/>
+            <a:p>
+              <a:pPr algn="ctr"/>
+              <a:endParaRPr lang="en-DE"/>
+            </a:p>
+          </p:txBody>
+        </p:sp>
+        <p:sp>
+          <p:nvSpPr>
+            <p:cNvPr id="7" name="Rectangle 6">
+              <a:extLst>
+                <a:ext uri="{FF2B5EF4-FFF2-40B4-BE49-F238E27FC236}">
+                  <a16:creationId xmlns:a16="http://schemas.microsoft.com/office/drawing/2014/main" id="{4FEF09B6-5C5A-43FC-82E5-5E21F8698CFD}"/>
+                </a:ext>
+              </a:extLst>
+            </p:cNvPr>
+            <p:cNvSpPr/>
+            <p:nvPr/>
+          </p:nvSpPr>
+          <p:spPr>
+            <a:xfrm flipH="1">
+              <a:off x="7465671" y="1880885"/>
+              <a:ext cx="1797934" cy="266220"/>
+            </a:xfrm>
+            <a:prstGeom prst="rect">
+              <a:avLst/>
+            </a:prstGeom>
+            <a:solidFill>
+              <a:schemeClr val="bg1">
+                <a:lumMod val="75000"/>
+              </a:schemeClr>
+            </a:solidFill>
+            <a:ln w="38100">
+              <a:solidFill>
+                <a:schemeClr val="bg1">
+                  <a:lumMod val="75000"/>
+                </a:schemeClr>
+              </a:solidFill>
+            </a:ln>
+          </p:spPr>
+          <p:style>
+            <a:lnRef idx="2">
+              <a:schemeClr val="accent1">
+                <a:shade val="50000"/>
+              </a:schemeClr>
+            </a:lnRef>
+            <a:fillRef idx="1">
+              <a:schemeClr val="accent1"/>
+            </a:fillRef>
+            <a:effectRef idx="0">
+              <a:schemeClr val="accent1"/>
+            </a:effectRef>
+            <a:fontRef idx="minor">
+              <a:schemeClr val="lt1"/>
+            </a:fontRef>
+          </p:style>
+          <p:txBody>
+            <a:bodyPr rtlCol="0" anchor="ctr"/>
+            <a:lstStyle/>
+            <a:p>
+              <a:pPr algn="ctr"/>
+              <a:endParaRPr lang="en-DE"/>
+            </a:p>
+          </p:txBody>
+        </p:sp>
+        <p:sp>
+          <p:nvSpPr>
+            <p:cNvPr id="8" name="Rectangle 7">
+              <a:extLst>
+                <a:ext uri="{FF2B5EF4-FFF2-40B4-BE49-F238E27FC236}">
+                  <a16:creationId xmlns:a16="http://schemas.microsoft.com/office/drawing/2014/main" id="{D2C8F305-4702-484D-9F24-21707546BE86}"/>
+                </a:ext>
+              </a:extLst>
+            </p:cNvPr>
+            <p:cNvSpPr/>
+            <p:nvPr/>
+          </p:nvSpPr>
+          <p:spPr>
+            <a:xfrm flipH="1">
+              <a:off x="2048717" y="4863293"/>
+              <a:ext cx="821803" cy="194844"/>
+            </a:xfrm>
+            <a:prstGeom prst="rect">
+              <a:avLst/>
+            </a:prstGeom>
+            <a:solidFill>
+              <a:schemeClr val="bg1">
+                <a:lumMod val="75000"/>
+              </a:schemeClr>
+            </a:solidFill>
+            <a:ln w="38100">
+              <a:solidFill>
+                <a:schemeClr val="bg1">
+                  <a:lumMod val="75000"/>
+                </a:schemeClr>
+              </a:solidFill>
+            </a:ln>
+          </p:spPr>
+          <p:style>
+            <a:lnRef idx="2">
+              <a:schemeClr val="accent1">
+                <a:shade val="50000"/>
+              </a:schemeClr>
+            </a:lnRef>
+            <a:fillRef idx="1">
+              <a:schemeClr val="accent1"/>
+            </a:fillRef>
+            <a:effectRef idx="0">
+              <a:schemeClr val="accent1"/>
+            </a:effectRef>
+            <a:fontRef idx="minor">
+              <a:schemeClr val="lt1"/>
+            </a:fontRef>
+          </p:style>
+          <p:txBody>
+            <a:bodyPr rtlCol="0" anchor="ctr"/>
+            <a:lstStyle/>
+            <a:p>
+              <a:pPr algn="ctr"/>
+              <a:endParaRPr lang="en-DE"/>
+            </a:p>
+          </p:txBody>
+        </p:sp>
+      </p:grpSp>
+      <p:sp>
+        <p:nvSpPr>
+          <p:cNvPr id="10" name="Rectangle 9">
+            <a:extLst>
+              <a:ext uri="{FF2B5EF4-FFF2-40B4-BE49-F238E27FC236}">
+                <a16:creationId xmlns:a16="http://schemas.microsoft.com/office/drawing/2014/main" id="{4E4FBA45-A9B8-4520-98B8-6C6E1AFCD190}"/>
+              </a:ext>
+            </a:extLst>
+          </p:cNvPr>
+          <p:cNvSpPr/>
+          <p:nvPr/>
+        </p:nvSpPr>
+        <p:spPr>
+          <a:xfrm>
+            <a:off x="0" y="-201990"/>
+            <a:ext cx="3304111" cy="1323439"/>
+          </a:xfrm>
+          <a:prstGeom prst="rect">
+            <a:avLst/>
+          </a:prstGeom>
+          <a:noFill/>
+        </p:spPr>
+        <p:txBody>
+          <a:bodyPr wrap="none" lIns="91440" tIns="45720" rIns="91440" bIns="45720">
+            <a:spAutoFit/>
+          </a:bodyPr>
           <a:lstStyle/>
           <a:p>
-            <a:r>
-              <a:rPr lang="de-DE" dirty="0" err="1"/>
-              <a:t>One</a:t>
-            </a:r>
-            <a:r>
-              <a:rPr lang="de-DE" dirty="0"/>
-              <a:t> </a:t>
-            </a:r>
-            <a:r>
-              <a:rPr lang="de-DE" dirty="0" err="1"/>
-              <a:t>slide</a:t>
-            </a:r>
-            <a:r>
-              <a:rPr lang="de-DE" dirty="0"/>
-              <a:t> </a:t>
-            </a:r>
-            <a:r>
-              <a:rPr lang="de-DE" dirty="0" err="1"/>
-              <a:t>to</a:t>
-            </a:r>
-            <a:r>
-              <a:rPr lang="de-DE" dirty="0"/>
-              <a:t> </a:t>
-            </a:r>
-            <a:r>
-              <a:rPr lang="de-DE" dirty="0" err="1"/>
-              <a:t>summarize</a:t>
-            </a:r>
-            <a:r>
-              <a:rPr lang="de-DE" dirty="0"/>
-              <a:t> </a:t>
-            </a:r>
-            <a:r>
-              <a:rPr lang="de-DE" dirty="0" err="1"/>
-              <a:t>learnings</a:t>
-            </a:r>
-            <a:r>
-              <a:rPr lang="de-DE" dirty="0"/>
-              <a:t> and </a:t>
-            </a:r>
-            <a:r>
-              <a:rPr lang="de-DE" dirty="0" err="1"/>
-              <a:t>predictions</a:t>
-            </a:r>
-            <a:endParaRPr lang="en-DE" dirty="0"/>
-          </a:p>
-        </p:txBody>
-      </p:sp>
-      <p:sp>
-        <p:nvSpPr>
-          <p:cNvPr id="3" name="Content Placeholder 2">
-            <a:extLst>
-              <a:ext uri="{FF2B5EF4-FFF2-40B4-BE49-F238E27FC236}">
-                <a16:creationId xmlns:a16="http://schemas.microsoft.com/office/drawing/2014/main" id="{1C9C181D-11BE-40D7-A8AD-137ACB15743C}"/>
-              </a:ext>
-            </a:extLst>
-          </p:cNvPr>
-          <p:cNvSpPr>
-            <a:spLocks noGrp="1"/>
-          </p:cNvSpPr>
-          <p:nvPr>
-            <p:ph idx="1"/>
-          </p:nvPr>
-        </p:nvSpPr>
-        <p:spPr/>
-        <p:txBody>
-          <a:bodyPr/>
+            <a:pPr algn="ctr"/>
+            <a:r>
+              <a:rPr lang="en-US" sz="8000" b="0" cap="none" spc="0" dirty="0">
+                <a:ln w="0"/>
+                <a:solidFill>
+                  <a:srgbClr val="00B050"/>
+                </a:solidFill>
+                <a:effectLst>
+                  <a:outerShdw blurRad="38100" dist="19050" dir="2700000" algn="tl" rotWithShape="0">
+                    <a:schemeClr val="dk1">
+                      <a:alpha val="40000"/>
+                    </a:schemeClr>
+                  </a:outerShdw>
+                </a:effectLst>
+              </a:rPr>
+              <a:t>success</a:t>
+            </a:r>
+          </a:p>
+        </p:txBody>
+      </p:sp>
+      <p:sp>
+        <p:nvSpPr>
+          <p:cNvPr id="11" name="Rectangle 10">
+            <a:extLst>
+              <a:ext uri="{FF2B5EF4-FFF2-40B4-BE49-F238E27FC236}">
+                <a16:creationId xmlns:a16="http://schemas.microsoft.com/office/drawing/2014/main" id="{135614A6-64F8-4B98-B2D7-9ED0290AFDE5}"/>
+              </a:ext>
+            </a:extLst>
+          </p:cNvPr>
+          <p:cNvSpPr/>
+          <p:nvPr/>
+        </p:nvSpPr>
+        <p:spPr>
+          <a:xfrm>
+            <a:off x="9653749" y="0"/>
+            <a:ext cx="2928395" cy="1323439"/>
+          </a:xfrm>
+          <a:prstGeom prst="rect">
+            <a:avLst/>
+          </a:prstGeom>
+          <a:noFill/>
+        </p:spPr>
+        <p:txBody>
+          <a:bodyPr wrap="square" lIns="91440" tIns="45720" rIns="91440" bIns="45720">
+            <a:spAutoFit/>
+          </a:bodyPr>
           <a:lstStyle/>
           <a:p>
-            <a:endParaRPr lang="en-DE" dirty="0"/>
+            <a:pPr algn="ctr"/>
+            <a:r>
+              <a:rPr lang="en-US" sz="8000" b="0" cap="none" spc="0" dirty="0">
+                <a:ln w="0"/>
+                <a:solidFill>
+                  <a:srgbClr val="FF0000"/>
+                </a:solidFill>
+                <a:effectLst>
+                  <a:outerShdw blurRad="38100" dist="19050" dir="2700000" algn="tl" rotWithShape="0">
+                    <a:schemeClr val="dk1">
+                      <a:alpha val="40000"/>
+                    </a:schemeClr>
+                  </a:outerShdw>
+                </a:effectLst>
+              </a:rPr>
+              <a:t>fail</a:t>
+            </a:r>
           </a:p>
         </p:txBody>
       </p:sp>
     </p:spTree>
     <p:extLst>
       <p:ext uri="{BB962C8B-B14F-4D97-AF65-F5344CB8AC3E}">
-        <p14:creationId xmlns:p14="http://schemas.microsoft.com/office/powerpoint/2010/main" val="725130882"/>
+        <p14:creationId xmlns:p14="http://schemas.microsoft.com/office/powerpoint/2010/main" val="1122379221"/>
       </p:ext>
     </p:extLst>
   </p:cSld>
   <p:clrMapOvr>
     <a:masterClrMapping/>
   </p:clrMapOvr>
+  <p:timing>
+    <p:tnLst>
+      <p:par>
+        <p:cTn id="1" dur="indefinite" restart="never" nodeType="tmRoot">
+          <p:childTnLst>
+            <p:seq concurrent="1" nextAc="seek">
+              <p:cTn id="2" dur="indefinite" nodeType="mainSeq">
+                <p:childTnLst>
+                  <p:par>
+                    <p:cTn id="3" fill="hold">
+                      <p:stCondLst>
+                        <p:cond delay="indefinite"/>
+                      </p:stCondLst>
+                      <p:childTnLst>
+                        <p:par>
+                          <p:cTn id="4" fill="hold">
+                            <p:stCondLst>
+                              <p:cond delay="0"/>
+                            </p:stCondLst>
+                            <p:childTnLst>
+                              <p:par>
+                                <p:cTn id="5" presetID="42" presetClass="entr" presetSubtype="0" fill="hold" nodeType="clickEffect">
+                                  <p:stCondLst>
+                                    <p:cond delay="0"/>
+                                  </p:stCondLst>
+                                  <p:childTnLst>
+                                    <p:set>
+                                      <p:cBhvr>
+                                        <p:cTn id="6" dur="1" fill="hold">
+                                          <p:stCondLst>
+                                            <p:cond delay="0"/>
+                                          </p:stCondLst>
+                                        </p:cTn>
+                                        <p:tgtEl>
+                                          <p:spTgt spid="9"/>
+                                        </p:tgtEl>
+                                        <p:attrNameLst>
+                                          <p:attrName>style.visibility</p:attrName>
+                                        </p:attrNameLst>
+                                      </p:cBhvr>
+                                      <p:to>
+                                        <p:strVal val="visible"/>
+                                      </p:to>
+                                    </p:set>
+                                    <p:animEffect transition="in" filter="fade">
+                                      <p:cBhvr>
+                                        <p:cTn id="7" dur="1000"/>
+                                        <p:tgtEl>
+                                          <p:spTgt spid="9"/>
+                                        </p:tgtEl>
+                                      </p:cBhvr>
+                                    </p:animEffect>
+                                    <p:anim calcmode="lin" valueType="num">
+                                      <p:cBhvr>
+                                        <p:cTn id="8" dur="1000" fill="hold"/>
+                                        <p:tgtEl>
+                                          <p:spTgt spid="9"/>
+                                        </p:tgtEl>
+                                        <p:attrNameLst>
+                                          <p:attrName>ppt_x</p:attrName>
+                                        </p:attrNameLst>
+                                      </p:cBhvr>
+                                      <p:tavLst>
+                                        <p:tav tm="0">
+                                          <p:val>
+                                            <p:strVal val="#ppt_x"/>
+                                          </p:val>
+                                        </p:tav>
+                                        <p:tav tm="100000">
+                                          <p:val>
+                                            <p:strVal val="#ppt_x"/>
+                                          </p:val>
+                                        </p:tav>
+                                      </p:tavLst>
+                                    </p:anim>
+                                    <p:anim calcmode="lin" valueType="num">
+                                      <p:cBhvr>
+                                        <p:cTn id="9" dur="1000" fill="hold"/>
+                                        <p:tgtEl>
+                                          <p:spTgt spid="9"/>
+                                        </p:tgtEl>
+                                        <p:attrNameLst>
+                                          <p:attrName>ppt_y</p:attrName>
+                                        </p:attrNameLst>
+                                      </p:cBhvr>
+                                      <p:tavLst>
+                                        <p:tav tm="0">
+                                          <p:val>
+                                            <p:strVal val="#ppt_y+.1"/>
+                                          </p:val>
+                                        </p:tav>
+                                        <p:tav tm="100000">
+                                          <p:val>
+                                            <p:strVal val="#ppt_y"/>
+                                          </p:val>
+                                        </p:tav>
+                                      </p:tavLst>
+                                    </p:anim>
+                                  </p:childTnLst>
+                                </p:cTn>
+                              </p:par>
+                            </p:childTnLst>
+                          </p:cTn>
+                        </p:par>
+                      </p:childTnLst>
+                    </p:cTn>
+                  </p:par>
+                </p:childTnLst>
+              </p:cTn>
+              <p:prevCondLst>
+                <p:cond evt="onPrev" delay="0">
+                  <p:tgtEl>
+                    <p:sldTgt/>
+                  </p:tgtEl>
+                </p:cond>
+              </p:prevCondLst>
+              <p:nextCondLst>
+                <p:cond evt="onNext" delay="0">
+                  <p:tgtEl>
+                    <p:sldTgt/>
+                  </p:tgtEl>
+                </p:cond>
+              </p:nextCondLst>
+            </p:seq>
+          </p:childTnLst>
+        </p:cTn>
+      </p:par>
+    </p:tnLst>
+  </p:timing>
 </p:sld>
 </file>
 
@@ -4466,39 +6002,10 @@
       </p:grpSpPr>
       <p:pic>
         <p:nvPicPr>
-          <p:cNvPr id="5" name="Content Placeholder 4">
-            <a:extLst>
-              <a:ext uri="{FF2B5EF4-FFF2-40B4-BE49-F238E27FC236}">
-                <a16:creationId xmlns:a16="http://schemas.microsoft.com/office/drawing/2014/main" id="{8D2E850E-4E09-4300-88B4-4011C9671385}"/>
-              </a:ext>
-            </a:extLst>
-          </p:cNvPr>
-          <p:cNvPicPr>
-            <a:picLocks noGrp="1" noChangeAspect="1"/>
-          </p:cNvPicPr>
-          <p:nvPr>
-            <p:ph idx="1"/>
-          </p:nvPr>
-        </p:nvPicPr>
-        <p:blipFill>
-          <a:blip r:embed="rId2"/>
-          <a:stretch>
-            <a:fillRect/>
-          </a:stretch>
-        </p:blipFill>
-        <p:spPr>
-          <a:xfrm>
-            <a:off x="97076" y="828942"/>
-            <a:ext cx="7408191" cy="4351338"/>
-          </a:xfrm>
-        </p:spPr>
-      </p:pic>
-      <p:pic>
-        <p:nvPicPr>
-          <p:cNvPr id="7" name="Picture 6">
-            <a:extLst>
-              <a:ext uri="{FF2B5EF4-FFF2-40B4-BE49-F238E27FC236}">
-                <a16:creationId xmlns:a16="http://schemas.microsoft.com/office/drawing/2014/main" id="{1AD88752-F986-48A3-8F44-A4D01052D6CB}"/>
+          <p:cNvPr id="11" name="Picture 10">
+            <a:extLst>
+              <a:ext uri="{FF2B5EF4-FFF2-40B4-BE49-F238E27FC236}">
+                <a16:creationId xmlns:a16="http://schemas.microsoft.com/office/drawing/2014/main" id="{5A1140D6-8133-41E8-9C17-332D926D24C5}"/>
               </a:ext>
             </a:extLst>
           </p:cNvPr>
@@ -4515,8 +6022,375 @@
         </p:blipFill>
         <p:spPr>
           <a:xfrm>
-            <a:off x="97076" y="120293"/>
-            <a:ext cx="3486096" cy="708649"/>
+            <a:off x="5400943" y="3266213"/>
+            <a:ext cx="6791058" cy="3591787"/>
+          </a:xfrm>
+          <a:prstGeom prst="rect">
+            <a:avLst/>
+          </a:prstGeom>
+        </p:spPr>
+      </p:pic>
+      <p:pic>
+        <p:nvPicPr>
+          <p:cNvPr id="13" name="Picture 12">
+            <a:extLst>
+              <a:ext uri="{FF2B5EF4-FFF2-40B4-BE49-F238E27FC236}">
+                <a16:creationId xmlns:a16="http://schemas.microsoft.com/office/drawing/2014/main" id="{49A179C3-5942-4560-A743-946F7157A910}"/>
+              </a:ext>
+            </a:extLst>
+          </p:cNvPr>
+          <p:cNvPicPr>
+            <a:picLocks noChangeAspect="1"/>
+          </p:cNvPicPr>
+          <p:nvPr/>
+        </p:nvPicPr>
+        <p:blipFill>
+          <a:blip r:embed="rId4"/>
+          <a:stretch>
+            <a:fillRect/>
+          </a:stretch>
+        </p:blipFill>
+        <p:spPr>
+          <a:xfrm>
+            <a:off x="0" y="0"/>
+            <a:ext cx="6892587" cy="3597779"/>
+          </a:xfrm>
+          <a:prstGeom prst="rect">
+            <a:avLst/>
+          </a:prstGeom>
+        </p:spPr>
+      </p:pic>
+      <p:sp>
+        <p:nvSpPr>
+          <p:cNvPr id="14" name="TextBox 13">
+            <a:extLst>
+              <a:ext uri="{FF2B5EF4-FFF2-40B4-BE49-F238E27FC236}">
+                <a16:creationId xmlns:a16="http://schemas.microsoft.com/office/drawing/2014/main" id="{BF78B38B-73C9-4291-BD67-9B5183FA6FEB}"/>
+              </a:ext>
+            </a:extLst>
+          </p:cNvPr>
+          <p:cNvSpPr txBox="1"/>
+          <p:nvPr/>
+        </p:nvSpPr>
+        <p:spPr>
+          <a:xfrm>
+            <a:off x="5835597" y="1433052"/>
+            <a:ext cx="4546363" cy="400110"/>
+          </a:xfrm>
+          <a:prstGeom prst="rect">
+            <a:avLst/>
+          </a:prstGeom>
+          <a:noFill/>
+        </p:spPr>
+        <p:txBody>
+          <a:bodyPr wrap="square" rtlCol="0">
+            <a:spAutoFit/>
+          </a:bodyPr>
+          <a:lstStyle/>
+          <a:p>
+            <a:pPr algn="ctr"/>
+            <a:r>
+              <a:rPr lang="en-US" sz="2000" dirty="0">
+                <a:latin typeface="Maison Neue Book"/>
+              </a:rPr>
+              <a:t>successful</a:t>
+            </a:r>
+            <a:endParaRPr lang="en-US" sz="1600" dirty="0">
+              <a:latin typeface="Maison Neue Book"/>
+            </a:endParaRPr>
+          </a:p>
+        </p:txBody>
+      </p:sp>
+      <p:sp>
+        <p:nvSpPr>
+          <p:cNvPr id="15" name="TextBox 14">
+            <a:extLst>
+              <a:ext uri="{FF2B5EF4-FFF2-40B4-BE49-F238E27FC236}">
+                <a16:creationId xmlns:a16="http://schemas.microsoft.com/office/drawing/2014/main" id="{56B9D942-067C-4AE2-9539-55BC54258A6E}"/>
+              </a:ext>
+            </a:extLst>
+          </p:cNvPr>
+          <p:cNvSpPr txBox="1"/>
+          <p:nvPr/>
+        </p:nvSpPr>
+        <p:spPr>
+          <a:xfrm>
+            <a:off x="1962927" y="4827779"/>
+            <a:ext cx="4546363" cy="400110"/>
+          </a:xfrm>
+          <a:prstGeom prst="rect">
+            <a:avLst/>
+          </a:prstGeom>
+          <a:noFill/>
+        </p:spPr>
+        <p:txBody>
+          <a:bodyPr wrap="square" rtlCol="0">
+            <a:spAutoFit/>
+          </a:bodyPr>
+          <a:lstStyle/>
+          <a:p>
+            <a:pPr algn="ctr"/>
+            <a:r>
+              <a:rPr lang="en-US" sz="2000" dirty="0">
+                <a:latin typeface="Maison Neue Book"/>
+              </a:rPr>
+              <a:t>failed</a:t>
+            </a:r>
+            <a:endParaRPr lang="en-US" sz="1600" dirty="0">
+              <a:latin typeface="Maison Neue Book"/>
+            </a:endParaRPr>
+          </a:p>
+        </p:txBody>
+      </p:sp>
+    </p:spTree>
+    <p:extLst>
+      <p:ext uri="{BB962C8B-B14F-4D97-AF65-F5344CB8AC3E}">
+        <p14:creationId xmlns:p14="http://schemas.microsoft.com/office/powerpoint/2010/main" val="629496097"/>
+      </p:ext>
+    </p:extLst>
+  </p:cSld>
+  <p:clrMapOvr>
+    <a:masterClrMapping/>
+  </p:clrMapOvr>
+</p:sld>
+</file>
+
+<file path=ppt/slides/slide7.xml><?xml version="1.0" encoding="utf-8"?>
+<p:sld xmlns:a="http://schemas.openxmlformats.org/drawingml/2006/main" xmlns:r="http://schemas.openxmlformats.org/officeDocument/2006/relationships" xmlns:p="http://schemas.openxmlformats.org/presentationml/2006/main">
+  <p:cSld>
+    <p:spTree>
+      <p:nvGrpSpPr>
+        <p:cNvPr id="1" name=""/>
+        <p:cNvGrpSpPr/>
+        <p:nvPr/>
+      </p:nvGrpSpPr>
+      <p:grpSpPr>
+        <a:xfrm>
+          <a:off x="0" y="0"/>
+          <a:ext cx="0" cy="0"/>
+          <a:chOff x="0" y="0"/>
+          <a:chExt cx="0" cy="0"/>
+        </a:xfrm>
+      </p:grpSpPr>
+      <p:sp>
+        <p:nvSpPr>
+          <p:cNvPr id="15" name="TextBox 14">
+            <a:extLst>
+              <a:ext uri="{FF2B5EF4-FFF2-40B4-BE49-F238E27FC236}">
+                <a16:creationId xmlns:a16="http://schemas.microsoft.com/office/drawing/2014/main" id="{56B9D942-067C-4AE2-9539-55BC54258A6E}"/>
+              </a:ext>
+            </a:extLst>
+          </p:cNvPr>
+          <p:cNvSpPr txBox="1"/>
+          <p:nvPr/>
+        </p:nvSpPr>
+        <p:spPr>
+          <a:xfrm>
+            <a:off x="3518262" y="2443502"/>
+            <a:ext cx="4546363" cy="707886"/>
+          </a:xfrm>
+          <a:prstGeom prst="rect">
+            <a:avLst/>
+          </a:prstGeom>
+          <a:noFill/>
+        </p:spPr>
+        <p:txBody>
+          <a:bodyPr wrap="square" rtlCol="0">
+            <a:spAutoFit/>
+          </a:bodyPr>
+          <a:lstStyle/>
+          <a:p>
+            <a:pPr algn="ctr"/>
+            <a:r>
+              <a:rPr lang="en-US" sz="2000" dirty="0">
+                <a:latin typeface="Maison Neue Book"/>
+              </a:rPr>
+              <a:t>Instead of most common </a:t>
+            </a:r>
+            <a:r>
+              <a:rPr lang="en-US" sz="2000" dirty="0" err="1">
+                <a:latin typeface="Maison Neue Book"/>
+              </a:rPr>
+              <a:t>success_words</a:t>
+            </a:r>
+            <a:r>
+              <a:rPr lang="en-US" sz="2000" dirty="0">
+                <a:latin typeface="Maison Neue Book"/>
+              </a:rPr>
+              <a:t> or </a:t>
+            </a:r>
+            <a:r>
+              <a:rPr lang="en-US" sz="2000" dirty="0" err="1">
+                <a:latin typeface="Maison Neue Book"/>
+              </a:rPr>
+              <a:t>fail_words</a:t>
+            </a:r>
+            <a:endParaRPr lang="en-US" sz="1600" dirty="0">
+              <a:latin typeface="Maison Neue Book"/>
+            </a:endParaRPr>
+          </a:p>
+        </p:txBody>
+      </p:sp>
+    </p:spTree>
+    <p:extLst>
+      <p:ext uri="{BB962C8B-B14F-4D97-AF65-F5344CB8AC3E}">
+        <p14:creationId xmlns:p14="http://schemas.microsoft.com/office/powerpoint/2010/main" val="2785249803"/>
+      </p:ext>
+    </p:extLst>
+  </p:cSld>
+  <p:clrMapOvr>
+    <a:masterClrMapping/>
+  </p:clrMapOvr>
+</p:sld>
+</file>
+
+<file path=ppt/slides/slide8.xml><?xml version="1.0" encoding="utf-8"?>
+<p:sld xmlns:a="http://schemas.openxmlformats.org/drawingml/2006/main" xmlns:r="http://schemas.openxmlformats.org/officeDocument/2006/relationships" xmlns:p="http://schemas.openxmlformats.org/presentationml/2006/main">
+  <p:cSld>
+    <p:spTree>
+      <p:nvGrpSpPr>
+        <p:cNvPr id="1" name=""/>
+        <p:cNvGrpSpPr/>
+        <p:nvPr/>
+      </p:nvGrpSpPr>
+      <p:grpSpPr>
+        <a:xfrm>
+          <a:off x="0" y="0"/>
+          <a:ext cx="0" cy="0"/>
+          <a:chOff x="0" y="0"/>
+          <a:chExt cx="0" cy="0"/>
+        </a:xfrm>
+      </p:grpSpPr>
+      <p:sp>
+        <p:nvSpPr>
+          <p:cNvPr id="8" name="TextBox 7">
+            <a:extLst>
+              <a:ext uri="{FF2B5EF4-FFF2-40B4-BE49-F238E27FC236}">
+                <a16:creationId xmlns:a16="http://schemas.microsoft.com/office/drawing/2014/main" id="{DDEDC727-DA49-412F-8E7C-5782BDA6BDB8}"/>
+              </a:ext>
+            </a:extLst>
+          </p:cNvPr>
+          <p:cNvSpPr txBox="1"/>
+          <p:nvPr/>
+        </p:nvSpPr>
+        <p:spPr>
+          <a:xfrm>
+            <a:off x="-120823" y="118718"/>
+            <a:ext cx="4546363" cy="584775"/>
+          </a:xfrm>
+          <a:prstGeom prst="rect">
+            <a:avLst/>
+          </a:prstGeom>
+          <a:noFill/>
+        </p:spPr>
+        <p:txBody>
+          <a:bodyPr wrap="square" rtlCol="0">
+            <a:spAutoFit/>
+          </a:bodyPr>
+          <a:lstStyle/>
+          <a:p>
+            <a:pPr algn="ctr"/>
+            <a:r>
+              <a:rPr lang="en-US" sz="1600" dirty="0">
+                <a:latin typeface="Maison Neue Book"/>
+              </a:rPr>
+              <a:t>With increasing goal amount and duration, the chance of success decreases</a:t>
+            </a:r>
+          </a:p>
+        </p:txBody>
+      </p:sp>
+      <p:pic>
+        <p:nvPicPr>
+          <p:cNvPr id="10" name="Picture 9">
+            <a:extLst>
+              <a:ext uri="{FF2B5EF4-FFF2-40B4-BE49-F238E27FC236}">
+                <a16:creationId xmlns:a16="http://schemas.microsoft.com/office/drawing/2014/main" id="{9396503D-5FB7-4BE8-932D-5C736BDFEF52}"/>
+              </a:ext>
+            </a:extLst>
+          </p:cNvPr>
+          <p:cNvPicPr>
+            <a:picLocks noChangeAspect="1"/>
+          </p:cNvPicPr>
+          <p:nvPr/>
+        </p:nvPicPr>
+        <p:blipFill>
+          <a:blip r:embed="rId3"/>
+          <a:stretch>
+            <a:fillRect/>
+          </a:stretch>
+        </p:blipFill>
+        <p:spPr>
+          <a:xfrm>
+            <a:off x="4815891" y="1151233"/>
+            <a:ext cx="6943725" cy="2619375"/>
+          </a:xfrm>
+          <a:prstGeom prst="rect">
+            <a:avLst/>
+          </a:prstGeom>
+        </p:spPr>
+      </p:pic>
+      <p:sp>
+        <p:nvSpPr>
+          <p:cNvPr id="11" name="TextBox 10">
+            <a:extLst>
+              <a:ext uri="{FF2B5EF4-FFF2-40B4-BE49-F238E27FC236}">
+                <a16:creationId xmlns:a16="http://schemas.microsoft.com/office/drawing/2014/main" id="{F5E216C3-388B-4A49-B5BC-8F3366BDC911}"/>
+              </a:ext>
+            </a:extLst>
+          </p:cNvPr>
+          <p:cNvSpPr txBox="1"/>
+          <p:nvPr/>
+        </p:nvSpPr>
+        <p:spPr>
+          <a:xfrm>
+            <a:off x="6014571" y="566457"/>
+            <a:ext cx="4546363" cy="584775"/>
+          </a:xfrm>
+          <a:prstGeom prst="rect">
+            <a:avLst/>
+          </a:prstGeom>
+          <a:noFill/>
+        </p:spPr>
+        <p:txBody>
+          <a:bodyPr wrap="square" rtlCol="0">
+            <a:spAutoFit/>
+          </a:bodyPr>
+          <a:lstStyle/>
+          <a:p>
+            <a:pPr algn="ctr"/>
+            <a:r>
+              <a:rPr lang="en-US" sz="1600" dirty="0">
+                <a:latin typeface="Maison Neue Book"/>
+              </a:rPr>
+              <a:t>Projects that start Tuesdays and end Tuesday have the highest success rate</a:t>
+            </a:r>
+          </a:p>
+        </p:txBody>
+      </p:sp>
+      <p:pic>
+        <p:nvPicPr>
+          <p:cNvPr id="15" name="Picture 14">
+            <a:extLst>
+              <a:ext uri="{FF2B5EF4-FFF2-40B4-BE49-F238E27FC236}">
+                <a16:creationId xmlns:a16="http://schemas.microsoft.com/office/drawing/2014/main" id="{12BF8BED-F22B-48F7-9B47-592F6F992119}"/>
+              </a:ext>
+            </a:extLst>
+          </p:cNvPr>
+          <p:cNvPicPr>
+            <a:picLocks noChangeAspect="1"/>
+          </p:cNvPicPr>
+          <p:nvPr/>
+        </p:nvPicPr>
+        <p:blipFill>
+          <a:blip r:embed="rId4"/>
+          <a:stretch>
+            <a:fillRect/>
+          </a:stretch>
+        </p:blipFill>
+        <p:spPr>
+          <a:xfrm>
+            <a:off x="5060" y="858845"/>
+            <a:ext cx="4294598" cy="4868043"/>
           </a:xfrm>
           <a:prstGeom prst="rect">
             <a:avLst/>
@@ -4526,7 +6400,7 @@
     </p:spTree>
     <p:extLst>
       <p:ext uri="{BB962C8B-B14F-4D97-AF65-F5344CB8AC3E}">
-        <p14:creationId xmlns:p14="http://schemas.microsoft.com/office/powerpoint/2010/main" val="1651806079"/>
+        <p14:creationId xmlns:p14="http://schemas.microsoft.com/office/powerpoint/2010/main" val="493244057"/>
       </p:ext>
     </p:extLst>
   </p:cSld>
@@ -4829,4 +6703,299 @@
     </a:ext>
   </a:extLst>
 </a:theme>
+</file>
+
+<file path=ppt/theme/theme2.xml><?xml version="1.0" encoding="utf-8"?>
+<a:theme xmlns:a="http://schemas.openxmlformats.org/drawingml/2006/main" name="Office Theme">
+  <a:themeElements>
+    <a:clrScheme name="Office">
+      <a:dk1>
+        <a:sysClr val="windowText" lastClr="000000"/>
+      </a:dk1>
+      <a:lt1>
+        <a:sysClr val="window" lastClr="FFFFFF"/>
+      </a:lt1>
+      <a:dk2>
+        <a:srgbClr val="44546A"/>
+      </a:dk2>
+      <a:lt2>
+        <a:srgbClr val="E7E6E6"/>
+      </a:lt2>
+      <a:accent1>
+        <a:srgbClr val="4472C4"/>
+      </a:accent1>
+      <a:accent2>
+        <a:srgbClr val="ED7D31"/>
+      </a:accent2>
+      <a:accent3>
+        <a:srgbClr val="A5A5A5"/>
+      </a:accent3>
+      <a:accent4>
+        <a:srgbClr val="FFC000"/>
+      </a:accent4>
+      <a:accent5>
+        <a:srgbClr val="5B9BD5"/>
+      </a:accent5>
+      <a:accent6>
+        <a:srgbClr val="70AD47"/>
+      </a:accent6>
+      <a:hlink>
+        <a:srgbClr val="0563C1"/>
+      </a:hlink>
+      <a:folHlink>
+        <a:srgbClr val="954F72"/>
+      </a:folHlink>
+    </a:clrScheme>
+    <a:fontScheme name="Office">
+      <a:majorFont>
+        <a:latin typeface="Calibri Light" panose="020F0302020204030204"/>
+        <a:ea typeface=""/>
+        <a:cs typeface=""/>
+        <a:font script="Jpan" typeface="游ゴシック Light"/>
+        <a:font script="Hang" typeface="맑은 고딕"/>
+        <a:font script="Hans" typeface="等线 Light"/>
+        <a:font script="Hant" typeface="新細明體"/>
+        <a:font script="Arab" typeface="Times New Roman"/>
+        <a:font script="Hebr" typeface="Times New Roman"/>
+        <a:font script="Thai" typeface="Angsana New"/>
+        <a:font script="Ethi" typeface="Nyala"/>
+        <a:font script="Beng" typeface="Vrinda"/>
+        <a:font script="Gujr" typeface="Shruti"/>
+        <a:font script="Khmr" typeface="MoolBoran"/>
+        <a:font script="Knda" typeface="Tunga"/>
+        <a:font script="Guru" typeface="Raavi"/>
+        <a:font script="Cans" typeface="Euphemia"/>
+        <a:font script="Cher" typeface="Plantagenet Cherokee"/>
+        <a:font script="Yiii" typeface="Microsoft Yi Baiti"/>
+        <a:font script="Tibt" typeface="Microsoft Himalaya"/>
+        <a:font script="Thaa" typeface="MV Boli"/>
+        <a:font script="Deva" typeface="Mangal"/>
+        <a:font script="Telu" typeface="Gautami"/>
+        <a:font script="Taml" typeface="Latha"/>
+        <a:font script="Syrc" typeface="Estrangelo Edessa"/>
+        <a:font script="Orya" typeface="Kalinga"/>
+        <a:font script="Mlym" typeface="Kartika"/>
+        <a:font script="Laoo" typeface="DokChampa"/>
+        <a:font script="Sinh" typeface="Iskoola Pota"/>
+        <a:font script="Mong" typeface="Mongolian Baiti"/>
+        <a:font script="Viet" typeface="Times New Roman"/>
+        <a:font script="Uigh" typeface="Microsoft Uighur"/>
+        <a:font script="Geor" typeface="Sylfaen"/>
+        <a:font script="Armn" typeface="Arial"/>
+        <a:font script="Bugi" typeface="Leelawadee UI"/>
+        <a:font script="Bopo" typeface="Microsoft JhengHei"/>
+        <a:font script="Java" typeface="Javanese Text"/>
+        <a:font script="Lisu" typeface="Segoe UI"/>
+        <a:font script="Mymr" typeface="Myanmar Text"/>
+        <a:font script="Nkoo" typeface="Ebrima"/>
+        <a:font script="Olck" typeface="Nirmala UI"/>
+        <a:font script="Osma" typeface="Ebrima"/>
+        <a:font script="Phag" typeface="Phagspa"/>
+        <a:font script="Syrn" typeface="Estrangelo Edessa"/>
+        <a:font script="Syrj" typeface="Estrangelo Edessa"/>
+        <a:font script="Syre" typeface="Estrangelo Edessa"/>
+        <a:font script="Sora" typeface="Nirmala UI"/>
+        <a:font script="Tale" typeface="Microsoft Tai Le"/>
+        <a:font script="Talu" typeface="Microsoft New Tai Lue"/>
+        <a:font script="Tfng" typeface="Ebrima"/>
+      </a:majorFont>
+      <a:minorFont>
+        <a:latin typeface="Calibri" panose="020F0502020204030204"/>
+        <a:ea typeface=""/>
+        <a:cs typeface=""/>
+        <a:font script="Jpan" typeface="游ゴシック"/>
+        <a:font script="Hang" typeface="맑은 고딕"/>
+        <a:font script="Hans" typeface="等线"/>
+        <a:font script="Hant" typeface="新細明體"/>
+        <a:font script="Arab" typeface="Arial"/>
+        <a:font script="Hebr" typeface="Arial"/>
+        <a:font script="Thai" typeface="Cordia New"/>
+        <a:font script="Ethi" typeface="Nyala"/>
+        <a:font script="Beng" typeface="Vrinda"/>
+        <a:font script="Gujr" typeface="Shruti"/>
+        <a:font script="Khmr" typeface="DaunPenh"/>
+        <a:font script="Knda" typeface="Tunga"/>
+        <a:font script="Guru" typeface="Raavi"/>
+        <a:font script="Cans" typeface="Euphemia"/>
+        <a:font script="Cher" typeface="Plantagenet Cherokee"/>
+        <a:font script="Yiii" typeface="Microsoft Yi Baiti"/>
+        <a:font script="Tibt" typeface="Microsoft Himalaya"/>
+        <a:font script="Thaa" typeface="MV Boli"/>
+        <a:font script="Deva" typeface="Mangal"/>
+        <a:font script="Telu" typeface="Gautami"/>
+        <a:font script="Taml" typeface="Latha"/>
+        <a:font script="Syrc" typeface="Estrangelo Edessa"/>
+        <a:font script="Orya" typeface="Kalinga"/>
+        <a:font script="Mlym" typeface="Kartika"/>
+        <a:font script="Laoo" typeface="DokChampa"/>
+        <a:font script="Sinh" typeface="Iskoola Pota"/>
+        <a:font script="Mong" typeface="Mongolian Baiti"/>
+        <a:font script="Viet" typeface="Arial"/>
+        <a:font script="Uigh" typeface="Microsoft Uighur"/>
+        <a:font script="Geor" typeface="Sylfaen"/>
+        <a:font script="Armn" typeface="Arial"/>
+        <a:font script="Bugi" typeface="Leelawadee UI"/>
+        <a:font script="Bopo" typeface="Microsoft JhengHei"/>
+        <a:font script="Java" typeface="Javanese Text"/>
+        <a:font script="Lisu" typeface="Segoe UI"/>
+        <a:font script="Mymr" typeface="Myanmar Text"/>
+        <a:font script="Nkoo" typeface="Ebrima"/>
+        <a:font script="Olck" typeface="Nirmala UI"/>
+        <a:font script="Osma" typeface="Ebrima"/>
+        <a:font script="Phag" typeface="Phagspa"/>
+        <a:font script="Syrn" typeface="Estrangelo Edessa"/>
+        <a:font script="Syrj" typeface="Estrangelo Edessa"/>
+        <a:font script="Syre" typeface="Estrangelo Edessa"/>
+        <a:font script="Sora" typeface="Nirmala UI"/>
+        <a:font script="Tale" typeface="Microsoft Tai Le"/>
+        <a:font script="Talu" typeface="Microsoft New Tai Lue"/>
+        <a:font script="Tfng" typeface="Ebrima"/>
+      </a:minorFont>
+    </a:fontScheme>
+    <a:fmtScheme name="Office">
+      <a:fillStyleLst>
+        <a:solidFill>
+          <a:schemeClr val="phClr"/>
+        </a:solidFill>
+        <a:gradFill rotWithShape="1">
+          <a:gsLst>
+            <a:gs pos="0">
+              <a:schemeClr val="phClr">
+                <a:lumMod val="110000"/>
+                <a:satMod val="105000"/>
+                <a:tint val="67000"/>
+              </a:schemeClr>
+            </a:gs>
+            <a:gs pos="50000">
+              <a:schemeClr val="phClr">
+                <a:lumMod val="105000"/>
+                <a:satMod val="103000"/>
+                <a:tint val="73000"/>
+              </a:schemeClr>
+            </a:gs>
+            <a:gs pos="100000">
+              <a:schemeClr val="phClr">
+                <a:lumMod val="105000"/>
+                <a:satMod val="109000"/>
+                <a:tint val="81000"/>
+              </a:schemeClr>
+            </a:gs>
+          </a:gsLst>
+          <a:lin ang="5400000" scaled="0"/>
+        </a:gradFill>
+        <a:gradFill rotWithShape="1">
+          <a:gsLst>
+            <a:gs pos="0">
+              <a:schemeClr val="phClr">
+                <a:satMod val="103000"/>
+                <a:lumMod val="102000"/>
+                <a:tint val="94000"/>
+              </a:schemeClr>
+            </a:gs>
+            <a:gs pos="50000">
+              <a:schemeClr val="phClr">
+                <a:satMod val="110000"/>
+                <a:lumMod val="100000"/>
+                <a:shade val="100000"/>
+              </a:schemeClr>
+            </a:gs>
+            <a:gs pos="100000">
+              <a:schemeClr val="phClr">
+                <a:lumMod val="99000"/>
+                <a:satMod val="120000"/>
+                <a:shade val="78000"/>
+              </a:schemeClr>
+            </a:gs>
+          </a:gsLst>
+          <a:lin ang="5400000" scaled="0"/>
+        </a:gradFill>
+      </a:fillStyleLst>
+      <a:lnStyleLst>
+        <a:ln w="6350" cap="flat" cmpd="sng" algn="ctr">
+          <a:solidFill>
+            <a:schemeClr val="phClr"/>
+          </a:solidFill>
+          <a:prstDash val="solid"/>
+          <a:miter lim="800000"/>
+        </a:ln>
+        <a:ln w="12700" cap="flat" cmpd="sng" algn="ctr">
+          <a:solidFill>
+            <a:schemeClr val="phClr"/>
+          </a:solidFill>
+          <a:prstDash val="solid"/>
+          <a:miter lim="800000"/>
+        </a:ln>
+        <a:ln w="19050" cap="flat" cmpd="sng" algn="ctr">
+          <a:solidFill>
+            <a:schemeClr val="phClr"/>
+          </a:solidFill>
+          <a:prstDash val="solid"/>
+          <a:miter lim="800000"/>
+        </a:ln>
+      </a:lnStyleLst>
+      <a:effectStyleLst>
+        <a:effectStyle>
+          <a:effectLst/>
+        </a:effectStyle>
+        <a:effectStyle>
+          <a:effectLst/>
+        </a:effectStyle>
+        <a:effectStyle>
+          <a:effectLst>
+            <a:outerShdw blurRad="57150" dist="19050" dir="5400000" algn="ctr" rotWithShape="0">
+              <a:srgbClr val="000000">
+                <a:alpha val="63000"/>
+              </a:srgbClr>
+            </a:outerShdw>
+          </a:effectLst>
+        </a:effectStyle>
+      </a:effectStyleLst>
+      <a:bgFillStyleLst>
+        <a:solidFill>
+          <a:schemeClr val="phClr"/>
+        </a:solidFill>
+        <a:solidFill>
+          <a:schemeClr val="phClr">
+            <a:tint val="95000"/>
+            <a:satMod val="170000"/>
+          </a:schemeClr>
+        </a:solidFill>
+        <a:gradFill rotWithShape="1">
+          <a:gsLst>
+            <a:gs pos="0">
+              <a:schemeClr val="phClr">
+                <a:tint val="93000"/>
+                <a:satMod val="150000"/>
+                <a:shade val="98000"/>
+                <a:lumMod val="102000"/>
+              </a:schemeClr>
+            </a:gs>
+            <a:gs pos="50000">
+              <a:schemeClr val="phClr">
+                <a:tint val="98000"/>
+                <a:satMod val="130000"/>
+                <a:shade val="90000"/>
+                <a:lumMod val="103000"/>
+              </a:schemeClr>
+            </a:gs>
+            <a:gs pos="100000">
+              <a:schemeClr val="phClr">
+                <a:shade val="63000"/>
+                <a:satMod val="120000"/>
+              </a:schemeClr>
+            </a:gs>
+          </a:gsLst>
+          <a:lin ang="5400000" scaled="0"/>
+        </a:gradFill>
+      </a:bgFillStyleLst>
+    </a:fmtScheme>
+  </a:themeElements>
+  <a:objectDefaults/>
+  <a:extraClrSchemeLst/>
+  <a:extLst>
+    <a:ext uri="{05A4C25C-085E-4340-85A3-A5531E510DB2}">
+      <thm15:themeFamily xmlns:thm15="http://schemas.microsoft.com/office/thememl/2012/main" name="Office Theme" id="{62F939B6-93AF-4DB8-9C6B-D6C7DFDC589F}" vid="{4A3C46E8-61CC-4603-A589-7422A47A8E4A}"/>
+    </a:ext>
+  </a:extLst>
+</a:theme>
 </file>
--- a/kickstarter_presentation.pptx
+++ b/kickstarter_presentation.pptx
@@ -5,7 +5,7 @@
     <p:sldMasterId id="2147483648" r:id="rId1"/>
   </p:sldMasterIdLst>
   <p:notesMasterIdLst>
-    <p:notesMasterId r:id="rId10"/>
+    <p:notesMasterId r:id="rId11"/>
   </p:notesMasterIdLst>
   <p:sldIdLst>
     <p:sldId id="258" r:id="rId2"/>
@@ -13,9 +13,10 @@
     <p:sldId id="268" r:id="rId4"/>
     <p:sldId id="269" r:id="rId5"/>
     <p:sldId id="270" r:id="rId6"/>
-    <p:sldId id="263" r:id="rId7"/>
-    <p:sldId id="265" r:id="rId8"/>
-    <p:sldId id="260" r:id="rId9"/>
+    <p:sldId id="271" r:id="rId7"/>
+    <p:sldId id="263" r:id="rId8"/>
+    <p:sldId id="265" r:id="rId9"/>
+    <p:sldId id="260" r:id="rId10"/>
   </p:sldIdLst>
   <p:sldSz cx="12192000" cy="6858000"/>
   <p:notesSz cx="6858000" cy="9144000"/>
@@ -204,7 +205,7 @@
           <a:p>
             <a:fld id="{20F3E6C6-BE90-4FCE-A21E-5CB3AF5FD184}" type="datetimeFigureOut">
               <a:rPr lang="en-DE" smtClean="0"/>
-              <a:t>25/11/2021</a:t>
+              <a:t>26/11/2021</a:t>
             </a:fld>
             <a:endParaRPr lang="en-DE"/>
           </a:p>
@@ -770,7 +771,7 @@
           <a:p>
             <a:fld id="{0B7FCA78-F67D-4C9F-A032-C0A6CEF2EF96}" type="slidenum">
               <a:rPr lang="en-DE" smtClean="0"/>
-              <a:t>6</a:t>
+              <a:t>7</a:t>
             </a:fld>
             <a:endParaRPr lang="en-DE"/>
           </a:p>
@@ -878,7 +879,7 @@
           <a:p>
             <a:fld id="{0B7FCA78-F67D-4C9F-A032-C0A6CEF2EF96}" type="slidenum">
               <a:rPr lang="en-DE" smtClean="0"/>
-              <a:t>7</a:t>
+              <a:t>8</a:t>
             </a:fld>
             <a:endParaRPr lang="en-DE"/>
           </a:p>
@@ -986,7 +987,7 @@
           <a:p>
             <a:fld id="{0B7FCA78-F67D-4C9F-A032-C0A6CEF2EF96}" type="slidenum">
               <a:rPr lang="en-DE" smtClean="0"/>
-              <a:t>8</a:t>
+              <a:t>9</a:t>
             </a:fld>
             <a:endParaRPr lang="en-DE"/>
           </a:p>
@@ -1154,7 +1155,7 @@
           <a:p>
             <a:fld id="{8BCA8B54-44FD-4BC2-950D-8D2D192923EF}" type="datetimeFigureOut">
               <a:rPr lang="en-DE" smtClean="0"/>
-              <a:t>25/11/2021</a:t>
+              <a:t>26/11/2021</a:t>
             </a:fld>
             <a:endParaRPr lang="en-DE"/>
           </a:p>
@@ -1354,7 +1355,7 @@
           <a:p>
             <a:fld id="{8BCA8B54-44FD-4BC2-950D-8D2D192923EF}" type="datetimeFigureOut">
               <a:rPr lang="en-DE" smtClean="0"/>
-              <a:t>25/11/2021</a:t>
+              <a:t>26/11/2021</a:t>
             </a:fld>
             <a:endParaRPr lang="en-DE"/>
           </a:p>
@@ -1564,7 +1565,7 @@
           <a:p>
             <a:fld id="{8BCA8B54-44FD-4BC2-950D-8D2D192923EF}" type="datetimeFigureOut">
               <a:rPr lang="en-DE" smtClean="0"/>
-              <a:t>25/11/2021</a:t>
+              <a:t>26/11/2021</a:t>
             </a:fld>
             <a:endParaRPr lang="en-DE"/>
           </a:p>
@@ -1764,7 +1765,7 @@
           <a:p>
             <a:fld id="{8BCA8B54-44FD-4BC2-950D-8D2D192923EF}" type="datetimeFigureOut">
               <a:rPr lang="en-DE" smtClean="0"/>
-              <a:t>25/11/2021</a:t>
+              <a:t>26/11/2021</a:t>
             </a:fld>
             <a:endParaRPr lang="en-DE"/>
           </a:p>
@@ -2040,7 +2041,7 @@
           <a:p>
             <a:fld id="{8BCA8B54-44FD-4BC2-950D-8D2D192923EF}" type="datetimeFigureOut">
               <a:rPr lang="en-DE" smtClean="0"/>
-              <a:t>25/11/2021</a:t>
+              <a:t>26/11/2021</a:t>
             </a:fld>
             <a:endParaRPr lang="en-DE"/>
           </a:p>
@@ -2308,7 +2309,7 @@
           <a:p>
             <a:fld id="{8BCA8B54-44FD-4BC2-950D-8D2D192923EF}" type="datetimeFigureOut">
               <a:rPr lang="en-DE" smtClean="0"/>
-              <a:t>25/11/2021</a:t>
+              <a:t>26/11/2021</a:t>
             </a:fld>
             <a:endParaRPr lang="en-DE"/>
           </a:p>
@@ -2723,7 +2724,7 @@
           <a:p>
             <a:fld id="{8BCA8B54-44FD-4BC2-950D-8D2D192923EF}" type="datetimeFigureOut">
               <a:rPr lang="en-DE" smtClean="0"/>
-              <a:t>25/11/2021</a:t>
+              <a:t>26/11/2021</a:t>
             </a:fld>
             <a:endParaRPr lang="en-DE"/>
           </a:p>
@@ -2865,7 +2866,7 @@
           <a:p>
             <a:fld id="{8BCA8B54-44FD-4BC2-950D-8D2D192923EF}" type="datetimeFigureOut">
               <a:rPr lang="en-DE" smtClean="0"/>
-              <a:t>25/11/2021</a:t>
+              <a:t>26/11/2021</a:t>
             </a:fld>
             <a:endParaRPr lang="en-DE"/>
           </a:p>
@@ -2978,7 +2979,7 @@
           <a:p>
             <a:fld id="{8BCA8B54-44FD-4BC2-950D-8D2D192923EF}" type="datetimeFigureOut">
               <a:rPr lang="en-DE" smtClean="0"/>
-              <a:t>25/11/2021</a:t>
+              <a:t>26/11/2021</a:t>
             </a:fld>
             <a:endParaRPr lang="en-DE"/>
           </a:p>
@@ -3291,7 +3292,7 @@
           <a:p>
             <a:fld id="{8BCA8B54-44FD-4BC2-950D-8D2D192923EF}" type="datetimeFigureOut">
               <a:rPr lang="en-DE" smtClean="0"/>
-              <a:t>25/11/2021</a:t>
+              <a:t>26/11/2021</a:t>
             </a:fld>
             <a:endParaRPr lang="en-DE"/>
           </a:p>
@@ -3580,7 +3581,7 @@
           <a:p>
             <a:fld id="{8BCA8B54-44FD-4BC2-950D-8D2D192923EF}" type="datetimeFigureOut">
               <a:rPr lang="en-DE" smtClean="0"/>
-              <a:t>25/11/2021</a:t>
+              <a:t>26/11/2021</a:t>
             </a:fld>
             <a:endParaRPr lang="en-DE"/>
           </a:p>
@@ -3823,7 +3824,7 @@
           <a:p>
             <a:fld id="{8BCA8B54-44FD-4BC2-950D-8D2D192923EF}" type="datetimeFigureOut">
               <a:rPr lang="en-DE" smtClean="0"/>
-              <a:t>25/11/2021</a:t>
+              <a:t>26/11/2021</a:t>
             </a:fld>
             <a:endParaRPr lang="en-DE"/>
           </a:p>
@@ -6000,81 +6001,21 @@
           <a:chExt cx="0" cy="0"/>
         </a:xfrm>
       </p:grpSpPr>
-      <p:pic>
-        <p:nvPicPr>
-          <p:cNvPr id="11" name="Picture 10">
-            <a:extLst>
-              <a:ext uri="{FF2B5EF4-FFF2-40B4-BE49-F238E27FC236}">
-                <a16:creationId xmlns:a16="http://schemas.microsoft.com/office/drawing/2014/main" id="{5A1140D6-8133-41E8-9C17-332D926D24C5}"/>
-              </a:ext>
-            </a:extLst>
-          </p:cNvPr>
-          <p:cNvPicPr>
-            <a:picLocks noChangeAspect="1"/>
-          </p:cNvPicPr>
+      <p:sp>
+        <p:nvSpPr>
+          <p:cNvPr id="15" name="TextBox 14">
+            <a:extLst>
+              <a:ext uri="{FF2B5EF4-FFF2-40B4-BE49-F238E27FC236}">
+                <a16:creationId xmlns:a16="http://schemas.microsoft.com/office/drawing/2014/main" id="{56B9D942-067C-4AE2-9539-55BC54258A6E}"/>
+              </a:ext>
+            </a:extLst>
+          </p:cNvPr>
+          <p:cNvSpPr txBox="1"/>
           <p:nvPr/>
-        </p:nvPicPr>
-        <p:blipFill>
-          <a:blip r:embed="rId3"/>
-          <a:stretch>
-            <a:fillRect/>
-          </a:stretch>
-        </p:blipFill>
+        </p:nvSpPr>
         <p:spPr>
           <a:xfrm>
-            <a:off x="5400943" y="3266213"/>
-            <a:ext cx="6791058" cy="3591787"/>
-          </a:xfrm>
-          <a:prstGeom prst="rect">
-            <a:avLst/>
-          </a:prstGeom>
-        </p:spPr>
-      </p:pic>
-      <p:pic>
-        <p:nvPicPr>
-          <p:cNvPr id="13" name="Picture 12">
-            <a:extLst>
-              <a:ext uri="{FF2B5EF4-FFF2-40B4-BE49-F238E27FC236}">
-                <a16:creationId xmlns:a16="http://schemas.microsoft.com/office/drawing/2014/main" id="{49A179C3-5942-4560-A743-946F7157A910}"/>
-              </a:ext>
-            </a:extLst>
-          </p:cNvPr>
-          <p:cNvPicPr>
-            <a:picLocks noChangeAspect="1"/>
-          </p:cNvPicPr>
-          <p:nvPr/>
-        </p:nvPicPr>
-        <p:blipFill>
-          <a:blip r:embed="rId4"/>
-          <a:stretch>
-            <a:fillRect/>
-          </a:stretch>
-        </p:blipFill>
-        <p:spPr>
-          <a:xfrm>
-            <a:off x="0" y="0"/>
-            <a:ext cx="6892587" cy="3597779"/>
-          </a:xfrm>
-          <a:prstGeom prst="rect">
-            <a:avLst/>
-          </a:prstGeom>
-        </p:spPr>
-      </p:pic>
-      <p:sp>
-        <p:nvSpPr>
-          <p:cNvPr id="14" name="TextBox 13">
-            <a:extLst>
-              <a:ext uri="{FF2B5EF4-FFF2-40B4-BE49-F238E27FC236}">
-                <a16:creationId xmlns:a16="http://schemas.microsoft.com/office/drawing/2014/main" id="{BF78B38B-73C9-4291-BD67-9B5183FA6FEB}"/>
-              </a:ext>
-            </a:extLst>
-          </p:cNvPr>
-          <p:cNvSpPr txBox="1"/>
-          <p:nvPr/>
-        </p:nvSpPr>
-        <p:spPr>
-          <a:xfrm>
-            <a:off x="5835597" y="1433052"/>
+            <a:off x="3583383" y="3028890"/>
             <a:ext cx="4546363" cy="400110"/>
           </a:xfrm>
           <a:prstGeom prst="rect">
@@ -6093,59 +6034,15 @@
               <a:rPr lang="en-US" sz="2000" dirty="0">
                 <a:latin typeface="Maison Neue Book"/>
               </a:rPr>
-              <a:t>successful</a:t>
-            </a:r>
-            <a:endParaRPr lang="en-US" sz="1600" dirty="0">
-              <a:latin typeface="Maison Neue Book"/>
-            </a:endParaRPr>
-          </a:p>
-        </p:txBody>
-      </p:sp>
-      <p:sp>
-        <p:nvSpPr>
-          <p:cNvPr id="15" name="TextBox 14">
-            <a:extLst>
-              <a:ext uri="{FF2B5EF4-FFF2-40B4-BE49-F238E27FC236}">
-                <a16:creationId xmlns:a16="http://schemas.microsoft.com/office/drawing/2014/main" id="{56B9D942-067C-4AE2-9539-55BC54258A6E}"/>
-              </a:ext>
-            </a:extLst>
-          </p:cNvPr>
-          <p:cNvSpPr txBox="1"/>
-          <p:nvPr/>
-        </p:nvSpPr>
-        <p:spPr>
-          <a:xfrm>
-            <a:off x="1962927" y="4827779"/>
-            <a:ext cx="4546363" cy="400110"/>
-          </a:xfrm>
-          <a:prstGeom prst="rect">
-            <a:avLst/>
-          </a:prstGeom>
-          <a:noFill/>
-        </p:spPr>
-        <p:txBody>
-          <a:bodyPr wrap="square" rtlCol="0">
-            <a:spAutoFit/>
-          </a:bodyPr>
-          <a:lstStyle/>
-          <a:p>
-            <a:pPr algn="ctr"/>
-            <a:r>
-              <a:rPr lang="en-US" sz="2000" dirty="0">
-                <a:latin typeface="Maison Neue Book"/>
-              </a:rPr>
-              <a:t>failed</a:t>
-            </a:r>
-            <a:endParaRPr lang="en-US" sz="1600" dirty="0">
-              <a:latin typeface="Maison Neue Book"/>
-            </a:endParaRPr>
+              <a:t>Go step by step through the fail prediction</a:t>
+            </a:r>
           </a:p>
         </p:txBody>
       </p:sp>
     </p:spTree>
     <p:extLst>
       <p:ext uri="{BB962C8B-B14F-4D97-AF65-F5344CB8AC3E}">
-        <p14:creationId xmlns:p14="http://schemas.microsoft.com/office/powerpoint/2010/main" val="629496097"/>
+        <p14:creationId xmlns:p14="http://schemas.microsoft.com/office/powerpoint/2010/main" val="3294975252"/>
       </p:ext>
     </p:extLst>
   </p:cSld>
@@ -6172,6 +6069,178 @@
           <a:chExt cx="0" cy="0"/>
         </a:xfrm>
       </p:grpSpPr>
+      <p:pic>
+        <p:nvPicPr>
+          <p:cNvPr id="11" name="Picture 10">
+            <a:extLst>
+              <a:ext uri="{FF2B5EF4-FFF2-40B4-BE49-F238E27FC236}">
+                <a16:creationId xmlns:a16="http://schemas.microsoft.com/office/drawing/2014/main" id="{5A1140D6-8133-41E8-9C17-332D926D24C5}"/>
+              </a:ext>
+            </a:extLst>
+          </p:cNvPr>
+          <p:cNvPicPr>
+            <a:picLocks noChangeAspect="1"/>
+          </p:cNvPicPr>
+          <p:nvPr/>
+        </p:nvPicPr>
+        <p:blipFill>
+          <a:blip r:embed="rId3"/>
+          <a:stretch>
+            <a:fillRect/>
+          </a:stretch>
+        </p:blipFill>
+        <p:spPr>
+          <a:xfrm>
+            <a:off x="5400943" y="3266213"/>
+            <a:ext cx="6791058" cy="3591787"/>
+          </a:xfrm>
+          <a:prstGeom prst="rect">
+            <a:avLst/>
+          </a:prstGeom>
+        </p:spPr>
+      </p:pic>
+      <p:pic>
+        <p:nvPicPr>
+          <p:cNvPr id="13" name="Picture 12">
+            <a:extLst>
+              <a:ext uri="{FF2B5EF4-FFF2-40B4-BE49-F238E27FC236}">
+                <a16:creationId xmlns:a16="http://schemas.microsoft.com/office/drawing/2014/main" id="{49A179C3-5942-4560-A743-946F7157A910}"/>
+              </a:ext>
+            </a:extLst>
+          </p:cNvPr>
+          <p:cNvPicPr>
+            <a:picLocks noChangeAspect="1"/>
+          </p:cNvPicPr>
+          <p:nvPr/>
+        </p:nvPicPr>
+        <p:blipFill>
+          <a:blip r:embed="rId4"/>
+          <a:stretch>
+            <a:fillRect/>
+          </a:stretch>
+        </p:blipFill>
+        <p:spPr>
+          <a:xfrm>
+            <a:off x="0" y="0"/>
+            <a:ext cx="6892587" cy="3597779"/>
+          </a:xfrm>
+          <a:prstGeom prst="rect">
+            <a:avLst/>
+          </a:prstGeom>
+        </p:spPr>
+      </p:pic>
+      <p:sp>
+        <p:nvSpPr>
+          <p:cNvPr id="14" name="TextBox 13">
+            <a:extLst>
+              <a:ext uri="{FF2B5EF4-FFF2-40B4-BE49-F238E27FC236}">
+                <a16:creationId xmlns:a16="http://schemas.microsoft.com/office/drawing/2014/main" id="{BF78B38B-73C9-4291-BD67-9B5183FA6FEB}"/>
+              </a:ext>
+            </a:extLst>
+          </p:cNvPr>
+          <p:cNvSpPr txBox="1"/>
+          <p:nvPr/>
+        </p:nvSpPr>
+        <p:spPr>
+          <a:xfrm>
+            <a:off x="5835597" y="1433052"/>
+            <a:ext cx="4546363" cy="400110"/>
+          </a:xfrm>
+          <a:prstGeom prst="rect">
+            <a:avLst/>
+          </a:prstGeom>
+          <a:noFill/>
+        </p:spPr>
+        <p:txBody>
+          <a:bodyPr wrap="square" rtlCol="0">
+            <a:spAutoFit/>
+          </a:bodyPr>
+          <a:lstStyle/>
+          <a:p>
+            <a:pPr algn="ctr"/>
+            <a:r>
+              <a:rPr lang="en-US" sz="2000" dirty="0">
+                <a:latin typeface="Maison Neue Book"/>
+              </a:rPr>
+              <a:t>successful</a:t>
+            </a:r>
+            <a:endParaRPr lang="en-US" sz="1600" dirty="0">
+              <a:latin typeface="Maison Neue Book"/>
+            </a:endParaRPr>
+          </a:p>
+        </p:txBody>
+      </p:sp>
+      <p:sp>
+        <p:nvSpPr>
+          <p:cNvPr id="15" name="TextBox 14">
+            <a:extLst>
+              <a:ext uri="{FF2B5EF4-FFF2-40B4-BE49-F238E27FC236}">
+                <a16:creationId xmlns:a16="http://schemas.microsoft.com/office/drawing/2014/main" id="{56B9D942-067C-4AE2-9539-55BC54258A6E}"/>
+              </a:ext>
+            </a:extLst>
+          </p:cNvPr>
+          <p:cNvSpPr txBox="1"/>
+          <p:nvPr/>
+        </p:nvSpPr>
+        <p:spPr>
+          <a:xfrm>
+            <a:off x="1962927" y="4827779"/>
+            <a:ext cx="4546363" cy="400110"/>
+          </a:xfrm>
+          <a:prstGeom prst="rect">
+            <a:avLst/>
+          </a:prstGeom>
+          <a:noFill/>
+        </p:spPr>
+        <p:txBody>
+          <a:bodyPr wrap="square" rtlCol="0">
+            <a:spAutoFit/>
+          </a:bodyPr>
+          <a:lstStyle/>
+          <a:p>
+            <a:pPr algn="ctr"/>
+            <a:r>
+              <a:rPr lang="en-US" sz="2000" dirty="0">
+                <a:latin typeface="Maison Neue Book"/>
+              </a:rPr>
+              <a:t>failed</a:t>
+            </a:r>
+            <a:endParaRPr lang="en-US" sz="1600" dirty="0">
+              <a:latin typeface="Maison Neue Book"/>
+            </a:endParaRPr>
+          </a:p>
+        </p:txBody>
+      </p:sp>
+    </p:spTree>
+    <p:extLst>
+      <p:ext uri="{BB962C8B-B14F-4D97-AF65-F5344CB8AC3E}">
+        <p14:creationId xmlns:p14="http://schemas.microsoft.com/office/powerpoint/2010/main" val="629496097"/>
+      </p:ext>
+    </p:extLst>
+  </p:cSld>
+  <p:clrMapOvr>
+    <a:masterClrMapping/>
+  </p:clrMapOvr>
+</p:sld>
+</file>
+
+<file path=ppt/slides/slide8.xml><?xml version="1.0" encoding="utf-8"?>
+<p:sld xmlns:a="http://schemas.openxmlformats.org/drawingml/2006/main" xmlns:r="http://schemas.openxmlformats.org/officeDocument/2006/relationships" xmlns:p="http://schemas.openxmlformats.org/presentationml/2006/main">
+  <p:cSld>
+    <p:spTree>
+      <p:nvGrpSpPr>
+        <p:cNvPr id="1" name=""/>
+        <p:cNvGrpSpPr/>
+        <p:nvPr/>
+      </p:nvGrpSpPr>
+      <p:grpSpPr>
+        <a:xfrm>
+          <a:off x="0" y="0"/>
+          <a:ext cx="0" cy="0"/>
+          <a:chOff x="0" y="0"/>
+          <a:chExt cx="0" cy="0"/>
+        </a:xfrm>
+      </p:grpSpPr>
       <p:sp>
         <p:nvSpPr>
           <p:cNvPr id="15" name="TextBox 14">
@@ -6244,7 +6313,7 @@
 </p:sld>
 </file>
 
-<file path=ppt/slides/slide8.xml><?xml version="1.0" encoding="utf-8"?>
+<file path=ppt/slides/slide9.xml><?xml version="1.0" encoding="utf-8"?>
 <p:sld xmlns:a="http://schemas.openxmlformats.org/drawingml/2006/main" xmlns:r="http://schemas.openxmlformats.org/officeDocument/2006/relationships" xmlns:p="http://schemas.openxmlformats.org/presentationml/2006/main">
   <p:cSld>
     <p:spTree>

--- a/kickstarter_presentation.pptx
+++ b/kickstarter_presentation.pptx
@@ -5,7 +5,7 @@
     <p:sldMasterId id="2147483648" r:id="rId1"/>
   </p:sldMasterIdLst>
   <p:notesMasterIdLst>
-    <p:notesMasterId r:id="rId11"/>
+    <p:notesMasterId r:id="rId15"/>
   </p:notesMasterIdLst>
   <p:sldIdLst>
     <p:sldId id="258" r:id="rId2"/>
@@ -13,10 +13,14 @@
     <p:sldId id="268" r:id="rId4"/>
     <p:sldId id="269" r:id="rId5"/>
     <p:sldId id="270" r:id="rId6"/>
-    <p:sldId id="271" r:id="rId7"/>
-    <p:sldId id="263" r:id="rId8"/>
-    <p:sldId id="265" r:id="rId9"/>
-    <p:sldId id="260" r:id="rId10"/>
+    <p:sldId id="272" r:id="rId7"/>
+    <p:sldId id="273" r:id="rId8"/>
+    <p:sldId id="275" r:id="rId9"/>
+    <p:sldId id="274" r:id="rId10"/>
+    <p:sldId id="276" r:id="rId11"/>
+    <p:sldId id="271" r:id="rId12"/>
+    <p:sldId id="263" r:id="rId13"/>
+    <p:sldId id="265" r:id="rId14"/>
   </p:sldIdLst>
   <p:sldSz cx="12192000" cy="6858000"/>
   <p:notesSz cx="6858000" cy="9144000"/>
@@ -519,26 +523,9 @@
           <a:p>
             <a:r>
               <a:rPr lang="en-GB" dirty="0"/>
-              <a:t>No pictures</a:t>
-            </a:r>
-          </a:p>
-          <a:p>
-            <a:r>
-              <a:rPr lang="en-GB" dirty="0"/>
-              <a:t>No videos</a:t>
-            </a:r>
-          </a:p>
-          <a:p>
-            <a:r>
-              <a:rPr lang="en-GB" dirty="0"/>
-              <a:t>No product presentations</a:t>
-            </a:r>
-          </a:p>
-          <a:p>
-            <a:r>
-              <a:rPr lang="en-GB" dirty="0"/>
-              <a:t>No information about ‘reward’ for backing the project</a:t>
-            </a:r>
+              <a:t>Introduction about the project</a:t>
+            </a:r>
+            <a:endParaRPr lang="en-DE" dirty="0"/>
           </a:p>
         </p:txBody>
       </p:sp>
@@ -559,7 +546,7 @@
           <a:p>
             <a:fld id="{0B7FCA78-F67D-4C9F-A032-C0A6CEF2EF96}" type="slidenum">
               <a:rPr lang="en-DE" smtClean="0"/>
-              <a:t>3</a:t>
+              <a:t>1</a:t>
             </a:fld>
             <a:endParaRPr lang="en-DE"/>
           </a:p>
@@ -568,7 +555,203 @@
     </p:spTree>
     <p:extLst>
       <p:ext uri="{BB962C8B-B14F-4D97-AF65-F5344CB8AC3E}">
-        <p14:creationId xmlns:p14="http://schemas.microsoft.com/office/powerpoint/2010/main" val="1477892719"/>
+        <p14:creationId xmlns:p14="http://schemas.microsoft.com/office/powerpoint/2010/main" val="2955046530"/>
+      </p:ext>
+    </p:extLst>
+  </p:cSld>
+  <p:clrMapOvr>
+    <a:masterClrMapping/>
+  </p:clrMapOvr>
+</p:notes>
+</file>
+
+<file path=ppt/notesSlides/notesSlide10.xml><?xml version="1.0" encoding="utf-8"?>
+<p:notes xmlns:a="http://schemas.openxmlformats.org/drawingml/2006/main" xmlns:r="http://schemas.openxmlformats.org/officeDocument/2006/relationships" xmlns:p="http://schemas.openxmlformats.org/presentationml/2006/main">
+  <p:cSld>
+    <p:spTree>
+      <p:nvGrpSpPr>
+        <p:cNvPr id="1" name=""/>
+        <p:cNvGrpSpPr/>
+        <p:nvPr/>
+      </p:nvGrpSpPr>
+      <p:grpSpPr>
+        <a:xfrm>
+          <a:off x="0" y="0"/>
+          <a:ext cx="0" cy="0"/>
+          <a:chOff x="0" y="0"/>
+          <a:chExt cx="0" cy="0"/>
+        </a:xfrm>
+      </p:grpSpPr>
+      <p:sp>
+        <p:nvSpPr>
+          <p:cNvPr id="2" name="Slide Image Placeholder 1"/>
+          <p:cNvSpPr>
+            <a:spLocks noGrp="1" noRot="1" noChangeAspect="1"/>
+          </p:cNvSpPr>
+          <p:nvPr>
+            <p:ph type="sldImg"/>
+          </p:nvPr>
+        </p:nvSpPr>
+        <p:spPr/>
+      </p:sp>
+      <p:sp>
+        <p:nvSpPr>
+          <p:cNvPr id="3" name="Notes Placeholder 2"/>
+          <p:cNvSpPr>
+            <a:spLocks noGrp="1"/>
+          </p:cNvSpPr>
+          <p:nvPr>
+            <p:ph type="body" idx="1"/>
+          </p:nvPr>
+        </p:nvSpPr>
+        <p:spPr/>
+        <p:txBody>
+          <a:bodyPr/>
+          <a:lstStyle/>
+          <a:p>
+            <a:r>
+              <a:rPr lang="en-GB" dirty="0"/>
+              <a:t>Go into success factors</a:t>
+            </a:r>
+            <a:endParaRPr lang="en-DE" dirty="0"/>
+          </a:p>
+        </p:txBody>
+      </p:sp>
+      <p:sp>
+        <p:nvSpPr>
+          <p:cNvPr id="4" name="Slide Number Placeholder 3"/>
+          <p:cNvSpPr>
+            <a:spLocks noGrp="1"/>
+          </p:cNvSpPr>
+          <p:nvPr>
+            <p:ph type="sldNum" sz="quarter" idx="5"/>
+          </p:nvPr>
+        </p:nvSpPr>
+        <p:spPr/>
+        <p:txBody>
+          <a:bodyPr/>
+          <a:lstStyle/>
+          <a:p>
+            <a:fld id="{0B7FCA78-F67D-4C9F-A032-C0A6CEF2EF96}" type="slidenum">
+              <a:rPr lang="en-DE" smtClean="0"/>
+              <a:t>12</a:t>
+            </a:fld>
+            <a:endParaRPr lang="en-DE"/>
+          </a:p>
+        </p:txBody>
+      </p:sp>
+    </p:spTree>
+    <p:extLst>
+      <p:ext uri="{BB962C8B-B14F-4D97-AF65-F5344CB8AC3E}">
+        <p14:creationId xmlns:p14="http://schemas.microsoft.com/office/powerpoint/2010/main" val="2450403800"/>
+      </p:ext>
+    </p:extLst>
+  </p:cSld>
+  <p:clrMapOvr>
+    <a:masterClrMapping/>
+  </p:clrMapOvr>
+</p:notes>
+</file>
+
+<file path=ppt/notesSlides/notesSlide11.xml><?xml version="1.0" encoding="utf-8"?>
+<p:notes xmlns:a="http://schemas.openxmlformats.org/drawingml/2006/main" xmlns:r="http://schemas.openxmlformats.org/officeDocument/2006/relationships" xmlns:p="http://schemas.openxmlformats.org/presentationml/2006/main">
+  <p:cSld>
+    <p:spTree>
+      <p:nvGrpSpPr>
+        <p:cNvPr id="1" name=""/>
+        <p:cNvGrpSpPr/>
+        <p:nvPr/>
+      </p:nvGrpSpPr>
+      <p:grpSpPr>
+        <a:xfrm>
+          <a:off x="0" y="0"/>
+          <a:ext cx="0" cy="0"/>
+          <a:chOff x="0" y="0"/>
+          <a:chExt cx="0" cy="0"/>
+        </a:xfrm>
+      </p:grpSpPr>
+      <p:sp>
+        <p:nvSpPr>
+          <p:cNvPr id="2" name="Slide Image Placeholder 1"/>
+          <p:cNvSpPr>
+            <a:spLocks noGrp="1" noRot="1" noChangeAspect="1"/>
+          </p:cNvSpPr>
+          <p:nvPr>
+            <p:ph type="sldImg"/>
+          </p:nvPr>
+        </p:nvSpPr>
+        <p:spPr/>
+      </p:sp>
+      <p:sp>
+        <p:nvSpPr>
+          <p:cNvPr id="3" name="Notes Placeholder 2"/>
+          <p:cNvSpPr>
+            <a:spLocks noGrp="1"/>
+          </p:cNvSpPr>
+          <p:nvPr>
+            <p:ph type="body" idx="1"/>
+          </p:nvPr>
+        </p:nvSpPr>
+        <p:spPr/>
+        <p:txBody>
+          <a:bodyPr/>
+          <a:lstStyle/>
+          <a:p>
+            <a:pPr marL="0" marR="0" lvl="0" indent="0" algn="l" defTabSz="914400" rtl="0" eaLnBrk="1" fontAlgn="auto" latinLnBrk="0" hangingPunct="1">
+              <a:lnSpc>
+                <a:spcPct val="100000"/>
+              </a:lnSpc>
+              <a:spcBef>
+                <a:spcPts val="0"/>
+              </a:spcBef>
+              <a:spcAft>
+                <a:spcPts val="0"/>
+              </a:spcAft>
+              <a:buClrTx/>
+              <a:buSzTx/>
+              <a:buFontTx/>
+              <a:buNone/>
+              <a:tabLst/>
+              <a:defRPr/>
+            </a:pPr>
+            <a:r>
+              <a:rPr lang="en-GB" dirty="0"/>
+              <a:t>Go into success factors</a:t>
+            </a:r>
+            <a:endParaRPr lang="en-DE" dirty="0"/>
+          </a:p>
+          <a:p>
+            <a:endParaRPr lang="en-DE" dirty="0"/>
+          </a:p>
+        </p:txBody>
+      </p:sp>
+      <p:sp>
+        <p:nvSpPr>
+          <p:cNvPr id="4" name="Slide Number Placeholder 3"/>
+          <p:cNvSpPr>
+            <a:spLocks noGrp="1"/>
+          </p:cNvSpPr>
+          <p:nvPr>
+            <p:ph type="sldNum" sz="quarter" idx="5"/>
+          </p:nvPr>
+        </p:nvSpPr>
+        <p:spPr/>
+        <p:txBody>
+          <a:bodyPr/>
+          <a:lstStyle/>
+          <a:p>
+            <a:fld id="{0B7FCA78-F67D-4C9F-A032-C0A6CEF2EF96}" type="slidenum">
+              <a:rPr lang="en-DE" smtClean="0"/>
+              <a:t>13</a:t>
+            </a:fld>
+            <a:endParaRPr lang="en-DE"/>
+          </a:p>
+        </p:txBody>
+      </p:sp>
+    </p:spTree>
+    <p:extLst>
+      <p:ext uri="{BB962C8B-B14F-4D97-AF65-F5344CB8AC3E}">
+        <p14:creationId xmlns:p14="http://schemas.microsoft.com/office/powerpoint/2010/main" val="1615740010"/>
       </p:ext>
     </p:extLst>
   </p:cSld>
@@ -623,46 +806,175 @@
           <a:lstStyle/>
           <a:p>
             <a:r>
-              <a:rPr lang="en-GB" dirty="0"/>
-              <a:t>best accuracy  82.33%</a:t>
-            </a:r>
-          </a:p>
-          <a:p>
-            <a:r>
-              <a:rPr lang="en-GB" dirty="0"/>
-              <a:t>Tree Classifier - </a:t>
-            </a:r>
-            <a:r>
-              <a:rPr lang="en-GB" dirty="0" err="1"/>
-              <a:t>Winsorize</a:t>
-            </a:r>
-            <a:r>
-              <a:rPr lang="en-GB" dirty="0"/>
-              <a:t> outliers – manual upscaling – </a:t>
-            </a:r>
-            <a:r>
-              <a:rPr lang="en-GB" dirty="0" err="1"/>
-              <a:t>MinMaxScaler</a:t>
-            </a:r>
-            <a:endParaRPr lang="en-GB" dirty="0"/>
-          </a:p>
-          <a:p>
-            <a:endParaRPr lang="en-GB" dirty="0"/>
-          </a:p>
-          <a:p>
-            <a:r>
-              <a:rPr lang="en-GB" dirty="0"/>
-              <a:t>Differentiate on quality depending on success or failure (quality true positives or false negative)</a:t>
-            </a:r>
-          </a:p>
-          <a:p>
-            <a:endParaRPr lang="en-GB" dirty="0"/>
-          </a:p>
-          <a:p>
-            <a:r>
-              <a:rPr lang="en-GB" dirty="0"/>
-              <a:t>Remove boxes to see if we change our mind including the other inputs</a:t>
-            </a:r>
+              <a:rPr lang="en-GB" i="1" dirty="0">
+                <a:solidFill>
+                  <a:srgbClr val="202124"/>
+                </a:solidFill>
+                <a:latin typeface="Maison Neue Book"/>
+              </a:rPr>
+              <a:t>What is Kickstarter?</a:t>
+            </a:r>
+            <a:endParaRPr lang="en-GB" b="0" i="1" dirty="0">
+              <a:solidFill>
+                <a:srgbClr val="202124"/>
+              </a:solidFill>
+              <a:effectLst/>
+              <a:latin typeface="Maison Neue Book"/>
+            </a:endParaRPr>
+          </a:p>
+          <a:p>
+            <a:r>
+              <a:rPr lang="en-GB" b="0" i="1" dirty="0">
+                <a:solidFill>
+                  <a:srgbClr val="202124"/>
+                </a:solidFill>
+                <a:effectLst/>
+                <a:latin typeface="Maison Neue Book"/>
+              </a:rPr>
+              <a:t>‘Kickstarter is </a:t>
+            </a:r>
+            <a:r>
+              <a:rPr lang="en-GB" i="1" dirty="0">
+                <a:solidFill>
+                  <a:srgbClr val="202124"/>
+                </a:solidFill>
+                <a:effectLst/>
+                <a:latin typeface="Maison Neue Book"/>
+              </a:rPr>
+              <a:t>a funding platform for creative projects</a:t>
+            </a:r>
+            <a:r>
+              <a:rPr lang="en-GB" b="0" i="1" dirty="0">
+                <a:solidFill>
+                  <a:srgbClr val="202124"/>
+                </a:solidFill>
+                <a:effectLst/>
+                <a:latin typeface="Maison Neue Book"/>
+              </a:rPr>
+              <a:t>. ... </a:t>
+            </a:r>
+          </a:p>
+          <a:p>
+            <a:r>
+              <a:rPr lang="en-GB" b="0" i="1" dirty="0">
+                <a:solidFill>
+                  <a:srgbClr val="202124"/>
+                </a:solidFill>
+                <a:effectLst/>
+                <a:latin typeface="Maison Neue Book"/>
+              </a:rPr>
+              <a:t>There are different categories like … </a:t>
+            </a:r>
+          </a:p>
+          <a:p>
+            <a:endParaRPr lang="en-GB" b="0" i="1" dirty="0">
+              <a:solidFill>
+                <a:srgbClr val="202124"/>
+              </a:solidFill>
+              <a:effectLst/>
+              <a:latin typeface="Maison Neue Book"/>
+            </a:endParaRPr>
+          </a:p>
+          <a:p>
+            <a:r>
+              <a:rPr lang="en-GB" b="0" i="1" dirty="0">
+                <a:solidFill>
+                  <a:srgbClr val="202124"/>
+                </a:solidFill>
+                <a:effectLst/>
+                <a:latin typeface="Maison Neue Book"/>
+              </a:rPr>
+              <a:t>Every project creator sets their project's funding goal and deadline. </a:t>
+            </a:r>
+          </a:p>
+          <a:p>
+            <a:endParaRPr lang="en-GB" b="0" i="1" dirty="0">
+              <a:solidFill>
+                <a:srgbClr val="202124"/>
+              </a:solidFill>
+              <a:effectLst/>
+              <a:latin typeface="Maison Neue Book"/>
+            </a:endParaRPr>
+          </a:p>
+          <a:p>
+            <a:r>
+              <a:rPr lang="en-GB" b="0" i="1" dirty="0">
+                <a:solidFill>
+                  <a:srgbClr val="202124"/>
+                </a:solidFill>
+                <a:effectLst/>
+                <a:latin typeface="Maison Neue Book"/>
+              </a:rPr>
+              <a:t>If people like the project, they can pledge money to make it happen. </a:t>
+            </a:r>
+          </a:p>
+          <a:p>
+            <a:endParaRPr lang="en-GB" b="0" i="1" dirty="0">
+              <a:solidFill>
+                <a:srgbClr val="202124"/>
+              </a:solidFill>
+              <a:effectLst/>
+              <a:latin typeface="Maison Neue Book"/>
+            </a:endParaRPr>
+          </a:p>
+          <a:p>
+            <a:r>
+              <a:rPr lang="en-GB" b="0" i="1" dirty="0">
+                <a:solidFill>
+                  <a:srgbClr val="202124"/>
+                </a:solidFill>
+                <a:effectLst/>
+                <a:latin typeface="Maison Neue Book"/>
+              </a:rPr>
+              <a:t>Only If the project succeeds in reaching its funding goal, all backers' credit cards are charged when time expires.’</a:t>
+            </a:r>
+          </a:p>
+          <a:p>
+            <a:endParaRPr lang="en-GB" b="0" i="1" dirty="0">
+              <a:solidFill>
+                <a:srgbClr val="202124"/>
+              </a:solidFill>
+              <a:effectLst/>
+              <a:latin typeface="Maison Neue Book"/>
+            </a:endParaRPr>
+          </a:p>
+          <a:p>
+            <a:r>
+              <a:rPr lang="en-GB" b="0" i="1" dirty="0">
+                <a:solidFill>
+                  <a:srgbClr val="202124"/>
+                </a:solidFill>
+                <a:effectLst/>
+                <a:latin typeface="Maison Neue Book"/>
+              </a:rPr>
+              <a:t>The benefit of predicting success of a project could be on both sides: </a:t>
+            </a:r>
+            <a:r>
+              <a:rPr lang="en-GB" b="0" i="1" dirty="0" err="1">
+                <a:solidFill>
+                  <a:srgbClr val="202124"/>
+                </a:solidFill>
+                <a:effectLst/>
+                <a:latin typeface="Maison Neue Book"/>
+              </a:rPr>
+              <a:t>kickstarter</a:t>
+            </a:r>
+            <a:r>
+              <a:rPr lang="en-GB" b="0" i="1" dirty="0">
+                <a:solidFill>
+                  <a:srgbClr val="202124"/>
+                </a:solidFill>
+                <a:effectLst/>
+                <a:latin typeface="Maison Neue Book"/>
+              </a:rPr>
+              <a:t> and project owners – possibly find ways to improve your project?</a:t>
+            </a:r>
+            <a:endParaRPr lang="en-DE" i="1" dirty="0">
+              <a:latin typeface="Maison Neue Book"/>
+            </a:endParaRPr>
+          </a:p>
+          <a:p>
+            <a:endParaRPr lang="en-DE" dirty="0"/>
           </a:p>
         </p:txBody>
       </p:sp>
@@ -683,7 +995,7 @@
           <a:p>
             <a:fld id="{0B7FCA78-F67D-4C9F-A032-C0A6CEF2EF96}" type="slidenum">
               <a:rPr lang="en-DE" smtClean="0"/>
-              <a:t>5</a:t>
+              <a:t>2</a:t>
             </a:fld>
             <a:endParaRPr lang="en-DE"/>
           </a:p>
@@ -692,7 +1004,7 @@
     </p:spTree>
     <p:extLst>
       <p:ext uri="{BB962C8B-B14F-4D97-AF65-F5344CB8AC3E}">
-        <p14:creationId xmlns:p14="http://schemas.microsoft.com/office/powerpoint/2010/main" val="34517861"/>
+        <p14:creationId xmlns:p14="http://schemas.microsoft.com/office/powerpoint/2010/main" val="3348208293"/>
       </p:ext>
     </p:extLst>
   </p:cSld>
@@ -748,9 +1060,26 @@
           <a:p>
             <a:r>
               <a:rPr lang="en-GB" dirty="0"/>
-              <a:t>Go into success factors</a:t>
-            </a:r>
-            <a:endParaRPr lang="en-DE" dirty="0"/>
+              <a:t>No pictures</a:t>
+            </a:r>
+          </a:p>
+          <a:p>
+            <a:r>
+              <a:rPr lang="en-GB" dirty="0"/>
+              <a:t>No videos</a:t>
+            </a:r>
+          </a:p>
+          <a:p>
+            <a:r>
+              <a:rPr lang="en-GB" dirty="0"/>
+              <a:t>No product presentations</a:t>
+            </a:r>
+          </a:p>
+          <a:p>
+            <a:r>
+              <a:rPr lang="en-GB" dirty="0"/>
+              <a:t>No information about ‘reward’ for backing the project</a:t>
+            </a:r>
           </a:p>
         </p:txBody>
       </p:sp>
@@ -771,7 +1100,7 @@
           <a:p>
             <a:fld id="{0B7FCA78-F67D-4C9F-A032-C0A6CEF2EF96}" type="slidenum">
               <a:rPr lang="en-DE" smtClean="0"/>
-              <a:t>7</a:t>
+              <a:t>3</a:t>
             </a:fld>
             <a:endParaRPr lang="en-DE"/>
           </a:p>
@@ -780,7 +1109,7 @@
     </p:spTree>
     <p:extLst>
       <p:ext uri="{BB962C8B-B14F-4D97-AF65-F5344CB8AC3E}">
-        <p14:creationId xmlns:p14="http://schemas.microsoft.com/office/powerpoint/2010/main" val="2450403800"/>
+        <p14:creationId xmlns:p14="http://schemas.microsoft.com/office/powerpoint/2010/main" val="1477892719"/>
       </p:ext>
     </p:extLst>
   </p:cSld>
@@ -834,31 +1163,47 @@
           <a:bodyPr/>
           <a:lstStyle/>
           <a:p>
-            <a:pPr marL="0" marR="0" lvl="0" indent="0" algn="l" defTabSz="914400" rtl="0" eaLnBrk="1" fontAlgn="auto" latinLnBrk="0" hangingPunct="1">
-              <a:lnSpc>
-                <a:spcPct val="100000"/>
-              </a:lnSpc>
-              <a:spcBef>
-                <a:spcPts val="0"/>
-              </a:spcBef>
-              <a:spcAft>
-                <a:spcPts val="0"/>
-              </a:spcAft>
-              <a:buClrTx/>
-              <a:buSzTx/>
-              <a:buFontTx/>
-              <a:buNone/>
-              <a:tabLst/>
-              <a:defRPr/>
-            </a:pPr>
             <a:r>
               <a:rPr lang="en-GB" dirty="0"/>
-              <a:t>Go into success factors</a:t>
-            </a:r>
-            <a:endParaRPr lang="en-DE" dirty="0"/>
-          </a:p>
-          <a:p>
-            <a:endParaRPr lang="en-DE" dirty="0"/>
+              <a:t>best accuracy  82.33%</a:t>
+            </a:r>
+          </a:p>
+          <a:p>
+            <a:r>
+              <a:rPr lang="en-GB" dirty="0"/>
+              <a:t>Tree Classifier - </a:t>
+            </a:r>
+            <a:r>
+              <a:rPr lang="en-GB" dirty="0" err="1"/>
+              <a:t>Winsorize</a:t>
+            </a:r>
+            <a:r>
+              <a:rPr lang="en-GB" dirty="0"/>
+              <a:t> outliers – manual upscaling – </a:t>
+            </a:r>
+            <a:r>
+              <a:rPr lang="en-GB" dirty="0" err="1"/>
+              <a:t>MinMaxScaler</a:t>
+            </a:r>
+            <a:endParaRPr lang="en-GB" dirty="0"/>
+          </a:p>
+          <a:p>
+            <a:endParaRPr lang="en-GB" dirty="0"/>
+          </a:p>
+          <a:p>
+            <a:r>
+              <a:rPr lang="en-GB" dirty="0"/>
+              <a:t>Differentiate on quality depending on success or failure (quality true positives or false negative)</a:t>
+            </a:r>
+          </a:p>
+          <a:p>
+            <a:endParaRPr lang="en-GB" dirty="0"/>
+          </a:p>
+          <a:p>
+            <a:r>
+              <a:rPr lang="en-GB" dirty="0"/>
+              <a:t>Remove boxes to see if we change our mind including the other inputs</a:t>
+            </a:r>
           </a:p>
         </p:txBody>
       </p:sp>
@@ -879,7 +1224,7 @@
           <a:p>
             <a:fld id="{0B7FCA78-F67D-4C9F-A032-C0A6CEF2EF96}" type="slidenum">
               <a:rPr lang="en-DE" smtClean="0"/>
-              <a:t>8</a:t>
+              <a:t>5</a:t>
             </a:fld>
             <a:endParaRPr lang="en-DE"/>
           </a:p>
@@ -888,7 +1233,7 @@
     </p:spTree>
     <p:extLst>
       <p:ext uri="{BB962C8B-B14F-4D97-AF65-F5344CB8AC3E}">
-        <p14:creationId xmlns:p14="http://schemas.microsoft.com/office/powerpoint/2010/main" val="1615740010"/>
+        <p14:creationId xmlns:p14="http://schemas.microsoft.com/office/powerpoint/2010/main" val="34517861"/>
       </p:ext>
     </p:extLst>
   </p:cSld>
@@ -942,31 +1287,312 @@
           <a:bodyPr/>
           <a:lstStyle/>
           <a:p>
-            <a:pPr marL="0" marR="0" lvl="0" indent="0" algn="l" defTabSz="914400" rtl="0" eaLnBrk="1" fontAlgn="auto" latinLnBrk="0" hangingPunct="1">
-              <a:lnSpc>
-                <a:spcPct val="100000"/>
-              </a:lnSpc>
-              <a:spcBef>
-                <a:spcPts val="0"/>
-              </a:spcBef>
-              <a:spcAft>
-                <a:spcPts val="0"/>
-              </a:spcAft>
-              <a:buClrTx/>
-              <a:buSzTx/>
-              <a:buFontTx/>
-              <a:buNone/>
-              <a:tabLst/>
-              <a:defRPr/>
-            </a:pPr>
             <a:r>
               <a:rPr lang="en-GB" dirty="0"/>
-              <a:t>Go into success factors</a:t>
+              <a:t>Now that we know the project failed let’s take a look what could be the factors</a:t>
+            </a:r>
+          </a:p>
+          <a:p>
+            <a:endParaRPr lang="en-GB" dirty="0"/>
+          </a:p>
+        </p:txBody>
+      </p:sp>
+      <p:sp>
+        <p:nvSpPr>
+          <p:cNvPr id="4" name="Slide Number Placeholder 3"/>
+          <p:cNvSpPr>
+            <a:spLocks noGrp="1"/>
+          </p:cNvSpPr>
+          <p:nvPr>
+            <p:ph type="sldNum" sz="quarter" idx="5"/>
+          </p:nvPr>
+        </p:nvSpPr>
+        <p:spPr/>
+        <p:txBody>
+          <a:bodyPr/>
+          <a:lstStyle/>
+          <a:p>
+            <a:fld id="{0B7FCA78-F67D-4C9F-A032-C0A6CEF2EF96}" type="slidenum">
+              <a:rPr lang="en-DE" smtClean="0"/>
+              <a:t>6</a:t>
+            </a:fld>
+            <a:endParaRPr lang="en-DE"/>
+          </a:p>
+        </p:txBody>
+      </p:sp>
+    </p:spTree>
+    <p:extLst>
+      <p:ext uri="{BB962C8B-B14F-4D97-AF65-F5344CB8AC3E}">
+        <p14:creationId xmlns:p14="http://schemas.microsoft.com/office/powerpoint/2010/main" val="1316175094"/>
+      </p:ext>
+    </p:extLst>
+  </p:cSld>
+  <p:clrMapOvr>
+    <a:masterClrMapping/>
+  </p:clrMapOvr>
+</p:notes>
+</file>
+
+<file path=ppt/notesSlides/notesSlide6.xml><?xml version="1.0" encoding="utf-8"?>
+<p:notes xmlns:a="http://schemas.openxmlformats.org/drawingml/2006/main" xmlns:r="http://schemas.openxmlformats.org/officeDocument/2006/relationships" xmlns:p="http://schemas.openxmlformats.org/presentationml/2006/main">
+  <p:cSld>
+    <p:spTree>
+      <p:nvGrpSpPr>
+        <p:cNvPr id="1" name=""/>
+        <p:cNvGrpSpPr/>
+        <p:nvPr/>
+      </p:nvGrpSpPr>
+      <p:grpSpPr>
+        <a:xfrm>
+          <a:off x="0" y="0"/>
+          <a:ext cx="0" cy="0"/>
+          <a:chOff x="0" y="0"/>
+          <a:chExt cx="0" cy="0"/>
+        </a:xfrm>
+      </p:grpSpPr>
+      <p:sp>
+        <p:nvSpPr>
+          <p:cNvPr id="2" name="Slide Image Placeholder 1"/>
+          <p:cNvSpPr>
+            <a:spLocks noGrp="1" noRot="1" noChangeAspect="1"/>
+          </p:cNvSpPr>
+          <p:nvPr>
+            <p:ph type="sldImg"/>
+          </p:nvPr>
+        </p:nvSpPr>
+        <p:spPr/>
+      </p:sp>
+      <p:sp>
+        <p:nvSpPr>
+          <p:cNvPr id="3" name="Notes Placeholder 2"/>
+          <p:cNvSpPr>
+            <a:spLocks noGrp="1"/>
+          </p:cNvSpPr>
+          <p:nvPr>
+            <p:ph type="body" idx="1"/>
+          </p:nvPr>
+        </p:nvSpPr>
+        <p:spPr/>
+        <p:txBody>
+          <a:bodyPr/>
+          <a:lstStyle/>
+          <a:p>
+            <a:r>
+              <a:rPr lang="en-GB" dirty="0"/>
+              <a:t>Just based on the category our project had a bit higher than average chances of success</a:t>
+            </a:r>
+          </a:p>
+          <a:p>
+            <a:r>
+              <a:rPr lang="en-GB" dirty="0"/>
+              <a:t>Though most funded projects are in categories comics, games, publishing</a:t>
+            </a:r>
+          </a:p>
+          <a:p>
+            <a:r>
+              <a:rPr lang="en-GB" dirty="0"/>
+              <a:t>Least funded projects are in categories food, crafts, journalism</a:t>
             </a:r>
             <a:endParaRPr lang="en-DE" dirty="0"/>
           </a:p>
-          <a:p>
+        </p:txBody>
+      </p:sp>
+      <p:sp>
+        <p:nvSpPr>
+          <p:cNvPr id="4" name="Slide Number Placeholder 3"/>
+          <p:cNvSpPr>
+            <a:spLocks noGrp="1"/>
+          </p:cNvSpPr>
+          <p:nvPr>
+            <p:ph type="sldNum" sz="quarter" idx="5"/>
+          </p:nvPr>
+        </p:nvSpPr>
+        <p:spPr/>
+        <p:txBody>
+          <a:bodyPr/>
+          <a:lstStyle/>
+          <a:p>
+            <a:fld id="{0B7FCA78-F67D-4C9F-A032-C0A6CEF2EF96}" type="slidenum">
+              <a:rPr lang="en-DE" smtClean="0"/>
+              <a:t>7</a:t>
+            </a:fld>
+            <a:endParaRPr lang="en-DE"/>
+          </a:p>
+        </p:txBody>
+      </p:sp>
+    </p:spTree>
+    <p:extLst>
+      <p:ext uri="{BB962C8B-B14F-4D97-AF65-F5344CB8AC3E}">
+        <p14:creationId xmlns:p14="http://schemas.microsoft.com/office/powerpoint/2010/main" val="3367279960"/>
+      </p:ext>
+    </p:extLst>
+  </p:cSld>
+  <p:clrMapOvr>
+    <a:masterClrMapping/>
+  </p:clrMapOvr>
+</p:notes>
+</file>
+
+<file path=ppt/notesSlides/notesSlide7.xml><?xml version="1.0" encoding="utf-8"?>
+<p:notes xmlns:a="http://schemas.openxmlformats.org/drawingml/2006/main" xmlns:r="http://schemas.openxmlformats.org/officeDocument/2006/relationships" xmlns:p="http://schemas.openxmlformats.org/presentationml/2006/main">
+  <p:cSld>
+    <p:spTree>
+      <p:nvGrpSpPr>
+        <p:cNvPr id="1" name=""/>
+        <p:cNvGrpSpPr/>
+        <p:nvPr/>
+      </p:nvGrpSpPr>
+      <p:grpSpPr>
+        <a:xfrm>
+          <a:off x="0" y="0"/>
+          <a:ext cx="0" cy="0"/>
+          <a:chOff x="0" y="0"/>
+          <a:chExt cx="0" cy="0"/>
+        </a:xfrm>
+      </p:grpSpPr>
+      <p:sp>
+        <p:nvSpPr>
+          <p:cNvPr id="2" name="Slide Image Placeholder 1"/>
+          <p:cNvSpPr>
+            <a:spLocks noGrp="1" noRot="1" noChangeAspect="1"/>
+          </p:cNvSpPr>
+          <p:nvPr>
+            <p:ph type="sldImg"/>
+          </p:nvPr>
+        </p:nvSpPr>
+        <p:spPr/>
+      </p:sp>
+      <p:sp>
+        <p:nvSpPr>
+          <p:cNvPr id="3" name="Notes Placeholder 2"/>
+          <p:cNvSpPr>
+            <a:spLocks noGrp="1"/>
+          </p:cNvSpPr>
+          <p:nvPr>
+            <p:ph type="body" idx="1"/>
+          </p:nvPr>
+        </p:nvSpPr>
+        <p:spPr/>
+        <p:txBody>
+          <a:bodyPr/>
+          <a:lstStyle/>
+          <a:p>
+            <a:r>
+              <a:rPr lang="en-GB" dirty="0"/>
+              <a:t>Also based on the country our project had a bit higher than average chances of success</a:t>
+            </a:r>
+          </a:p>
+          <a:p>
+            <a:r>
+              <a:rPr lang="en-GB" dirty="0"/>
+              <a:t>Though most funded projects are from Hong Kong and Great Britain</a:t>
+            </a:r>
+          </a:p>
+          <a:p>
+            <a:r>
+              <a:rPr lang="en-GB" dirty="0"/>
+              <a:t>Least funded projects are from countries Italy, Mexico, Netherlands</a:t>
+            </a:r>
             <a:endParaRPr lang="en-DE" dirty="0"/>
+          </a:p>
+          <a:p>
+            <a:endParaRPr lang="en-DE" dirty="0"/>
+          </a:p>
+        </p:txBody>
+      </p:sp>
+      <p:sp>
+        <p:nvSpPr>
+          <p:cNvPr id="4" name="Slide Number Placeholder 3"/>
+          <p:cNvSpPr>
+            <a:spLocks noGrp="1"/>
+          </p:cNvSpPr>
+          <p:nvPr>
+            <p:ph type="sldNum" sz="quarter" idx="5"/>
+          </p:nvPr>
+        </p:nvSpPr>
+        <p:spPr/>
+        <p:txBody>
+          <a:bodyPr/>
+          <a:lstStyle/>
+          <a:p>
+            <a:fld id="{0B7FCA78-F67D-4C9F-A032-C0A6CEF2EF96}" type="slidenum">
+              <a:rPr lang="en-DE" smtClean="0"/>
+              <a:t>8</a:t>
+            </a:fld>
+            <a:endParaRPr lang="en-DE"/>
+          </a:p>
+        </p:txBody>
+      </p:sp>
+    </p:spTree>
+    <p:extLst>
+      <p:ext uri="{BB962C8B-B14F-4D97-AF65-F5344CB8AC3E}">
+        <p14:creationId xmlns:p14="http://schemas.microsoft.com/office/powerpoint/2010/main" val="1626974159"/>
+      </p:ext>
+    </p:extLst>
+  </p:cSld>
+  <p:clrMapOvr>
+    <a:masterClrMapping/>
+  </p:clrMapOvr>
+</p:notes>
+</file>
+
+<file path=ppt/notesSlides/notesSlide8.xml><?xml version="1.0" encoding="utf-8"?>
+<p:notes xmlns:a="http://schemas.openxmlformats.org/drawingml/2006/main" xmlns:r="http://schemas.openxmlformats.org/officeDocument/2006/relationships" xmlns:p="http://schemas.openxmlformats.org/presentationml/2006/main">
+  <p:cSld>
+    <p:spTree>
+      <p:nvGrpSpPr>
+        <p:cNvPr id="1" name=""/>
+        <p:cNvGrpSpPr/>
+        <p:nvPr/>
+      </p:nvGrpSpPr>
+      <p:grpSpPr>
+        <a:xfrm>
+          <a:off x="0" y="0"/>
+          <a:ext cx="0" cy="0"/>
+          <a:chOff x="0" y="0"/>
+          <a:chExt cx="0" cy="0"/>
+        </a:xfrm>
+      </p:grpSpPr>
+      <p:sp>
+        <p:nvSpPr>
+          <p:cNvPr id="2" name="Slide Image Placeholder 1"/>
+          <p:cNvSpPr>
+            <a:spLocks noGrp="1" noRot="1" noChangeAspect="1"/>
+          </p:cNvSpPr>
+          <p:nvPr>
+            <p:ph type="sldImg"/>
+          </p:nvPr>
+        </p:nvSpPr>
+        <p:spPr/>
+      </p:sp>
+      <p:sp>
+        <p:nvSpPr>
+          <p:cNvPr id="3" name="Notes Placeholder 2"/>
+          <p:cNvSpPr>
+            <a:spLocks noGrp="1"/>
+          </p:cNvSpPr>
+          <p:nvPr>
+            <p:ph type="body" idx="1"/>
+          </p:nvPr>
+        </p:nvSpPr>
+        <p:spPr/>
+        <p:txBody>
+          <a:bodyPr/>
+          <a:lstStyle/>
+          <a:p>
+            <a:r>
+              <a:rPr lang="en-GB" dirty="0"/>
+              <a:t>Both graphs show duration in days and goal amount in k USD</a:t>
+            </a:r>
+          </a:p>
+          <a:p>
+            <a:r>
+              <a:rPr lang="en-GB" dirty="0"/>
+              <a:t>The higher the goal amount the less likely it is going to be funded – our example project has a very high goal with almost 150kUSD</a:t>
+            </a:r>
+          </a:p>
+          <a:p>
+            <a:endParaRPr lang="en-GB" dirty="0"/>
           </a:p>
         </p:txBody>
       </p:sp>
@@ -996,7 +1622,95 @@
     </p:spTree>
     <p:extLst>
       <p:ext uri="{BB962C8B-B14F-4D97-AF65-F5344CB8AC3E}">
-        <p14:creationId xmlns:p14="http://schemas.microsoft.com/office/powerpoint/2010/main" val="2000193142"/>
+        <p14:creationId xmlns:p14="http://schemas.microsoft.com/office/powerpoint/2010/main" val="2908534908"/>
+      </p:ext>
+    </p:extLst>
+  </p:cSld>
+  <p:clrMapOvr>
+    <a:masterClrMapping/>
+  </p:clrMapOvr>
+</p:notes>
+</file>
+
+<file path=ppt/notesSlides/notesSlide9.xml><?xml version="1.0" encoding="utf-8"?>
+<p:notes xmlns:a="http://schemas.openxmlformats.org/drawingml/2006/main" xmlns:r="http://schemas.openxmlformats.org/officeDocument/2006/relationships" xmlns:p="http://schemas.openxmlformats.org/presentationml/2006/main">
+  <p:cSld>
+    <p:spTree>
+      <p:nvGrpSpPr>
+        <p:cNvPr id="1" name=""/>
+        <p:cNvGrpSpPr/>
+        <p:nvPr/>
+      </p:nvGrpSpPr>
+      <p:grpSpPr>
+        <a:xfrm>
+          <a:off x="0" y="0"/>
+          <a:ext cx="0" cy="0"/>
+          <a:chOff x="0" y="0"/>
+          <a:chExt cx="0" cy="0"/>
+        </a:xfrm>
+      </p:grpSpPr>
+      <p:sp>
+        <p:nvSpPr>
+          <p:cNvPr id="2" name="Slide Image Placeholder 1"/>
+          <p:cNvSpPr>
+            <a:spLocks noGrp="1" noRot="1" noChangeAspect="1"/>
+          </p:cNvSpPr>
+          <p:nvPr>
+            <p:ph type="sldImg"/>
+          </p:nvPr>
+        </p:nvSpPr>
+        <p:spPr/>
+      </p:sp>
+      <p:sp>
+        <p:nvSpPr>
+          <p:cNvPr id="3" name="Notes Placeholder 2"/>
+          <p:cNvSpPr>
+            <a:spLocks noGrp="1"/>
+          </p:cNvSpPr>
+          <p:nvPr>
+            <p:ph type="body" idx="1"/>
+          </p:nvPr>
+        </p:nvSpPr>
+        <p:spPr/>
+        <p:txBody>
+          <a:bodyPr/>
+          <a:lstStyle/>
+          <a:p>
+            <a:r>
+              <a:rPr lang="en-GB" dirty="0"/>
+              <a:t>It seems that projects are more successful when they are launch and end the same weekday</a:t>
+            </a:r>
+            <a:endParaRPr lang="en-DE" dirty="0"/>
+          </a:p>
+        </p:txBody>
+      </p:sp>
+      <p:sp>
+        <p:nvSpPr>
+          <p:cNvPr id="4" name="Slide Number Placeholder 3"/>
+          <p:cNvSpPr>
+            <a:spLocks noGrp="1"/>
+          </p:cNvSpPr>
+          <p:nvPr>
+            <p:ph type="sldNum" sz="quarter" idx="5"/>
+          </p:nvPr>
+        </p:nvSpPr>
+        <p:spPr/>
+        <p:txBody>
+          <a:bodyPr/>
+          <a:lstStyle/>
+          <a:p>
+            <a:fld id="{0B7FCA78-F67D-4C9F-A032-C0A6CEF2EF96}" type="slidenum">
+              <a:rPr lang="en-DE" smtClean="0"/>
+              <a:t>10</a:t>
+            </a:fld>
+            <a:endParaRPr lang="en-DE"/>
+          </a:p>
+        </p:txBody>
+      </p:sp>
+    </p:spTree>
+    <p:extLst>
+      <p:ext uri="{BB962C8B-B14F-4D97-AF65-F5344CB8AC3E}">
+        <p14:creationId xmlns:p14="http://schemas.microsoft.com/office/powerpoint/2010/main" val="1896676141"/>
       </p:ext>
     </p:extLst>
   </p:cSld>
@@ -4259,8 +4973,8 @@
         </p:nvSpPr>
         <p:spPr>
           <a:xfrm>
-            <a:off x="1524000" y="4209397"/>
-            <a:ext cx="9144000" cy="1655762"/>
+            <a:off x="740780" y="1894875"/>
+            <a:ext cx="10972800" cy="1655762"/>
           </a:xfrm>
         </p:spPr>
         <p:txBody>
@@ -4269,122 +4983,77 @@
           </a:bodyPr>
           <a:lstStyle/>
           <a:p>
-            <a:r>
-              <a:rPr lang="de-DE" sz="2000" b="1" dirty="0" err="1">
-                <a:latin typeface="Maison Neue Book"/>
-              </a:rPr>
-              <a:t>Objective</a:t>
-            </a:r>
-            <a:endParaRPr lang="de-DE" sz="2000" b="1" dirty="0">
+            <a:endParaRPr lang="de-DE" b="1" dirty="0">
               <a:latin typeface="Maison Neue Book"/>
             </a:endParaRPr>
           </a:p>
           <a:p>
             <a:r>
-              <a:rPr lang="en-US" sz="2000" b="1" dirty="0">
+              <a:rPr lang="en-US" b="1" dirty="0">
                 <a:latin typeface="Maison Neue Book"/>
               </a:rPr>
               <a:t>Predict</a:t>
             </a:r>
             <a:r>
-              <a:rPr lang="de-DE" sz="2000" b="1" dirty="0">
+              <a:rPr lang="de-DE" b="1" dirty="0">
                 <a:latin typeface="Maison Neue Book"/>
               </a:rPr>
               <a:t> </a:t>
             </a:r>
             <a:r>
-              <a:rPr lang="de-DE" sz="2000" b="1" dirty="0" err="1">
+              <a:rPr lang="de-DE" b="1" dirty="0" err="1">
                 <a:latin typeface="Maison Neue Book"/>
               </a:rPr>
               <a:t>if</a:t>
             </a:r>
             <a:r>
-              <a:rPr lang="de-DE" sz="2000" b="1" dirty="0">
+              <a:rPr lang="de-DE" b="1" dirty="0">
                 <a:latin typeface="Maison Neue Book"/>
               </a:rPr>
               <a:t> a </a:t>
             </a:r>
             <a:r>
-              <a:rPr lang="de-DE" sz="2000" b="1" dirty="0" err="1">
+              <a:rPr lang="de-DE" b="1" dirty="0" err="1">
                 <a:latin typeface="Maison Neue Book"/>
               </a:rPr>
               <a:t>project</a:t>
             </a:r>
             <a:r>
-              <a:rPr lang="de-DE" sz="2000" b="1" dirty="0">
+              <a:rPr lang="de-DE" b="1" dirty="0">
                 <a:latin typeface="Maison Neue Book"/>
               </a:rPr>
               <a:t> </a:t>
             </a:r>
             <a:r>
-              <a:rPr lang="de-DE" sz="2000" b="1" dirty="0" err="1">
+              <a:rPr lang="de-DE" b="1" dirty="0" err="1">
                 <a:latin typeface="Maison Neue Book"/>
               </a:rPr>
               <a:t>launched</a:t>
             </a:r>
             <a:r>
-              <a:rPr lang="de-DE" sz="2000" b="1" dirty="0">
+              <a:rPr lang="de-DE" b="1" dirty="0">
                 <a:latin typeface="Maison Neue Book"/>
               </a:rPr>
-              <a:t> on </a:t>
-            </a:r>
-            <a:r>
-              <a:rPr lang="de-DE" sz="2000" b="1" dirty="0" err="1">
+              <a:t> </a:t>
+            </a:r>
+            <a:r>
+              <a:rPr lang="en-US" b="1" dirty="0">
+                <a:latin typeface="Maison Neue Book"/>
+              </a:rPr>
+              <a:t>on </a:t>
+            </a:r>
+            <a:r>
+              <a:rPr lang="en-US" b="1" dirty="0" err="1">
                 <a:latin typeface="Maison Neue Book"/>
               </a:rPr>
               <a:t>kickstarter</a:t>
             </a:r>
             <a:r>
-              <a:rPr lang="de-DE" sz="2000" b="1" dirty="0">
+              <a:rPr lang="en-US" b="1" dirty="0">
                 <a:latin typeface="Maison Neue Book"/>
               </a:rPr>
-              <a:t> will </a:t>
-            </a:r>
-            <a:r>
-              <a:rPr lang="de-DE" sz="2000" b="1" dirty="0" err="1">
-                <a:latin typeface="Maison Neue Book"/>
-              </a:rPr>
-              <a:t>reach</a:t>
-            </a:r>
-            <a:r>
-              <a:rPr lang="de-DE" sz="2000" b="1" dirty="0">
-                <a:latin typeface="Maison Neue Book"/>
-              </a:rPr>
-              <a:t> </a:t>
-            </a:r>
-            <a:r>
-              <a:rPr lang="de-DE" sz="2000" b="1" dirty="0" err="1">
-                <a:latin typeface="Maison Neue Book"/>
-              </a:rPr>
-              <a:t>it‘s</a:t>
-            </a:r>
-            <a:r>
-              <a:rPr lang="de-DE" sz="2000" b="1" dirty="0">
-                <a:latin typeface="Maison Neue Book"/>
-              </a:rPr>
-              <a:t> </a:t>
-            </a:r>
-            <a:r>
-              <a:rPr lang="de-DE" sz="2000" b="1" dirty="0" err="1">
-                <a:latin typeface="Maison Neue Book"/>
-              </a:rPr>
-              <a:t>funding</a:t>
-            </a:r>
-            <a:r>
-              <a:rPr lang="de-DE" sz="2000" b="1" dirty="0">
-                <a:latin typeface="Maison Neue Book"/>
-              </a:rPr>
-              <a:t> </a:t>
-            </a:r>
-            <a:r>
-              <a:rPr lang="de-DE" sz="2000" b="1" dirty="0" err="1">
-                <a:latin typeface="Maison Neue Book"/>
-              </a:rPr>
-              <a:t>goal</a:t>
-            </a:r>
-            <a:endParaRPr lang="en-DE" sz="2000" b="1" dirty="0">
-              <a:latin typeface="Maison Neue Book"/>
-            </a:endParaRPr>
+              <a:t> will reach it‘s funding goal</a:t>
+            </a:r>
           </a:p>
         </p:txBody>
       </p:sp>
@@ -4403,7 +5072,7 @@
           <p:nvPr/>
         </p:nvPicPr>
         <p:blipFill>
-          <a:blip r:embed="rId2">
+          <a:blip r:embed="rId3">
             <a:extLst>
               <a:ext uri="{28A0092B-C50C-407E-A947-70E740481C1C}">
                 <a14:useLocalDpi xmlns:a14="http://schemas.microsoft.com/office/drawing/2010/main" val="0"/>
@@ -4424,256 +5093,600 @@
           </a:prstGeom>
         </p:spPr>
       </p:pic>
-      <p:sp>
-        <p:nvSpPr>
-          <p:cNvPr id="6" name="Subtitle 2">
-            <a:extLst>
-              <a:ext uri="{FF2B5EF4-FFF2-40B4-BE49-F238E27FC236}">
-                <a16:creationId xmlns:a16="http://schemas.microsoft.com/office/drawing/2014/main" id="{87AF9479-1AB6-405B-BFAE-7B1A3C901D1B}"/>
-              </a:ext>
-            </a:extLst>
-          </p:cNvPr>
-          <p:cNvSpPr txBox="1">
-            <a:spLocks/>
-          </p:cNvSpPr>
+    </p:spTree>
+    <p:extLst>
+      <p:ext uri="{BB962C8B-B14F-4D97-AF65-F5344CB8AC3E}">
+        <p14:creationId xmlns:p14="http://schemas.microsoft.com/office/powerpoint/2010/main" val="3548258357"/>
+      </p:ext>
+    </p:extLst>
+  </p:cSld>
+  <p:clrMapOvr>
+    <a:masterClrMapping/>
+  </p:clrMapOvr>
+</p:sld>
+</file>
+
+<file path=ppt/slides/slide10.xml><?xml version="1.0" encoding="utf-8"?>
+<p:sld xmlns:a="http://schemas.openxmlformats.org/drawingml/2006/main" xmlns:r="http://schemas.openxmlformats.org/officeDocument/2006/relationships" xmlns:p="http://schemas.openxmlformats.org/presentationml/2006/main">
+  <p:cSld>
+    <p:spTree>
+      <p:nvGrpSpPr>
+        <p:cNvPr id="1" name=""/>
+        <p:cNvGrpSpPr/>
+        <p:nvPr/>
+      </p:nvGrpSpPr>
+      <p:grpSpPr>
+        <a:xfrm>
+          <a:off x="0" y="0"/>
+          <a:ext cx="0" cy="0"/>
+          <a:chOff x="0" y="0"/>
+          <a:chExt cx="0" cy="0"/>
+        </a:xfrm>
+      </p:grpSpPr>
+      <p:pic>
+        <p:nvPicPr>
+          <p:cNvPr id="5" name="Picture 4">
+            <a:extLst>
+              <a:ext uri="{FF2B5EF4-FFF2-40B4-BE49-F238E27FC236}">
+                <a16:creationId xmlns:a16="http://schemas.microsoft.com/office/drawing/2014/main" id="{2E6D2F49-E1BE-43AA-B199-E0826A25A2A0}"/>
+              </a:ext>
+            </a:extLst>
+          </p:cNvPr>
+          <p:cNvPicPr>
+            <a:picLocks noChangeAspect="1"/>
+          </p:cNvPicPr>
           <p:nvPr/>
-        </p:nvSpPr>
+        </p:nvPicPr>
+        <p:blipFill>
+          <a:blip r:embed="rId3"/>
+          <a:stretch>
+            <a:fillRect/>
+          </a:stretch>
+        </p:blipFill>
         <p:spPr>
           <a:xfrm>
-            <a:off x="1524000" y="1974574"/>
-            <a:ext cx="9144000" cy="1655762"/>
+            <a:off x="1654275" y="1109441"/>
+            <a:ext cx="8623959" cy="4006569"/>
           </a:xfrm>
           <a:prstGeom prst="rect">
             <a:avLst/>
           </a:prstGeom>
         </p:spPr>
-        <p:txBody>
-          <a:bodyPr vert="horz" lIns="91440" tIns="45720" rIns="91440" bIns="45720" rtlCol="0">
-            <a:normAutofit fontScale="92500" lnSpcReduction="10000"/>
-          </a:bodyPr>
-          <a:lstStyle>
-            <a:lvl1pPr marL="0" indent="0" algn="ctr" defTabSz="914400" rtl="0" eaLnBrk="1" latinLnBrk="0" hangingPunct="1">
-              <a:lnSpc>
-                <a:spcPct val="90000"/>
-              </a:lnSpc>
-              <a:spcBef>
-                <a:spcPts val="1000"/>
-              </a:spcBef>
-              <a:buFont typeface="Arial" panose="020B0604020202020204" pitchFamily="34" charset="0"/>
-              <a:buNone/>
-              <a:defRPr sz="2400" kern="1200">
-                <a:solidFill>
-                  <a:schemeClr val="tx1"/>
-                </a:solidFill>
-                <a:latin typeface="+mn-lt"/>
-                <a:ea typeface="+mn-ea"/>
-                <a:cs typeface="+mn-cs"/>
-              </a:defRPr>
-            </a:lvl1pPr>
-            <a:lvl2pPr marL="457200" indent="0" algn="ctr" defTabSz="914400" rtl="0" eaLnBrk="1" latinLnBrk="0" hangingPunct="1">
-              <a:lnSpc>
-                <a:spcPct val="90000"/>
-              </a:lnSpc>
-              <a:spcBef>
-                <a:spcPts val="500"/>
-              </a:spcBef>
-              <a:buFont typeface="Arial" panose="020B0604020202020204" pitchFamily="34" charset="0"/>
-              <a:buNone/>
-              <a:defRPr sz="2000" kern="1200">
-                <a:solidFill>
-                  <a:schemeClr val="tx1"/>
-                </a:solidFill>
-                <a:latin typeface="+mn-lt"/>
-                <a:ea typeface="+mn-ea"/>
-                <a:cs typeface="+mn-cs"/>
-              </a:defRPr>
-            </a:lvl2pPr>
-            <a:lvl3pPr marL="914400" indent="0" algn="ctr" defTabSz="914400" rtl="0" eaLnBrk="1" latinLnBrk="0" hangingPunct="1">
-              <a:lnSpc>
-                <a:spcPct val="90000"/>
-              </a:lnSpc>
-              <a:spcBef>
-                <a:spcPts val="500"/>
-              </a:spcBef>
-              <a:buFont typeface="Arial" panose="020B0604020202020204" pitchFamily="34" charset="0"/>
-              <a:buNone/>
-              <a:defRPr sz="1800" kern="1200">
-                <a:solidFill>
-                  <a:schemeClr val="tx1"/>
-                </a:solidFill>
-                <a:latin typeface="+mn-lt"/>
-                <a:ea typeface="+mn-ea"/>
-                <a:cs typeface="+mn-cs"/>
-              </a:defRPr>
-            </a:lvl3pPr>
-            <a:lvl4pPr marL="1371600" indent="0" algn="ctr" defTabSz="914400" rtl="0" eaLnBrk="1" latinLnBrk="0" hangingPunct="1">
-              <a:lnSpc>
-                <a:spcPct val="90000"/>
-              </a:lnSpc>
-              <a:spcBef>
-                <a:spcPts val="500"/>
-              </a:spcBef>
-              <a:buFont typeface="Arial" panose="020B0604020202020204" pitchFamily="34" charset="0"/>
-              <a:buNone/>
-              <a:defRPr sz="1600" kern="1200">
-                <a:solidFill>
-                  <a:schemeClr val="tx1"/>
-                </a:solidFill>
-                <a:latin typeface="+mn-lt"/>
-                <a:ea typeface="+mn-ea"/>
-                <a:cs typeface="+mn-cs"/>
-              </a:defRPr>
-            </a:lvl4pPr>
-            <a:lvl5pPr marL="1828800" indent="0" algn="ctr" defTabSz="914400" rtl="0" eaLnBrk="1" latinLnBrk="0" hangingPunct="1">
-              <a:lnSpc>
-                <a:spcPct val="90000"/>
-              </a:lnSpc>
-              <a:spcBef>
-                <a:spcPts val="500"/>
-              </a:spcBef>
-              <a:buFont typeface="Arial" panose="020B0604020202020204" pitchFamily="34" charset="0"/>
-              <a:buNone/>
-              <a:defRPr sz="1600" kern="1200">
-                <a:solidFill>
-                  <a:schemeClr val="tx1"/>
-                </a:solidFill>
-                <a:latin typeface="+mn-lt"/>
-                <a:ea typeface="+mn-ea"/>
-                <a:cs typeface="+mn-cs"/>
-              </a:defRPr>
-            </a:lvl5pPr>
-            <a:lvl6pPr marL="2286000" indent="0" algn="ctr" defTabSz="914400" rtl="0" eaLnBrk="1" latinLnBrk="0" hangingPunct="1">
-              <a:lnSpc>
-                <a:spcPct val="90000"/>
-              </a:lnSpc>
-              <a:spcBef>
-                <a:spcPts val="500"/>
-              </a:spcBef>
-              <a:buFont typeface="Arial" panose="020B0604020202020204" pitchFamily="34" charset="0"/>
-              <a:buNone/>
-              <a:defRPr sz="1600" kern="1200">
-                <a:solidFill>
-                  <a:schemeClr val="tx1"/>
-                </a:solidFill>
-                <a:latin typeface="+mn-lt"/>
-                <a:ea typeface="+mn-ea"/>
-                <a:cs typeface="+mn-cs"/>
-              </a:defRPr>
-            </a:lvl6pPr>
-            <a:lvl7pPr marL="2743200" indent="0" algn="ctr" defTabSz="914400" rtl="0" eaLnBrk="1" latinLnBrk="0" hangingPunct="1">
-              <a:lnSpc>
-                <a:spcPct val="90000"/>
-              </a:lnSpc>
-              <a:spcBef>
-                <a:spcPts val="500"/>
-              </a:spcBef>
-              <a:buFont typeface="Arial" panose="020B0604020202020204" pitchFamily="34" charset="0"/>
-              <a:buNone/>
-              <a:defRPr sz="1600" kern="1200">
-                <a:solidFill>
-                  <a:schemeClr val="tx1"/>
-                </a:solidFill>
-                <a:latin typeface="+mn-lt"/>
-                <a:ea typeface="+mn-ea"/>
-                <a:cs typeface="+mn-cs"/>
-              </a:defRPr>
-            </a:lvl7pPr>
-            <a:lvl8pPr marL="3200400" indent="0" algn="ctr" defTabSz="914400" rtl="0" eaLnBrk="1" latinLnBrk="0" hangingPunct="1">
-              <a:lnSpc>
-                <a:spcPct val="90000"/>
-              </a:lnSpc>
-              <a:spcBef>
-                <a:spcPts val="500"/>
-              </a:spcBef>
-              <a:buFont typeface="Arial" panose="020B0604020202020204" pitchFamily="34" charset="0"/>
-              <a:buNone/>
-              <a:defRPr sz="1600" kern="1200">
-                <a:solidFill>
-                  <a:schemeClr val="tx1"/>
-                </a:solidFill>
-                <a:latin typeface="+mn-lt"/>
-                <a:ea typeface="+mn-ea"/>
-                <a:cs typeface="+mn-cs"/>
-              </a:defRPr>
-            </a:lvl8pPr>
-            <a:lvl9pPr marL="3657600" indent="0" algn="ctr" defTabSz="914400" rtl="0" eaLnBrk="1" latinLnBrk="0" hangingPunct="1">
-              <a:lnSpc>
-                <a:spcPct val="90000"/>
-              </a:lnSpc>
-              <a:spcBef>
-                <a:spcPts val="500"/>
-              </a:spcBef>
-              <a:buFont typeface="Arial" panose="020B0604020202020204" pitchFamily="34" charset="0"/>
-              <a:buNone/>
-              <a:defRPr sz="1600" kern="1200">
-                <a:solidFill>
-                  <a:schemeClr val="tx1"/>
-                </a:solidFill>
-                <a:latin typeface="+mn-lt"/>
-                <a:ea typeface="+mn-ea"/>
-                <a:cs typeface="+mn-cs"/>
-              </a:defRPr>
-            </a:lvl9pPr>
-          </a:lstStyle>
-          <a:p>
-            <a:r>
-              <a:rPr lang="en-GB" i="1" dirty="0">
-                <a:solidFill>
-                  <a:srgbClr val="202124"/>
-                </a:solidFill>
-                <a:latin typeface="Maison Neue Book"/>
-              </a:rPr>
-              <a:t>What is Kickstarter?</a:t>
-            </a:r>
-            <a:endParaRPr lang="en-GB" b="0" i="1" dirty="0">
-              <a:solidFill>
-                <a:srgbClr val="202124"/>
-              </a:solidFill>
-              <a:effectLst/>
-              <a:latin typeface="Maison Neue Book"/>
-            </a:endParaRPr>
-          </a:p>
-          <a:p>
-            <a:r>
-              <a:rPr lang="en-GB" b="0" i="1" dirty="0">
-                <a:solidFill>
-                  <a:srgbClr val="202124"/>
-                </a:solidFill>
-                <a:effectLst/>
-                <a:latin typeface="Maison Neue Book"/>
-              </a:rPr>
-              <a:t>‘Kickstarter is </a:t>
-            </a:r>
-            <a:r>
-              <a:rPr lang="en-GB" i="1" dirty="0">
-                <a:solidFill>
-                  <a:srgbClr val="202124"/>
-                </a:solidFill>
-                <a:effectLst/>
-                <a:latin typeface="Maison Neue Book"/>
-              </a:rPr>
-              <a:t>a funding platform for creative projects</a:t>
-            </a:r>
-            <a:r>
-              <a:rPr lang="en-GB" b="0" i="1" dirty="0">
-                <a:solidFill>
-                  <a:srgbClr val="202124"/>
-                </a:solidFill>
-                <a:effectLst/>
-                <a:latin typeface="Maison Neue Book"/>
-              </a:rPr>
-              <a:t>. ... Every project creator sets their project's funding goal and deadline. If people like the project, they can pledge money to make it happen. If the project succeeds in reaching its funding goal, all backers' credit cards are charged when time expires.’</a:t>
-            </a:r>
-            <a:endParaRPr lang="en-DE" i="1" dirty="0">
-              <a:latin typeface="Maison Neue Book"/>
-            </a:endParaRPr>
+      </p:pic>
+      <p:sp>
+        <p:nvSpPr>
+          <p:cNvPr id="6" name="Rectangle 5">
+            <a:extLst>
+              <a:ext uri="{FF2B5EF4-FFF2-40B4-BE49-F238E27FC236}">
+                <a16:creationId xmlns:a16="http://schemas.microsoft.com/office/drawing/2014/main" id="{FEBFC3AF-4BC6-4DCB-A665-841C37FC2037}"/>
+              </a:ext>
+            </a:extLst>
+          </p:cNvPr>
+          <p:cNvSpPr/>
+          <p:nvPr/>
+        </p:nvSpPr>
+        <p:spPr>
+          <a:xfrm>
+            <a:off x="4247908" y="2384385"/>
+            <a:ext cx="995423" cy="497711"/>
+          </a:xfrm>
+          <a:prstGeom prst="rect">
+            <a:avLst/>
+          </a:prstGeom>
+          <a:noFill/>
+          <a:ln w="38100">
+            <a:solidFill>
+              <a:schemeClr val="tx1"/>
+            </a:solidFill>
+          </a:ln>
+        </p:spPr>
+        <p:style>
+          <a:lnRef idx="2">
+            <a:schemeClr val="accent1">
+              <a:shade val="50000"/>
+            </a:schemeClr>
+          </a:lnRef>
+          <a:fillRef idx="1">
+            <a:schemeClr val="accent1"/>
+          </a:fillRef>
+          <a:effectRef idx="0">
+            <a:schemeClr val="accent1"/>
+          </a:effectRef>
+          <a:fontRef idx="minor">
+            <a:schemeClr val="lt1"/>
+          </a:fontRef>
+        </p:style>
+        <p:txBody>
+          <a:bodyPr rtlCol="0" anchor="ctr"/>
+          <a:lstStyle/>
+          <a:p>
+            <a:pPr algn="ctr"/>
+            <a:endParaRPr lang="en-DE"/>
           </a:p>
         </p:txBody>
       </p:sp>
     </p:spTree>
     <p:extLst>
       <p:ext uri="{BB962C8B-B14F-4D97-AF65-F5344CB8AC3E}">
-        <p14:creationId xmlns:p14="http://schemas.microsoft.com/office/powerpoint/2010/main" val="3548258357"/>
+        <p14:creationId xmlns:p14="http://schemas.microsoft.com/office/powerpoint/2010/main" val="930875439"/>
+      </p:ext>
+    </p:extLst>
+  </p:cSld>
+  <p:clrMapOvr>
+    <a:masterClrMapping/>
+  </p:clrMapOvr>
+  <p:timing>
+    <p:tnLst>
+      <p:par>
+        <p:cTn id="1" dur="indefinite" restart="never" nodeType="tmRoot">
+          <p:childTnLst>
+            <p:seq concurrent="1" nextAc="seek">
+              <p:cTn id="2" dur="indefinite" nodeType="mainSeq">
+                <p:childTnLst>
+                  <p:par>
+                    <p:cTn id="3" fill="hold">
+                      <p:stCondLst>
+                        <p:cond delay="indefinite"/>
+                      </p:stCondLst>
+                      <p:childTnLst>
+                        <p:par>
+                          <p:cTn id="4" fill="hold">
+                            <p:stCondLst>
+                              <p:cond delay="0"/>
+                            </p:stCondLst>
+                            <p:childTnLst>
+                              <p:par>
+                                <p:cTn id="5" presetID="6" presetClass="entr" presetSubtype="16" fill="hold" grpId="0" nodeType="clickEffect">
+                                  <p:stCondLst>
+                                    <p:cond delay="0"/>
+                                  </p:stCondLst>
+                                  <p:childTnLst>
+                                    <p:set>
+                                      <p:cBhvr>
+                                        <p:cTn id="6" dur="1" fill="hold">
+                                          <p:stCondLst>
+                                            <p:cond delay="0"/>
+                                          </p:stCondLst>
+                                        </p:cTn>
+                                        <p:tgtEl>
+                                          <p:spTgt spid="6"/>
+                                        </p:tgtEl>
+                                        <p:attrNameLst>
+                                          <p:attrName>style.visibility</p:attrName>
+                                        </p:attrNameLst>
+                                      </p:cBhvr>
+                                      <p:to>
+                                        <p:strVal val="visible"/>
+                                      </p:to>
+                                    </p:set>
+                                    <p:animEffect transition="in" filter="circle(in)">
+                                      <p:cBhvr>
+                                        <p:cTn id="7" dur="2000"/>
+                                        <p:tgtEl>
+                                          <p:spTgt spid="6"/>
+                                        </p:tgtEl>
+                                      </p:cBhvr>
+                                    </p:animEffect>
+                                  </p:childTnLst>
+                                </p:cTn>
+                              </p:par>
+                            </p:childTnLst>
+                          </p:cTn>
+                        </p:par>
+                      </p:childTnLst>
+                    </p:cTn>
+                  </p:par>
+                </p:childTnLst>
+              </p:cTn>
+              <p:prevCondLst>
+                <p:cond evt="onPrev" delay="0">
+                  <p:tgtEl>
+                    <p:sldTgt/>
+                  </p:tgtEl>
+                </p:cond>
+              </p:prevCondLst>
+              <p:nextCondLst>
+                <p:cond evt="onNext" delay="0">
+                  <p:tgtEl>
+                    <p:sldTgt/>
+                  </p:tgtEl>
+                </p:cond>
+              </p:nextCondLst>
+            </p:seq>
+          </p:childTnLst>
+        </p:cTn>
+      </p:par>
+    </p:tnLst>
+    <p:bldLst>
+      <p:bldP spid="6" grpId="0" animBg="1"/>
+    </p:bldLst>
+  </p:timing>
+</p:sld>
+</file>
+
+<file path=ppt/slides/slide11.xml><?xml version="1.0" encoding="utf-8"?>
+<p:sld xmlns:a="http://schemas.openxmlformats.org/drawingml/2006/main" xmlns:r="http://schemas.openxmlformats.org/officeDocument/2006/relationships" xmlns:p="http://schemas.openxmlformats.org/presentationml/2006/main">
+  <p:cSld>
+    <p:spTree>
+      <p:nvGrpSpPr>
+        <p:cNvPr id="1" name=""/>
+        <p:cNvGrpSpPr/>
+        <p:nvPr/>
+      </p:nvGrpSpPr>
+      <p:grpSpPr>
+        <a:xfrm>
+          <a:off x="0" y="0"/>
+          <a:ext cx="0" cy="0"/>
+          <a:chOff x="0" y="0"/>
+          <a:chExt cx="0" cy="0"/>
+        </a:xfrm>
+      </p:grpSpPr>
+      <p:sp>
+        <p:nvSpPr>
+          <p:cNvPr id="15" name="TextBox 14">
+            <a:extLst>
+              <a:ext uri="{FF2B5EF4-FFF2-40B4-BE49-F238E27FC236}">
+                <a16:creationId xmlns:a16="http://schemas.microsoft.com/office/drawing/2014/main" id="{56B9D942-067C-4AE2-9539-55BC54258A6E}"/>
+              </a:ext>
+            </a:extLst>
+          </p:cNvPr>
+          <p:cNvSpPr txBox="1"/>
+          <p:nvPr/>
+        </p:nvSpPr>
+        <p:spPr>
+          <a:xfrm>
+            <a:off x="2662177" y="1223240"/>
+            <a:ext cx="6643867" cy="3170099"/>
+          </a:xfrm>
+          <a:prstGeom prst="rect">
+            <a:avLst/>
+          </a:prstGeom>
+          <a:noFill/>
+        </p:spPr>
+        <p:txBody>
+          <a:bodyPr wrap="square" rtlCol="0">
+            <a:spAutoFit/>
+          </a:bodyPr>
+          <a:lstStyle/>
+          <a:p>
+            <a:pPr algn="ctr"/>
+            <a:r>
+              <a:rPr lang="en-US" sz="2000" dirty="0">
+                <a:latin typeface="Maison Neue Book"/>
+              </a:rPr>
+              <a:t>Go step by step through the fail prediction</a:t>
+            </a:r>
+          </a:p>
+          <a:p>
+            <a:pPr algn="ctr"/>
+            <a:endParaRPr lang="en-US" sz="2000" dirty="0">
+              <a:latin typeface="Maison Neue Book"/>
+            </a:endParaRPr>
+          </a:p>
+          <a:p>
+            <a:pPr algn="ctr"/>
+            <a:r>
+              <a:rPr lang="en-US" sz="2000" dirty="0">
+                <a:latin typeface="Maison Neue Book"/>
+              </a:rPr>
+              <a:t>Certain categories that are more likely to fail</a:t>
+            </a:r>
+          </a:p>
+          <a:p>
+            <a:pPr algn="ctr"/>
+            <a:endParaRPr lang="en-US" sz="2000" dirty="0">
+              <a:latin typeface="Maison Neue Book"/>
+            </a:endParaRPr>
+          </a:p>
+          <a:p>
+            <a:pPr algn="ctr"/>
+            <a:r>
+              <a:rPr lang="en-US" sz="2000" dirty="0">
+                <a:latin typeface="Maison Neue Book"/>
+              </a:rPr>
+              <a:t>Common words in failed projects</a:t>
+            </a:r>
+          </a:p>
+          <a:p>
+            <a:pPr algn="ctr"/>
+            <a:endParaRPr lang="en-US" sz="2000" dirty="0">
+              <a:latin typeface="Maison Neue Book"/>
+            </a:endParaRPr>
+          </a:p>
+          <a:p>
+            <a:pPr algn="ctr"/>
+            <a:r>
+              <a:rPr lang="en-US" sz="2000" dirty="0">
+                <a:latin typeface="Maison Neue Book"/>
+              </a:rPr>
+              <a:t>Goal amounts</a:t>
+            </a:r>
+          </a:p>
+          <a:p>
+            <a:pPr algn="ctr"/>
+            <a:endParaRPr lang="en-US" sz="2000" dirty="0">
+              <a:latin typeface="Maison Neue Book"/>
+            </a:endParaRPr>
+          </a:p>
+          <a:p>
+            <a:pPr algn="ctr"/>
+            <a:endParaRPr lang="en-US" sz="2000" dirty="0">
+              <a:latin typeface="Maison Neue Book"/>
+            </a:endParaRPr>
+          </a:p>
+          <a:p>
+            <a:pPr algn="ctr"/>
+            <a:endParaRPr lang="en-US" sz="2000" dirty="0">
+              <a:latin typeface="Maison Neue Book"/>
+            </a:endParaRPr>
+          </a:p>
+        </p:txBody>
+      </p:sp>
+    </p:spTree>
+    <p:extLst>
+      <p:ext uri="{BB962C8B-B14F-4D97-AF65-F5344CB8AC3E}">
+        <p14:creationId xmlns:p14="http://schemas.microsoft.com/office/powerpoint/2010/main" val="3294975252"/>
+      </p:ext>
+    </p:extLst>
+  </p:cSld>
+  <p:clrMapOvr>
+    <a:masterClrMapping/>
+  </p:clrMapOvr>
+</p:sld>
+</file>
+
+<file path=ppt/slides/slide12.xml><?xml version="1.0" encoding="utf-8"?>
+<p:sld xmlns:a="http://schemas.openxmlformats.org/drawingml/2006/main" xmlns:r="http://schemas.openxmlformats.org/officeDocument/2006/relationships" xmlns:p="http://schemas.openxmlformats.org/presentationml/2006/main">
+  <p:cSld>
+    <p:spTree>
+      <p:nvGrpSpPr>
+        <p:cNvPr id="1" name=""/>
+        <p:cNvGrpSpPr/>
+        <p:nvPr/>
+      </p:nvGrpSpPr>
+      <p:grpSpPr>
+        <a:xfrm>
+          <a:off x="0" y="0"/>
+          <a:ext cx="0" cy="0"/>
+          <a:chOff x="0" y="0"/>
+          <a:chExt cx="0" cy="0"/>
+        </a:xfrm>
+      </p:grpSpPr>
+      <p:pic>
+        <p:nvPicPr>
+          <p:cNvPr id="11" name="Picture 10">
+            <a:extLst>
+              <a:ext uri="{FF2B5EF4-FFF2-40B4-BE49-F238E27FC236}">
+                <a16:creationId xmlns:a16="http://schemas.microsoft.com/office/drawing/2014/main" id="{5A1140D6-8133-41E8-9C17-332D926D24C5}"/>
+              </a:ext>
+            </a:extLst>
+          </p:cNvPr>
+          <p:cNvPicPr>
+            <a:picLocks noChangeAspect="1"/>
+          </p:cNvPicPr>
+          <p:nvPr/>
+        </p:nvPicPr>
+        <p:blipFill>
+          <a:blip r:embed="rId3"/>
+          <a:stretch>
+            <a:fillRect/>
+          </a:stretch>
+        </p:blipFill>
+        <p:spPr>
+          <a:xfrm>
+            <a:off x="5400943" y="3266213"/>
+            <a:ext cx="6791058" cy="3591787"/>
+          </a:xfrm>
+          <a:prstGeom prst="rect">
+            <a:avLst/>
+          </a:prstGeom>
+        </p:spPr>
+      </p:pic>
+      <p:pic>
+        <p:nvPicPr>
+          <p:cNvPr id="13" name="Picture 12">
+            <a:extLst>
+              <a:ext uri="{FF2B5EF4-FFF2-40B4-BE49-F238E27FC236}">
+                <a16:creationId xmlns:a16="http://schemas.microsoft.com/office/drawing/2014/main" id="{49A179C3-5942-4560-A743-946F7157A910}"/>
+              </a:ext>
+            </a:extLst>
+          </p:cNvPr>
+          <p:cNvPicPr>
+            <a:picLocks noChangeAspect="1"/>
+          </p:cNvPicPr>
+          <p:nvPr/>
+        </p:nvPicPr>
+        <p:blipFill>
+          <a:blip r:embed="rId4"/>
+          <a:stretch>
+            <a:fillRect/>
+          </a:stretch>
+        </p:blipFill>
+        <p:spPr>
+          <a:xfrm>
+            <a:off x="0" y="0"/>
+            <a:ext cx="6892587" cy="3597779"/>
+          </a:xfrm>
+          <a:prstGeom prst="rect">
+            <a:avLst/>
+          </a:prstGeom>
+        </p:spPr>
+      </p:pic>
+      <p:sp>
+        <p:nvSpPr>
+          <p:cNvPr id="14" name="TextBox 13">
+            <a:extLst>
+              <a:ext uri="{FF2B5EF4-FFF2-40B4-BE49-F238E27FC236}">
+                <a16:creationId xmlns:a16="http://schemas.microsoft.com/office/drawing/2014/main" id="{BF78B38B-73C9-4291-BD67-9B5183FA6FEB}"/>
+              </a:ext>
+            </a:extLst>
+          </p:cNvPr>
+          <p:cNvSpPr txBox="1"/>
+          <p:nvPr/>
+        </p:nvSpPr>
+        <p:spPr>
+          <a:xfrm>
+            <a:off x="5835597" y="1433052"/>
+            <a:ext cx="4546363" cy="400110"/>
+          </a:xfrm>
+          <a:prstGeom prst="rect">
+            <a:avLst/>
+          </a:prstGeom>
+          <a:noFill/>
+        </p:spPr>
+        <p:txBody>
+          <a:bodyPr wrap="square" rtlCol="0">
+            <a:spAutoFit/>
+          </a:bodyPr>
+          <a:lstStyle/>
+          <a:p>
+            <a:pPr algn="ctr"/>
+            <a:r>
+              <a:rPr lang="en-US" sz="2000" dirty="0">
+                <a:latin typeface="Maison Neue Book"/>
+              </a:rPr>
+              <a:t>successful</a:t>
+            </a:r>
+            <a:endParaRPr lang="en-US" sz="1600" dirty="0">
+              <a:latin typeface="Maison Neue Book"/>
+            </a:endParaRPr>
+          </a:p>
+        </p:txBody>
+      </p:sp>
+      <p:sp>
+        <p:nvSpPr>
+          <p:cNvPr id="15" name="TextBox 14">
+            <a:extLst>
+              <a:ext uri="{FF2B5EF4-FFF2-40B4-BE49-F238E27FC236}">
+                <a16:creationId xmlns:a16="http://schemas.microsoft.com/office/drawing/2014/main" id="{56B9D942-067C-4AE2-9539-55BC54258A6E}"/>
+              </a:ext>
+            </a:extLst>
+          </p:cNvPr>
+          <p:cNvSpPr txBox="1"/>
+          <p:nvPr/>
+        </p:nvSpPr>
+        <p:spPr>
+          <a:xfrm>
+            <a:off x="1962927" y="4827779"/>
+            <a:ext cx="4546363" cy="400110"/>
+          </a:xfrm>
+          <a:prstGeom prst="rect">
+            <a:avLst/>
+          </a:prstGeom>
+          <a:noFill/>
+        </p:spPr>
+        <p:txBody>
+          <a:bodyPr wrap="square" rtlCol="0">
+            <a:spAutoFit/>
+          </a:bodyPr>
+          <a:lstStyle/>
+          <a:p>
+            <a:pPr algn="ctr"/>
+            <a:r>
+              <a:rPr lang="en-US" sz="2000" dirty="0">
+                <a:latin typeface="Maison Neue Book"/>
+              </a:rPr>
+              <a:t>failed</a:t>
+            </a:r>
+            <a:endParaRPr lang="en-US" sz="1600" dirty="0">
+              <a:latin typeface="Maison Neue Book"/>
+            </a:endParaRPr>
+          </a:p>
+        </p:txBody>
+      </p:sp>
+    </p:spTree>
+    <p:extLst>
+      <p:ext uri="{BB962C8B-B14F-4D97-AF65-F5344CB8AC3E}">
+        <p14:creationId xmlns:p14="http://schemas.microsoft.com/office/powerpoint/2010/main" val="629496097"/>
+      </p:ext>
+    </p:extLst>
+  </p:cSld>
+  <p:clrMapOvr>
+    <a:masterClrMapping/>
+  </p:clrMapOvr>
+</p:sld>
+</file>
+
+<file path=ppt/slides/slide13.xml><?xml version="1.0" encoding="utf-8"?>
+<p:sld xmlns:a="http://schemas.openxmlformats.org/drawingml/2006/main" xmlns:r="http://schemas.openxmlformats.org/officeDocument/2006/relationships" xmlns:p="http://schemas.openxmlformats.org/presentationml/2006/main">
+  <p:cSld>
+    <p:spTree>
+      <p:nvGrpSpPr>
+        <p:cNvPr id="1" name=""/>
+        <p:cNvGrpSpPr/>
+        <p:nvPr/>
+      </p:nvGrpSpPr>
+      <p:grpSpPr>
+        <a:xfrm>
+          <a:off x="0" y="0"/>
+          <a:ext cx="0" cy="0"/>
+          <a:chOff x="0" y="0"/>
+          <a:chExt cx="0" cy="0"/>
+        </a:xfrm>
+      </p:grpSpPr>
+      <p:sp>
+        <p:nvSpPr>
+          <p:cNvPr id="15" name="TextBox 14">
+            <a:extLst>
+              <a:ext uri="{FF2B5EF4-FFF2-40B4-BE49-F238E27FC236}">
+                <a16:creationId xmlns:a16="http://schemas.microsoft.com/office/drawing/2014/main" id="{56B9D942-067C-4AE2-9539-55BC54258A6E}"/>
+              </a:ext>
+            </a:extLst>
+          </p:cNvPr>
+          <p:cNvSpPr txBox="1"/>
+          <p:nvPr/>
+        </p:nvSpPr>
+        <p:spPr>
+          <a:xfrm>
+            <a:off x="3518262" y="2443502"/>
+            <a:ext cx="4546363" cy="707886"/>
+          </a:xfrm>
+          <a:prstGeom prst="rect">
+            <a:avLst/>
+          </a:prstGeom>
+          <a:noFill/>
+        </p:spPr>
+        <p:txBody>
+          <a:bodyPr wrap="square" rtlCol="0">
+            <a:spAutoFit/>
+          </a:bodyPr>
+          <a:lstStyle/>
+          <a:p>
+            <a:pPr algn="ctr"/>
+            <a:r>
+              <a:rPr lang="en-US" sz="2000" dirty="0">
+                <a:latin typeface="Maison Neue Book"/>
+              </a:rPr>
+              <a:t>Instead of most common </a:t>
+            </a:r>
+            <a:r>
+              <a:rPr lang="en-US" sz="2000" dirty="0" err="1">
+                <a:latin typeface="Maison Neue Book"/>
+              </a:rPr>
+              <a:t>success_words</a:t>
+            </a:r>
+            <a:r>
+              <a:rPr lang="en-US" sz="2000" dirty="0">
+                <a:latin typeface="Maison Neue Book"/>
+              </a:rPr>
+              <a:t> or </a:t>
+            </a:r>
+            <a:r>
+              <a:rPr lang="en-US" sz="2000" dirty="0" err="1">
+                <a:latin typeface="Maison Neue Book"/>
+              </a:rPr>
+              <a:t>fail_words</a:t>
+            </a:r>
+            <a:endParaRPr lang="en-US" sz="1600" dirty="0">
+              <a:latin typeface="Maison Neue Book"/>
+            </a:endParaRPr>
+          </a:p>
+        </p:txBody>
+      </p:sp>
+    </p:spTree>
+    <p:extLst>
+      <p:ext uri="{BB962C8B-B14F-4D97-AF65-F5344CB8AC3E}">
+        <p14:creationId xmlns:p14="http://schemas.microsoft.com/office/powerpoint/2010/main" val="2785249803"/>
       </p:ext>
     </p:extLst>
   </p:cSld>
@@ -4715,7 +5728,7 @@
           <p:nvPr/>
         </p:nvPicPr>
         <p:blipFill>
-          <a:blip r:embed="rId2"/>
+          <a:blip r:embed="rId3"/>
           <a:stretch>
             <a:fillRect/>
           </a:stretch>
@@ -5748,10 +6761,10 @@
       </p:grpSp>
       <p:sp>
         <p:nvSpPr>
-          <p:cNvPr id="10" name="Rectangle 9">
-            <a:extLst>
-              <a:ext uri="{FF2B5EF4-FFF2-40B4-BE49-F238E27FC236}">
-                <a16:creationId xmlns:a16="http://schemas.microsoft.com/office/drawing/2014/main" id="{4E4FBA45-A9B8-4520-98B8-6C6E1AFCD190}"/>
+          <p:cNvPr id="11" name="Rectangle 10">
+            <a:extLst>
+              <a:ext uri="{FF2B5EF4-FFF2-40B4-BE49-F238E27FC236}">
+                <a16:creationId xmlns:a16="http://schemas.microsoft.com/office/drawing/2014/main" id="{135614A6-64F8-4B98-B2D7-9ED0290AFDE5}"/>
               </a:ext>
             </a:extLst>
           </p:cNvPr>
@@ -5759,62 +6772,18 @@
           <p:nvPr/>
         </p:nvSpPr>
         <p:spPr>
-          <a:xfrm>
-            <a:off x="0" y="-201990"/>
-            <a:ext cx="3304111" cy="1323439"/>
+          <a:xfrm rot="19098529">
+            <a:off x="4954031" y="1977308"/>
+            <a:ext cx="2729697" cy="1323439"/>
           </a:xfrm>
           <a:prstGeom prst="rect">
             <a:avLst/>
           </a:prstGeom>
-          <a:noFill/>
-        </p:spPr>
-        <p:txBody>
-          <a:bodyPr wrap="none" lIns="91440" tIns="45720" rIns="91440" bIns="45720">
-            <a:spAutoFit/>
-          </a:bodyPr>
-          <a:lstStyle/>
-          <a:p>
-            <a:pPr algn="ctr"/>
-            <a:r>
-              <a:rPr lang="en-US" sz="8000" b="0" cap="none" spc="0" dirty="0">
-                <a:ln w="0"/>
-                <a:solidFill>
-                  <a:srgbClr val="00B050"/>
-                </a:solidFill>
-                <a:effectLst>
-                  <a:outerShdw blurRad="38100" dist="19050" dir="2700000" algn="tl" rotWithShape="0">
-                    <a:schemeClr val="dk1">
-                      <a:alpha val="40000"/>
-                    </a:schemeClr>
-                  </a:outerShdw>
-                </a:effectLst>
-              </a:rPr>
-              <a:t>success</a:t>
-            </a:r>
-          </a:p>
-        </p:txBody>
-      </p:sp>
-      <p:sp>
-        <p:nvSpPr>
-          <p:cNvPr id="11" name="Rectangle 10">
-            <a:extLst>
-              <a:ext uri="{FF2B5EF4-FFF2-40B4-BE49-F238E27FC236}">
-                <a16:creationId xmlns:a16="http://schemas.microsoft.com/office/drawing/2014/main" id="{135614A6-64F8-4B98-B2D7-9ED0290AFDE5}"/>
-              </a:ext>
-            </a:extLst>
-          </p:cNvPr>
-          <p:cNvSpPr/>
-          <p:nvPr/>
-        </p:nvSpPr>
-        <p:spPr>
-          <a:xfrm>
-            <a:off x="9653749" y="0"/>
-            <a:ext cx="2928395" cy="1323439"/>
-          </a:xfrm>
-          <a:prstGeom prst="rect">
-            <a:avLst/>
-          </a:prstGeom>
-          <a:noFill/>
+          <a:solidFill>
+            <a:schemeClr val="bg1">
+              <a:lumMod val="95000"/>
+            </a:schemeClr>
+          </a:solidFill>
         </p:spPr>
         <p:txBody>
           <a:bodyPr wrap="square" lIns="91440" tIns="45720" rIns="91440" bIns="45720">
@@ -5873,7 +6842,7 @@
                             </p:stCondLst>
                             <p:childTnLst>
                               <p:par>
-                                <p:cTn id="5" presetID="42" presetClass="entr" presetSubtype="0" fill="hold" nodeType="clickEffect">
+                                <p:cTn id="5" presetID="31" presetClass="entr" presetSubtype="0" fill="hold" grpId="0" nodeType="clickEffect">
                                   <p:stCondLst>
                                     <p:cond delay="0"/>
                                   </p:stCondLst>
@@ -5886,7 +6855,7 @@
                                           </p:stCondLst>
                                         </p:cTn>
                                         <p:tgtEl>
-                                          <p:spTgt spid="9"/>
+                                          <p:spTgt spid="11"/>
                                         </p:tgtEl>
                                         <p:attrNameLst>
                                           <p:attrName>style.visibility</p:attrName>
@@ -5896,33 +6865,48 @@
                                         <p:strVal val="visible"/>
                                       </p:to>
                                     </p:set>
-                                    <p:animEffect transition="in" filter="fade">
-                                      <p:cBhvr>
-                                        <p:cTn id="7" dur="1000"/>
-                                        <p:tgtEl>
-                                          <p:spTgt spid="9"/>
-                                        </p:tgtEl>
-                                      </p:cBhvr>
-                                    </p:animEffect>
                                     <p:anim calcmode="lin" valueType="num">
                                       <p:cBhvr>
-                                        <p:cTn id="8" dur="1000" fill="hold"/>
+                                        <p:cTn id="7" dur="1000" fill="hold"/>
                                         <p:tgtEl>
-                                          <p:spTgt spid="9"/>
+                                          <p:spTgt spid="11"/>
                                         </p:tgtEl>
                                         <p:attrNameLst>
-                                          <p:attrName>ppt_x</p:attrName>
+                                          <p:attrName>ppt_w</p:attrName>
                                         </p:attrNameLst>
                                       </p:cBhvr>
                                       <p:tavLst>
                                         <p:tav tm="0">
                                           <p:val>
-                                            <p:strVal val="#ppt_x"/>
+                                            <p:fltVal val="0"/>
                                           </p:val>
                                         </p:tav>
                                         <p:tav tm="100000">
                                           <p:val>
-                                            <p:strVal val="#ppt_x"/>
+                                            <p:strVal val="#ppt_w"/>
+                                          </p:val>
+                                        </p:tav>
+                                      </p:tavLst>
+                                    </p:anim>
+                                    <p:anim calcmode="lin" valueType="num">
+                                      <p:cBhvr>
+                                        <p:cTn id="8" dur="1000" fill="hold"/>
+                                        <p:tgtEl>
+                                          <p:spTgt spid="11"/>
+                                        </p:tgtEl>
+                                        <p:attrNameLst>
+                                          <p:attrName>ppt_h</p:attrName>
+                                        </p:attrNameLst>
+                                      </p:cBhvr>
+                                      <p:tavLst>
+                                        <p:tav tm="0">
+                                          <p:val>
+                                            <p:fltVal val="0"/>
+                                          </p:val>
+                                        </p:tav>
+                                        <p:tav tm="100000">
+                                          <p:val>
+                                            <p:strVal val="#ppt_h"/>
                                           </p:val>
                                         </p:tav>
                                       </p:tavLst>
@@ -5931,25 +6915,33 @@
                                       <p:cBhvr>
                                         <p:cTn id="9" dur="1000" fill="hold"/>
                                         <p:tgtEl>
-                                          <p:spTgt spid="9"/>
+                                          <p:spTgt spid="11"/>
                                         </p:tgtEl>
                                         <p:attrNameLst>
-                                          <p:attrName>ppt_y</p:attrName>
+                                          <p:attrName>style.rotation</p:attrName>
                                         </p:attrNameLst>
                                       </p:cBhvr>
                                       <p:tavLst>
                                         <p:tav tm="0">
                                           <p:val>
-                                            <p:strVal val="#ppt_y+.1"/>
+                                            <p:fltVal val="90"/>
                                           </p:val>
                                         </p:tav>
                                         <p:tav tm="100000">
                                           <p:val>
-                                            <p:strVal val="#ppt_y"/>
+                                            <p:fltVal val="0"/>
                                           </p:val>
                                         </p:tav>
                                       </p:tavLst>
                                     </p:anim>
+                                    <p:animEffect transition="in" filter="fade">
+                                      <p:cBhvr>
+                                        <p:cTn id="10" dur="1000"/>
+                                        <p:tgtEl>
+                                          <p:spTgt spid="11"/>
+                                        </p:tgtEl>
+                                      </p:cBhvr>
+                                    </p:animEffect>
                                   </p:childTnLst>
                                 </p:cTn>
                               </p:par>
@@ -5980,6 +6972,9 @@
         </p:cTn>
       </p:par>
     </p:tnLst>
+    <p:bldLst>
+      <p:bldP spid="11" grpId="0" animBg="1"/>
+    </p:bldLst>
   </p:timing>
 </p:sld>
 </file>
@@ -6001,40 +6996,337 @@
           <a:chExt cx="0" cy="0"/>
         </a:xfrm>
       </p:grpSpPr>
-      <p:sp>
-        <p:nvSpPr>
-          <p:cNvPr id="15" name="TextBox 14">
-            <a:extLst>
-              <a:ext uri="{FF2B5EF4-FFF2-40B4-BE49-F238E27FC236}">
-                <a16:creationId xmlns:a16="http://schemas.microsoft.com/office/drawing/2014/main" id="{56B9D942-067C-4AE2-9539-55BC54258A6E}"/>
-              </a:ext>
-            </a:extLst>
-          </p:cNvPr>
-          <p:cNvSpPr txBox="1"/>
+      <p:pic>
+        <p:nvPicPr>
+          <p:cNvPr id="3" name="Picture 2">
+            <a:extLst>
+              <a:ext uri="{FF2B5EF4-FFF2-40B4-BE49-F238E27FC236}">
+                <a16:creationId xmlns:a16="http://schemas.microsoft.com/office/drawing/2014/main" id="{0AF34D35-6A5B-46B0-BF9B-504A325ECE5B}"/>
+              </a:ext>
+            </a:extLst>
+          </p:cNvPr>
+          <p:cNvPicPr>
+            <a:picLocks noChangeAspect="1"/>
+          </p:cNvPicPr>
           <p:nvPr/>
-        </p:nvSpPr>
+        </p:nvPicPr>
+        <p:blipFill>
+          <a:blip r:embed="rId3"/>
+          <a:stretch>
+            <a:fillRect/>
+          </a:stretch>
+        </p:blipFill>
         <p:spPr>
           <a:xfrm>
-            <a:off x="3583383" y="3028890"/>
-            <a:ext cx="4546363" cy="400110"/>
+            <a:off x="0" y="459730"/>
+            <a:ext cx="12192000" cy="5938539"/>
           </a:xfrm>
           <a:prstGeom prst="rect">
             <a:avLst/>
           </a:prstGeom>
-          <a:noFill/>
         </p:spPr>
-        <p:txBody>
-          <a:bodyPr wrap="square" rtlCol="0">
+      </p:pic>
+      <p:grpSp>
+        <p:nvGrpSpPr>
+          <p:cNvPr id="9" name="Group 8">
+            <a:extLst>
+              <a:ext uri="{FF2B5EF4-FFF2-40B4-BE49-F238E27FC236}">
+                <a16:creationId xmlns:a16="http://schemas.microsoft.com/office/drawing/2014/main" id="{DDC0C55B-7BF8-4377-8D75-D9F8B6595DCB}"/>
+              </a:ext>
+            </a:extLst>
+          </p:cNvPr>
+          <p:cNvGrpSpPr/>
+          <p:nvPr/>
+        </p:nvGrpSpPr>
+        <p:grpSpPr>
+          <a:xfrm>
+            <a:off x="2048717" y="1759352"/>
+            <a:ext cx="7214888" cy="3298785"/>
+            <a:chOff x="2048717" y="1759352"/>
+            <a:chExt cx="7214888" cy="3298785"/>
+          </a:xfrm>
+        </p:grpSpPr>
+        <p:sp>
+          <p:nvSpPr>
+            <p:cNvPr id="4" name="Rectangle 3">
+              <a:extLst>
+                <a:ext uri="{FF2B5EF4-FFF2-40B4-BE49-F238E27FC236}">
+                  <a16:creationId xmlns:a16="http://schemas.microsoft.com/office/drawing/2014/main" id="{7F4261DD-8F4B-4526-A8CC-2732DEEABFFA}"/>
+                </a:ext>
+              </a:extLst>
+            </p:cNvPr>
+            <p:cNvSpPr/>
+            <p:nvPr/>
+          </p:nvSpPr>
+          <p:spPr>
+            <a:xfrm>
+              <a:off x="2048719" y="1759352"/>
+              <a:ext cx="5312780" cy="3032567"/>
+            </a:xfrm>
+            <a:prstGeom prst="rect">
+              <a:avLst/>
+            </a:prstGeom>
+            <a:solidFill>
+              <a:schemeClr val="bg1">
+                <a:lumMod val="75000"/>
+              </a:schemeClr>
+            </a:solidFill>
+            <a:ln w="38100">
+              <a:solidFill>
+                <a:schemeClr val="bg1">
+                  <a:lumMod val="75000"/>
+                </a:schemeClr>
+              </a:solidFill>
+            </a:ln>
+          </p:spPr>
+          <p:style>
+            <a:lnRef idx="2">
+              <a:schemeClr val="accent1">
+                <a:shade val="50000"/>
+              </a:schemeClr>
+            </a:lnRef>
+            <a:fillRef idx="1">
+              <a:schemeClr val="accent1"/>
+            </a:fillRef>
+            <a:effectRef idx="0">
+              <a:schemeClr val="accent1"/>
+            </a:effectRef>
+            <a:fontRef idx="minor">
+              <a:schemeClr val="lt1"/>
+            </a:fontRef>
+          </p:style>
+          <p:txBody>
+            <a:bodyPr rtlCol="0" anchor="ctr"/>
+            <a:lstStyle/>
+            <a:p>
+              <a:pPr algn="ctr"/>
+              <a:endParaRPr lang="en-DE"/>
+            </a:p>
+          </p:txBody>
+        </p:sp>
+        <p:sp>
+          <p:nvSpPr>
+            <p:cNvPr id="6" name="Rectangle 5">
+              <a:extLst>
+                <a:ext uri="{FF2B5EF4-FFF2-40B4-BE49-F238E27FC236}">
+                  <a16:creationId xmlns:a16="http://schemas.microsoft.com/office/drawing/2014/main" id="{DAAB30C8-5C40-4C68-A148-283D37B863C6}"/>
+                </a:ext>
+              </a:extLst>
+            </p:cNvPr>
+            <p:cNvSpPr/>
+            <p:nvPr/>
+          </p:nvSpPr>
+          <p:spPr>
+            <a:xfrm flipH="1">
+              <a:off x="7465671" y="2372809"/>
+              <a:ext cx="625032" cy="266219"/>
+            </a:xfrm>
+            <a:prstGeom prst="rect">
+              <a:avLst/>
+            </a:prstGeom>
+            <a:solidFill>
+              <a:schemeClr val="bg1">
+                <a:lumMod val="75000"/>
+              </a:schemeClr>
+            </a:solidFill>
+            <a:ln w="38100">
+              <a:solidFill>
+                <a:schemeClr val="bg1">
+                  <a:lumMod val="75000"/>
+                </a:schemeClr>
+              </a:solidFill>
+            </a:ln>
+          </p:spPr>
+          <p:style>
+            <a:lnRef idx="2">
+              <a:schemeClr val="accent1">
+                <a:shade val="50000"/>
+              </a:schemeClr>
+            </a:lnRef>
+            <a:fillRef idx="1">
+              <a:schemeClr val="accent1"/>
+            </a:fillRef>
+            <a:effectRef idx="0">
+              <a:schemeClr val="accent1"/>
+            </a:effectRef>
+            <a:fontRef idx="minor">
+              <a:schemeClr val="lt1"/>
+            </a:fontRef>
+          </p:style>
+          <p:txBody>
+            <a:bodyPr rtlCol="0" anchor="ctr"/>
+            <a:lstStyle/>
+            <a:p>
+              <a:pPr algn="ctr"/>
+              <a:endParaRPr lang="en-DE"/>
+            </a:p>
+          </p:txBody>
+        </p:sp>
+        <p:sp>
+          <p:nvSpPr>
+            <p:cNvPr id="7" name="Rectangle 6">
+              <a:extLst>
+                <a:ext uri="{FF2B5EF4-FFF2-40B4-BE49-F238E27FC236}">
+                  <a16:creationId xmlns:a16="http://schemas.microsoft.com/office/drawing/2014/main" id="{4FEF09B6-5C5A-43FC-82E5-5E21F8698CFD}"/>
+                </a:ext>
+              </a:extLst>
+            </p:cNvPr>
+            <p:cNvSpPr/>
+            <p:nvPr/>
+          </p:nvSpPr>
+          <p:spPr>
+            <a:xfrm flipH="1">
+              <a:off x="7465671" y="1880885"/>
+              <a:ext cx="1797934" cy="266220"/>
+            </a:xfrm>
+            <a:prstGeom prst="rect">
+              <a:avLst/>
+            </a:prstGeom>
+            <a:solidFill>
+              <a:schemeClr val="bg1">
+                <a:lumMod val="75000"/>
+              </a:schemeClr>
+            </a:solidFill>
+            <a:ln w="38100">
+              <a:solidFill>
+                <a:schemeClr val="bg1">
+                  <a:lumMod val="75000"/>
+                </a:schemeClr>
+              </a:solidFill>
+            </a:ln>
+          </p:spPr>
+          <p:style>
+            <a:lnRef idx="2">
+              <a:schemeClr val="accent1">
+                <a:shade val="50000"/>
+              </a:schemeClr>
+            </a:lnRef>
+            <a:fillRef idx="1">
+              <a:schemeClr val="accent1"/>
+            </a:fillRef>
+            <a:effectRef idx="0">
+              <a:schemeClr val="accent1"/>
+            </a:effectRef>
+            <a:fontRef idx="minor">
+              <a:schemeClr val="lt1"/>
+            </a:fontRef>
+          </p:style>
+          <p:txBody>
+            <a:bodyPr rtlCol="0" anchor="ctr"/>
+            <a:lstStyle/>
+            <a:p>
+              <a:pPr algn="ctr"/>
+              <a:endParaRPr lang="en-DE"/>
+            </a:p>
+          </p:txBody>
+        </p:sp>
+        <p:sp>
+          <p:nvSpPr>
+            <p:cNvPr id="8" name="Rectangle 7">
+              <a:extLst>
+                <a:ext uri="{FF2B5EF4-FFF2-40B4-BE49-F238E27FC236}">
+                  <a16:creationId xmlns:a16="http://schemas.microsoft.com/office/drawing/2014/main" id="{D2C8F305-4702-484D-9F24-21707546BE86}"/>
+                </a:ext>
+              </a:extLst>
+            </p:cNvPr>
+            <p:cNvSpPr/>
+            <p:nvPr/>
+          </p:nvSpPr>
+          <p:spPr>
+            <a:xfrm flipH="1">
+              <a:off x="2048717" y="4863293"/>
+              <a:ext cx="821803" cy="194844"/>
+            </a:xfrm>
+            <a:prstGeom prst="rect">
+              <a:avLst/>
+            </a:prstGeom>
+            <a:solidFill>
+              <a:schemeClr val="bg1">
+                <a:lumMod val="75000"/>
+              </a:schemeClr>
+            </a:solidFill>
+            <a:ln w="38100">
+              <a:solidFill>
+                <a:schemeClr val="bg1">
+                  <a:lumMod val="75000"/>
+                </a:schemeClr>
+              </a:solidFill>
+            </a:ln>
+          </p:spPr>
+          <p:style>
+            <a:lnRef idx="2">
+              <a:schemeClr val="accent1">
+                <a:shade val="50000"/>
+              </a:schemeClr>
+            </a:lnRef>
+            <a:fillRef idx="1">
+              <a:schemeClr val="accent1"/>
+            </a:fillRef>
+            <a:effectRef idx="0">
+              <a:schemeClr val="accent1"/>
+            </a:effectRef>
+            <a:fontRef idx="minor">
+              <a:schemeClr val="lt1"/>
+            </a:fontRef>
+          </p:style>
+          <p:txBody>
+            <a:bodyPr rtlCol="0" anchor="ctr"/>
+            <a:lstStyle/>
+            <a:p>
+              <a:pPr algn="ctr"/>
+              <a:endParaRPr lang="en-DE"/>
+            </a:p>
+          </p:txBody>
+        </p:sp>
+      </p:grpSp>
+      <p:sp>
+        <p:nvSpPr>
+          <p:cNvPr id="11" name="Rectangle 10">
+            <a:extLst>
+              <a:ext uri="{FF2B5EF4-FFF2-40B4-BE49-F238E27FC236}">
+                <a16:creationId xmlns:a16="http://schemas.microsoft.com/office/drawing/2014/main" id="{135614A6-64F8-4B98-B2D7-9ED0290AFDE5}"/>
+              </a:ext>
+            </a:extLst>
+          </p:cNvPr>
+          <p:cNvSpPr/>
+          <p:nvPr/>
+        </p:nvSpPr>
+        <p:spPr>
+          <a:xfrm rot="19098529">
+            <a:off x="4954031" y="1977308"/>
+            <a:ext cx="2729697" cy="1323439"/>
+          </a:xfrm>
+          <a:prstGeom prst="rect">
+            <a:avLst/>
+          </a:prstGeom>
+          <a:solidFill>
+            <a:schemeClr val="bg1">
+              <a:lumMod val="95000"/>
+            </a:schemeClr>
+          </a:solidFill>
+        </p:spPr>
+        <p:txBody>
+          <a:bodyPr wrap="square" lIns="91440" tIns="45720" rIns="91440" bIns="45720">
             <a:spAutoFit/>
           </a:bodyPr>
           <a:lstStyle/>
           <a:p>
             <a:pPr algn="ctr"/>
             <a:r>
-              <a:rPr lang="en-US" sz="2000" dirty="0">
-                <a:latin typeface="Maison Neue Book"/>
+              <a:rPr lang="en-US" sz="8000" b="0" cap="none" spc="0" dirty="0">
+                <a:ln w="0"/>
+                <a:solidFill>
+                  <a:srgbClr val="FF0000"/>
+                </a:solidFill>
+                <a:effectLst>
+                  <a:outerShdw blurRad="38100" dist="19050" dir="2700000" algn="tl" rotWithShape="0">
+                    <a:schemeClr val="dk1">
+                      <a:alpha val="40000"/>
+                    </a:schemeClr>
+                  </a:outerShdw>
+                </a:effectLst>
               </a:rPr>
-              <a:t>Go step by step through the fail prediction</a:t>
+              <a:t>fail</a:t>
             </a:r>
           </a:p>
         </p:txBody>
@@ -6042,13 +7334,244 @@
     </p:spTree>
     <p:extLst>
       <p:ext uri="{BB962C8B-B14F-4D97-AF65-F5344CB8AC3E}">
-        <p14:creationId xmlns:p14="http://schemas.microsoft.com/office/powerpoint/2010/main" val="3294975252"/>
+        <p14:creationId xmlns:p14="http://schemas.microsoft.com/office/powerpoint/2010/main" val="2905800062"/>
       </p:ext>
     </p:extLst>
   </p:cSld>
   <p:clrMapOvr>
     <a:masterClrMapping/>
   </p:clrMapOvr>
+  <p:timing>
+    <p:tnLst>
+      <p:par>
+        <p:cTn id="1" dur="indefinite" restart="never" nodeType="tmRoot">
+          <p:childTnLst>
+            <p:seq concurrent="1" nextAc="seek">
+              <p:cTn id="2" dur="indefinite" nodeType="mainSeq">
+                <p:childTnLst>
+                  <p:par>
+                    <p:cTn id="3" fill="hold">
+                      <p:stCondLst>
+                        <p:cond delay="indefinite"/>
+                      </p:stCondLst>
+                      <p:childTnLst>
+                        <p:par>
+                          <p:cTn id="4" fill="hold">
+                            <p:stCondLst>
+                              <p:cond delay="0"/>
+                            </p:stCondLst>
+                            <p:childTnLst>
+                              <p:par>
+                                <p:cTn id="5" presetID="42" presetClass="exit" presetSubtype="0" fill="hold" grpId="0" nodeType="clickEffect">
+                                  <p:stCondLst>
+                                    <p:cond delay="0"/>
+                                  </p:stCondLst>
+                                  <p:childTnLst>
+                                    <p:animEffect transition="out" filter="fade">
+                                      <p:cBhvr>
+                                        <p:cTn id="6" dur="1000"/>
+                                        <p:tgtEl>
+                                          <p:spTgt spid="11"/>
+                                        </p:tgtEl>
+                                      </p:cBhvr>
+                                    </p:animEffect>
+                                    <p:anim calcmode="lin" valueType="num">
+                                      <p:cBhvr>
+                                        <p:cTn id="7" dur="1000"/>
+                                        <p:tgtEl>
+                                          <p:spTgt spid="11"/>
+                                        </p:tgtEl>
+                                        <p:attrNameLst>
+                                          <p:attrName>ppt_x</p:attrName>
+                                        </p:attrNameLst>
+                                      </p:cBhvr>
+                                      <p:tavLst>
+                                        <p:tav tm="0">
+                                          <p:val>
+                                            <p:strVal val="ppt_x"/>
+                                          </p:val>
+                                        </p:tav>
+                                        <p:tav tm="100000">
+                                          <p:val>
+                                            <p:strVal val="ppt_x"/>
+                                          </p:val>
+                                        </p:tav>
+                                      </p:tavLst>
+                                    </p:anim>
+                                    <p:anim calcmode="lin" valueType="num">
+                                      <p:cBhvr>
+                                        <p:cTn id="8" dur="1000"/>
+                                        <p:tgtEl>
+                                          <p:spTgt spid="11"/>
+                                        </p:tgtEl>
+                                        <p:attrNameLst>
+                                          <p:attrName>ppt_y</p:attrName>
+                                        </p:attrNameLst>
+                                      </p:cBhvr>
+                                      <p:tavLst>
+                                        <p:tav tm="0">
+                                          <p:val>
+                                            <p:strVal val="ppt_y"/>
+                                          </p:val>
+                                        </p:tav>
+                                        <p:tav tm="100000">
+                                          <p:val>
+                                            <p:strVal val="ppt_y+.1"/>
+                                          </p:val>
+                                        </p:tav>
+                                      </p:tavLst>
+                                    </p:anim>
+                                    <p:set>
+                                      <p:cBhvr>
+                                        <p:cTn id="9" dur="1" fill="hold">
+                                          <p:stCondLst>
+                                            <p:cond delay="999"/>
+                                          </p:stCondLst>
+                                        </p:cTn>
+                                        <p:tgtEl>
+                                          <p:spTgt spid="11"/>
+                                        </p:tgtEl>
+                                        <p:attrNameLst>
+                                          <p:attrName>style.visibility</p:attrName>
+                                        </p:attrNameLst>
+                                      </p:cBhvr>
+                                      <p:to>
+                                        <p:strVal val="hidden"/>
+                                      </p:to>
+                                    </p:set>
+                                  </p:childTnLst>
+                                </p:cTn>
+                              </p:par>
+                            </p:childTnLst>
+                          </p:cTn>
+                        </p:par>
+                      </p:childTnLst>
+                    </p:cTn>
+                  </p:par>
+                  <p:par>
+                    <p:cTn id="10" fill="hold">
+                      <p:stCondLst>
+                        <p:cond delay="indefinite"/>
+                      </p:stCondLst>
+                      <p:childTnLst>
+                        <p:par>
+                          <p:cTn id="11" fill="hold">
+                            <p:stCondLst>
+                              <p:cond delay="0"/>
+                            </p:stCondLst>
+                            <p:childTnLst>
+                              <p:par>
+                                <p:cTn id="12" presetID="42" presetClass="exit" presetSubtype="0" fill="hold" nodeType="clickEffect">
+                                  <p:stCondLst>
+                                    <p:cond delay="0"/>
+                                  </p:stCondLst>
+                                  <p:childTnLst>
+                                    <p:animEffect transition="out" filter="fade">
+                                      <p:cBhvr>
+                                        <p:cTn id="13" dur="1000"/>
+                                        <p:tgtEl>
+                                          <p:spTgt spid="9"/>
+                                        </p:tgtEl>
+                                      </p:cBhvr>
+                                    </p:animEffect>
+                                    <p:anim calcmode="lin" valueType="num">
+                                      <p:cBhvr>
+                                        <p:cTn id="14" dur="1000"/>
+                                        <p:tgtEl>
+                                          <p:spTgt spid="9"/>
+                                        </p:tgtEl>
+                                        <p:attrNameLst>
+                                          <p:attrName>ppt_x</p:attrName>
+                                        </p:attrNameLst>
+                                      </p:cBhvr>
+                                      <p:tavLst>
+                                        <p:tav tm="0">
+                                          <p:val>
+                                            <p:strVal val="ppt_x"/>
+                                          </p:val>
+                                        </p:tav>
+                                        <p:tav tm="100000">
+                                          <p:val>
+                                            <p:strVal val="ppt_x"/>
+                                          </p:val>
+                                        </p:tav>
+                                      </p:tavLst>
+                                    </p:anim>
+                                    <p:anim calcmode="lin" valueType="num">
+                                      <p:cBhvr>
+                                        <p:cTn id="15" dur="1000"/>
+                                        <p:tgtEl>
+                                          <p:spTgt spid="9"/>
+                                        </p:tgtEl>
+                                        <p:attrNameLst>
+                                          <p:attrName>ppt_y</p:attrName>
+                                        </p:attrNameLst>
+                                      </p:cBhvr>
+                                      <p:tavLst>
+                                        <p:tav tm="0">
+                                          <p:val>
+                                            <p:strVal val="ppt_y"/>
+                                          </p:val>
+                                        </p:tav>
+                                        <p:tav tm="100000">
+                                          <p:val>
+                                            <p:strVal val="ppt_y+.1"/>
+                                          </p:val>
+                                        </p:tav>
+                                      </p:tavLst>
+                                    </p:anim>
+                                    <p:set>
+                                      <p:cBhvr>
+                                        <p:cTn id="16" dur="1" fill="hold">
+                                          <p:stCondLst>
+                                            <p:cond delay="999"/>
+                                          </p:stCondLst>
+                                        </p:cTn>
+                                        <p:tgtEl>
+                                          <p:spTgt spid="9"/>
+                                        </p:tgtEl>
+                                        <p:attrNameLst>
+                                          <p:attrName>style.visibility</p:attrName>
+                                        </p:attrNameLst>
+                                      </p:cBhvr>
+                                      <p:to>
+                                        <p:strVal val="hidden"/>
+                                      </p:to>
+                                    </p:set>
+                                  </p:childTnLst>
+                                </p:cTn>
+                              </p:par>
+                            </p:childTnLst>
+                          </p:cTn>
+                        </p:par>
+                      </p:childTnLst>
+                    </p:cTn>
+                  </p:par>
+                </p:childTnLst>
+              </p:cTn>
+              <p:prevCondLst>
+                <p:cond evt="onPrev" delay="0">
+                  <p:tgtEl>
+                    <p:sldTgt/>
+                  </p:tgtEl>
+                </p:cond>
+              </p:prevCondLst>
+              <p:nextCondLst>
+                <p:cond evt="onNext" delay="0">
+                  <p:tgtEl>
+                    <p:sldTgt/>
+                  </p:tgtEl>
+                </p:cond>
+              </p:nextCondLst>
+            </p:seq>
+          </p:childTnLst>
+        </p:cTn>
+      </p:par>
+    </p:tnLst>
+    <p:bldLst>
+      <p:bldP spid="11" grpId="0" animBg="1"/>
+    </p:bldLst>
+  </p:timing>
 </p:sld>
 </file>
 
@@ -6071,10 +7594,10 @@
       </p:grpSpPr>
       <p:pic>
         <p:nvPicPr>
-          <p:cNvPr id="11" name="Picture 10">
-            <a:extLst>
-              <a:ext uri="{FF2B5EF4-FFF2-40B4-BE49-F238E27FC236}">
-                <a16:creationId xmlns:a16="http://schemas.microsoft.com/office/drawing/2014/main" id="{5A1140D6-8133-41E8-9C17-332D926D24C5}"/>
+          <p:cNvPr id="3" name="Picture 2">
+            <a:extLst>
+              <a:ext uri="{FF2B5EF4-FFF2-40B4-BE49-F238E27FC236}">
+                <a16:creationId xmlns:a16="http://schemas.microsoft.com/office/drawing/2014/main" id="{C7855132-782F-4E1F-A7DE-7C32B9BA41F9}"/>
               </a:ext>
             </a:extLst>
           </p:cNvPr>
@@ -6091,136 +7614,162 @@
         </p:blipFill>
         <p:spPr>
           <a:xfrm>
-            <a:off x="5400943" y="3266213"/>
-            <a:ext cx="6791058" cy="3591787"/>
+            <a:off x="1823859" y="0"/>
+            <a:ext cx="8266489" cy="6858000"/>
           </a:xfrm>
           <a:prstGeom prst="rect">
             <a:avLst/>
           </a:prstGeom>
         </p:spPr>
       </p:pic>
-      <p:pic>
-        <p:nvPicPr>
-          <p:cNvPr id="13" name="Picture 12">
-            <a:extLst>
-              <a:ext uri="{FF2B5EF4-FFF2-40B4-BE49-F238E27FC236}">
-                <a16:creationId xmlns:a16="http://schemas.microsoft.com/office/drawing/2014/main" id="{49A179C3-5942-4560-A743-946F7157A910}"/>
-              </a:ext>
-            </a:extLst>
-          </p:cNvPr>
-          <p:cNvPicPr>
-            <a:picLocks noChangeAspect="1"/>
-          </p:cNvPicPr>
+      <p:sp>
+        <p:nvSpPr>
+          <p:cNvPr id="4" name="Rectangle 3">
+            <a:extLst>
+              <a:ext uri="{FF2B5EF4-FFF2-40B4-BE49-F238E27FC236}">
+                <a16:creationId xmlns:a16="http://schemas.microsoft.com/office/drawing/2014/main" id="{AC0E8F87-CEA8-4E57-A87A-93C7DFC26138}"/>
+              </a:ext>
+            </a:extLst>
+          </p:cNvPr>
+          <p:cNvSpPr/>
           <p:nvPr/>
-        </p:nvPicPr>
-        <p:blipFill>
-          <a:blip r:embed="rId4"/>
-          <a:stretch>
-            <a:fillRect/>
-          </a:stretch>
-        </p:blipFill>
+        </p:nvSpPr>
         <p:spPr>
           <a:xfrm>
-            <a:off x="0" y="0"/>
-            <a:ext cx="6892587" cy="3597779"/>
-          </a:xfrm>
-          <a:prstGeom prst="rect">
-            <a:avLst/>
-          </a:prstGeom>
-        </p:spPr>
-      </p:pic>
-      <p:sp>
-        <p:nvSpPr>
-          <p:cNvPr id="14" name="TextBox 13">
-            <a:extLst>
-              <a:ext uri="{FF2B5EF4-FFF2-40B4-BE49-F238E27FC236}">
-                <a16:creationId xmlns:a16="http://schemas.microsoft.com/office/drawing/2014/main" id="{BF78B38B-73C9-4291-BD67-9B5183FA6FEB}"/>
-              </a:ext>
-            </a:extLst>
-          </p:cNvPr>
-          <p:cNvSpPr txBox="1"/>
-          <p:nvPr/>
-        </p:nvSpPr>
-        <p:spPr>
-          <a:xfrm>
-            <a:off x="5835597" y="1433052"/>
-            <a:ext cx="4546363" cy="400110"/>
+            <a:off x="4409955" y="659757"/>
+            <a:ext cx="625033" cy="6088283"/>
           </a:xfrm>
           <a:prstGeom prst="rect">
             <a:avLst/>
           </a:prstGeom>
           <a:noFill/>
+          <a:ln w="38100">
+            <a:solidFill>
+              <a:schemeClr val="tx1"/>
+            </a:solidFill>
+          </a:ln>
         </p:spPr>
-        <p:txBody>
-          <a:bodyPr wrap="square" rtlCol="0">
-            <a:spAutoFit/>
-          </a:bodyPr>
+        <p:style>
+          <a:lnRef idx="2">
+            <a:schemeClr val="accent1">
+              <a:shade val="50000"/>
+            </a:schemeClr>
+          </a:lnRef>
+          <a:fillRef idx="1">
+            <a:schemeClr val="accent1"/>
+          </a:fillRef>
+          <a:effectRef idx="0">
+            <a:schemeClr val="accent1"/>
+          </a:effectRef>
+          <a:fontRef idx="minor">
+            <a:schemeClr val="lt1"/>
+          </a:fontRef>
+        </p:style>
+        <p:txBody>
+          <a:bodyPr rtlCol="0" anchor="ctr"/>
           <a:lstStyle/>
           <a:p>
             <a:pPr algn="ctr"/>
-            <a:r>
-              <a:rPr lang="en-US" sz="2000" dirty="0">
-                <a:latin typeface="Maison Neue Book"/>
-              </a:rPr>
-              <a:t>successful</a:t>
-            </a:r>
-            <a:endParaRPr lang="en-US" sz="1600" dirty="0">
-              <a:latin typeface="Maison Neue Book"/>
-            </a:endParaRPr>
-          </a:p>
-        </p:txBody>
-      </p:sp>
-      <p:sp>
-        <p:nvSpPr>
-          <p:cNvPr id="15" name="TextBox 14">
-            <a:extLst>
-              <a:ext uri="{FF2B5EF4-FFF2-40B4-BE49-F238E27FC236}">
-                <a16:creationId xmlns:a16="http://schemas.microsoft.com/office/drawing/2014/main" id="{56B9D942-067C-4AE2-9539-55BC54258A6E}"/>
-              </a:ext>
-            </a:extLst>
-          </p:cNvPr>
-          <p:cNvSpPr txBox="1"/>
-          <p:nvPr/>
-        </p:nvSpPr>
-        <p:spPr>
-          <a:xfrm>
-            <a:off x="1962927" y="4827779"/>
-            <a:ext cx="4546363" cy="400110"/>
-          </a:xfrm>
-          <a:prstGeom prst="rect">
-            <a:avLst/>
-          </a:prstGeom>
-          <a:noFill/>
-        </p:spPr>
-        <p:txBody>
-          <a:bodyPr wrap="square" rtlCol="0">
-            <a:spAutoFit/>
-          </a:bodyPr>
-          <a:lstStyle/>
-          <a:p>
-            <a:pPr algn="ctr"/>
-            <a:r>
-              <a:rPr lang="en-US" sz="2000" dirty="0">
-                <a:latin typeface="Maison Neue Book"/>
-              </a:rPr>
-              <a:t>failed</a:t>
-            </a:r>
-            <a:endParaRPr lang="en-US" sz="1600" dirty="0">
-              <a:latin typeface="Maison Neue Book"/>
-            </a:endParaRPr>
+            <a:endParaRPr lang="en-DE"/>
           </a:p>
         </p:txBody>
       </p:sp>
     </p:spTree>
     <p:extLst>
       <p:ext uri="{BB962C8B-B14F-4D97-AF65-F5344CB8AC3E}">
-        <p14:creationId xmlns:p14="http://schemas.microsoft.com/office/powerpoint/2010/main" val="629496097"/>
+        <p14:creationId xmlns:p14="http://schemas.microsoft.com/office/powerpoint/2010/main" val="132547717"/>
       </p:ext>
     </p:extLst>
   </p:cSld>
   <p:clrMapOvr>
     <a:masterClrMapping/>
   </p:clrMapOvr>
+  <p:timing>
+    <p:tnLst>
+      <p:par>
+        <p:cTn id="1" dur="indefinite" restart="never" nodeType="tmRoot">
+          <p:childTnLst>
+            <p:seq concurrent="1" nextAc="seek">
+              <p:cTn id="2" dur="indefinite" nodeType="mainSeq">
+                <p:childTnLst>
+                  <p:par>
+                    <p:cTn id="3" fill="hold">
+                      <p:stCondLst>
+                        <p:cond delay="indefinite"/>
+                      </p:stCondLst>
+                      <p:childTnLst>
+                        <p:par>
+                          <p:cTn id="4" fill="hold">
+                            <p:stCondLst>
+                              <p:cond delay="0"/>
+                            </p:stCondLst>
+                            <p:childTnLst>
+                              <p:par>
+                                <p:cTn id="5" presetID="6" presetClass="entr" presetSubtype="16" fill="hold" grpId="0" nodeType="clickEffect">
+                                  <p:stCondLst>
+                                    <p:cond delay="0"/>
+                                  </p:stCondLst>
+                                  <p:childTnLst>
+                                    <p:set>
+                                      <p:cBhvr>
+                                        <p:cTn id="6" dur="1" fill="hold">
+                                          <p:stCondLst>
+                                            <p:cond delay="0"/>
+                                          </p:stCondLst>
+                                        </p:cTn>
+                                        <p:tgtEl>
+                                          <p:spTgt spid="4"/>
+                                        </p:tgtEl>
+                                        <p:attrNameLst>
+                                          <p:attrName>style.visibility</p:attrName>
+                                        </p:attrNameLst>
+                                      </p:cBhvr>
+                                      <p:to>
+                                        <p:strVal val="visible"/>
+                                      </p:to>
+                                    </p:set>
+                                    <p:animEffect transition="in" filter="circle(in)">
+                                      <p:cBhvr>
+                                        <p:cTn id="7" dur="2000"/>
+                                        <p:tgtEl>
+                                          <p:spTgt spid="4"/>
+                                        </p:tgtEl>
+                                      </p:cBhvr>
+                                    </p:animEffect>
+                                  </p:childTnLst>
+                                </p:cTn>
+                              </p:par>
+                            </p:childTnLst>
+                          </p:cTn>
+                        </p:par>
+                      </p:childTnLst>
+                    </p:cTn>
+                  </p:par>
+                </p:childTnLst>
+              </p:cTn>
+              <p:prevCondLst>
+                <p:cond evt="onPrev" delay="0">
+                  <p:tgtEl>
+                    <p:sldTgt/>
+                  </p:tgtEl>
+                </p:cond>
+              </p:prevCondLst>
+              <p:nextCondLst>
+                <p:cond evt="onNext" delay="0">
+                  <p:tgtEl>
+                    <p:sldTgt/>
+                  </p:tgtEl>
+                </p:cond>
+              </p:nextCondLst>
+            </p:seq>
+          </p:childTnLst>
+        </p:cTn>
+      </p:par>
+    </p:tnLst>
+    <p:bldLst>
+      <p:bldP spid="4" grpId="0" animBg="1"/>
+    </p:bldLst>
+  </p:timing>
 </p:sld>
 </file>
 
@@ -6241,75 +7790,184 @@
           <a:chExt cx="0" cy="0"/>
         </a:xfrm>
       </p:grpSpPr>
-      <p:sp>
-        <p:nvSpPr>
-          <p:cNvPr id="15" name="TextBox 14">
-            <a:extLst>
-              <a:ext uri="{FF2B5EF4-FFF2-40B4-BE49-F238E27FC236}">
-                <a16:creationId xmlns:a16="http://schemas.microsoft.com/office/drawing/2014/main" id="{56B9D942-067C-4AE2-9539-55BC54258A6E}"/>
-              </a:ext>
-            </a:extLst>
-          </p:cNvPr>
-          <p:cNvSpPr txBox="1"/>
+      <p:pic>
+        <p:nvPicPr>
+          <p:cNvPr id="3" name="Picture 2">
+            <a:extLst>
+              <a:ext uri="{FF2B5EF4-FFF2-40B4-BE49-F238E27FC236}">
+                <a16:creationId xmlns:a16="http://schemas.microsoft.com/office/drawing/2014/main" id="{36B33835-412F-4F90-B660-4C5E6666F13F}"/>
+              </a:ext>
+            </a:extLst>
+          </p:cNvPr>
+          <p:cNvPicPr>
+            <a:picLocks noChangeAspect="1"/>
+          </p:cNvPicPr>
           <p:nvPr/>
-        </p:nvSpPr>
+        </p:nvPicPr>
+        <p:blipFill>
+          <a:blip r:embed="rId3"/>
+          <a:stretch>
+            <a:fillRect/>
+          </a:stretch>
+        </p:blipFill>
         <p:spPr>
           <a:xfrm>
-            <a:off x="3518262" y="2443502"/>
-            <a:ext cx="4546363" cy="707886"/>
+            <a:off x="2471176" y="0"/>
+            <a:ext cx="7249648" cy="6858000"/>
+          </a:xfrm>
+          <a:prstGeom prst="rect">
+            <a:avLst/>
+          </a:prstGeom>
+        </p:spPr>
+      </p:pic>
+      <p:sp>
+        <p:nvSpPr>
+          <p:cNvPr id="5" name="Rectangle 4">
+            <a:extLst>
+              <a:ext uri="{FF2B5EF4-FFF2-40B4-BE49-F238E27FC236}">
+                <a16:creationId xmlns:a16="http://schemas.microsoft.com/office/drawing/2014/main" id="{527EC574-5B36-4F37-AC12-189650DB4E45}"/>
+              </a:ext>
+            </a:extLst>
+          </p:cNvPr>
+          <p:cNvSpPr/>
+          <p:nvPr/>
+        </p:nvSpPr>
+        <p:spPr>
+          <a:xfrm>
+            <a:off x="4085859" y="769717"/>
+            <a:ext cx="625033" cy="6088283"/>
           </a:xfrm>
           <a:prstGeom prst="rect">
             <a:avLst/>
           </a:prstGeom>
           <a:noFill/>
+          <a:ln w="38100">
+            <a:solidFill>
+              <a:schemeClr val="tx1"/>
+            </a:solidFill>
+          </a:ln>
         </p:spPr>
-        <p:txBody>
-          <a:bodyPr wrap="square" rtlCol="0">
-            <a:spAutoFit/>
-          </a:bodyPr>
+        <p:style>
+          <a:lnRef idx="2">
+            <a:schemeClr val="accent1">
+              <a:shade val="50000"/>
+            </a:schemeClr>
+          </a:lnRef>
+          <a:fillRef idx="1">
+            <a:schemeClr val="accent1"/>
+          </a:fillRef>
+          <a:effectRef idx="0">
+            <a:schemeClr val="accent1"/>
+          </a:effectRef>
+          <a:fontRef idx="minor">
+            <a:schemeClr val="lt1"/>
+          </a:fontRef>
+        </p:style>
+        <p:txBody>
+          <a:bodyPr rtlCol="0" anchor="ctr"/>
           <a:lstStyle/>
           <a:p>
             <a:pPr algn="ctr"/>
-            <a:r>
-              <a:rPr lang="en-US" sz="2000" dirty="0">
-                <a:latin typeface="Maison Neue Book"/>
-              </a:rPr>
-              <a:t>Instead of most common </a:t>
-            </a:r>
-            <a:r>
-              <a:rPr lang="en-US" sz="2000" dirty="0" err="1">
-                <a:latin typeface="Maison Neue Book"/>
-              </a:rPr>
-              <a:t>success_words</a:t>
-            </a:r>
-            <a:r>
-              <a:rPr lang="en-US" sz="2000" dirty="0">
-                <a:latin typeface="Maison Neue Book"/>
-              </a:rPr>
-              <a:t> or </a:t>
-            </a:r>
-            <a:r>
-              <a:rPr lang="en-US" sz="2000" dirty="0" err="1">
-                <a:latin typeface="Maison Neue Book"/>
-              </a:rPr>
-              <a:t>fail_words</a:t>
-            </a:r>
-            <a:endParaRPr lang="en-US" sz="1600" dirty="0">
-              <a:latin typeface="Maison Neue Book"/>
-            </a:endParaRPr>
+            <a:endParaRPr lang="en-DE"/>
           </a:p>
         </p:txBody>
       </p:sp>
     </p:spTree>
     <p:extLst>
       <p:ext uri="{BB962C8B-B14F-4D97-AF65-F5344CB8AC3E}">
-        <p14:creationId xmlns:p14="http://schemas.microsoft.com/office/powerpoint/2010/main" val="2785249803"/>
+        <p14:creationId xmlns:p14="http://schemas.microsoft.com/office/powerpoint/2010/main" val="4203771724"/>
       </p:ext>
     </p:extLst>
   </p:cSld>
   <p:clrMapOvr>
     <a:masterClrMapping/>
   </p:clrMapOvr>
+  <p:timing>
+    <p:tnLst>
+      <p:par>
+        <p:cTn id="1" dur="indefinite" restart="never" nodeType="tmRoot">
+          <p:childTnLst>
+            <p:seq concurrent="1" nextAc="seek">
+              <p:cTn id="2" dur="indefinite" nodeType="mainSeq">
+                <p:childTnLst>
+                  <p:par>
+                    <p:cTn id="3" fill="hold">
+                      <p:stCondLst>
+                        <p:cond delay="indefinite"/>
+                      </p:stCondLst>
+                      <p:childTnLst>
+                        <p:par>
+                          <p:cTn id="4" fill="hold">
+                            <p:stCondLst>
+                              <p:cond delay="0"/>
+                            </p:stCondLst>
+                            <p:childTnLst>
+                              <p:par>
+                                <p:cTn id="5" presetID="6" presetClass="entr" presetSubtype="16" fill="hold" grpId="0" nodeType="clickEffect">
+                                  <p:stCondLst>
+                                    <p:cond delay="0"/>
+                                  </p:stCondLst>
+                                  <p:childTnLst>
+                                    <p:set>
+                                      <p:cBhvr>
+                                        <p:cTn id="6" dur="1" fill="hold">
+                                          <p:stCondLst>
+                                            <p:cond delay="0"/>
+                                          </p:stCondLst>
+                                        </p:cTn>
+                                        <p:tgtEl>
+                                          <p:spTgt spid="5"/>
+                                        </p:tgtEl>
+                                        <p:attrNameLst>
+                                          <p:attrName>style.visibility</p:attrName>
+                                        </p:attrNameLst>
+                                      </p:cBhvr>
+                                      <p:to>
+                                        <p:strVal val="visible"/>
+                                      </p:to>
+                                    </p:set>
+                                    <p:animEffect transition="in" filter="circle(in)">
+                                      <p:cBhvr>
+                                        <p:cTn id="7" dur="2000"/>
+                                        <p:tgtEl>
+                                          <p:spTgt spid="5"/>
+                                        </p:tgtEl>
+                                      </p:cBhvr>
+                                    </p:animEffect>
+                                  </p:childTnLst>
+                                </p:cTn>
+                              </p:par>
+                            </p:childTnLst>
+                          </p:cTn>
+                        </p:par>
+                      </p:childTnLst>
+                    </p:cTn>
+                  </p:par>
+                </p:childTnLst>
+              </p:cTn>
+              <p:prevCondLst>
+                <p:cond evt="onPrev" delay="0">
+                  <p:tgtEl>
+                    <p:sldTgt/>
+                  </p:tgtEl>
+                </p:cond>
+              </p:prevCondLst>
+              <p:nextCondLst>
+                <p:cond evt="onNext" delay="0">
+                  <p:tgtEl>
+                    <p:sldTgt/>
+                  </p:tgtEl>
+                </p:cond>
+              </p:nextCondLst>
+            </p:seq>
+          </p:childTnLst>
+        </p:cTn>
+      </p:par>
+    </p:tnLst>
+    <p:bldLst>
+      <p:bldP spid="5" grpId="0" animBg="1"/>
+    </p:bldLst>
+  </p:timing>
 </p:sld>
 </file>
 
@@ -6330,50 +7988,12 @@
           <a:chExt cx="0" cy="0"/>
         </a:xfrm>
       </p:grpSpPr>
-      <p:sp>
-        <p:nvSpPr>
-          <p:cNvPr id="8" name="TextBox 7">
-            <a:extLst>
-              <a:ext uri="{FF2B5EF4-FFF2-40B4-BE49-F238E27FC236}">
-                <a16:creationId xmlns:a16="http://schemas.microsoft.com/office/drawing/2014/main" id="{DDEDC727-DA49-412F-8E7C-5782BDA6BDB8}"/>
-              </a:ext>
-            </a:extLst>
-          </p:cNvPr>
-          <p:cNvSpPr txBox="1"/>
-          <p:nvPr/>
-        </p:nvSpPr>
-        <p:spPr>
-          <a:xfrm>
-            <a:off x="-120823" y="118718"/>
-            <a:ext cx="4546363" cy="584775"/>
-          </a:xfrm>
-          <a:prstGeom prst="rect">
-            <a:avLst/>
-          </a:prstGeom>
-          <a:noFill/>
-        </p:spPr>
-        <p:txBody>
-          <a:bodyPr wrap="square" rtlCol="0">
-            <a:spAutoFit/>
-          </a:bodyPr>
-          <a:lstStyle/>
-          <a:p>
-            <a:pPr algn="ctr"/>
-            <a:r>
-              <a:rPr lang="en-US" sz="1600" dirty="0">
-                <a:latin typeface="Maison Neue Book"/>
-              </a:rPr>
-              <a:t>With increasing goal amount and duration, the chance of success decreases</a:t>
-            </a:r>
-          </a:p>
-        </p:txBody>
-      </p:sp>
       <p:pic>
         <p:nvPicPr>
-          <p:cNvPr id="10" name="Picture 9">
-            <a:extLst>
-              <a:ext uri="{FF2B5EF4-FFF2-40B4-BE49-F238E27FC236}">
-                <a16:creationId xmlns:a16="http://schemas.microsoft.com/office/drawing/2014/main" id="{9396503D-5FB7-4BE8-932D-5C736BDFEF52}"/>
+          <p:cNvPr id="14" name="Picture 13">
+            <a:extLst>
+              <a:ext uri="{FF2B5EF4-FFF2-40B4-BE49-F238E27FC236}">
+                <a16:creationId xmlns:a16="http://schemas.microsoft.com/office/drawing/2014/main" id="{713B075E-56ED-4845-92F0-678249AECB3E}"/>
               </a:ext>
             </a:extLst>
           </p:cNvPr>
@@ -6390,8 +8010,8 @@
         </p:blipFill>
         <p:spPr>
           <a:xfrm>
-            <a:off x="4815891" y="1151233"/>
-            <a:ext cx="6943725" cy="2619375"/>
+            <a:off x="7603818" y="659757"/>
+            <a:ext cx="3662207" cy="6198243"/>
           </a:xfrm>
           <a:prstGeom prst="rect">
             <a:avLst/>
@@ -6400,48 +8020,62 @@
       </p:pic>
       <p:sp>
         <p:nvSpPr>
-          <p:cNvPr id="11" name="TextBox 10">
-            <a:extLst>
-              <a:ext uri="{FF2B5EF4-FFF2-40B4-BE49-F238E27FC236}">
-                <a16:creationId xmlns:a16="http://schemas.microsoft.com/office/drawing/2014/main" id="{F5E216C3-388B-4A49-B5BC-8F3366BDC911}"/>
-              </a:ext>
-            </a:extLst>
-          </p:cNvPr>
-          <p:cNvSpPr txBox="1"/>
+          <p:cNvPr id="10" name="Rectangle 9">
+            <a:extLst>
+              <a:ext uri="{FF2B5EF4-FFF2-40B4-BE49-F238E27FC236}">
+                <a16:creationId xmlns:a16="http://schemas.microsoft.com/office/drawing/2014/main" id="{D78BFDEB-66A0-425B-824B-4FEAEA100F8E}"/>
+              </a:ext>
+            </a:extLst>
+          </p:cNvPr>
+          <p:cNvSpPr/>
           <p:nvPr/>
         </p:nvSpPr>
         <p:spPr>
           <a:xfrm>
-            <a:off x="6014571" y="566457"/>
-            <a:ext cx="4546363" cy="584775"/>
+            <a:off x="10430716" y="769717"/>
+            <a:ext cx="625033" cy="6088283"/>
           </a:xfrm>
           <a:prstGeom prst="rect">
             <a:avLst/>
           </a:prstGeom>
           <a:noFill/>
+          <a:ln w="38100">
+            <a:solidFill>
+              <a:schemeClr val="tx1"/>
+            </a:solidFill>
+          </a:ln>
         </p:spPr>
-        <p:txBody>
-          <a:bodyPr wrap="square" rtlCol="0">
-            <a:spAutoFit/>
-          </a:bodyPr>
+        <p:style>
+          <a:lnRef idx="2">
+            <a:schemeClr val="accent1">
+              <a:shade val="50000"/>
+            </a:schemeClr>
+          </a:lnRef>
+          <a:fillRef idx="1">
+            <a:schemeClr val="accent1"/>
+          </a:fillRef>
+          <a:effectRef idx="0">
+            <a:schemeClr val="accent1"/>
+          </a:effectRef>
+          <a:fontRef idx="minor">
+            <a:schemeClr val="lt1"/>
+          </a:fontRef>
+        </p:style>
+        <p:txBody>
+          <a:bodyPr rtlCol="0" anchor="ctr"/>
           <a:lstStyle/>
           <a:p>
             <a:pPr algn="ctr"/>
-            <a:r>
-              <a:rPr lang="en-US" sz="1600" dirty="0">
-                <a:latin typeface="Maison Neue Book"/>
-              </a:rPr>
-              <a:t>Projects that start Tuesdays and end Tuesday have the highest success rate</a:t>
-            </a:r>
+            <a:endParaRPr lang="en-DE"/>
           </a:p>
         </p:txBody>
       </p:sp>
       <p:pic>
         <p:nvPicPr>
-          <p:cNvPr id="15" name="Picture 14">
-            <a:extLst>
-              <a:ext uri="{FF2B5EF4-FFF2-40B4-BE49-F238E27FC236}">
-                <a16:creationId xmlns:a16="http://schemas.microsoft.com/office/drawing/2014/main" id="{12BF8BED-F22B-48F7-9B47-592F6F992119}"/>
+          <p:cNvPr id="17" name="Picture 16">
+            <a:extLst>
+              <a:ext uri="{FF2B5EF4-FFF2-40B4-BE49-F238E27FC236}">
+                <a16:creationId xmlns:a16="http://schemas.microsoft.com/office/drawing/2014/main" id="{09CE06A0-4B29-40AB-B4AB-D0CC29F69F3C}"/>
               </a:ext>
             </a:extLst>
           </p:cNvPr>
@@ -6458,8 +8092,90 @@
         </p:blipFill>
         <p:spPr>
           <a:xfrm>
-            <a:off x="5060" y="858845"/>
-            <a:ext cx="4294598" cy="4868043"/>
+            <a:off x="871735" y="659757"/>
+            <a:ext cx="4170288" cy="6198244"/>
+          </a:xfrm>
+          <a:prstGeom prst="rect">
+            <a:avLst/>
+          </a:prstGeom>
+        </p:spPr>
+      </p:pic>
+      <p:sp>
+        <p:nvSpPr>
+          <p:cNvPr id="9" name="Rectangle 8">
+            <a:extLst>
+              <a:ext uri="{FF2B5EF4-FFF2-40B4-BE49-F238E27FC236}">
+                <a16:creationId xmlns:a16="http://schemas.microsoft.com/office/drawing/2014/main" id="{A0921379-C28B-40B8-B5F3-CBDF99058982}"/>
+              </a:ext>
+            </a:extLst>
+          </p:cNvPr>
+          <p:cNvSpPr/>
+          <p:nvPr/>
+        </p:nvSpPr>
+        <p:spPr>
+          <a:xfrm>
+            <a:off x="2183757" y="769716"/>
+            <a:ext cx="625033" cy="6088283"/>
+          </a:xfrm>
+          <a:prstGeom prst="rect">
+            <a:avLst/>
+          </a:prstGeom>
+          <a:noFill/>
+          <a:ln w="38100">
+            <a:solidFill>
+              <a:schemeClr val="tx1"/>
+            </a:solidFill>
+          </a:ln>
+        </p:spPr>
+        <p:style>
+          <a:lnRef idx="2">
+            <a:schemeClr val="accent1">
+              <a:shade val="50000"/>
+            </a:schemeClr>
+          </a:lnRef>
+          <a:fillRef idx="1">
+            <a:schemeClr val="accent1"/>
+          </a:fillRef>
+          <a:effectRef idx="0">
+            <a:schemeClr val="accent1"/>
+          </a:effectRef>
+          <a:fontRef idx="minor">
+            <a:schemeClr val="lt1"/>
+          </a:fontRef>
+        </p:style>
+        <p:txBody>
+          <a:bodyPr rtlCol="0" anchor="ctr"/>
+          <a:lstStyle/>
+          <a:p>
+            <a:pPr algn="ctr"/>
+            <a:endParaRPr lang="en-DE"/>
+          </a:p>
+        </p:txBody>
+      </p:sp>
+      <p:pic>
+        <p:nvPicPr>
+          <p:cNvPr id="19" name="Picture 18">
+            <a:extLst>
+              <a:ext uri="{FF2B5EF4-FFF2-40B4-BE49-F238E27FC236}">
+                <a16:creationId xmlns:a16="http://schemas.microsoft.com/office/drawing/2014/main" id="{A33DD09F-8A56-455C-8651-DF35286D052D}"/>
+              </a:ext>
+            </a:extLst>
+          </p:cNvPr>
+          <p:cNvPicPr>
+            <a:picLocks noChangeAspect="1"/>
+          </p:cNvPicPr>
+          <p:nvPr/>
+        </p:nvPicPr>
+        <p:blipFill>
+          <a:blip r:embed="rId5"/>
+          <a:stretch>
+            <a:fillRect/>
+          </a:stretch>
+        </p:blipFill>
+        <p:spPr>
+          <a:xfrm>
+            <a:off x="3992482" y="122197"/>
+            <a:ext cx="4600575" cy="409575"/>
           </a:xfrm>
           <a:prstGeom prst="rect">
             <a:avLst/>
@@ -6469,13 +8185,153 @@
     </p:spTree>
     <p:extLst>
       <p:ext uri="{BB962C8B-B14F-4D97-AF65-F5344CB8AC3E}">
-        <p14:creationId xmlns:p14="http://schemas.microsoft.com/office/powerpoint/2010/main" val="493244057"/>
+        <p14:creationId xmlns:p14="http://schemas.microsoft.com/office/powerpoint/2010/main" val="866706957"/>
       </p:ext>
     </p:extLst>
   </p:cSld>
   <p:clrMapOvr>
     <a:masterClrMapping/>
   </p:clrMapOvr>
+  <p:timing>
+    <p:tnLst>
+      <p:par>
+        <p:cTn id="1" dur="indefinite" restart="never" nodeType="tmRoot">
+          <p:childTnLst>
+            <p:seq concurrent="1" nextAc="seek">
+              <p:cTn id="2" dur="indefinite" nodeType="mainSeq">
+                <p:childTnLst>
+                  <p:par>
+                    <p:cTn id="3" fill="hold">
+                      <p:stCondLst>
+                        <p:cond delay="indefinite"/>
+                      </p:stCondLst>
+                      <p:childTnLst>
+                        <p:par>
+                          <p:cTn id="4" fill="hold">
+                            <p:stCondLst>
+                              <p:cond delay="0"/>
+                            </p:stCondLst>
+                            <p:childTnLst>
+                              <p:par>
+                                <p:cTn id="5" presetID="6" presetClass="entr" presetSubtype="16" fill="hold" grpId="0" nodeType="clickEffect">
+                                  <p:stCondLst>
+                                    <p:cond delay="0"/>
+                                  </p:stCondLst>
+                                  <p:childTnLst>
+                                    <p:set>
+                                      <p:cBhvr>
+                                        <p:cTn id="6" dur="1" fill="hold">
+                                          <p:stCondLst>
+                                            <p:cond delay="0"/>
+                                          </p:stCondLst>
+                                        </p:cTn>
+                                        <p:tgtEl>
+                                          <p:spTgt spid="9"/>
+                                        </p:tgtEl>
+                                        <p:attrNameLst>
+                                          <p:attrName>style.visibility</p:attrName>
+                                        </p:attrNameLst>
+                                      </p:cBhvr>
+                                      <p:to>
+                                        <p:strVal val="visible"/>
+                                      </p:to>
+                                    </p:set>
+                                    <p:animEffect transition="in" filter="circle(in)">
+                                      <p:cBhvr>
+                                        <p:cTn id="7" dur="2000"/>
+                                        <p:tgtEl>
+                                          <p:spTgt spid="9"/>
+                                        </p:tgtEl>
+                                      </p:cBhvr>
+                                    </p:animEffect>
+                                  </p:childTnLst>
+                                </p:cTn>
+                              </p:par>
+                            </p:childTnLst>
+                          </p:cTn>
+                        </p:par>
+                      </p:childTnLst>
+                    </p:cTn>
+                  </p:par>
+                  <p:par>
+                    <p:cTn id="8" fill="hold">
+                      <p:stCondLst>
+                        <p:cond delay="indefinite"/>
+                      </p:stCondLst>
+                      <p:childTnLst>
+                        <p:par>
+                          <p:cTn id="9" fill="hold">
+                            <p:stCondLst>
+                              <p:cond delay="0"/>
+                            </p:stCondLst>
+                            <p:childTnLst>
+                              <p:par>
+                                <p:cTn id="10" presetID="6" presetClass="entr" presetSubtype="16" fill="hold" grpId="0" nodeType="clickEffect">
+                                  <p:stCondLst>
+                                    <p:cond delay="0"/>
+                                  </p:stCondLst>
+                                  <p:childTnLst>
+                                    <p:set>
+                                      <p:cBhvr>
+                                        <p:cTn id="11" dur="1" fill="hold">
+                                          <p:stCondLst>
+                                            <p:cond delay="0"/>
+                                          </p:stCondLst>
+                                        </p:cTn>
+                                        <p:tgtEl>
+                                          <p:spTgt spid="10"/>
+                                        </p:tgtEl>
+                                        <p:attrNameLst>
+                                          <p:attrName>style.visibility</p:attrName>
+                                        </p:attrNameLst>
+                                      </p:cBhvr>
+                                      <p:to>
+                                        <p:strVal val="visible"/>
+                                      </p:to>
+                                    </p:set>
+                                    <p:animEffect transition="in" filter="circle(in)">
+                                      <p:cBhvr>
+                                        <p:cTn id="12" dur="2000"/>
+                                        <p:tgtEl>
+                                          <p:spTgt spid="10"/>
+                                        </p:tgtEl>
+                                      </p:cBhvr>
+                                    </p:animEffect>
+                                  </p:childTnLst>
+                                </p:cTn>
+                              </p:par>
+                            </p:childTnLst>
+                          </p:cTn>
+                        </p:par>
+                      </p:childTnLst>
+                    </p:cTn>
+                  </p:par>
+                </p:childTnLst>
+              </p:cTn>
+              <p:prevCondLst>
+                <p:cond evt="onPrev" delay="0">
+                  <p:tgtEl>
+                    <p:sldTgt/>
+                  </p:tgtEl>
+                </p:cond>
+              </p:prevCondLst>
+              <p:nextCondLst>
+                <p:cond evt="onNext" delay="0">
+                  <p:tgtEl>
+                    <p:sldTgt/>
+                  </p:tgtEl>
+                </p:cond>
+              </p:nextCondLst>
+            </p:seq>
+          </p:childTnLst>
+        </p:cTn>
+      </p:par>
+    </p:tnLst>
+    <p:bldLst>
+      <p:bldP spid="10" grpId="0" animBg="1"/>
+      <p:bldP spid="9" grpId="0" animBg="1"/>
+    </p:bldLst>
+  </p:timing>
 </p:sld>
 </file>
 

--- a/kickstarter_presentation.pptx
+++ b/kickstarter_presentation.pptx
@@ -18,9 +18,9 @@
     <p:sldId id="275" r:id="rId9"/>
     <p:sldId id="274" r:id="rId10"/>
     <p:sldId id="276" r:id="rId11"/>
-    <p:sldId id="271" r:id="rId12"/>
-    <p:sldId id="263" r:id="rId13"/>
-    <p:sldId id="265" r:id="rId14"/>
+    <p:sldId id="277" r:id="rId12"/>
+    <p:sldId id="278" r:id="rId13"/>
+    <p:sldId id="271" r:id="rId14"/>
   </p:sldIdLst>
   <p:sldSz cx="12192000" cy="6858000"/>
   <p:notesSz cx="6858000" cy="9144000"/>
@@ -209,7 +209,7 @@
           <a:p>
             <a:fld id="{20F3E6C6-BE90-4FCE-A21E-5CB3AF5FD184}" type="datetimeFigureOut">
               <a:rPr lang="en-DE" smtClean="0"/>
-              <a:t>26/11/2021</a:t>
+              <a:t>27/11/2021</a:t>
             </a:fld>
             <a:endParaRPr lang="en-DE"/>
           </a:p>
@@ -525,6 +525,20 @@
               <a:rPr lang="en-GB" dirty="0"/>
               <a:t>Introduction about the project</a:t>
             </a:r>
+          </a:p>
+          <a:p>
+            <a:r>
+              <a:rPr lang="en-GB" dirty="0"/>
+              <a:t>Size of data</a:t>
+            </a:r>
+          </a:p>
+          <a:p>
+            <a:r>
+              <a:rPr lang="en-GB" dirty="0"/>
+              <a:t>Timeline of data</a:t>
+            </a:r>
+          </a:p>
+          <a:p>
             <a:endParaRPr lang="en-DE" dirty="0"/>
           </a:p>
         </p:txBody>
@@ -611,7 +625,7 @@
           <a:p>
             <a:r>
               <a:rPr lang="en-GB" dirty="0"/>
-              <a:t>Go into success factors</a:t>
+              <a:t>It seems that projects are more successful when they are launch and end the same weekday</a:t>
             </a:r>
             <a:endParaRPr lang="en-DE" dirty="0"/>
           </a:p>
@@ -634,7 +648,7 @@
           <a:p>
             <a:fld id="{0B7FCA78-F67D-4C9F-A032-C0A6CEF2EF96}" type="slidenum">
               <a:rPr lang="en-DE" smtClean="0"/>
-              <a:t>12</a:t>
+              <a:t>10</a:t>
             </a:fld>
             <a:endParaRPr lang="en-DE"/>
           </a:p>
@@ -643,7 +657,7 @@
     </p:spTree>
     <p:extLst>
       <p:ext uri="{BB962C8B-B14F-4D97-AF65-F5344CB8AC3E}">
-        <p14:creationId xmlns:p14="http://schemas.microsoft.com/office/powerpoint/2010/main" val="2450403800"/>
+        <p14:creationId xmlns:p14="http://schemas.microsoft.com/office/powerpoint/2010/main" val="1896676141"/>
       </p:ext>
     </p:extLst>
   </p:cSld>
@@ -715,10 +729,17 @@
               <a:defRPr/>
             </a:pPr>
             <a:r>
+              <a:rPr lang="en-US" sz="1200" dirty="0">
+                <a:latin typeface="Maison Neue Book"/>
+              </a:rPr>
+              <a:t>150 most common words used in successful project &amp; highest score difference between success and failure</a:t>
+            </a:r>
+          </a:p>
+          <a:p>
+            <a:r>
               <a:rPr lang="en-GB" dirty="0"/>
-              <a:t>Go into success factors</a:t>
-            </a:r>
-            <a:endParaRPr lang="en-DE" dirty="0"/>
+              <a:t>What does this actually mean – explain</a:t>
+            </a:r>
           </a:p>
           <a:p>
             <a:endParaRPr lang="en-DE" dirty="0"/>
@@ -742,7 +763,7 @@
           <a:p>
             <a:fld id="{0B7FCA78-F67D-4C9F-A032-C0A6CEF2EF96}" type="slidenum">
               <a:rPr lang="en-DE" smtClean="0"/>
-              <a:t>13</a:t>
+              <a:t>11</a:t>
             </a:fld>
             <a:endParaRPr lang="en-DE"/>
           </a:p>
@@ -751,7 +772,139 @@
     </p:spTree>
     <p:extLst>
       <p:ext uri="{BB962C8B-B14F-4D97-AF65-F5344CB8AC3E}">
-        <p14:creationId xmlns:p14="http://schemas.microsoft.com/office/powerpoint/2010/main" val="1615740010"/>
+        <p14:creationId xmlns:p14="http://schemas.microsoft.com/office/powerpoint/2010/main" val="2022364457"/>
+      </p:ext>
+    </p:extLst>
+  </p:cSld>
+  <p:clrMapOvr>
+    <a:masterClrMapping/>
+  </p:clrMapOvr>
+</p:notes>
+</file>
+
+<file path=ppt/notesSlides/notesSlide12.xml><?xml version="1.0" encoding="utf-8"?>
+<p:notes xmlns:a="http://schemas.openxmlformats.org/drawingml/2006/main" xmlns:r="http://schemas.openxmlformats.org/officeDocument/2006/relationships" xmlns:p="http://schemas.openxmlformats.org/presentationml/2006/main">
+  <p:cSld>
+    <p:spTree>
+      <p:nvGrpSpPr>
+        <p:cNvPr id="1" name=""/>
+        <p:cNvGrpSpPr/>
+        <p:nvPr/>
+      </p:nvGrpSpPr>
+      <p:grpSpPr>
+        <a:xfrm>
+          <a:off x="0" y="0"/>
+          <a:ext cx="0" cy="0"/>
+          <a:chOff x="0" y="0"/>
+          <a:chExt cx="0" cy="0"/>
+        </a:xfrm>
+      </p:grpSpPr>
+      <p:sp>
+        <p:nvSpPr>
+          <p:cNvPr id="2" name="Slide Image Placeholder 1"/>
+          <p:cNvSpPr>
+            <a:spLocks noGrp="1" noRot="1" noChangeAspect="1"/>
+          </p:cNvSpPr>
+          <p:nvPr>
+            <p:ph type="sldImg"/>
+          </p:nvPr>
+        </p:nvSpPr>
+        <p:spPr/>
+      </p:sp>
+      <p:sp>
+        <p:nvSpPr>
+          <p:cNvPr id="3" name="Notes Placeholder 2"/>
+          <p:cNvSpPr>
+            <a:spLocks noGrp="1"/>
+          </p:cNvSpPr>
+          <p:nvPr>
+            <p:ph type="body" idx="1"/>
+          </p:nvPr>
+        </p:nvSpPr>
+        <p:spPr/>
+        <p:txBody>
+          <a:bodyPr/>
+          <a:lstStyle/>
+          <a:p>
+            <a:pPr marL="0" marR="0" lvl="0" indent="0" algn="l" defTabSz="914400" rtl="0" eaLnBrk="1" fontAlgn="auto" latinLnBrk="0" hangingPunct="1">
+              <a:lnSpc>
+                <a:spcPct val="100000"/>
+              </a:lnSpc>
+              <a:spcBef>
+                <a:spcPts val="0"/>
+              </a:spcBef>
+              <a:spcAft>
+                <a:spcPts val="0"/>
+              </a:spcAft>
+              <a:buClrTx/>
+              <a:buSzTx/>
+              <a:buFontTx/>
+              <a:buNone/>
+              <a:tabLst/>
+              <a:defRPr/>
+            </a:pPr>
+            <a:r>
+              <a:rPr lang="en-US" sz="1200" dirty="0">
+                <a:latin typeface="Maison Neue Book"/>
+              </a:rPr>
+              <a:t>150 most common words used in successful project &amp; highest score difference between success and failure</a:t>
+            </a:r>
+          </a:p>
+          <a:p>
+            <a:pPr marL="0" marR="0" lvl="0" indent="0" algn="l" defTabSz="914400" rtl="0" eaLnBrk="1" fontAlgn="auto" latinLnBrk="0" hangingPunct="1">
+              <a:lnSpc>
+                <a:spcPct val="100000"/>
+              </a:lnSpc>
+              <a:spcBef>
+                <a:spcPts val="0"/>
+              </a:spcBef>
+              <a:spcAft>
+                <a:spcPts val="0"/>
+              </a:spcAft>
+              <a:buClrTx/>
+              <a:buSzTx/>
+              <a:buFontTx/>
+              <a:buNone/>
+              <a:tabLst/>
+              <a:defRPr/>
+            </a:pPr>
+            <a:r>
+              <a:rPr lang="en-GB" dirty="0"/>
+              <a:t>What does this actually mean – explain</a:t>
+            </a:r>
+          </a:p>
+          <a:p>
+            <a:endParaRPr lang="en-DE" dirty="0"/>
+          </a:p>
+        </p:txBody>
+      </p:sp>
+      <p:sp>
+        <p:nvSpPr>
+          <p:cNvPr id="4" name="Slide Number Placeholder 3"/>
+          <p:cNvSpPr>
+            <a:spLocks noGrp="1"/>
+          </p:cNvSpPr>
+          <p:nvPr>
+            <p:ph type="sldNum" sz="quarter" idx="5"/>
+          </p:nvPr>
+        </p:nvSpPr>
+        <p:spPr/>
+        <p:txBody>
+          <a:bodyPr/>
+          <a:lstStyle/>
+          <a:p>
+            <a:fld id="{0B7FCA78-F67D-4C9F-A032-C0A6CEF2EF96}" type="slidenum">
+              <a:rPr lang="en-DE" smtClean="0"/>
+              <a:t>12</a:t>
+            </a:fld>
+            <a:endParaRPr lang="en-DE"/>
+          </a:p>
+        </p:txBody>
+      </p:sp>
+    </p:spTree>
+    <p:extLst>
+      <p:ext uri="{BB962C8B-B14F-4D97-AF65-F5344CB8AC3E}">
+        <p14:creationId xmlns:p14="http://schemas.microsoft.com/office/powerpoint/2010/main" val="4014157586"/>
       </p:ext>
     </p:extLst>
   </p:cSld>
@@ -812,7 +965,7 @@
                 </a:solidFill>
                 <a:latin typeface="Maison Neue Book"/>
               </a:rPr>
-              <a:t>What is Kickstarter?</a:t>
+              <a:t>What is Kickstarter? (in my data roughly 60/40)</a:t>
             </a:r>
             <a:endParaRPr lang="en-GB" b="0" i="1" dirty="0">
               <a:solidFill>
@@ -1165,45 +1318,29 @@
           <a:p>
             <a:r>
               <a:rPr lang="en-GB" dirty="0"/>
-              <a:t>best accuracy  82.33%</a:t>
+              <a:t>Category and subcategory</a:t>
             </a:r>
           </a:p>
           <a:p>
             <a:r>
               <a:rPr lang="en-GB" dirty="0"/>
-              <a:t>Tree Classifier - </a:t>
-            </a:r>
-            <a:r>
-              <a:rPr lang="en-GB" dirty="0" err="1"/>
-              <a:t>Winsorize</a:t>
-            </a:r>
+              <a:t>Goal amount</a:t>
+            </a:r>
+          </a:p>
+          <a:p>
             <a:r>
               <a:rPr lang="en-GB" dirty="0"/>
-              <a:t> outliers – manual upscaling – </a:t>
-            </a:r>
-            <a:r>
-              <a:rPr lang="en-GB" dirty="0" err="1"/>
-              <a:t>MinMaxScaler</a:t>
-            </a:r>
-            <a:endParaRPr lang="en-GB" dirty="0"/>
-          </a:p>
-          <a:p>
-            <a:endParaRPr lang="en-GB" dirty="0"/>
+              <a:t>Launched and end date – thus project duration</a:t>
+            </a:r>
           </a:p>
           <a:p>
             <a:r>
               <a:rPr lang="en-GB" dirty="0"/>
-              <a:t>Differentiate on quality depending on success or failure (quality true positives or false negative)</a:t>
-            </a:r>
-          </a:p>
-          <a:p>
-            <a:endParaRPr lang="en-GB" dirty="0"/>
-          </a:p>
-          <a:p>
-            <a:r>
-              <a:rPr lang="en-GB" dirty="0"/>
-              <a:t>Remove boxes to see if we change our mind including the other inputs</a:t>
-            </a:r>
+              <a:t>Description of the project – language – words – word count</a:t>
+            </a:r>
+          </a:p>
+          <a:p>
+            <a:endParaRPr lang="en-DE" dirty="0"/>
           </a:p>
         </p:txBody>
       </p:sp>
@@ -1224,7 +1361,7 @@
           <a:p>
             <a:fld id="{0B7FCA78-F67D-4C9F-A032-C0A6CEF2EF96}" type="slidenum">
               <a:rPr lang="en-DE" smtClean="0"/>
-              <a:t>5</a:t>
+              <a:t>4</a:t>
             </a:fld>
             <a:endParaRPr lang="en-DE"/>
           </a:p>
@@ -1233,7 +1370,7 @@
     </p:spTree>
     <p:extLst>
       <p:ext uri="{BB962C8B-B14F-4D97-AF65-F5344CB8AC3E}">
-        <p14:creationId xmlns:p14="http://schemas.microsoft.com/office/powerpoint/2010/main" val="34517861"/>
+        <p14:creationId xmlns:p14="http://schemas.microsoft.com/office/powerpoint/2010/main" val="923045748"/>
       </p:ext>
     </p:extLst>
   </p:cSld>
@@ -1289,11 +1426,45 @@
           <a:p>
             <a:r>
               <a:rPr lang="en-GB" dirty="0"/>
-              <a:t>Now that we know the project failed let’s take a look what could be the factors</a:t>
-            </a:r>
-          </a:p>
-          <a:p>
+              <a:t>best accuracy  82.33%</a:t>
+            </a:r>
+          </a:p>
+          <a:p>
+            <a:r>
+              <a:rPr lang="en-GB" dirty="0"/>
+              <a:t>Tree Classifier - </a:t>
+            </a:r>
+            <a:r>
+              <a:rPr lang="en-GB" dirty="0" err="1"/>
+              <a:t>Winsorize</a:t>
+            </a:r>
+            <a:r>
+              <a:rPr lang="en-GB" dirty="0"/>
+              <a:t> outliers – manual upscaling – </a:t>
+            </a:r>
+            <a:r>
+              <a:rPr lang="en-GB" dirty="0" err="1"/>
+              <a:t>MinMaxScaler</a:t>
+            </a:r>
             <a:endParaRPr lang="en-GB" dirty="0"/>
+          </a:p>
+          <a:p>
+            <a:endParaRPr lang="en-GB" dirty="0"/>
+          </a:p>
+          <a:p>
+            <a:r>
+              <a:rPr lang="en-GB" dirty="0"/>
+              <a:t>Differentiate on quality depending on success or failure (quality true positives or false negative)</a:t>
+            </a:r>
+          </a:p>
+          <a:p>
+            <a:endParaRPr lang="en-GB" dirty="0"/>
+          </a:p>
+          <a:p>
+            <a:r>
+              <a:rPr lang="en-GB" dirty="0"/>
+              <a:t>Remove boxes to see if we change our mind including the other inputs</a:t>
+            </a:r>
           </a:p>
         </p:txBody>
       </p:sp>
@@ -1314,7 +1485,7 @@
           <a:p>
             <a:fld id="{0B7FCA78-F67D-4C9F-A032-C0A6CEF2EF96}" type="slidenum">
               <a:rPr lang="en-DE" smtClean="0"/>
-              <a:t>6</a:t>
+              <a:t>5</a:t>
             </a:fld>
             <a:endParaRPr lang="en-DE"/>
           </a:p>
@@ -1323,7 +1494,7 @@
     </p:spTree>
     <p:extLst>
       <p:ext uri="{BB962C8B-B14F-4D97-AF65-F5344CB8AC3E}">
-        <p14:creationId xmlns:p14="http://schemas.microsoft.com/office/powerpoint/2010/main" val="1316175094"/>
+        <p14:creationId xmlns:p14="http://schemas.microsoft.com/office/powerpoint/2010/main" val="34517861"/>
       </p:ext>
     </p:extLst>
   </p:cSld>
@@ -1379,21 +1550,17 @@
           <a:p>
             <a:r>
               <a:rPr lang="en-GB" dirty="0"/>
-              <a:t>Just based on the category our project had a bit higher than average chances of success</a:t>
-            </a:r>
-          </a:p>
-          <a:p>
-            <a:r>
-              <a:rPr lang="en-GB" dirty="0"/>
-              <a:t>Though most funded projects are in categories comics, games, publishing</a:t>
-            </a:r>
-          </a:p>
-          <a:p>
-            <a:r>
-              <a:rPr lang="en-GB" dirty="0"/>
-              <a:t>Least funded projects are in categories food, crafts, journalism</a:t>
-            </a:r>
-            <a:endParaRPr lang="en-DE" dirty="0"/>
+              <a:t>Now that we know the project failed let’s take a look what could be the factors</a:t>
+            </a:r>
+          </a:p>
+          <a:p>
+            <a:endParaRPr lang="en-GB" dirty="0"/>
+          </a:p>
+          <a:p>
+            <a:endParaRPr lang="en-GB" dirty="0"/>
+          </a:p>
+          <a:p>
+            <a:endParaRPr lang="en-GB" dirty="0"/>
           </a:p>
         </p:txBody>
       </p:sp>
@@ -1414,7 +1581,7 @@
           <a:p>
             <a:fld id="{0B7FCA78-F67D-4C9F-A032-C0A6CEF2EF96}" type="slidenum">
               <a:rPr lang="en-DE" smtClean="0"/>
-              <a:t>7</a:t>
+              <a:t>6</a:t>
             </a:fld>
             <a:endParaRPr lang="en-DE"/>
           </a:p>
@@ -1423,7 +1590,7 @@
     </p:spTree>
     <p:extLst>
       <p:ext uri="{BB962C8B-B14F-4D97-AF65-F5344CB8AC3E}">
-        <p14:creationId xmlns:p14="http://schemas.microsoft.com/office/powerpoint/2010/main" val="3367279960"/>
+        <p14:creationId xmlns:p14="http://schemas.microsoft.com/office/powerpoint/2010/main" val="1316175094"/>
       </p:ext>
     </p:extLst>
   </p:cSld>
@@ -1479,23 +1646,20 @@
           <a:p>
             <a:r>
               <a:rPr lang="en-GB" dirty="0"/>
-              <a:t>Also based on the country our project had a bit higher than average chances of success</a:t>
+              <a:t>Just based on the category our project had a bit higher than average chances of success</a:t>
             </a:r>
           </a:p>
           <a:p>
             <a:r>
               <a:rPr lang="en-GB" dirty="0"/>
-              <a:t>Though most funded projects are from Hong Kong and Great Britain</a:t>
+              <a:t>Though most funded projects are in categories comics, games, publishing</a:t>
             </a:r>
           </a:p>
           <a:p>
             <a:r>
               <a:rPr lang="en-GB" dirty="0"/>
-              <a:t>Least funded projects are from countries Italy, Mexico, Netherlands</a:t>
-            </a:r>
-            <a:endParaRPr lang="en-DE" dirty="0"/>
-          </a:p>
-          <a:p>
+              <a:t>Least funded projects are in categories food, crafts, journalism</a:t>
+            </a:r>
             <a:endParaRPr lang="en-DE" dirty="0"/>
           </a:p>
         </p:txBody>
@@ -1517,7 +1681,7 @@
           <a:p>
             <a:fld id="{0B7FCA78-F67D-4C9F-A032-C0A6CEF2EF96}" type="slidenum">
               <a:rPr lang="en-DE" smtClean="0"/>
-              <a:t>8</a:t>
+              <a:t>7</a:t>
             </a:fld>
             <a:endParaRPr lang="en-DE"/>
           </a:p>
@@ -1526,7 +1690,7 @@
     </p:spTree>
     <p:extLst>
       <p:ext uri="{BB962C8B-B14F-4D97-AF65-F5344CB8AC3E}">
-        <p14:creationId xmlns:p14="http://schemas.microsoft.com/office/powerpoint/2010/main" val="1626974159"/>
+        <p14:creationId xmlns:p14="http://schemas.microsoft.com/office/powerpoint/2010/main" val="3367279960"/>
       </p:ext>
     </p:extLst>
   </p:cSld>
@@ -1582,17 +1746,24 @@
           <a:p>
             <a:r>
               <a:rPr lang="en-GB" dirty="0"/>
-              <a:t>Both graphs show duration in days and goal amount in k USD</a:t>
+              <a:t>Also based on the country our project had a bit higher than average chances of success</a:t>
             </a:r>
           </a:p>
           <a:p>
             <a:r>
               <a:rPr lang="en-GB" dirty="0"/>
-              <a:t>The higher the goal amount the less likely it is going to be funded – our example project has a very high goal with almost 150kUSD</a:t>
-            </a:r>
-          </a:p>
-          <a:p>
-            <a:endParaRPr lang="en-GB" dirty="0"/>
+              <a:t>Though most funded projects are from Hong Kong and Great Britain</a:t>
+            </a:r>
+          </a:p>
+          <a:p>
+            <a:r>
+              <a:rPr lang="en-GB" dirty="0"/>
+              <a:t>Least funded projects are from countries Italy, Mexico, Netherlands</a:t>
+            </a:r>
+            <a:endParaRPr lang="en-DE" dirty="0"/>
+          </a:p>
+          <a:p>
+            <a:endParaRPr lang="en-DE" dirty="0"/>
           </a:p>
         </p:txBody>
       </p:sp>
@@ -1613,7 +1784,7 @@
           <a:p>
             <a:fld id="{0B7FCA78-F67D-4C9F-A032-C0A6CEF2EF96}" type="slidenum">
               <a:rPr lang="en-DE" smtClean="0"/>
-              <a:t>9</a:t>
+              <a:t>8</a:t>
             </a:fld>
             <a:endParaRPr lang="en-DE"/>
           </a:p>
@@ -1622,7 +1793,7 @@
     </p:spTree>
     <p:extLst>
       <p:ext uri="{BB962C8B-B14F-4D97-AF65-F5344CB8AC3E}">
-        <p14:creationId xmlns:p14="http://schemas.microsoft.com/office/powerpoint/2010/main" val="2908534908"/>
+        <p14:creationId xmlns:p14="http://schemas.microsoft.com/office/powerpoint/2010/main" val="1626974159"/>
       </p:ext>
     </p:extLst>
   </p:cSld>
@@ -1678,9 +1849,17 @@
           <a:p>
             <a:r>
               <a:rPr lang="en-GB" dirty="0"/>
-              <a:t>It seems that projects are more successful when they are launch and end the same weekday</a:t>
-            </a:r>
-            <a:endParaRPr lang="en-DE" dirty="0"/>
+              <a:t>Both graphs show duration in days and goal amount in k USD</a:t>
+            </a:r>
+          </a:p>
+          <a:p>
+            <a:r>
+              <a:rPr lang="en-GB" dirty="0"/>
+              <a:t>The higher the goal amount the less likely it is going to be funded – our example project has a very high goal with almost 150kUSD</a:t>
+            </a:r>
+          </a:p>
+          <a:p>
+            <a:endParaRPr lang="en-GB" dirty="0"/>
           </a:p>
         </p:txBody>
       </p:sp>
@@ -1701,7 +1880,7 @@
           <a:p>
             <a:fld id="{0B7FCA78-F67D-4C9F-A032-C0A6CEF2EF96}" type="slidenum">
               <a:rPr lang="en-DE" smtClean="0"/>
-              <a:t>10</a:t>
+              <a:t>9</a:t>
             </a:fld>
             <a:endParaRPr lang="en-DE"/>
           </a:p>
@@ -1710,7 +1889,7 @@
     </p:spTree>
     <p:extLst>
       <p:ext uri="{BB962C8B-B14F-4D97-AF65-F5344CB8AC3E}">
-        <p14:creationId xmlns:p14="http://schemas.microsoft.com/office/powerpoint/2010/main" val="1896676141"/>
+        <p14:creationId xmlns:p14="http://schemas.microsoft.com/office/powerpoint/2010/main" val="2908534908"/>
       </p:ext>
     </p:extLst>
   </p:cSld>
@@ -1869,7 +2048,7 @@
           <a:p>
             <a:fld id="{8BCA8B54-44FD-4BC2-950D-8D2D192923EF}" type="datetimeFigureOut">
               <a:rPr lang="en-DE" smtClean="0"/>
-              <a:t>26/11/2021</a:t>
+              <a:t>27/11/2021</a:t>
             </a:fld>
             <a:endParaRPr lang="en-DE"/>
           </a:p>
@@ -2069,7 +2248,7 @@
           <a:p>
             <a:fld id="{8BCA8B54-44FD-4BC2-950D-8D2D192923EF}" type="datetimeFigureOut">
               <a:rPr lang="en-DE" smtClean="0"/>
-              <a:t>26/11/2021</a:t>
+              <a:t>27/11/2021</a:t>
             </a:fld>
             <a:endParaRPr lang="en-DE"/>
           </a:p>
@@ -2279,7 +2458,7 @@
           <a:p>
             <a:fld id="{8BCA8B54-44FD-4BC2-950D-8D2D192923EF}" type="datetimeFigureOut">
               <a:rPr lang="en-DE" smtClean="0"/>
-              <a:t>26/11/2021</a:t>
+              <a:t>27/11/2021</a:t>
             </a:fld>
             <a:endParaRPr lang="en-DE"/>
           </a:p>
@@ -2479,7 +2658,7 @@
           <a:p>
             <a:fld id="{8BCA8B54-44FD-4BC2-950D-8D2D192923EF}" type="datetimeFigureOut">
               <a:rPr lang="en-DE" smtClean="0"/>
-              <a:t>26/11/2021</a:t>
+              <a:t>27/11/2021</a:t>
             </a:fld>
             <a:endParaRPr lang="en-DE"/>
           </a:p>
@@ -2755,7 +2934,7 @@
           <a:p>
             <a:fld id="{8BCA8B54-44FD-4BC2-950D-8D2D192923EF}" type="datetimeFigureOut">
               <a:rPr lang="en-DE" smtClean="0"/>
-              <a:t>26/11/2021</a:t>
+              <a:t>27/11/2021</a:t>
             </a:fld>
             <a:endParaRPr lang="en-DE"/>
           </a:p>
@@ -3023,7 +3202,7 @@
           <a:p>
             <a:fld id="{8BCA8B54-44FD-4BC2-950D-8D2D192923EF}" type="datetimeFigureOut">
               <a:rPr lang="en-DE" smtClean="0"/>
-              <a:t>26/11/2021</a:t>
+              <a:t>27/11/2021</a:t>
             </a:fld>
             <a:endParaRPr lang="en-DE"/>
           </a:p>
@@ -3438,7 +3617,7 @@
           <a:p>
             <a:fld id="{8BCA8B54-44FD-4BC2-950D-8D2D192923EF}" type="datetimeFigureOut">
               <a:rPr lang="en-DE" smtClean="0"/>
-              <a:t>26/11/2021</a:t>
+              <a:t>27/11/2021</a:t>
             </a:fld>
             <a:endParaRPr lang="en-DE"/>
           </a:p>
@@ -3580,7 +3759,7 @@
           <a:p>
             <a:fld id="{8BCA8B54-44FD-4BC2-950D-8D2D192923EF}" type="datetimeFigureOut">
               <a:rPr lang="en-DE" smtClean="0"/>
-              <a:t>26/11/2021</a:t>
+              <a:t>27/11/2021</a:t>
             </a:fld>
             <a:endParaRPr lang="en-DE"/>
           </a:p>
@@ -3693,7 +3872,7 @@
           <a:p>
             <a:fld id="{8BCA8B54-44FD-4BC2-950D-8D2D192923EF}" type="datetimeFigureOut">
               <a:rPr lang="en-DE" smtClean="0"/>
-              <a:t>26/11/2021</a:t>
+              <a:t>27/11/2021</a:t>
             </a:fld>
             <a:endParaRPr lang="en-DE"/>
           </a:p>
@@ -4006,7 +4185,7 @@
           <a:p>
             <a:fld id="{8BCA8B54-44FD-4BC2-950D-8D2D192923EF}" type="datetimeFigureOut">
               <a:rPr lang="en-DE" smtClean="0"/>
-              <a:t>26/11/2021</a:t>
+              <a:t>27/11/2021</a:t>
             </a:fld>
             <a:endParaRPr lang="en-DE"/>
           </a:p>
@@ -4295,7 +4474,7 @@
           <a:p>
             <a:fld id="{8BCA8B54-44FD-4BC2-950D-8D2D192923EF}" type="datetimeFigureOut">
               <a:rPr lang="en-DE" smtClean="0"/>
-              <a:t>26/11/2021</a:t>
+              <a:t>27/11/2021</a:t>
             </a:fld>
             <a:endParaRPr lang="en-DE"/>
           </a:p>
@@ -4538,7 +4717,7 @@
           <a:p>
             <a:fld id="{8BCA8B54-44FD-4BC2-950D-8D2D192923EF}" type="datetimeFigureOut">
               <a:rPr lang="en-DE" smtClean="0"/>
-              <a:t>26/11/2021</a:t>
+              <a:t>27/11/2021</a:t>
             </a:fld>
             <a:endParaRPr lang="en-DE"/>
           </a:p>
@@ -4955,114 +5134,12 @@
           <a:chExt cx="0" cy="0"/>
         </a:xfrm>
       </p:grpSpPr>
-      <p:sp>
-        <p:nvSpPr>
-          <p:cNvPr id="3" name="Subtitle 2">
-            <a:extLst>
-              <a:ext uri="{FF2B5EF4-FFF2-40B4-BE49-F238E27FC236}">
-                <a16:creationId xmlns:a16="http://schemas.microsoft.com/office/drawing/2014/main" id="{3C55801E-5FFB-4E06-B29D-68E9A5076F1E}"/>
-              </a:ext>
-            </a:extLst>
-          </p:cNvPr>
-          <p:cNvSpPr>
-            <a:spLocks noGrp="1"/>
-          </p:cNvSpPr>
-          <p:nvPr>
-            <p:ph type="subTitle" idx="1"/>
-          </p:nvPr>
-        </p:nvSpPr>
-        <p:spPr>
-          <a:xfrm>
-            <a:off x="740780" y="1894875"/>
-            <a:ext cx="10972800" cy="1655762"/>
-          </a:xfrm>
-        </p:spPr>
-        <p:txBody>
-          <a:bodyPr>
-            <a:normAutofit/>
-          </a:bodyPr>
-          <a:lstStyle/>
-          <a:p>
-            <a:endParaRPr lang="de-DE" b="1" dirty="0">
-              <a:latin typeface="Maison Neue Book"/>
-            </a:endParaRPr>
-          </a:p>
-          <a:p>
-            <a:r>
-              <a:rPr lang="en-US" b="1" dirty="0">
-                <a:latin typeface="Maison Neue Book"/>
-              </a:rPr>
-              <a:t>Predict</a:t>
-            </a:r>
-            <a:r>
-              <a:rPr lang="de-DE" b="1" dirty="0">
-                <a:latin typeface="Maison Neue Book"/>
-              </a:rPr>
-              <a:t> </a:t>
-            </a:r>
-            <a:r>
-              <a:rPr lang="de-DE" b="1" dirty="0" err="1">
-                <a:latin typeface="Maison Neue Book"/>
-              </a:rPr>
-              <a:t>if</a:t>
-            </a:r>
-            <a:r>
-              <a:rPr lang="de-DE" b="1" dirty="0">
-                <a:latin typeface="Maison Neue Book"/>
-              </a:rPr>
-              <a:t> a </a:t>
-            </a:r>
-            <a:r>
-              <a:rPr lang="de-DE" b="1" dirty="0" err="1">
-                <a:latin typeface="Maison Neue Book"/>
-              </a:rPr>
-              <a:t>project</a:t>
-            </a:r>
-            <a:r>
-              <a:rPr lang="de-DE" b="1" dirty="0">
-                <a:latin typeface="Maison Neue Book"/>
-              </a:rPr>
-              <a:t> </a:t>
-            </a:r>
-            <a:r>
-              <a:rPr lang="de-DE" b="1" dirty="0" err="1">
-                <a:latin typeface="Maison Neue Book"/>
-              </a:rPr>
-              <a:t>launched</a:t>
-            </a:r>
-            <a:r>
-              <a:rPr lang="de-DE" b="1" dirty="0">
-                <a:latin typeface="Maison Neue Book"/>
-              </a:rPr>
-              <a:t> </a:t>
-            </a:r>
-            <a:r>
-              <a:rPr lang="en-US" b="1" dirty="0">
-                <a:latin typeface="Maison Neue Book"/>
-              </a:rPr>
-              <a:t>on </a:t>
-            </a:r>
-            <a:r>
-              <a:rPr lang="en-US" b="1" dirty="0" err="1">
-                <a:latin typeface="Maison Neue Book"/>
-              </a:rPr>
-              <a:t>kickstarter</a:t>
-            </a:r>
-            <a:r>
-              <a:rPr lang="en-US" b="1" dirty="0">
-                <a:latin typeface="Maison Neue Book"/>
-              </a:rPr>
-              <a:t> will reach it‘s funding goal</a:t>
-            </a:r>
-          </a:p>
-        </p:txBody>
-      </p:sp>
       <p:pic>
         <p:nvPicPr>
-          <p:cNvPr id="5" name="Picture 4" descr="Icon&#10;&#10;Description automatically generated">
+          <p:cNvPr id="4" name="Picture 3">
             <a:extLst>
               <a:ext uri="{FF2B5EF4-FFF2-40B4-BE49-F238E27FC236}">
-                <a16:creationId xmlns:a16="http://schemas.microsoft.com/office/drawing/2014/main" id="{E8DE4D37-306B-4B98-A54F-6D47D668063E}"/>
+                <a16:creationId xmlns:a16="http://schemas.microsoft.com/office/drawing/2014/main" id="{47F93515-7195-4E3C-8545-FCB5B028A6BD}"/>
               </a:ext>
             </a:extLst>
           </p:cNvPr>
@@ -5073,9 +5150,16 @@
         </p:nvPicPr>
         <p:blipFill>
           <a:blip r:embed="rId3">
-            <a:extLst>
-              <a:ext uri="{28A0092B-C50C-407E-A947-70E740481C1C}">
-                <a14:useLocalDpi xmlns:a14="http://schemas.microsoft.com/office/drawing/2010/main" val="0"/>
+            <a:alphaModFix amt="20000"/>
+            <a:extLst>
+              <a:ext uri="{BEBA8EAE-BF5A-486C-A8C5-ECC9F3942E4B}">
+                <a14:imgProps xmlns:a14="http://schemas.microsoft.com/office/drawing/2010/main">
+                  <a14:imgLayer r:embed="rId4">
+                    <a14:imgEffect>
+                      <a14:saturation sat="0"/>
+                    </a14:imgEffect>
+                  </a14:imgLayer>
+                </a14:imgProps>
               </a:ext>
             </a:extLst>
           </a:blip>
@@ -5085,14 +5169,155 @@
         </p:blipFill>
         <p:spPr>
           <a:xfrm>
-            <a:off x="2862896" y="290659"/>
-            <a:ext cx="6449430" cy="1905158"/>
+            <a:off x="179452" y="340692"/>
+            <a:ext cx="11833095" cy="6176615"/>
           </a:xfrm>
           <a:prstGeom prst="rect">
             <a:avLst/>
           </a:prstGeom>
         </p:spPr>
       </p:pic>
+      <p:pic>
+        <p:nvPicPr>
+          <p:cNvPr id="5" name="Picture 4" descr="Icon&#10;&#10;Description automatically generated">
+            <a:extLst>
+              <a:ext uri="{FF2B5EF4-FFF2-40B4-BE49-F238E27FC236}">
+                <a16:creationId xmlns:a16="http://schemas.microsoft.com/office/drawing/2014/main" id="{E8DE4D37-306B-4B98-A54F-6D47D668063E}"/>
+              </a:ext>
+            </a:extLst>
+          </p:cNvPr>
+          <p:cNvPicPr>
+            <a:picLocks noChangeAspect="1"/>
+          </p:cNvPicPr>
+          <p:nvPr/>
+        </p:nvPicPr>
+        <p:blipFill>
+          <a:blip r:embed="rId5">
+            <a:extLst>
+              <a:ext uri="{28A0092B-C50C-407E-A947-70E740481C1C}">
+                <a14:useLocalDpi xmlns:a14="http://schemas.microsoft.com/office/drawing/2010/main" val="0"/>
+              </a:ext>
+            </a:extLst>
+          </a:blip>
+          <a:stretch>
+            <a:fillRect/>
+          </a:stretch>
+        </p:blipFill>
+        <p:spPr>
+          <a:xfrm>
+            <a:off x="2555631" y="1468464"/>
+            <a:ext cx="7080735" cy="2091645"/>
+          </a:xfrm>
+          <a:prstGeom prst="rect">
+            <a:avLst/>
+          </a:prstGeom>
+        </p:spPr>
+      </p:pic>
+      <p:sp>
+        <p:nvSpPr>
+          <p:cNvPr id="3" name="Subtitle 2">
+            <a:extLst>
+              <a:ext uri="{FF2B5EF4-FFF2-40B4-BE49-F238E27FC236}">
+                <a16:creationId xmlns:a16="http://schemas.microsoft.com/office/drawing/2014/main" id="{3C55801E-5FFB-4E06-B29D-68E9A5076F1E}"/>
+              </a:ext>
+            </a:extLst>
+          </p:cNvPr>
+          <p:cNvSpPr>
+            <a:spLocks noGrp="1"/>
+          </p:cNvSpPr>
+          <p:nvPr>
+            <p:ph type="subTitle" idx="1"/>
+          </p:nvPr>
+        </p:nvSpPr>
+        <p:spPr>
+          <a:xfrm>
+            <a:off x="432744" y="2890843"/>
+            <a:ext cx="11164462" cy="1076312"/>
+          </a:xfrm>
+          <a:solidFill>
+            <a:schemeClr val="bg1"/>
+          </a:solidFill>
+        </p:spPr>
+        <p:txBody>
+          <a:bodyPr>
+            <a:normAutofit/>
+          </a:bodyPr>
+          <a:lstStyle/>
+          <a:p>
+            <a:endParaRPr lang="de-DE" b="1" i="1" dirty="0">
+              <a:latin typeface="Maison Neue Book"/>
+            </a:endParaRPr>
+          </a:p>
+          <a:p>
+            <a:r>
+              <a:rPr lang="en-US" b="1" i="1" dirty="0">
+                <a:latin typeface="Maison Neue Book"/>
+              </a:rPr>
+              <a:t>Predict</a:t>
+            </a:r>
+            <a:r>
+              <a:rPr lang="de-DE" b="1" i="1" dirty="0">
+                <a:latin typeface="Maison Neue Book"/>
+              </a:rPr>
+              <a:t> </a:t>
+            </a:r>
+            <a:r>
+              <a:rPr lang="de-DE" b="1" i="1" dirty="0" err="1">
+                <a:latin typeface="Maison Neue Book"/>
+              </a:rPr>
+              <a:t>if</a:t>
+            </a:r>
+            <a:r>
+              <a:rPr lang="de-DE" b="1" i="1" dirty="0">
+                <a:latin typeface="Maison Neue Book"/>
+              </a:rPr>
+              <a:t> a </a:t>
+            </a:r>
+            <a:r>
+              <a:rPr lang="de-DE" b="1" i="1" dirty="0" err="1">
+                <a:latin typeface="Maison Neue Book"/>
+              </a:rPr>
+              <a:t>project</a:t>
+            </a:r>
+            <a:r>
+              <a:rPr lang="de-DE" b="1" i="1" dirty="0">
+                <a:latin typeface="Maison Neue Book"/>
+              </a:rPr>
+              <a:t> </a:t>
+            </a:r>
+            <a:r>
+              <a:rPr lang="de-DE" b="1" i="1" dirty="0" err="1">
+                <a:latin typeface="Maison Neue Book"/>
+              </a:rPr>
+              <a:t>launched</a:t>
+            </a:r>
+            <a:r>
+              <a:rPr lang="de-DE" b="1" i="1" dirty="0">
+                <a:latin typeface="Maison Neue Book"/>
+              </a:rPr>
+              <a:t> </a:t>
+            </a:r>
+            <a:r>
+              <a:rPr lang="en-US" b="1" i="1" dirty="0">
+                <a:latin typeface="Maison Neue Book"/>
+              </a:rPr>
+              <a:t>on </a:t>
+            </a:r>
+            <a:r>
+              <a:rPr lang="en-US" b="1" i="1" dirty="0" err="1">
+                <a:latin typeface="Maison Neue Book"/>
+              </a:rPr>
+              <a:t>kickstarter</a:t>
+            </a:r>
+            <a:r>
+              <a:rPr lang="en-US" b="1" i="1" dirty="0">
+                <a:latin typeface="Maison Neue Book"/>
+              </a:rPr>
+              <a:t> will reach it‘s funding goal</a:t>
+            </a:r>
+          </a:p>
+        </p:txBody>
+      </p:sp>
     </p:spTree>
     <p:extLst>
       <p:ext uri="{BB962C8B-B14F-4D97-AF65-F5344CB8AC3E}">
@@ -5321,12 +5546,42 @@
           <a:chExt cx="0" cy="0"/>
         </a:xfrm>
       </p:grpSpPr>
-      <p:sp>
-        <p:nvSpPr>
-          <p:cNvPr id="15" name="TextBox 14">
+      <p:pic>
+        <p:nvPicPr>
+          <p:cNvPr id="3" name="Picture 2">
             <a:extLst>
               <a:ext uri="{FF2B5EF4-FFF2-40B4-BE49-F238E27FC236}">
-                <a16:creationId xmlns:a16="http://schemas.microsoft.com/office/drawing/2014/main" id="{56B9D942-067C-4AE2-9539-55BC54258A6E}"/>
+                <a16:creationId xmlns:a16="http://schemas.microsoft.com/office/drawing/2014/main" id="{1403BDCC-3A80-4343-90EF-E113801D9F66}"/>
+              </a:ext>
+            </a:extLst>
+          </p:cNvPr>
+          <p:cNvPicPr>
+            <a:picLocks noChangeAspect="1"/>
+          </p:cNvPicPr>
+          <p:nvPr/>
+        </p:nvPicPr>
+        <p:blipFill>
+          <a:blip r:embed="rId3"/>
+          <a:stretch>
+            <a:fillRect/>
+          </a:stretch>
+        </p:blipFill>
+        <p:spPr>
+          <a:xfrm>
+            <a:off x="0" y="735529"/>
+            <a:ext cx="12192000" cy="5386941"/>
+          </a:xfrm>
+          <a:prstGeom prst="rect">
+            <a:avLst/>
+          </a:prstGeom>
+        </p:spPr>
+      </p:pic>
+      <p:sp>
+        <p:nvSpPr>
+          <p:cNvPr id="4" name="TextBox 3">
+            <a:extLst>
+              <a:ext uri="{FF2B5EF4-FFF2-40B4-BE49-F238E27FC236}">
+                <a16:creationId xmlns:a16="http://schemas.microsoft.com/office/drawing/2014/main" id="{D47654DC-13FA-4F25-A1C5-AF5FB18C9E9A}"/>
               </a:ext>
             </a:extLst>
           </p:cNvPr>
@@ -5335,8 +5590,8 @@
         </p:nvSpPr>
         <p:spPr>
           <a:xfrm>
-            <a:off x="2662177" y="1223240"/>
-            <a:ext cx="6643867" cy="3170099"/>
+            <a:off x="291296" y="150754"/>
+            <a:ext cx="11609408" cy="584775"/>
           </a:xfrm>
           <a:prstGeom prst="rect">
             <a:avLst/>
@@ -5351,72 +5606,12 @@
           <a:p>
             <a:pPr algn="ctr"/>
             <a:r>
-              <a:rPr lang="en-US" sz="2000" dirty="0">
+              <a:rPr lang="en-US" sz="3200" dirty="0">
                 <a:latin typeface="Maison Neue Book"/>
               </a:rPr>
-              <a:t>Go step by step through the fail prediction</a:t>
-            </a:r>
-          </a:p>
-          <a:p>
-            <a:pPr algn="ctr"/>
-            <a:endParaRPr lang="en-US" sz="2000" dirty="0">
-              <a:latin typeface="Maison Neue Book"/>
-            </a:endParaRPr>
-          </a:p>
-          <a:p>
-            <a:pPr algn="ctr"/>
-            <a:r>
-              <a:rPr lang="en-US" sz="2000" dirty="0">
-                <a:latin typeface="Maison Neue Book"/>
-              </a:rPr>
-              <a:t>Certain categories that are more likely to fail</a:t>
-            </a:r>
-          </a:p>
-          <a:p>
-            <a:pPr algn="ctr"/>
-            <a:endParaRPr lang="en-US" sz="2000" dirty="0">
-              <a:latin typeface="Maison Neue Book"/>
-            </a:endParaRPr>
-          </a:p>
-          <a:p>
-            <a:pPr algn="ctr"/>
-            <a:r>
-              <a:rPr lang="en-US" sz="2000" dirty="0">
-                <a:latin typeface="Maison Neue Book"/>
-              </a:rPr>
-              <a:t>Common words in failed projects</a:t>
-            </a:r>
-          </a:p>
-          <a:p>
-            <a:pPr algn="ctr"/>
-            <a:endParaRPr lang="en-US" sz="2000" dirty="0">
-              <a:latin typeface="Maison Neue Book"/>
-            </a:endParaRPr>
-          </a:p>
-          <a:p>
-            <a:pPr algn="ctr"/>
-            <a:r>
-              <a:rPr lang="en-US" sz="2000" dirty="0">
-                <a:latin typeface="Maison Neue Book"/>
-              </a:rPr>
-              <a:t>Goal amounts</a:t>
-            </a:r>
-          </a:p>
-          <a:p>
-            <a:pPr algn="ctr"/>
-            <a:endParaRPr lang="en-US" sz="2000" dirty="0">
-              <a:latin typeface="Maison Neue Book"/>
-            </a:endParaRPr>
-          </a:p>
-          <a:p>
-            <a:pPr algn="ctr"/>
-            <a:endParaRPr lang="en-US" sz="2000" dirty="0">
-              <a:latin typeface="Maison Neue Book"/>
-            </a:endParaRPr>
-          </a:p>
-          <a:p>
-            <a:pPr algn="ctr"/>
-            <a:endParaRPr lang="en-US" sz="2000" dirty="0">
+              <a:t>Common keywords in successful projects</a:t>
+            </a:r>
+            <a:endParaRPr lang="en-US" sz="2800" dirty="0">
               <a:latin typeface="Maison Neue Book"/>
             </a:endParaRPr>
           </a:p>
@@ -5425,7 +5620,7 @@
     </p:spTree>
     <p:extLst>
       <p:ext uri="{BB962C8B-B14F-4D97-AF65-F5344CB8AC3E}">
-        <p14:creationId xmlns:p14="http://schemas.microsoft.com/office/powerpoint/2010/main" val="3294975252"/>
+        <p14:creationId xmlns:p14="http://schemas.microsoft.com/office/powerpoint/2010/main" val="2430578654"/>
       </p:ext>
     </p:extLst>
   </p:cSld>
@@ -5454,10 +5649,10 @@
       </p:grpSpPr>
       <p:pic>
         <p:nvPicPr>
-          <p:cNvPr id="11" name="Picture 10">
+          <p:cNvPr id="7" name="Picture 6">
             <a:extLst>
               <a:ext uri="{FF2B5EF4-FFF2-40B4-BE49-F238E27FC236}">
-                <a16:creationId xmlns:a16="http://schemas.microsoft.com/office/drawing/2014/main" id="{5A1140D6-8133-41E8-9C17-332D926D24C5}"/>
+                <a16:creationId xmlns:a16="http://schemas.microsoft.com/office/drawing/2014/main" id="{9DB74D1A-F649-495E-9AE1-1ADD8530192B}"/>
               </a:ext>
             </a:extLst>
           </p:cNvPr>
@@ -5474,50 +5669,20 @@
         </p:blipFill>
         <p:spPr>
           <a:xfrm>
-            <a:off x="5400943" y="3266213"/>
-            <a:ext cx="6791058" cy="3591787"/>
+            <a:off x="0" y="940157"/>
+            <a:ext cx="12192000" cy="4977686"/>
           </a:xfrm>
           <a:prstGeom prst="rect">
             <a:avLst/>
           </a:prstGeom>
         </p:spPr>
       </p:pic>
-      <p:pic>
-        <p:nvPicPr>
-          <p:cNvPr id="13" name="Picture 12">
+      <p:sp>
+        <p:nvSpPr>
+          <p:cNvPr id="8" name="TextBox 7">
             <a:extLst>
               <a:ext uri="{FF2B5EF4-FFF2-40B4-BE49-F238E27FC236}">
-                <a16:creationId xmlns:a16="http://schemas.microsoft.com/office/drawing/2014/main" id="{49A179C3-5942-4560-A743-946F7157A910}"/>
-              </a:ext>
-            </a:extLst>
-          </p:cNvPr>
-          <p:cNvPicPr>
-            <a:picLocks noChangeAspect="1"/>
-          </p:cNvPicPr>
-          <p:nvPr/>
-        </p:nvPicPr>
-        <p:blipFill>
-          <a:blip r:embed="rId4"/>
-          <a:stretch>
-            <a:fillRect/>
-          </a:stretch>
-        </p:blipFill>
-        <p:spPr>
-          <a:xfrm>
-            <a:off x="0" y="0"/>
-            <a:ext cx="6892587" cy="3597779"/>
-          </a:xfrm>
-          <a:prstGeom prst="rect">
-            <a:avLst/>
-          </a:prstGeom>
-        </p:spPr>
-      </p:pic>
-      <p:sp>
-        <p:nvSpPr>
-          <p:cNvPr id="14" name="TextBox 13">
-            <a:extLst>
-              <a:ext uri="{FF2B5EF4-FFF2-40B4-BE49-F238E27FC236}">
-                <a16:creationId xmlns:a16="http://schemas.microsoft.com/office/drawing/2014/main" id="{BF78B38B-73C9-4291-BD67-9B5183FA6FEB}"/>
+                <a16:creationId xmlns:a16="http://schemas.microsoft.com/office/drawing/2014/main" id="{547DB42D-9E63-48EF-BE6B-7E4C994CABCC}"/>
               </a:ext>
             </a:extLst>
           </p:cNvPr>
@@ -5526,8 +5691,8 @@
         </p:nvSpPr>
         <p:spPr>
           <a:xfrm>
-            <a:off x="5835597" y="1433052"/>
-            <a:ext cx="4546363" cy="400110"/>
+            <a:off x="291296" y="150754"/>
+            <a:ext cx="11609408" cy="584775"/>
           </a:xfrm>
           <a:prstGeom prst="rect">
             <a:avLst/>
@@ -5542,53 +5707,12 @@
           <a:p>
             <a:pPr algn="ctr"/>
             <a:r>
-              <a:rPr lang="en-US" sz="2000" dirty="0">
+              <a:rPr lang="en-US" sz="3200" dirty="0">
                 <a:latin typeface="Maison Neue Book"/>
               </a:rPr>
-              <a:t>successful</a:t>
-            </a:r>
-            <a:endParaRPr lang="en-US" sz="1600" dirty="0">
-              <a:latin typeface="Maison Neue Book"/>
-            </a:endParaRPr>
-          </a:p>
-        </p:txBody>
-      </p:sp>
-      <p:sp>
-        <p:nvSpPr>
-          <p:cNvPr id="15" name="TextBox 14">
-            <a:extLst>
-              <a:ext uri="{FF2B5EF4-FFF2-40B4-BE49-F238E27FC236}">
-                <a16:creationId xmlns:a16="http://schemas.microsoft.com/office/drawing/2014/main" id="{56B9D942-067C-4AE2-9539-55BC54258A6E}"/>
-              </a:ext>
-            </a:extLst>
-          </p:cNvPr>
-          <p:cNvSpPr txBox="1"/>
-          <p:nvPr/>
-        </p:nvSpPr>
-        <p:spPr>
-          <a:xfrm>
-            <a:off x="1962927" y="4827779"/>
-            <a:ext cx="4546363" cy="400110"/>
-          </a:xfrm>
-          <a:prstGeom prst="rect">
-            <a:avLst/>
-          </a:prstGeom>
-          <a:noFill/>
-        </p:spPr>
-        <p:txBody>
-          <a:bodyPr wrap="square" rtlCol="0">
-            <a:spAutoFit/>
-          </a:bodyPr>
-          <a:lstStyle/>
-          <a:p>
-            <a:pPr algn="ctr"/>
-            <a:r>
-              <a:rPr lang="en-US" sz="2000" dirty="0">
-                <a:latin typeface="Maison Neue Book"/>
-              </a:rPr>
-              <a:t>failed</a:t>
-            </a:r>
-            <a:endParaRPr lang="en-US" sz="1600" dirty="0">
+              <a:t>Common keywords in failed projects</a:t>
+            </a:r>
+            <a:endParaRPr lang="en-US" sz="2800" dirty="0">
               <a:latin typeface="Maison Neue Book"/>
             </a:endParaRPr>
           </a:p>
@@ -5597,7 +5721,7 @@
     </p:spTree>
     <p:extLst>
       <p:ext uri="{BB962C8B-B14F-4D97-AF65-F5344CB8AC3E}">
-        <p14:creationId xmlns:p14="http://schemas.microsoft.com/office/powerpoint/2010/main" val="629496097"/>
+        <p14:creationId xmlns:p14="http://schemas.microsoft.com/office/powerpoint/2010/main" val="2691415595"/>
       </p:ext>
     </p:extLst>
   </p:cSld>
@@ -5638,8 +5762,8 @@
         </p:nvSpPr>
         <p:spPr>
           <a:xfrm>
-            <a:off x="3518262" y="2443502"/>
-            <a:ext cx="4546363" cy="707886"/>
+            <a:off x="2662177" y="1223240"/>
+            <a:ext cx="6643867" cy="3170099"/>
           </a:xfrm>
           <a:prstGeom prst="rect">
             <a:avLst/>
@@ -5657,27 +5781,69 @@
               <a:rPr lang="en-US" sz="2000" dirty="0">
                 <a:latin typeface="Maison Neue Book"/>
               </a:rPr>
-              <a:t>Instead of most common </a:t>
-            </a:r>
-            <a:r>
-              <a:rPr lang="en-US" sz="2000" dirty="0" err="1">
-                <a:latin typeface="Maison Neue Book"/>
-              </a:rPr>
-              <a:t>success_words</a:t>
-            </a:r>
+              <a:t>Go step by step through the fail prediction</a:t>
+            </a:r>
+          </a:p>
+          <a:p>
+            <a:pPr algn="ctr"/>
+            <a:endParaRPr lang="en-US" sz="2000" dirty="0">
+              <a:latin typeface="Maison Neue Book"/>
+            </a:endParaRPr>
+          </a:p>
+          <a:p>
+            <a:pPr algn="ctr"/>
             <a:r>
               <a:rPr lang="en-US" sz="2000" dirty="0">
                 <a:latin typeface="Maison Neue Book"/>
               </a:rPr>
-              <a:t> or </a:t>
-            </a:r>
-            <a:r>
-              <a:rPr lang="en-US" sz="2000" dirty="0" err="1">
+              <a:t>Certain categories that are more likely to fail</a:t>
+            </a:r>
+          </a:p>
+          <a:p>
+            <a:pPr algn="ctr"/>
+            <a:endParaRPr lang="en-US" sz="2000" dirty="0">
+              <a:latin typeface="Maison Neue Book"/>
+            </a:endParaRPr>
+          </a:p>
+          <a:p>
+            <a:pPr algn="ctr"/>
+            <a:r>
+              <a:rPr lang="en-US" sz="2000" dirty="0">
                 <a:latin typeface="Maison Neue Book"/>
               </a:rPr>
-              <a:t>fail_words</a:t>
-            </a:r>
-            <a:endParaRPr lang="en-US" sz="1600" dirty="0">
+              <a:t>Common words in failed projects</a:t>
+            </a:r>
+          </a:p>
+          <a:p>
+            <a:pPr algn="ctr"/>
+            <a:endParaRPr lang="en-US" sz="2000" dirty="0">
+              <a:latin typeface="Maison Neue Book"/>
+            </a:endParaRPr>
+          </a:p>
+          <a:p>
+            <a:pPr algn="ctr"/>
+            <a:r>
+              <a:rPr lang="en-US" sz="2000" dirty="0">
+                <a:latin typeface="Maison Neue Book"/>
+              </a:rPr>
+              <a:t>Goal amounts</a:t>
+            </a:r>
+          </a:p>
+          <a:p>
+            <a:pPr algn="ctr"/>
+            <a:endParaRPr lang="en-US" sz="2000" dirty="0">
+              <a:latin typeface="Maison Neue Book"/>
+            </a:endParaRPr>
+          </a:p>
+          <a:p>
+            <a:pPr algn="ctr"/>
+            <a:endParaRPr lang="en-US" sz="2000" dirty="0">
+              <a:latin typeface="Maison Neue Book"/>
+            </a:endParaRPr>
+          </a:p>
+          <a:p>
+            <a:pPr algn="ctr"/>
+            <a:endParaRPr lang="en-US" sz="2000" dirty="0">
               <a:latin typeface="Maison Neue Book"/>
             </a:endParaRPr>
           </a:p>
@@ -5686,7 +5852,7 @@
     </p:spTree>
     <p:extLst>
       <p:ext uri="{BB962C8B-B14F-4D97-AF65-F5344CB8AC3E}">
-        <p14:creationId xmlns:p14="http://schemas.microsoft.com/office/powerpoint/2010/main" val="2785249803"/>
+        <p14:creationId xmlns:p14="http://schemas.microsoft.com/office/powerpoint/2010/main" val="3294975252"/>
       </p:ext>
     </p:extLst>
   </p:cSld>
@@ -6401,10 +6567,10 @@
       </p:grpSpPr>
       <p:sp>
         <p:nvSpPr>
-          <p:cNvPr id="15" name="TextBox 14">
+          <p:cNvPr id="3" name="TextBox 2">
             <a:extLst>
               <a:ext uri="{FF2B5EF4-FFF2-40B4-BE49-F238E27FC236}">
-                <a16:creationId xmlns:a16="http://schemas.microsoft.com/office/drawing/2014/main" id="{56B9D942-067C-4AE2-9539-55BC54258A6E}"/>
+                <a16:creationId xmlns:a16="http://schemas.microsoft.com/office/drawing/2014/main" id="{E5F4A6BF-088F-4622-812F-DB175DBA31F9}"/>
               </a:ext>
             </a:extLst>
           </p:cNvPr>
@@ -6413,8 +6579,8 @@
         </p:nvSpPr>
         <p:spPr>
           <a:xfrm>
-            <a:off x="3583383" y="3028890"/>
-            <a:ext cx="4546363" cy="1015663"/>
+            <a:off x="2777356" y="739033"/>
+            <a:ext cx="6158416" cy="523220"/>
           </a:xfrm>
           <a:prstGeom prst="rect">
             <a:avLst/>
@@ -6429,23 +6595,134 @@
           <a:p>
             <a:pPr algn="ctr"/>
             <a:r>
-              <a:rPr lang="en-US" sz="2000" dirty="0">
+              <a:rPr lang="en-US" sz="2800" dirty="0">
                 <a:latin typeface="Maison Neue Book"/>
               </a:rPr>
-              <a:t>Red line along the example project</a:t>
-            </a:r>
-          </a:p>
-          <a:p>
-            <a:pPr algn="ctr"/>
-            <a:r>
-              <a:rPr lang="en-US" sz="2000" dirty="0">
-                <a:latin typeface="Maison Neue Book"/>
-              </a:rPr>
-              <a:t>What information can go into the model from this project?</a:t>
-            </a:r>
-          </a:p>
-        </p:txBody>
-      </p:sp>
+              <a:t>Which variables can to into the model?</a:t>
+            </a:r>
+          </a:p>
+        </p:txBody>
+      </p:sp>
+      <p:pic>
+        <p:nvPicPr>
+          <p:cNvPr id="4" name="Picture 3">
+            <a:extLst>
+              <a:ext uri="{FF2B5EF4-FFF2-40B4-BE49-F238E27FC236}">
+                <a16:creationId xmlns:a16="http://schemas.microsoft.com/office/drawing/2014/main" id="{72B0FD7E-8E20-4EBA-AD73-C5A40D3E46AA}"/>
+              </a:ext>
+            </a:extLst>
+          </p:cNvPr>
+          <p:cNvPicPr>
+            <a:picLocks noChangeAspect="1"/>
+          </p:cNvPicPr>
+          <p:nvPr/>
+        </p:nvPicPr>
+        <p:blipFill>
+          <a:blip r:embed="rId3"/>
+          <a:stretch>
+            <a:fillRect/>
+          </a:stretch>
+        </p:blipFill>
+        <p:spPr>
+          <a:xfrm>
+            <a:off x="4078928" y="1998611"/>
+            <a:ext cx="2017072" cy="636970"/>
+          </a:xfrm>
+          <a:prstGeom prst="rect">
+            <a:avLst/>
+          </a:prstGeom>
+        </p:spPr>
+      </p:pic>
+      <p:pic>
+        <p:nvPicPr>
+          <p:cNvPr id="6" name="Picture 5">
+            <a:extLst>
+              <a:ext uri="{FF2B5EF4-FFF2-40B4-BE49-F238E27FC236}">
+                <a16:creationId xmlns:a16="http://schemas.microsoft.com/office/drawing/2014/main" id="{AF26E666-7B6E-4AD4-AE01-BFC79E0AD4AB}"/>
+              </a:ext>
+            </a:extLst>
+          </p:cNvPr>
+          <p:cNvPicPr>
+            <a:picLocks noChangeAspect="1"/>
+          </p:cNvPicPr>
+          <p:nvPr/>
+        </p:nvPicPr>
+        <p:blipFill>
+          <a:blip r:embed="rId4"/>
+          <a:stretch>
+            <a:fillRect/>
+          </a:stretch>
+        </p:blipFill>
+        <p:spPr>
+          <a:xfrm>
+            <a:off x="1464498" y="4870356"/>
+            <a:ext cx="10258425" cy="742950"/>
+          </a:xfrm>
+          <a:prstGeom prst="rect">
+            <a:avLst/>
+          </a:prstGeom>
+        </p:spPr>
+      </p:pic>
+      <p:pic>
+        <p:nvPicPr>
+          <p:cNvPr id="8" name="Picture 7">
+            <a:extLst>
+              <a:ext uri="{FF2B5EF4-FFF2-40B4-BE49-F238E27FC236}">
+                <a16:creationId xmlns:a16="http://schemas.microsoft.com/office/drawing/2014/main" id="{8E60FE69-A92C-4C0D-8745-6F768FE25AEE}"/>
+              </a:ext>
+            </a:extLst>
+          </p:cNvPr>
+          <p:cNvPicPr>
+            <a:picLocks noChangeAspect="1"/>
+          </p:cNvPicPr>
+          <p:nvPr/>
+        </p:nvPicPr>
+        <p:blipFill>
+          <a:blip r:embed="rId5"/>
+          <a:stretch>
+            <a:fillRect/>
+          </a:stretch>
+        </p:blipFill>
+        <p:spPr>
+          <a:xfrm>
+            <a:off x="8086845" y="3182612"/>
+            <a:ext cx="1905548" cy="628831"/>
+          </a:xfrm>
+          <a:prstGeom prst="rect">
+            <a:avLst/>
+          </a:prstGeom>
+        </p:spPr>
+      </p:pic>
+      <p:pic>
+        <p:nvPicPr>
+          <p:cNvPr id="10" name="Picture 9">
+            <a:extLst>
+              <a:ext uri="{FF2B5EF4-FFF2-40B4-BE49-F238E27FC236}">
+                <a16:creationId xmlns:a16="http://schemas.microsoft.com/office/drawing/2014/main" id="{05E3D158-0F70-467A-B3AF-3ABB50CAB533}"/>
+              </a:ext>
+            </a:extLst>
+          </p:cNvPr>
+          <p:cNvPicPr>
+            <a:picLocks noChangeAspect="1"/>
+          </p:cNvPicPr>
+          <p:nvPr/>
+        </p:nvPicPr>
+        <p:blipFill>
+          <a:blip r:embed="rId6"/>
+          <a:stretch>
+            <a:fillRect/>
+          </a:stretch>
+        </p:blipFill>
+        <p:spPr>
+          <a:xfrm>
+            <a:off x="395644" y="3371939"/>
+            <a:ext cx="5187616" cy="742950"/>
+          </a:xfrm>
+          <a:prstGeom prst="rect">
+            <a:avLst/>
+          </a:prstGeom>
+        </p:spPr>
+      </p:pic>
     </p:spTree>
     <p:extLst>
       <p:ext uri="{BB962C8B-B14F-4D97-AF65-F5344CB8AC3E}">
@@ -6456,6 +6733,432 @@
   <p:clrMapOvr>
     <a:masterClrMapping/>
   </p:clrMapOvr>
+  <p:timing>
+    <p:tnLst>
+      <p:par>
+        <p:cTn id="1" dur="indefinite" restart="never" nodeType="tmRoot">
+          <p:childTnLst>
+            <p:seq concurrent="1" nextAc="seek">
+              <p:cTn id="2" dur="indefinite" nodeType="mainSeq">
+                <p:childTnLst>
+                  <p:par>
+                    <p:cTn id="3" fill="hold">
+                      <p:stCondLst>
+                        <p:cond delay="indefinite"/>
+                      </p:stCondLst>
+                      <p:childTnLst>
+                        <p:par>
+                          <p:cTn id="4" fill="hold">
+                            <p:stCondLst>
+                              <p:cond delay="0"/>
+                            </p:stCondLst>
+                            <p:childTnLst>
+                              <p:par>
+                                <p:cTn id="5" presetID="42" presetClass="entr" presetSubtype="0" fill="hold" nodeType="clickEffect">
+                                  <p:stCondLst>
+                                    <p:cond delay="0"/>
+                                  </p:stCondLst>
+                                  <p:childTnLst>
+                                    <p:set>
+                                      <p:cBhvr>
+                                        <p:cTn id="6" dur="1" fill="hold">
+                                          <p:stCondLst>
+                                            <p:cond delay="0"/>
+                                          </p:stCondLst>
+                                        </p:cTn>
+                                        <p:tgtEl>
+                                          <p:spTgt spid="4"/>
+                                        </p:tgtEl>
+                                        <p:attrNameLst>
+                                          <p:attrName>style.visibility</p:attrName>
+                                        </p:attrNameLst>
+                                      </p:cBhvr>
+                                      <p:to>
+                                        <p:strVal val="visible"/>
+                                      </p:to>
+                                    </p:set>
+                                    <p:animEffect transition="in" filter="fade">
+                                      <p:cBhvr>
+                                        <p:cTn id="7" dur="1000"/>
+                                        <p:tgtEl>
+                                          <p:spTgt spid="4"/>
+                                        </p:tgtEl>
+                                      </p:cBhvr>
+                                    </p:animEffect>
+                                    <p:anim calcmode="lin" valueType="num">
+                                      <p:cBhvr>
+                                        <p:cTn id="8" dur="1000" fill="hold"/>
+                                        <p:tgtEl>
+                                          <p:spTgt spid="4"/>
+                                        </p:tgtEl>
+                                        <p:attrNameLst>
+                                          <p:attrName>ppt_x</p:attrName>
+                                        </p:attrNameLst>
+                                      </p:cBhvr>
+                                      <p:tavLst>
+                                        <p:tav tm="0">
+                                          <p:val>
+                                            <p:strVal val="#ppt_x"/>
+                                          </p:val>
+                                        </p:tav>
+                                        <p:tav tm="100000">
+                                          <p:val>
+                                            <p:strVal val="#ppt_x"/>
+                                          </p:val>
+                                        </p:tav>
+                                      </p:tavLst>
+                                    </p:anim>
+                                    <p:anim calcmode="lin" valueType="num">
+                                      <p:cBhvr>
+                                        <p:cTn id="9" dur="1000" fill="hold"/>
+                                        <p:tgtEl>
+                                          <p:spTgt spid="4"/>
+                                        </p:tgtEl>
+                                        <p:attrNameLst>
+                                          <p:attrName>ppt_y</p:attrName>
+                                        </p:attrNameLst>
+                                      </p:cBhvr>
+                                      <p:tavLst>
+                                        <p:tav tm="0">
+                                          <p:val>
+                                            <p:strVal val="#ppt_y+.1"/>
+                                          </p:val>
+                                        </p:tav>
+                                        <p:tav tm="100000">
+                                          <p:val>
+                                            <p:strVal val="#ppt_y"/>
+                                          </p:val>
+                                        </p:tav>
+                                      </p:tavLst>
+                                    </p:anim>
+                                  </p:childTnLst>
+                                </p:cTn>
+                              </p:par>
+                            </p:childTnLst>
+                          </p:cTn>
+                        </p:par>
+                      </p:childTnLst>
+                    </p:cTn>
+                  </p:par>
+                  <p:par>
+                    <p:cTn id="10" fill="hold">
+                      <p:stCondLst>
+                        <p:cond delay="indefinite"/>
+                      </p:stCondLst>
+                      <p:childTnLst>
+                        <p:par>
+                          <p:cTn id="11" fill="hold">
+                            <p:stCondLst>
+                              <p:cond delay="0"/>
+                            </p:stCondLst>
+                            <p:childTnLst>
+                              <p:par>
+                                <p:cTn id="12" presetID="42" presetClass="entr" presetSubtype="0" fill="hold" nodeType="clickEffect">
+                                  <p:stCondLst>
+                                    <p:cond delay="0"/>
+                                  </p:stCondLst>
+                                  <p:childTnLst>
+                                    <p:set>
+                                      <p:cBhvr>
+                                        <p:cTn id="13" dur="1" fill="hold">
+                                          <p:stCondLst>
+                                            <p:cond delay="0"/>
+                                          </p:stCondLst>
+                                        </p:cTn>
+                                        <p:tgtEl>
+                                          <p:spTgt spid="8"/>
+                                        </p:tgtEl>
+                                        <p:attrNameLst>
+                                          <p:attrName>style.visibility</p:attrName>
+                                        </p:attrNameLst>
+                                      </p:cBhvr>
+                                      <p:to>
+                                        <p:strVal val="visible"/>
+                                      </p:to>
+                                    </p:set>
+                                    <p:animEffect transition="in" filter="fade">
+                                      <p:cBhvr>
+                                        <p:cTn id="14" dur="1000"/>
+                                        <p:tgtEl>
+                                          <p:spTgt spid="8"/>
+                                        </p:tgtEl>
+                                      </p:cBhvr>
+                                    </p:animEffect>
+                                    <p:anim calcmode="lin" valueType="num">
+                                      <p:cBhvr>
+                                        <p:cTn id="15" dur="1000" fill="hold"/>
+                                        <p:tgtEl>
+                                          <p:spTgt spid="8"/>
+                                        </p:tgtEl>
+                                        <p:attrNameLst>
+                                          <p:attrName>ppt_x</p:attrName>
+                                        </p:attrNameLst>
+                                      </p:cBhvr>
+                                      <p:tavLst>
+                                        <p:tav tm="0">
+                                          <p:val>
+                                            <p:strVal val="#ppt_x"/>
+                                          </p:val>
+                                        </p:tav>
+                                        <p:tav tm="100000">
+                                          <p:val>
+                                            <p:strVal val="#ppt_x"/>
+                                          </p:val>
+                                        </p:tav>
+                                      </p:tavLst>
+                                    </p:anim>
+                                    <p:anim calcmode="lin" valueType="num">
+                                      <p:cBhvr>
+                                        <p:cTn id="16" dur="1000" fill="hold"/>
+                                        <p:tgtEl>
+                                          <p:spTgt spid="8"/>
+                                        </p:tgtEl>
+                                        <p:attrNameLst>
+                                          <p:attrName>ppt_y</p:attrName>
+                                        </p:attrNameLst>
+                                      </p:cBhvr>
+                                      <p:tavLst>
+                                        <p:tav tm="0">
+                                          <p:val>
+                                            <p:strVal val="#ppt_y+.1"/>
+                                          </p:val>
+                                        </p:tav>
+                                        <p:tav tm="100000">
+                                          <p:val>
+                                            <p:strVal val="#ppt_y"/>
+                                          </p:val>
+                                        </p:tav>
+                                      </p:tavLst>
+                                    </p:anim>
+                                  </p:childTnLst>
+                                </p:cTn>
+                              </p:par>
+                            </p:childTnLst>
+                          </p:cTn>
+                        </p:par>
+                      </p:childTnLst>
+                    </p:cTn>
+                  </p:par>
+                  <p:par>
+                    <p:cTn id="17" fill="hold">
+                      <p:stCondLst>
+                        <p:cond delay="indefinite"/>
+                      </p:stCondLst>
+                      <p:childTnLst>
+                        <p:par>
+                          <p:cTn id="18" fill="hold">
+                            <p:stCondLst>
+                              <p:cond delay="0"/>
+                            </p:stCondLst>
+                            <p:childTnLst>
+                              <p:par>
+                                <p:cTn id="19" presetID="42" presetClass="entr" presetSubtype="0" fill="hold" nodeType="clickEffect">
+                                  <p:stCondLst>
+                                    <p:cond delay="0"/>
+                                  </p:stCondLst>
+                                  <p:childTnLst>
+                                    <p:set>
+                                      <p:cBhvr>
+                                        <p:cTn id="20" dur="1" fill="hold">
+                                          <p:stCondLst>
+                                            <p:cond delay="0"/>
+                                          </p:stCondLst>
+                                        </p:cTn>
+                                        <p:tgtEl>
+                                          <p:spTgt spid="10"/>
+                                        </p:tgtEl>
+                                        <p:attrNameLst>
+                                          <p:attrName>style.visibility</p:attrName>
+                                        </p:attrNameLst>
+                                      </p:cBhvr>
+                                      <p:to>
+                                        <p:strVal val="visible"/>
+                                      </p:to>
+                                    </p:set>
+                                    <p:animEffect transition="in" filter="fade">
+                                      <p:cBhvr>
+                                        <p:cTn id="21" dur="1000"/>
+                                        <p:tgtEl>
+                                          <p:spTgt spid="10"/>
+                                        </p:tgtEl>
+                                      </p:cBhvr>
+                                    </p:animEffect>
+                                    <p:anim calcmode="lin" valueType="num">
+                                      <p:cBhvr>
+                                        <p:cTn id="22" dur="1000" fill="hold"/>
+                                        <p:tgtEl>
+                                          <p:spTgt spid="10"/>
+                                        </p:tgtEl>
+                                        <p:attrNameLst>
+                                          <p:attrName>ppt_x</p:attrName>
+                                        </p:attrNameLst>
+                                      </p:cBhvr>
+                                      <p:tavLst>
+                                        <p:tav tm="0">
+                                          <p:val>
+                                            <p:strVal val="#ppt_x"/>
+                                          </p:val>
+                                        </p:tav>
+                                        <p:tav tm="100000">
+                                          <p:val>
+                                            <p:strVal val="#ppt_x"/>
+                                          </p:val>
+                                        </p:tav>
+                                      </p:tavLst>
+                                    </p:anim>
+                                    <p:anim calcmode="lin" valueType="num">
+                                      <p:cBhvr>
+                                        <p:cTn id="23" dur="1000" fill="hold"/>
+                                        <p:tgtEl>
+                                          <p:spTgt spid="10"/>
+                                        </p:tgtEl>
+                                        <p:attrNameLst>
+                                          <p:attrName>ppt_y</p:attrName>
+                                        </p:attrNameLst>
+                                      </p:cBhvr>
+                                      <p:tavLst>
+                                        <p:tav tm="0">
+                                          <p:val>
+                                            <p:strVal val="#ppt_y+.1"/>
+                                          </p:val>
+                                        </p:tav>
+                                        <p:tav tm="100000">
+                                          <p:val>
+                                            <p:strVal val="#ppt_y"/>
+                                          </p:val>
+                                        </p:tav>
+                                      </p:tavLst>
+                                    </p:anim>
+                                  </p:childTnLst>
+                                </p:cTn>
+                              </p:par>
+                            </p:childTnLst>
+                          </p:cTn>
+                        </p:par>
+                      </p:childTnLst>
+                    </p:cTn>
+                  </p:par>
+                  <p:par>
+                    <p:cTn id="24" fill="hold">
+                      <p:stCondLst>
+                        <p:cond delay="indefinite"/>
+                      </p:stCondLst>
+                      <p:childTnLst>
+                        <p:par>
+                          <p:cTn id="25" fill="hold">
+                            <p:stCondLst>
+                              <p:cond delay="0"/>
+                            </p:stCondLst>
+                            <p:childTnLst>
+                              <p:par>
+                                <p:cTn id="26" presetID="42" presetClass="entr" presetSubtype="0" fill="hold" nodeType="clickEffect">
+                                  <p:stCondLst>
+                                    <p:cond delay="0"/>
+                                  </p:stCondLst>
+                                  <p:childTnLst>
+                                    <p:set>
+                                      <p:cBhvr>
+                                        <p:cTn id="27" dur="1" fill="hold">
+                                          <p:stCondLst>
+                                            <p:cond delay="0"/>
+                                          </p:stCondLst>
+                                        </p:cTn>
+                                        <p:tgtEl>
+                                          <p:spTgt spid="6"/>
+                                        </p:tgtEl>
+                                        <p:attrNameLst>
+                                          <p:attrName>style.visibility</p:attrName>
+                                        </p:attrNameLst>
+                                      </p:cBhvr>
+                                      <p:to>
+                                        <p:strVal val="visible"/>
+                                      </p:to>
+                                    </p:set>
+                                    <p:animEffect transition="in" filter="fade">
+                                      <p:cBhvr>
+                                        <p:cTn id="28" dur="1000"/>
+                                        <p:tgtEl>
+                                          <p:spTgt spid="6"/>
+                                        </p:tgtEl>
+                                      </p:cBhvr>
+                                    </p:animEffect>
+                                    <p:anim calcmode="lin" valueType="num">
+                                      <p:cBhvr>
+                                        <p:cTn id="29" dur="1000" fill="hold"/>
+                                        <p:tgtEl>
+                                          <p:spTgt spid="6"/>
+                                        </p:tgtEl>
+                                        <p:attrNameLst>
+                                          <p:attrName>ppt_x</p:attrName>
+                                        </p:attrNameLst>
+                                      </p:cBhvr>
+                                      <p:tavLst>
+                                        <p:tav tm="0">
+                                          <p:val>
+                                            <p:strVal val="#ppt_x"/>
+                                          </p:val>
+                                        </p:tav>
+                                        <p:tav tm="100000">
+                                          <p:val>
+                                            <p:strVal val="#ppt_x"/>
+                                          </p:val>
+                                        </p:tav>
+                                      </p:tavLst>
+                                    </p:anim>
+                                    <p:anim calcmode="lin" valueType="num">
+                                      <p:cBhvr>
+                                        <p:cTn id="30" dur="1000" fill="hold"/>
+                                        <p:tgtEl>
+                                          <p:spTgt spid="6"/>
+                                        </p:tgtEl>
+                                        <p:attrNameLst>
+                                          <p:attrName>ppt_y</p:attrName>
+                                        </p:attrNameLst>
+                                      </p:cBhvr>
+                                      <p:tavLst>
+                                        <p:tav tm="0">
+                                          <p:val>
+                                            <p:strVal val="#ppt_y+.1"/>
+                                          </p:val>
+                                        </p:tav>
+                                        <p:tav tm="100000">
+                                          <p:val>
+                                            <p:strVal val="#ppt_y"/>
+                                          </p:val>
+                                        </p:tav>
+                                      </p:tavLst>
+                                    </p:anim>
+                                  </p:childTnLst>
+                                </p:cTn>
+                              </p:par>
+                            </p:childTnLst>
+                          </p:cTn>
+                        </p:par>
+                      </p:childTnLst>
+                    </p:cTn>
+                  </p:par>
+                </p:childTnLst>
+              </p:cTn>
+              <p:prevCondLst>
+                <p:cond evt="onPrev" delay="0">
+                  <p:tgtEl>
+                    <p:sldTgt/>
+                  </p:tgtEl>
+                </p:cond>
+              </p:prevCondLst>
+              <p:nextCondLst>
+                <p:cond evt="onNext" delay="0">
+                  <p:tgtEl>
+                    <p:sldTgt/>
+                  </p:tgtEl>
+                </p:cond>
+              </p:nextCondLst>
+            </p:seq>
+          </p:childTnLst>
+        </p:cTn>
+      </p:par>
+    </p:tnLst>
+  </p:timing>
 </p:sld>
 </file>
 

--- a/kickstarter_presentation.pptx
+++ b/kickstarter_presentation.pptx
@@ -5,22 +5,23 @@
     <p:sldMasterId id="2147483648" r:id="rId1"/>
   </p:sldMasterIdLst>
   <p:notesMasterIdLst>
-    <p:notesMasterId r:id="rId15"/>
+    <p:notesMasterId r:id="rId16"/>
   </p:notesMasterIdLst>
   <p:sldIdLst>
     <p:sldId id="258" r:id="rId2"/>
     <p:sldId id="267" r:id="rId3"/>
     <p:sldId id="268" r:id="rId4"/>
     <p:sldId id="269" r:id="rId5"/>
-    <p:sldId id="270" r:id="rId6"/>
-    <p:sldId id="272" r:id="rId7"/>
-    <p:sldId id="273" r:id="rId8"/>
-    <p:sldId id="275" r:id="rId9"/>
-    <p:sldId id="274" r:id="rId10"/>
-    <p:sldId id="276" r:id="rId11"/>
+    <p:sldId id="280" r:id="rId6"/>
+    <p:sldId id="273" r:id="rId7"/>
+    <p:sldId id="275" r:id="rId8"/>
+    <p:sldId id="274" r:id="rId9"/>
+    <p:sldId id="276" r:id="rId10"/>
+    <p:sldId id="279" r:id="rId11"/>
     <p:sldId id="277" r:id="rId12"/>
     <p:sldId id="278" r:id="rId13"/>
-    <p:sldId id="271" r:id="rId14"/>
+    <p:sldId id="281" r:id="rId14"/>
+    <p:sldId id="271" r:id="rId15"/>
   </p:sldIdLst>
   <p:sldSz cx="12192000" cy="6858000"/>
   <p:notesSz cx="6858000" cy="9144000"/>
@@ -623,10 +624,37 @@
           <a:bodyPr/>
           <a:lstStyle/>
           <a:p>
+            <a:pPr marL="0" marR="0" lvl="0" indent="0" algn="l" defTabSz="914400" rtl="0" eaLnBrk="1" fontAlgn="auto" latinLnBrk="0" hangingPunct="1">
+              <a:lnSpc>
+                <a:spcPct val="100000"/>
+              </a:lnSpc>
+              <a:spcBef>
+                <a:spcPts val="0"/>
+              </a:spcBef>
+              <a:spcAft>
+                <a:spcPts val="0"/>
+              </a:spcAft>
+              <a:buClrTx/>
+              <a:buSzTx/>
+              <a:buFontTx/>
+              <a:buNone/>
+              <a:tabLst/>
+              <a:defRPr/>
+            </a:pPr>
+            <a:r>
+              <a:rPr lang="en-US" sz="1200" dirty="0">
+                <a:latin typeface="Maison Neue Book"/>
+              </a:rPr>
+              <a:t>150 most common words used in successful project &amp; highest score difference between success and failure</a:t>
+            </a:r>
+          </a:p>
+          <a:p>
             <a:r>
               <a:rPr lang="en-GB" dirty="0"/>
-              <a:t>It seems that projects are more successful when they are launch and end the same weekday</a:t>
-            </a:r>
+              <a:t>What does this actually mean – explain</a:t>
+            </a:r>
+          </a:p>
+          <a:p>
             <a:endParaRPr lang="en-DE" dirty="0"/>
           </a:p>
         </p:txBody>
@@ -648,7 +676,7 @@
           <a:p>
             <a:fld id="{0B7FCA78-F67D-4C9F-A032-C0A6CEF2EF96}" type="slidenum">
               <a:rPr lang="en-DE" smtClean="0"/>
-              <a:t>10</a:t>
+              <a:t>11</a:t>
             </a:fld>
             <a:endParaRPr lang="en-DE"/>
           </a:p>
@@ -657,7 +685,7 @@
     </p:spTree>
     <p:extLst>
       <p:ext uri="{BB962C8B-B14F-4D97-AF65-F5344CB8AC3E}">
-        <p14:creationId xmlns:p14="http://schemas.microsoft.com/office/powerpoint/2010/main" val="1896676141"/>
+        <p14:creationId xmlns:p14="http://schemas.microsoft.com/office/powerpoint/2010/main" val="2022364457"/>
       </p:ext>
     </p:extLst>
   </p:cSld>
@@ -736,6 +764,23 @@
             </a:r>
           </a:p>
           <a:p>
+            <a:pPr marL="0" marR="0" lvl="0" indent="0" algn="l" defTabSz="914400" rtl="0" eaLnBrk="1" fontAlgn="auto" latinLnBrk="0" hangingPunct="1">
+              <a:lnSpc>
+                <a:spcPct val="100000"/>
+              </a:lnSpc>
+              <a:spcBef>
+                <a:spcPts val="0"/>
+              </a:spcBef>
+              <a:spcAft>
+                <a:spcPts val="0"/>
+              </a:spcAft>
+              <a:buClrTx/>
+              <a:buSzTx/>
+              <a:buFontTx/>
+              <a:buNone/>
+              <a:tabLst/>
+              <a:defRPr/>
+            </a:pPr>
             <a:r>
               <a:rPr lang="en-GB" dirty="0"/>
               <a:t>What does this actually mean – explain</a:t>
@@ -763,7 +808,7 @@
           <a:p>
             <a:fld id="{0B7FCA78-F67D-4C9F-A032-C0A6CEF2EF96}" type="slidenum">
               <a:rPr lang="en-DE" smtClean="0"/>
-              <a:t>11</a:t>
+              <a:t>12</a:t>
             </a:fld>
             <a:endParaRPr lang="en-DE"/>
           </a:p>
@@ -772,7 +817,7 @@
     </p:spTree>
     <p:extLst>
       <p:ext uri="{BB962C8B-B14F-4D97-AF65-F5344CB8AC3E}">
-        <p14:creationId xmlns:p14="http://schemas.microsoft.com/office/powerpoint/2010/main" val="2022364457"/>
+        <p14:creationId xmlns:p14="http://schemas.microsoft.com/office/powerpoint/2010/main" val="4014157586"/>
       </p:ext>
     </p:extLst>
   </p:cSld>
@@ -826,55 +871,10 @@
           <a:bodyPr/>
           <a:lstStyle/>
           <a:p>
-            <a:pPr marL="0" marR="0" lvl="0" indent="0" algn="l" defTabSz="914400" rtl="0" eaLnBrk="1" fontAlgn="auto" latinLnBrk="0" hangingPunct="1">
-              <a:lnSpc>
-                <a:spcPct val="100000"/>
-              </a:lnSpc>
-              <a:spcBef>
-                <a:spcPts val="0"/>
-              </a:spcBef>
-              <a:spcAft>
-                <a:spcPts val="0"/>
-              </a:spcAft>
-              <a:buClrTx/>
-              <a:buSzTx/>
-              <a:buFontTx/>
-              <a:buNone/>
-              <a:tabLst/>
-              <a:defRPr/>
-            </a:pPr>
-            <a:r>
-              <a:rPr lang="en-US" sz="1200" dirty="0">
-                <a:latin typeface="Maison Neue Book"/>
-              </a:rPr>
-              <a:t>150 most common words used in successful project &amp; highest score difference between success and failure</a:t>
-            </a:r>
-          </a:p>
-          <a:p>
-            <a:pPr marL="0" marR="0" lvl="0" indent="0" algn="l" defTabSz="914400" rtl="0" eaLnBrk="1" fontAlgn="auto" latinLnBrk="0" hangingPunct="1">
-              <a:lnSpc>
-                <a:spcPct val="100000"/>
-              </a:lnSpc>
-              <a:spcBef>
-                <a:spcPts val="0"/>
-              </a:spcBef>
-              <a:spcAft>
-                <a:spcPts val="0"/>
-              </a:spcAft>
-              <a:buClrTx/>
-              <a:buSzTx/>
-              <a:buFontTx/>
-              <a:buNone/>
-              <a:tabLst/>
-              <a:defRPr/>
-            </a:pPr>
             <a:r>
               <a:rPr lang="en-GB" dirty="0"/>
-              <a:t>What does this actually mean – explain</a:t>
-            </a:r>
-          </a:p>
-          <a:p>
-            <a:endParaRPr lang="en-DE" dirty="0"/>
+              <a:t>Now that we know the project failed let’s take a look what could be the factors</a:t>
+            </a:r>
           </a:p>
         </p:txBody>
       </p:sp>
@@ -895,7 +895,7 @@
           <a:p>
             <a:fld id="{0B7FCA78-F67D-4C9F-A032-C0A6CEF2EF96}" type="slidenum">
               <a:rPr lang="en-DE" smtClean="0"/>
-              <a:t>12</a:t>
+              <a:t>13</a:t>
             </a:fld>
             <a:endParaRPr lang="en-DE"/>
           </a:p>
@@ -904,7 +904,7 @@
     </p:spTree>
     <p:extLst>
       <p:ext uri="{BB962C8B-B14F-4D97-AF65-F5344CB8AC3E}">
-        <p14:creationId xmlns:p14="http://schemas.microsoft.com/office/powerpoint/2010/main" val="4014157586"/>
+        <p14:creationId xmlns:p14="http://schemas.microsoft.com/office/powerpoint/2010/main" val="1698721565"/>
       </p:ext>
     </p:extLst>
   </p:cSld>
@@ -1340,6 +1340,12 @@
             </a:r>
           </a:p>
           <a:p>
+            <a:r>
+              <a:rPr lang="en-GB" dirty="0"/>
+              <a:t>location</a:t>
+            </a:r>
+          </a:p>
+          <a:p>
             <a:endParaRPr lang="en-DE" dirty="0"/>
           </a:p>
         </p:txBody>
@@ -1494,7 +1500,7 @@
     </p:spTree>
     <p:extLst>
       <p:ext uri="{BB962C8B-B14F-4D97-AF65-F5344CB8AC3E}">
-        <p14:creationId xmlns:p14="http://schemas.microsoft.com/office/powerpoint/2010/main" val="34517861"/>
+        <p14:creationId xmlns:p14="http://schemas.microsoft.com/office/powerpoint/2010/main" val="2980425907"/>
       </p:ext>
     </p:extLst>
   </p:cSld>
@@ -1550,17 +1556,21 @@
           <a:p>
             <a:r>
               <a:rPr lang="en-GB" dirty="0"/>
-              <a:t>Now that we know the project failed let’s take a look what could be the factors</a:t>
-            </a:r>
-          </a:p>
-          <a:p>
-            <a:endParaRPr lang="en-GB" dirty="0"/>
-          </a:p>
-          <a:p>
-            <a:endParaRPr lang="en-GB" dirty="0"/>
-          </a:p>
-          <a:p>
-            <a:endParaRPr lang="en-GB" dirty="0"/>
+              <a:t>Just based on the category our project had a bit higher than average chances of success</a:t>
+            </a:r>
+          </a:p>
+          <a:p>
+            <a:r>
+              <a:rPr lang="en-GB" dirty="0"/>
+              <a:t>Though most funded projects are in categories comics, games, publishing</a:t>
+            </a:r>
+          </a:p>
+          <a:p>
+            <a:r>
+              <a:rPr lang="en-GB" dirty="0"/>
+              <a:t>Least funded projects are in categories food, crafts, journalism</a:t>
+            </a:r>
+            <a:endParaRPr lang="en-DE" dirty="0"/>
           </a:p>
         </p:txBody>
       </p:sp>
@@ -1590,7 +1600,7 @@
     </p:spTree>
     <p:extLst>
       <p:ext uri="{BB962C8B-B14F-4D97-AF65-F5344CB8AC3E}">
-        <p14:creationId xmlns:p14="http://schemas.microsoft.com/office/powerpoint/2010/main" val="1316175094"/>
+        <p14:creationId xmlns:p14="http://schemas.microsoft.com/office/powerpoint/2010/main" val="3367279960"/>
       </p:ext>
     </p:extLst>
   </p:cSld>
@@ -1646,20 +1656,23 @@
           <a:p>
             <a:r>
               <a:rPr lang="en-GB" dirty="0"/>
-              <a:t>Just based on the category our project had a bit higher than average chances of success</a:t>
+              <a:t>Also based on the country our project had a bit higher than average chances of success</a:t>
             </a:r>
           </a:p>
           <a:p>
             <a:r>
               <a:rPr lang="en-GB" dirty="0"/>
-              <a:t>Though most funded projects are in categories comics, games, publishing</a:t>
+              <a:t>Though most funded projects are from Hong Kong and Great Britain</a:t>
             </a:r>
           </a:p>
           <a:p>
             <a:r>
               <a:rPr lang="en-GB" dirty="0"/>
-              <a:t>Least funded projects are in categories food, crafts, journalism</a:t>
-            </a:r>
+              <a:t>Least funded projects are from countries Italy, Mexico, Netherlands</a:t>
+            </a:r>
+            <a:endParaRPr lang="en-DE" dirty="0"/>
+          </a:p>
+          <a:p>
             <a:endParaRPr lang="en-DE" dirty="0"/>
           </a:p>
         </p:txBody>
@@ -1690,7 +1703,7 @@
     </p:spTree>
     <p:extLst>
       <p:ext uri="{BB962C8B-B14F-4D97-AF65-F5344CB8AC3E}">
-        <p14:creationId xmlns:p14="http://schemas.microsoft.com/office/powerpoint/2010/main" val="3367279960"/>
+        <p14:creationId xmlns:p14="http://schemas.microsoft.com/office/powerpoint/2010/main" val="1626974159"/>
       </p:ext>
     </p:extLst>
   </p:cSld>
@@ -1746,24 +1759,29 @@
           <a:p>
             <a:r>
               <a:rPr lang="en-GB" dirty="0"/>
-              <a:t>Also based on the country our project had a bit higher than average chances of success</a:t>
+              <a:t>Both graphs show duration in days and goal amount in k USD</a:t>
             </a:r>
           </a:p>
           <a:p>
             <a:r>
               <a:rPr lang="en-GB" dirty="0"/>
-              <a:t>Though most funded projects are from Hong Kong and Great Britain</a:t>
+              <a:t>21 days</a:t>
             </a:r>
           </a:p>
           <a:p>
             <a:r>
               <a:rPr lang="en-GB" dirty="0"/>
-              <a:t>Least funded projects are from countries Italy, Mexico, Netherlands</a:t>
-            </a:r>
-            <a:endParaRPr lang="en-DE" dirty="0"/>
-          </a:p>
-          <a:p>
-            <a:endParaRPr lang="en-DE" dirty="0"/>
+              <a:t>381euro</a:t>
+            </a:r>
+          </a:p>
+          <a:p>
+            <a:r>
+              <a:rPr lang="en-GB" dirty="0"/>
+              <a:t>The higher the goal amount the less likely it is going to be funded – our example project has a very high goal with almost 150kUSD</a:t>
+            </a:r>
+          </a:p>
+          <a:p>
+            <a:endParaRPr lang="en-GB" dirty="0"/>
           </a:p>
         </p:txBody>
       </p:sp>
@@ -1793,7 +1811,7 @@
     </p:spTree>
     <p:extLst>
       <p:ext uri="{BB962C8B-B14F-4D97-AF65-F5344CB8AC3E}">
-        <p14:creationId xmlns:p14="http://schemas.microsoft.com/office/powerpoint/2010/main" val="1626974159"/>
+        <p14:creationId xmlns:p14="http://schemas.microsoft.com/office/powerpoint/2010/main" val="2908534908"/>
       </p:ext>
     </p:extLst>
   </p:cSld>
@@ -1849,17 +1867,9 @@
           <a:p>
             <a:r>
               <a:rPr lang="en-GB" dirty="0"/>
-              <a:t>Both graphs show duration in days and goal amount in k USD</a:t>
-            </a:r>
-          </a:p>
-          <a:p>
-            <a:r>
-              <a:rPr lang="en-GB" dirty="0"/>
-              <a:t>The higher the goal amount the less likely it is going to be funded – our example project has a very high goal with almost 150kUSD</a:t>
-            </a:r>
-          </a:p>
-          <a:p>
-            <a:endParaRPr lang="en-GB" dirty="0"/>
+              <a:t>It seems that projects are more successful when they are launch and end the same weekday</a:t>
+            </a:r>
+            <a:endParaRPr lang="en-DE" dirty="0"/>
           </a:p>
         </p:txBody>
       </p:sp>
@@ -1889,7 +1899,7 @@
     </p:spTree>
     <p:extLst>
       <p:ext uri="{BB962C8B-B14F-4D97-AF65-F5344CB8AC3E}">
-        <p14:creationId xmlns:p14="http://schemas.microsoft.com/office/powerpoint/2010/main" val="2908534908"/>
+        <p14:creationId xmlns:p14="http://schemas.microsoft.com/office/powerpoint/2010/main" val="1896676141"/>
       </p:ext>
     </p:extLst>
   </p:cSld>
@@ -5348,12 +5358,161 @@
           <a:chExt cx="0" cy="0"/>
         </a:xfrm>
       </p:grpSpPr>
+      <p:sp>
+        <p:nvSpPr>
+          <p:cNvPr id="15" name="TextBox 14">
+            <a:extLst>
+              <a:ext uri="{FF2B5EF4-FFF2-40B4-BE49-F238E27FC236}">
+                <a16:creationId xmlns:a16="http://schemas.microsoft.com/office/drawing/2014/main" id="{56B9D942-067C-4AE2-9539-55BC54258A6E}"/>
+              </a:ext>
+            </a:extLst>
+          </p:cNvPr>
+          <p:cNvSpPr txBox="1"/>
+          <p:nvPr/>
+        </p:nvSpPr>
+        <p:spPr>
+          <a:xfrm>
+            <a:off x="1782501" y="1223240"/>
+            <a:ext cx="8322198" cy="2862322"/>
+          </a:xfrm>
+          <a:prstGeom prst="rect">
+            <a:avLst/>
+          </a:prstGeom>
+          <a:noFill/>
+        </p:spPr>
+        <p:txBody>
+          <a:bodyPr wrap="square" rtlCol="0">
+            <a:spAutoFit/>
+          </a:bodyPr>
+          <a:lstStyle/>
+          <a:p>
+            <a:pPr algn="ctr"/>
+            <a:r>
+              <a:rPr lang="en-US" sz="2000" dirty="0">
+                <a:latin typeface="Maison Neue Book"/>
+              </a:rPr>
+              <a:t>Keyword base for our project after removing </a:t>
+            </a:r>
+            <a:r>
+              <a:rPr lang="en-US" sz="2000" dirty="0" err="1">
+                <a:latin typeface="Maison Neue Book"/>
+              </a:rPr>
+              <a:t>stopwords</a:t>
+            </a:r>
+            <a:r>
+              <a:rPr lang="en-US" sz="2000" dirty="0">
+                <a:latin typeface="Maison Neue Book"/>
+              </a:rPr>
+              <a:t> and punctuation are:</a:t>
+            </a:r>
+          </a:p>
+          <a:p>
+            <a:pPr algn="ctr"/>
+            <a:endParaRPr lang="en-US" sz="2000" dirty="0">
+              <a:latin typeface="Maison Neue Book"/>
+            </a:endParaRPr>
+          </a:p>
+          <a:p>
+            <a:pPr algn="ctr"/>
+            <a:r>
+              <a:rPr lang="en-US" sz="2000" dirty="0">
+                <a:latin typeface="Maison Neue Book"/>
+              </a:rPr>
+              <a:t>enamel</a:t>
+            </a:r>
+          </a:p>
+          <a:p>
+            <a:pPr algn="ctr"/>
+            <a:r>
+              <a:rPr lang="en-US" sz="2000" dirty="0">
+                <a:latin typeface="Maison Neue Book"/>
+              </a:rPr>
+              <a:t>pin</a:t>
+            </a:r>
+          </a:p>
+          <a:p>
+            <a:pPr algn="ctr"/>
+            <a:r>
+              <a:rPr lang="en-US" sz="2000" dirty="0">
+                <a:latin typeface="Maison Neue Book"/>
+              </a:rPr>
+              <a:t>set</a:t>
+            </a:r>
+          </a:p>
+          <a:p>
+            <a:pPr algn="ctr"/>
+            <a:r>
+              <a:rPr lang="en-US" sz="2000" dirty="0">
+                <a:latin typeface="Maison Neue Book"/>
+              </a:rPr>
+              <a:t>based</a:t>
+            </a:r>
+          </a:p>
+          <a:p>
+            <a:pPr algn="ctr"/>
+            <a:r>
+              <a:rPr lang="en-US" sz="2000" dirty="0">
+                <a:latin typeface="Maison Neue Book"/>
+              </a:rPr>
+              <a:t>new</a:t>
+            </a:r>
+          </a:p>
+          <a:p>
+            <a:pPr algn="ctr"/>
+            <a:r>
+              <a:rPr lang="en-US" sz="2000" dirty="0">
+                <a:latin typeface="Maison Neue Book"/>
+              </a:rPr>
+              <a:t>generation</a:t>
+            </a:r>
+          </a:p>
+          <a:p>
+            <a:pPr algn="ctr"/>
+            <a:r>
+              <a:rPr lang="en-US" sz="2000" dirty="0">
+                <a:latin typeface="Maison Neue Book"/>
+              </a:rPr>
+              <a:t>ponies </a:t>
+            </a:r>
+          </a:p>
+        </p:txBody>
+      </p:sp>
+    </p:spTree>
+    <p:extLst>
+      <p:ext uri="{BB962C8B-B14F-4D97-AF65-F5344CB8AC3E}">
+        <p14:creationId xmlns:p14="http://schemas.microsoft.com/office/powerpoint/2010/main" val="1027284157"/>
+      </p:ext>
+    </p:extLst>
+  </p:cSld>
+  <p:clrMapOvr>
+    <a:masterClrMapping/>
+  </p:clrMapOvr>
+</p:sld>
+</file>
+
+<file path=ppt/slides/slide11.xml><?xml version="1.0" encoding="utf-8"?>
+<p:sld xmlns:a="http://schemas.openxmlformats.org/drawingml/2006/main" xmlns:r="http://schemas.openxmlformats.org/officeDocument/2006/relationships" xmlns:p="http://schemas.openxmlformats.org/presentationml/2006/main">
+  <p:cSld>
+    <p:spTree>
+      <p:nvGrpSpPr>
+        <p:cNvPr id="1" name=""/>
+        <p:cNvGrpSpPr/>
+        <p:nvPr/>
+      </p:nvGrpSpPr>
+      <p:grpSpPr>
+        <a:xfrm>
+          <a:off x="0" y="0"/>
+          <a:ext cx="0" cy="0"/>
+          <a:chOff x="0" y="0"/>
+          <a:chExt cx="0" cy="0"/>
+        </a:xfrm>
+      </p:grpSpPr>
       <p:pic>
         <p:nvPicPr>
-          <p:cNvPr id="5" name="Picture 4">
-            <a:extLst>
-              <a:ext uri="{FF2B5EF4-FFF2-40B4-BE49-F238E27FC236}">
-                <a16:creationId xmlns:a16="http://schemas.microsoft.com/office/drawing/2014/main" id="{2E6D2F49-E1BE-43AA-B199-E0826A25A2A0}"/>
+          <p:cNvPr id="3" name="Picture 2">
+            <a:extLst>
+              <a:ext uri="{FF2B5EF4-FFF2-40B4-BE49-F238E27FC236}">
+                <a16:creationId xmlns:a16="http://schemas.microsoft.com/office/drawing/2014/main" id="{1403BDCC-3A80-4343-90EF-E113801D9F66}"/>
               </a:ext>
             </a:extLst>
           </p:cNvPr>
@@ -5370,8 +5529,8 @@
         </p:blipFill>
         <p:spPr>
           <a:xfrm>
-            <a:off x="1654275" y="1109441"/>
-            <a:ext cx="8623959" cy="4006569"/>
+            <a:off x="0" y="735529"/>
+            <a:ext cx="12192000" cy="5386941"/>
           </a:xfrm>
           <a:prstGeom prst="rect">
             <a:avLst/>
@@ -5380,28 +5539,69 @@
       </p:pic>
       <p:sp>
         <p:nvSpPr>
-          <p:cNvPr id="6" name="Rectangle 5">
-            <a:extLst>
-              <a:ext uri="{FF2B5EF4-FFF2-40B4-BE49-F238E27FC236}">
-                <a16:creationId xmlns:a16="http://schemas.microsoft.com/office/drawing/2014/main" id="{FEBFC3AF-4BC6-4DCB-A665-841C37FC2037}"/>
-              </a:ext>
-            </a:extLst>
-          </p:cNvPr>
-          <p:cNvSpPr/>
+          <p:cNvPr id="4" name="TextBox 3">
+            <a:extLst>
+              <a:ext uri="{FF2B5EF4-FFF2-40B4-BE49-F238E27FC236}">
+                <a16:creationId xmlns:a16="http://schemas.microsoft.com/office/drawing/2014/main" id="{D47654DC-13FA-4F25-A1C5-AF5FB18C9E9A}"/>
+              </a:ext>
+            </a:extLst>
+          </p:cNvPr>
+          <p:cNvSpPr txBox="1"/>
           <p:nvPr/>
         </p:nvSpPr>
         <p:spPr>
           <a:xfrm>
-            <a:off x="4247908" y="2384385"/>
-            <a:ext cx="995423" cy="497711"/>
+            <a:off x="291296" y="150754"/>
+            <a:ext cx="11609408" cy="584775"/>
           </a:xfrm>
           <a:prstGeom prst="rect">
             <a:avLst/>
           </a:prstGeom>
           <a:noFill/>
-          <a:ln w="38100">
+        </p:spPr>
+        <p:txBody>
+          <a:bodyPr wrap="square" rtlCol="0">
+            <a:spAutoFit/>
+          </a:bodyPr>
+          <a:lstStyle/>
+          <a:p>
+            <a:pPr algn="ctr"/>
+            <a:r>
+              <a:rPr lang="en-US" sz="3200" dirty="0">
+                <a:latin typeface="Maison Neue Book"/>
+              </a:rPr>
+              <a:t>Common keywords in successful projects</a:t>
+            </a:r>
+            <a:endParaRPr lang="en-US" sz="2800" dirty="0">
+              <a:latin typeface="Maison Neue Book"/>
+            </a:endParaRPr>
+          </a:p>
+        </p:txBody>
+      </p:sp>
+      <p:sp>
+        <p:nvSpPr>
+          <p:cNvPr id="2" name="Oval 1">
+            <a:extLst>
+              <a:ext uri="{FF2B5EF4-FFF2-40B4-BE49-F238E27FC236}">
+                <a16:creationId xmlns:a16="http://schemas.microsoft.com/office/drawing/2014/main" id="{84359307-7D95-4EB8-A564-B26D8EB5D916}"/>
+              </a:ext>
+            </a:extLst>
+          </p:cNvPr>
+          <p:cNvSpPr/>
+          <p:nvPr/>
+        </p:nvSpPr>
+        <p:spPr>
+          <a:xfrm>
+            <a:off x="7153154" y="2323616"/>
+            <a:ext cx="2523281" cy="859422"/>
+          </a:xfrm>
+          <a:prstGeom prst="ellipse">
+            <a:avLst/>
+          </a:prstGeom>
+          <a:noFill/>
+          <a:ln w="57150">
             <a:solidFill>
-              <a:schemeClr val="tx1"/>
+              <a:srgbClr val="00B050"/>
             </a:solidFill>
           </a:ln>
         </p:spPr>
@@ -5430,10 +5630,166 @@
           </a:p>
         </p:txBody>
       </p:sp>
+      <p:sp>
+        <p:nvSpPr>
+          <p:cNvPr id="6" name="Oval 5">
+            <a:extLst>
+              <a:ext uri="{FF2B5EF4-FFF2-40B4-BE49-F238E27FC236}">
+                <a16:creationId xmlns:a16="http://schemas.microsoft.com/office/drawing/2014/main" id="{09B6078F-AA5D-44A1-A0AE-25EE9261BA91}"/>
+              </a:ext>
+            </a:extLst>
+          </p:cNvPr>
+          <p:cNvSpPr/>
+          <p:nvPr/>
+        </p:nvSpPr>
+        <p:spPr>
+          <a:xfrm>
+            <a:off x="10222376" y="4050174"/>
+            <a:ext cx="1850020" cy="859422"/>
+          </a:xfrm>
+          <a:prstGeom prst="ellipse">
+            <a:avLst/>
+          </a:prstGeom>
+          <a:noFill/>
+          <a:ln w="57150">
+            <a:solidFill>
+              <a:srgbClr val="00B050"/>
+            </a:solidFill>
+          </a:ln>
+        </p:spPr>
+        <p:style>
+          <a:lnRef idx="2">
+            <a:schemeClr val="accent1">
+              <a:shade val="50000"/>
+            </a:schemeClr>
+          </a:lnRef>
+          <a:fillRef idx="1">
+            <a:schemeClr val="accent1"/>
+          </a:fillRef>
+          <a:effectRef idx="0">
+            <a:schemeClr val="accent1"/>
+          </a:effectRef>
+          <a:fontRef idx="minor">
+            <a:schemeClr val="lt1"/>
+          </a:fontRef>
+        </p:style>
+        <p:txBody>
+          <a:bodyPr rtlCol="0" anchor="ctr"/>
+          <a:lstStyle/>
+          <a:p>
+            <a:pPr algn="ctr"/>
+            <a:endParaRPr lang="en-DE"/>
+          </a:p>
+        </p:txBody>
+      </p:sp>
+      <p:sp>
+        <p:nvSpPr>
+          <p:cNvPr id="7" name="Oval 6">
+            <a:extLst>
+              <a:ext uri="{FF2B5EF4-FFF2-40B4-BE49-F238E27FC236}">
+                <a16:creationId xmlns:a16="http://schemas.microsoft.com/office/drawing/2014/main" id="{9025987D-E746-4F2E-A2F9-0BA446D8B386}"/>
+              </a:ext>
+            </a:extLst>
+          </p:cNvPr>
+          <p:cNvSpPr/>
+          <p:nvPr/>
+        </p:nvSpPr>
+        <p:spPr>
+          <a:xfrm>
+            <a:off x="189054" y="2318077"/>
+            <a:ext cx="679047" cy="406564"/>
+          </a:xfrm>
+          <a:prstGeom prst="ellipse">
+            <a:avLst/>
+          </a:prstGeom>
+          <a:noFill/>
+          <a:ln w="57150">
+            <a:solidFill>
+              <a:srgbClr val="00B050"/>
+            </a:solidFill>
+          </a:ln>
+        </p:spPr>
+        <p:style>
+          <a:lnRef idx="2">
+            <a:schemeClr val="accent1">
+              <a:shade val="50000"/>
+            </a:schemeClr>
+          </a:lnRef>
+          <a:fillRef idx="1">
+            <a:schemeClr val="accent1"/>
+          </a:fillRef>
+          <a:effectRef idx="0">
+            <a:schemeClr val="accent1"/>
+          </a:effectRef>
+          <a:fontRef idx="minor">
+            <a:schemeClr val="lt1"/>
+          </a:fontRef>
+        </p:style>
+        <p:txBody>
+          <a:bodyPr rtlCol="0" anchor="ctr"/>
+          <a:lstStyle/>
+          <a:p>
+            <a:pPr algn="ctr"/>
+            <a:endParaRPr lang="en-DE"/>
+          </a:p>
+        </p:txBody>
+      </p:sp>
+      <p:sp>
+        <p:nvSpPr>
+          <p:cNvPr id="9" name="Oval 8">
+            <a:extLst>
+              <a:ext uri="{FF2B5EF4-FFF2-40B4-BE49-F238E27FC236}">
+                <a16:creationId xmlns:a16="http://schemas.microsoft.com/office/drawing/2014/main" id="{D9AE861E-E8DC-41AE-BC86-8646170DAD31}"/>
+              </a:ext>
+            </a:extLst>
+          </p:cNvPr>
+          <p:cNvSpPr/>
+          <p:nvPr/>
+        </p:nvSpPr>
+        <p:spPr>
+          <a:xfrm>
+            <a:off x="7153154" y="3090441"/>
+            <a:ext cx="625033" cy="338559"/>
+          </a:xfrm>
+          <a:prstGeom prst="ellipse">
+            <a:avLst/>
+          </a:prstGeom>
+          <a:noFill/>
+          <a:ln w="57150">
+            <a:solidFill>
+              <a:srgbClr val="00B050"/>
+            </a:solidFill>
+          </a:ln>
+        </p:spPr>
+        <p:style>
+          <a:lnRef idx="2">
+            <a:schemeClr val="accent1">
+              <a:shade val="50000"/>
+            </a:schemeClr>
+          </a:lnRef>
+          <a:fillRef idx="1">
+            <a:schemeClr val="accent1"/>
+          </a:fillRef>
+          <a:effectRef idx="0">
+            <a:schemeClr val="accent1"/>
+          </a:effectRef>
+          <a:fontRef idx="minor">
+            <a:schemeClr val="lt1"/>
+          </a:fontRef>
+        </p:style>
+        <p:txBody>
+          <a:bodyPr rtlCol="0" anchor="ctr"/>
+          <a:lstStyle/>
+          <a:p>
+            <a:pPr algn="ctr"/>
+            <a:endParaRPr lang="en-DE"/>
+          </a:p>
+        </p:txBody>
+      </p:sp>
     </p:spTree>
     <p:extLst>
       <p:ext uri="{BB962C8B-B14F-4D97-AF65-F5344CB8AC3E}">
-        <p14:creationId xmlns:p14="http://schemas.microsoft.com/office/powerpoint/2010/main" val="930875439"/>
+        <p14:creationId xmlns:p14="http://schemas.microsoft.com/office/powerpoint/2010/main" val="2430578654"/>
       </p:ext>
     </p:extLst>
   </p:cSld>
@@ -5461,7 +5817,7 @@
                             </p:stCondLst>
                             <p:childTnLst>
                               <p:par>
-                                <p:cTn id="5" presetID="6" presetClass="entr" presetSubtype="16" fill="hold" grpId="0" nodeType="clickEffect">
+                                <p:cTn id="5" presetID="21" presetClass="entr" presetSubtype="1" fill="hold" grpId="0" nodeType="clickEffect">
                                   <p:stCondLst>
                                     <p:cond delay="0"/>
                                   </p:stCondLst>
@@ -5469,6 +5825,59 @@
                                     <p:set>
                                       <p:cBhvr>
                                         <p:cTn id="6" dur="1" fill="hold">
+                                          <p:stCondLst>
+                                            <p:cond delay="0"/>
+                                          </p:stCondLst>
+                                        </p:cTn>
+                                        <p:tgtEl>
+                                          <p:spTgt spid="2"/>
+                                        </p:tgtEl>
+                                        <p:attrNameLst>
+                                          <p:attrName>style.visibility</p:attrName>
+                                        </p:attrNameLst>
+                                      </p:cBhvr>
+                                      <p:to>
+                                        <p:strVal val="visible"/>
+                                      </p:to>
+                                    </p:set>
+                                    <p:animEffect transition="in" filter="wheel(1)">
+                                      <p:cBhvr>
+                                        <p:cTn id="7" dur="2000"/>
+                                        <p:tgtEl>
+                                          <p:spTgt spid="2"/>
+                                        </p:tgtEl>
+                                      </p:cBhvr>
+                                    </p:animEffect>
+                                  </p:childTnLst>
+                                </p:cTn>
+                              </p:par>
+                            </p:childTnLst>
+                          </p:cTn>
+                        </p:par>
+                      </p:childTnLst>
+                    </p:cTn>
+                  </p:par>
+                  <p:par>
+                    <p:cTn id="8" fill="hold">
+                      <p:stCondLst>
+                        <p:cond delay="indefinite"/>
+                      </p:stCondLst>
+                      <p:childTnLst>
+                        <p:par>
+                          <p:cTn id="9" fill="hold">
+                            <p:stCondLst>
+                              <p:cond delay="0"/>
+                            </p:stCondLst>
+                            <p:childTnLst>
+                              <p:par>
+                                <p:cTn id="10" presetID="21" presetClass="entr" presetSubtype="1" fill="hold" grpId="0" nodeType="clickEffect">
+                                  <p:stCondLst>
+                                    <p:cond delay="0"/>
+                                  </p:stCondLst>
+                                  <p:childTnLst>
+                                    <p:set>
+                                      <p:cBhvr>
+                                        <p:cTn id="11" dur="1" fill="hold">
                                           <p:stCondLst>
                                             <p:cond delay="0"/>
                                           </p:stCondLst>
@@ -5484,11 +5893,117 @@
                                         <p:strVal val="visible"/>
                                       </p:to>
                                     </p:set>
-                                    <p:animEffect transition="in" filter="circle(in)">
+                                    <p:animEffect transition="in" filter="wheel(1)">
                                       <p:cBhvr>
-                                        <p:cTn id="7" dur="2000"/>
+                                        <p:cTn id="12" dur="2000"/>
                                         <p:tgtEl>
                                           <p:spTgt spid="6"/>
+                                        </p:tgtEl>
+                                      </p:cBhvr>
+                                    </p:animEffect>
+                                  </p:childTnLst>
+                                </p:cTn>
+                              </p:par>
+                            </p:childTnLst>
+                          </p:cTn>
+                        </p:par>
+                      </p:childTnLst>
+                    </p:cTn>
+                  </p:par>
+                  <p:par>
+                    <p:cTn id="13" fill="hold">
+                      <p:stCondLst>
+                        <p:cond delay="indefinite"/>
+                      </p:stCondLst>
+                      <p:childTnLst>
+                        <p:par>
+                          <p:cTn id="14" fill="hold">
+                            <p:stCondLst>
+                              <p:cond delay="0"/>
+                            </p:stCondLst>
+                            <p:childTnLst>
+                              <p:par>
+                                <p:cTn id="15" presetID="21" presetClass="entr" presetSubtype="1" fill="hold" grpId="0" nodeType="clickEffect">
+                                  <p:stCondLst>
+                                    <p:cond delay="0"/>
+                                  </p:stCondLst>
+                                  <p:childTnLst>
+                                    <p:set>
+                                      <p:cBhvr>
+                                        <p:cTn id="16" dur="1" fill="hold">
+                                          <p:stCondLst>
+                                            <p:cond delay="0"/>
+                                          </p:stCondLst>
+                                        </p:cTn>
+                                        <p:tgtEl>
+                                          <p:spTgt spid="7"/>
+                                        </p:tgtEl>
+                                        <p:attrNameLst>
+                                          <p:attrName>style.visibility</p:attrName>
+                                        </p:attrNameLst>
+                                      </p:cBhvr>
+                                      <p:to>
+                                        <p:strVal val="visible"/>
+                                      </p:to>
+                                    </p:set>
+                                    <p:animEffect transition="in" filter="wheel(1)">
+                                      <p:cBhvr>
+                                        <p:cTn id="17" dur="2000"/>
+                                        <p:tgtEl>
+                                          <p:spTgt spid="7"/>
+                                        </p:tgtEl>
+                                      </p:cBhvr>
+                                    </p:animEffect>
+                                  </p:childTnLst>
+                                </p:cTn>
+                              </p:par>
+                            </p:childTnLst>
+                          </p:cTn>
+                        </p:par>
+                      </p:childTnLst>
+                    </p:cTn>
+                  </p:par>
+                  <p:par>
+                    <p:cTn id="18" fill="hold">
+                      <p:stCondLst>
+                        <p:cond delay="indefinite"/>
+                      </p:stCondLst>
+                      <p:childTnLst>
+                        <p:par>
+                          <p:cTn id="19" fill="hold">
+                            <p:stCondLst>
+                              <p:cond delay="0"/>
+                            </p:stCondLst>
+                            <p:childTnLst>
+                              <p:par>
+                                <p:cTn id="20" presetID="21" presetClass="entr" presetSubtype="1" fill="hold" grpId="0" nodeType="clickEffect">
+                                  <p:stCondLst>
+                                    <p:cond delay="0"/>
+                                  </p:stCondLst>
+                                  <p:childTnLst>
+                                    <p:set>
+                                      <p:cBhvr>
+                                        <p:cTn id="21" dur="1" fill="hold">
+                                          <p:stCondLst>
+                                            <p:cond delay="0"/>
+                                          </p:stCondLst>
+                                        </p:cTn>
+                                        <p:tgtEl>
+                                          <p:spTgt spid="9"/>
+                                        </p:tgtEl>
+                                        <p:attrNameLst>
+                                          <p:attrName>style.visibility</p:attrName>
+                                        </p:attrNameLst>
+                                      </p:cBhvr>
+                                      <p:to>
+                                        <p:strVal val="visible"/>
+                                      </p:to>
+                                    </p:set>
+                                    <p:animEffect transition="in" filter="wheel(1)">
+                                      <p:cBhvr>
+                                        <p:cTn id="22" dur="2000"/>
+                                        <p:tgtEl>
+                                          <p:spTgt spid="9"/>
                                         </p:tgtEl>
                                       </p:cBhvr>
                                     </p:animEffect>
@@ -5523,110 +6038,12 @@
       </p:par>
     </p:tnLst>
     <p:bldLst>
+      <p:bldP spid="2" grpId="0" animBg="1"/>
       <p:bldP spid="6" grpId="0" animBg="1"/>
+      <p:bldP spid="7" grpId="0" animBg="1"/>
+      <p:bldP spid="9" grpId="0" animBg="1"/>
     </p:bldLst>
   </p:timing>
-</p:sld>
-</file>
-
-<file path=ppt/slides/slide11.xml><?xml version="1.0" encoding="utf-8"?>
-<p:sld xmlns:a="http://schemas.openxmlformats.org/drawingml/2006/main" xmlns:r="http://schemas.openxmlformats.org/officeDocument/2006/relationships" xmlns:p="http://schemas.openxmlformats.org/presentationml/2006/main">
-  <p:cSld>
-    <p:spTree>
-      <p:nvGrpSpPr>
-        <p:cNvPr id="1" name=""/>
-        <p:cNvGrpSpPr/>
-        <p:nvPr/>
-      </p:nvGrpSpPr>
-      <p:grpSpPr>
-        <a:xfrm>
-          <a:off x="0" y="0"/>
-          <a:ext cx="0" cy="0"/>
-          <a:chOff x="0" y="0"/>
-          <a:chExt cx="0" cy="0"/>
-        </a:xfrm>
-      </p:grpSpPr>
-      <p:pic>
-        <p:nvPicPr>
-          <p:cNvPr id="3" name="Picture 2">
-            <a:extLst>
-              <a:ext uri="{FF2B5EF4-FFF2-40B4-BE49-F238E27FC236}">
-                <a16:creationId xmlns:a16="http://schemas.microsoft.com/office/drawing/2014/main" id="{1403BDCC-3A80-4343-90EF-E113801D9F66}"/>
-              </a:ext>
-            </a:extLst>
-          </p:cNvPr>
-          <p:cNvPicPr>
-            <a:picLocks noChangeAspect="1"/>
-          </p:cNvPicPr>
-          <p:nvPr/>
-        </p:nvPicPr>
-        <p:blipFill>
-          <a:blip r:embed="rId3"/>
-          <a:stretch>
-            <a:fillRect/>
-          </a:stretch>
-        </p:blipFill>
-        <p:spPr>
-          <a:xfrm>
-            <a:off x="0" y="735529"/>
-            <a:ext cx="12192000" cy="5386941"/>
-          </a:xfrm>
-          <a:prstGeom prst="rect">
-            <a:avLst/>
-          </a:prstGeom>
-        </p:spPr>
-      </p:pic>
-      <p:sp>
-        <p:nvSpPr>
-          <p:cNvPr id="4" name="TextBox 3">
-            <a:extLst>
-              <a:ext uri="{FF2B5EF4-FFF2-40B4-BE49-F238E27FC236}">
-                <a16:creationId xmlns:a16="http://schemas.microsoft.com/office/drawing/2014/main" id="{D47654DC-13FA-4F25-A1C5-AF5FB18C9E9A}"/>
-              </a:ext>
-            </a:extLst>
-          </p:cNvPr>
-          <p:cNvSpPr txBox="1"/>
-          <p:nvPr/>
-        </p:nvSpPr>
-        <p:spPr>
-          <a:xfrm>
-            <a:off x="291296" y="150754"/>
-            <a:ext cx="11609408" cy="584775"/>
-          </a:xfrm>
-          <a:prstGeom prst="rect">
-            <a:avLst/>
-          </a:prstGeom>
-          <a:noFill/>
-        </p:spPr>
-        <p:txBody>
-          <a:bodyPr wrap="square" rtlCol="0">
-            <a:spAutoFit/>
-          </a:bodyPr>
-          <a:lstStyle/>
-          <a:p>
-            <a:pPr algn="ctr"/>
-            <a:r>
-              <a:rPr lang="en-US" sz="3200" dirty="0">
-                <a:latin typeface="Maison Neue Book"/>
-              </a:rPr>
-              <a:t>Common keywords in successful projects</a:t>
-            </a:r>
-            <a:endParaRPr lang="en-US" sz="2800" dirty="0">
-              <a:latin typeface="Maison Neue Book"/>
-            </a:endParaRPr>
-          </a:p>
-        </p:txBody>
-      </p:sp>
-    </p:spTree>
-    <p:extLst>
-      <p:ext uri="{BB962C8B-B14F-4D97-AF65-F5344CB8AC3E}">
-        <p14:creationId xmlns:p14="http://schemas.microsoft.com/office/powerpoint/2010/main" val="2430578654"/>
-      </p:ext>
-    </p:extLst>
-  </p:cSld>
-  <p:clrMapOvr>
-    <a:masterClrMapping/>
-  </p:clrMapOvr>
 </p:sld>
 </file>
 
@@ -5748,143 +6165,12 @@
           <a:chExt cx="0" cy="0"/>
         </a:xfrm>
       </p:grpSpPr>
-      <p:sp>
-        <p:nvSpPr>
-          <p:cNvPr id="15" name="TextBox 14">
-            <a:extLst>
-              <a:ext uri="{FF2B5EF4-FFF2-40B4-BE49-F238E27FC236}">
-                <a16:creationId xmlns:a16="http://schemas.microsoft.com/office/drawing/2014/main" id="{56B9D942-067C-4AE2-9539-55BC54258A6E}"/>
-              </a:ext>
-            </a:extLst>
-          </p:cNvPr>
-          <p:cNvSpPr txBox="1"/>
-          <p:nvPr/>
-        </p:nvSpPr>
-        <p:spPr>
-          <a:xfrm>
-            <a:off x="2662177" y="1223240"/>
-            <a:ext cx="6643867" cy="3170099"/>
-          </a:xfrm>
-          <a:prstGeom prst="rect">
-            <a:avLst/>
-          </a:prstGeom>
-          <a:noFill/>
-        </p:spPr>
-        <p:txBody>
-          <a:bodyPr wrap="square" rtlCol="0">
-            <a:spAutoFit/>
-          </a:bodyPr>
-          <a:lstStyle/>
-          <a:p>
-            <a:pPr algn="ctr"/>
-            <a:r>
-              <a:rPr lang="en-US" sz="2000" dirty="0">
-                <a:latin typeface="Maison Neue Book"/>
-              </a:rPr>
-              <a:t>Go step by step through the fail prediction</a:t>
-            </a:r>
-          </a:p>
-          <a:p>
-            <a:pPr algn="ctr"/>
-            <a:endParaRPr lang="en-US" sz="2000" dirty="0">
-              <a:latin typeface="Maison Neue Book"/>
-            </a:endParaRPr>
-          </a:p>
-          <a:p>
-            <a:pPr algn="ctr"/>
-            <a:r>
-              <a:rPr lang="en-US" sz="2000" dirty="0">
-                <a:latin typeface="Maison Neue Book"/>
-              </a:rPr>
-              <a:t>Certain categories that are more likely to fail</a:t>
-            </a:r>
-          </a:p>
-          <a:p>
-            <a:pPr algn="ctr"/>
-            <a:endParaRPr lang="en-US" sz="2000" dirty="0">
-              <a:latin typeface="Maison Neue Book"/>
-            </a:endParaRPr>
-          </a:p>
-          <a:p>
-            <a:pPr algn="ctr"/>
-            <a:r>
-              <a:rPr lang="en-US" sz="2000" dirty="0">
-                <a:latin typeface="Maison Neue Book"/>
-              </a:rPr>
-              <a:t>Common words in failed projects</a:t>
-            </a:r>
-          </a:p>
-          <a:p>
-            <a:pPr algn="ctr"/>
-            <a:endParaRPr lang="en-US" sz="2000" dirty="0">
-              <a:latin typeface="Maison Neue Book"/>
-            </a:endParaRPr>
-          </a:p>
-          <a:p>
-            <a:pPr algn="ctr"/>
-            <a:r>
-              <a:rPr lang="en-US" sz="2000" dirty="0">
-                <a:latin typeface="Maison Neue Book"/>
-              </a:rPr>
-              <a:t>Goal amounts</a:t>
-            </a:r>
-          </a:p>
-          <a:p>
-            <a:pPr algn="ctr"/>
-            <a:endParaRPr lang="en-US" sz="2000" dirty="0">
-              <a:latin typeface="Maison Neue Book"/>
-            </a:endParaRPr>
-          </a:p>
-          <a:p>
-            <a:pPr algn="ctr"/>
-            <a:endParaRPr lang="en-US" sz="2000" dirty="0">
-              <a:latin typeface="Maison Neue Book"/>
-            </a:endParaRPr>
-          </a:p>
-          <a:p>
-            <a:pPr algn="ctr"/>
-            <a:endParaRPr lang="en-US" sz="2000" dirty="0">
-              <a:latin typeface="Maison Neue Book"/>
-            </a:endParaRPr>
-          </a:p>
-        </p:txBody>
-      </p:sp>
-    </p:spTree>
-    <p:extLst>
-      <p:ext uri="{BB962C8B-B14F-4D97-AF65-F5344CB8AC3E}">
-        <p14:creationId xmlns:p14="http://schemas.microsoft.com/office/powerpoint/2010/main" val="3294975252"/>
-      </p:ext>
-    </p:extLst>
-  </p:cSld>
-  <p:clrMapOvr>
-    <a:masterClrMapping/>
-  </p:clrMapOvr>
-</p:sld>
-</file>
-
-<file path=ppt/slides/slide2.xml><?xml version="1.0" encoding="utf-8"?>
-<p:sld xmlns:a="http://schemas.openxmlformats.org/drawingml/2006/main" xmlns:r="http://schemas.openxmlformats.org/officeDocument/2006/relationships" xmlns:p="http://schemas.openxmlformats.org/presentationml/2006/main">
-  <p:cSld>
-    <p:spTree>
-      <p:nvGrpSpPr>
-        <p:cNvPr id="1" name=""/>
-        <p:cNvGrpSpPr/>
-        <p:nvPr/>
-      </p:nvGrpSpPr>
-      <p:grpSpPr>
-        <a:xfrm>
-          <a:off x="0" y="0"/>
-          <a:ext cx="0" cy="0"/>
-          <a:chOff x="0" y="0"/>
-          <a:chExt cx="0" cy="0"/>
-        </a:xfrm>
-      </p:grpSpPr>
       <p:pic>
         <p:nvPicPr>
           <p:cNvPr id="5" name="Picture 4">
             <a:extLst>
               <a:ext uri="{FF2B5EF4-FFF2-40B4-BE49-F238E27FC236}">
-                <a16:creationId xmlns:a16="http://schemas.microsoft.com/office/drawing/2014/main" id="{D753DF26-8135-4C60-AAE5-576031F1B958}"/>
+                <a16:creationId xmlns:a16="http://schemas.microsoft.com/office/drawing/2014/main" id="{931805DA-43C8-4849-A8FA-63544F7FD004}"/>
               </a:ext>
             </a:extLst>
           </p:cNvPr>
@@ -5901,252 +6187,8 @@
         </p:blipFill>
         <p:spPr>
           <a:xfrm>
-            <a:off x="0" y="545321"/>
-            <a:ext cx="12192000" cy="5767357"/>
-          </a:xfrm>
-          <a:prstGeom prst="rect">
-            <a:avLst/>
-          </a:prstGeom>
-        </p:spPr>
-      </p:pic>
-      <p:sp>
-        <p:nvSpPr>
-          <p:cNvPr id="6" name="Rectangle 5">
-            <a:extLst>
-              <a:ext uri="{FF2B5EF4-FFF2-40B4-BE49-F238E27FC236}">
-                <a16:creationId xmlns:a16="http://schemas.microsoft.com/office/drawing/2014/main" id="{5C43DBFB-AE1D-4277-968D-919E7048F9E7}"/>
-              </a:ext>
-            </a:extLst>
-          </p:cNvPr>
-          <p:cNvSpPr/>
-          <p:nvPr/>
-        </p:nvSpPr>
-        <p:spPr>
-          <a:xfrm>
-            <a:off x="6690167" y="3692324"/>
-            <a:ext cx="3460830" cy="833377"/>
-          </a:xfrm>
-          <a:prstGeom prst="rect">
-            <a:avLst/>
-          </a:prstGeom>
-          <a:noFill/>
-          <a:ln w="57150">
-            <a:solidFill>
-              <a:srgbClr val="FF0000"/>
-            </a:solidFill>
-          </a:ln>
-        </p:spPr>
-        <p:style>
-          <a:lnRef idx="2">
-            <a:schemeClr val="accent1">
-              <a:shade val="50000"/>
-            </a:schemeClr>
-          </a:lnRef>
-          <a:fillRef idx="1">
-            <a:schemeClr val="accent1"/>
-          </a:fillRef>
-          <a:effectRef idx="0">
-            <a:schemeClr val="accent1"/>
-          </a:effectRef>
-          <a:fontRef idx="minor">
-            <a:schemeClr val="lt1"/>
-          </a:fontRef>
-        </p:style>
-        <p:txBody>
-          <a:bodyPr rtlCol="0" anchor="ctr"/>
-          <a:lstStyle/>
-          <a:p>
-            <a:pPr algn="ctr"/>
-            <a:endParaRPr lang="en-DE"/>
-          </a:p>
-        </p:txBody>
-      </p:sp>
-    </p:spTree>
-    <p:extLst>
-      <p:ext uri="{BB962C8B-B14F-4D97-AF65-F5344CB8AC3E}">
-        <p14:creationId xmlns:p14="http://schemas.microsoft.com/office/powerpoint/2010/main" val="1981460191"/>
-      </p:ext>
-    </p:extLst>
-  </p:cSld>
-  <p:clrMapOvr>
-    <a:masterClrMapping/>
-  </p:clrMapOvr>
-  <p:timing>
-    <p:tnLst>
-      <p:par>
-        <p:cTn id="1" dur="indefinite" restart="never" nodeType="tmRoot">
-          <p:childTnLst>
-            <p:seq concurrent="1" nextAc="seek">
-              <p:cTn id="2" dur="indefinite" nodeType="mainSeq">
-                <p:childTnLst>
-                  <p:par>
-                    <p:cTn id="3" fill="hold">
-                      <p:stCondLst>
-                        <p:cond delay="indefinite"/>
-                      </p:stCondLst>
-                      <p:childTnLst>
-                        <p:par>
-                          <p:cTn id="4" fill="hold">
-                            <p:stCondLst>
-                              <p:cond delay="0"/>
-                            </p:stCondLst>
-                            <p:childTnLst>
-                              <p:par>
-                                <p:cTn id="5" presetID="42" presetClass="entr" presetSubtype="0" fill="hold" grpId="0" nodeType="clickEffect">
-                                  <p:stCondLst>
-                                    <p:cond delay="0"/>
-                                  </p:stCondLst>
-                                  <p:childTnLst>
-                                    <p:set>
-                                      <p:cBhvr>
-                                        <p:cTn id="6" dur="1" fill="hold">
-                                          <p:stCondLst>
-                                            <p:cond delay="0"/>
-                                          </p:stCondLst>
-                                        </p:cTn>
-                                        <p:tgtEl>
-                                          <p:spTgt spid="6"/>
-                                        </p:tgtEl>
-                                        <p:attrNameLst>
-                                          <p:attrName>style.visibility</p:attrName>
-                                        </p:attrNameLst>
-                                      </p:cBhvr>
-                                      <p:to>
-                                        <p:strVal val="visible"/>
-                                      </p:to>
-                                    </p:set>
-                                    <p:animEffect transition="in" filter="fade">
-                                      <p:cBhvr>
-                                        <p:cTn id="7" dur="1000"/>
-                                        <p:tgtEl>
-                                          <p:spTgt spid="6"/>
-                                        </p:tgtEl>
-                                      </p:cBhvr>
-                                    </p:animEffect>
-                                    <p:anim calcmode="lin" valueType="num">
-                                      <p:cBhvr>
-                                        <p:cTn id="8" dur="1000" fill="hold"/>
-                                        <p:tgtEl>
-                                          <p:spTgt spid="6"/>
-                                        </p:tgtEl>
-                                        <p:attrNameLst>
-                                          <p:attrName>ppt_x</p:attrName>
-                                        </p:attrNameLst>
-                                      </p:cBhvr>
-                                      <p:tavLst>
-                                        <p:tav tm="0">
-                                          <p:val>
-                                            <p:strVal val="#ppt_x"/>
-                                          </p:val>
-                                        </p:tav>
-                                        <p:tav tm="100000">
-                                          <p:val>
-                                            <p:strVal val="#ppt_x"/>
-                                          </p:val>
-                                        </p:tav>
-                                      </p:tavLst>
-                                    </p:anim>
-                                    <p:anim calcmode="lin" valueType="num">
-                                      <p:cBhvr>
-                                        <p:cTn id="9" dur="1000" fill="hold"/>
-                                        <p:tgtEl>
-                                          <p:spTgt spid="6"/>
-                                        </p:tgtEl>
-                                        <p:attrNameLst>
-                                          <p:attrName>ppt_y</p:attrName>
-                                        </p:attrNameLst>
-                                      </p:cBhvr>
-                                      <p:tavLst>
-                                        <p:tav tm="0">
-                                          <p:val>
-                                            <p:strVal val="#ppt_y+.1"/>
-                                          </p:val>
-                                        </p:tav>
-                                        <p:tav tm="100000">
-                                          <p:val>
-                                            <p:strVal val="#ppt_y"/>
-                                          </p:val>
-                                        </p:tav>
-                                      </p:tavLst>
-                                    </p:anim>
-                                  </p:childTnLst>
-                                </p:cTn>
-                              </p:par>
-                            </p:childTnLst>
-                          </p:cTn>
-                        </p:par>
-                      </p:childTnLst>
-                    </p:cTn>
-                  </p:par>
-                </p:childTnLst>
-              </p:cTn>
-              <p:prevCondLst>
-                <p:cond evt="onPrev" delay="0">
-                  <p:tgtEl>
-                    <p:sldTgt/>
-                  </p:tgtEl>
-                </p:cond>
-              </p:prevCondLst>
-              <p:nextCondLst>
-                <p:cond evt="onNext" delay="0">
-                  <p:tgtEl>
-                    <p:sldTgt/>
-                  </p:tgtEl>
-                </p:cond>
-              </p:nextCondLst>
-            </p:seq>
-          </p:childTnLst>
-        </p:cTn>
-      </p:par>
-    </p:tnLst>
-    <p:bldLst>
-      <p:bldP spid="6" grpId="0" animBg="1"/>
-    </p:bldLst>
-  </p:timing>
-</p:sld>
-</file>
-
-<file path=ppt/slides/slide3.xml><?xml version="1.0" encoding="utf-8"?>
-<p:sld xmlns:a="http://schemas.openxmlformats.org/drawingml/2006/main" xmlns:r="http://schemas.openxmlformats.org/officeDocument/2006/relationships" xmlns:p="http://schemas.openxmlformats.org/presentationml/2006/main">
-  <p:cSld>
-    <p:spTree>
-      <p:nvGrpSpPr>
-        <p:cNvPr id="1" name=""/>
-        <p:cNvGrpSpPr/>
-        <p:nvPr/>
-      </p:nvGrpSpPr>
-      <p:grpSpPr>
-        <a:xfrm>
-          <a:off x="0" y="0"/>
-          <a:ext cx="0" cy="0"/>
-          <a:chOff x="0" y="0"/>
-          <a:chExt cx="0" cy="0"/>
-        </a:xfrm>
-      </p:grpSpPr>
-      <p:pic>
-        <p:nvPicPr>
-          <p:cNvPr id="3" name="Picture 2">
-            <a:extLst>
-              <a:ext uri="{FF2B5EF4-FFF2-40B4-BE49-F238E27FC236}">
-                <a16:creationId xmlns:a16="http://schemas.microsoft.com/office/drawing/2014/main" id="{0AF34D35-6A5B-46B0-BF9B-504A325ECE5B}"/>
-              </a:ext>
-            </a:extLst>
-          </p:cNvPr>
-          <p:cNvPicPr>
-            <a:picLocks noChangeAspect="1"/>
-          </p:cNvPicPr>
-          <p:nvPr/>
-        </p:nvPicPr>
-        <p:blipFill>
-          <a:blip r:embed="rId3"/>
-          <a:stretch>
-            <a:fillRect/>
-          </a:stretch>
-        </p:blipFill>
-        <p:spPr>
-          <a:xfrm>
-            <a:off x="0" y="459730"/>
-            <a:ext cx="12192000" cy="5938539"/>
+            <a:off x="0" y="789688"/>
+            <a:ext cx="12192000" cy="4870332"/>
           </a:xfrm>
           <a:prstGeom prst="rect">
             <a:avLst/>
@@ -6155,10 +6197,10 @@
       </p:pic>
       <p:grpSp>
         <p:nvGrpSpPr>
-          <p:cNvPr id="9" name="Group 8">
-            <a:extLst>
-              <a:ext uri="{FF2B5EF4-FFF2-40B4-BE49-F238E27FC236}">
-                <a16:creationId xmlns:a16="http://schemas.microsoft.com/office/drawing/2014/main" id="{DDC0C55B-7BF8-4377-8D75-D9F8B6595DCB}"/>
+          <p:cNvPr id="10" name="Group 9">
+            <a:extLst>
+              <a:ext uri="{FF2B5EF4-FFF2-40B4-BE49-F238E27FC236}">
+                <a16:creationId xmlns:a16="http://schemas.microsoft.com/office/drawing/2014/main" id="{D9301857-6AFD-4D55-A95B-6B051EA3C48B}"/>
               </a:ext>
             </a:extLst>
           </p:cNvPr>
@@ -6167,10 +6209,10 @@
         </p:nvGrpSpPr>
         <p:grpSpPr>
           <a:xfrm>
-            <a:off x="2048717" y="1759352"/>
-            <a:ext cx="7214888" cy="3298785"/>
-            <a:chOff x="2048717" y="1759352"/>
-            <a:chExt cx="7214888" cy="3298785"/>
+            <a:off x="2041002" y="2071868"/>
+            <a:ext cx="7265043" cy="3032567"/>
+            <a:chOff x="2041002" y="2071868"/>
+            <a:chExt cx="7265043" cy="3032567"/>
           </a:xfrm>
         </p:grpSpPr>
         <p:sp>
@@ -6187,8 +6229,8 @@
           </p:nvSpPr>
           <p:spPr>
             <a:xfrm>
-              <a:off x="2048719" y="1759352"/>
-              <a:ext cx="5312780" cy="3032567"/>
+              <a:off x="2041002" y="2071868"/>
+              <a:ext cx="5349714" cy="3032567"/>
             </a:xfrm>
             <a:prstGeom prst="rect">
               <a:avLst/>
@@ -6245,8 +6287,8 @@
           </p:nvSpPr>
           <p:spPr>
             <a:xfrm flipH="1">
-              <a:off x="7465671" y="2372809"/>
-              <a:ext cx="625032" cy="266219"/>
+              <a:off x="7495612" y="2685325"/>
+              <a:ext cx="629377" cy="266219"/>
             </a:xfrm>
             <a:prstGeom prst="rect">
               <a:avLst/>
@@ -6303,66 +6345,8 @@
           </p:nvSpPr>
           <p:spPr>
             <a:xfrm flipH="1">
-              <a:off x="7465671" y="1880885"/>
-              <a:ext cx="1797934" cy="266220"/>
-            </a:xfrm>
-            <a:prstGeom prst="rect">
-              <a:avLst/>
-            </a:prstGeom>
-            <a:solidFill>
-              <a:schemeClr val="bg1">
-                <a:lumMod val="75000"/>
-              </a:schemeClr>
-            </a:solidFill>
-            <a:ln w="38100">
-              <a:solidFill>
-                <a:schemeClr val="bg1">
-                  <a:lumMod val="75000"/>
-                </a:schemeClr>
-              </a:solidFill>
-            </a:ln>
-          </p:spPr>
-          <p:style>
-            <a:lnRef idx="2">
-              <a:schemeClr val="accent1">
-                <a:shade val="50000"/>
-              </a:schemeClr>
-            </a:lnRef>
-            <a:fillRef idx="1">
-              <a:schemeClr val="accent1"/>
-            </a:fillRef>
-            <a:effectRef idx="0">
-              <a:schemeClr val="accent1"/>
-            </a:effectRef>
-            <a:fontRef idx="minor">
-              <a:schemeClr val="lt1"/>
-            </a:fontRef>
-          </p:style>
-          <p:txBody>
-            <a:bodyPr rtlCol="0" anchor="ctr"/>
-            <a:lstStyle/>
-            <a:p>
-              <a:pPr algn="ctr"/>
-              <a:endParaRPr lang="en-DE"/>
-            </a:p>
-          </p:txBody>
-        </p:sp>
-        <p:sp>
-          <p:nvSpPr>
-            <p:cNvPr id="8" name="Rectangle 7">
-              <a:extLst>
-                <a:ext uri="{FF2B5EF4-FFF2-40B4-BE49-F238E27FC236}">
-                  <a16:creationId xmlns:a16="http://schemas.microsoft.com/office/drawing/2014/main" id="{D2C8F305-4702-484D-9F24-21707546BE86}"/>
-                </a:ext>
-              </a:extLst>
-            </p:cNvPr>
-            <p:cNvSpPr/>
-            <p:nvPr/>
-          </p:nvSpPr>
-          <p:spPr>
-            <a:xfrm flipH="1">
-              <a:off x="2048717" y="4863293"/>
-              <a:ext cx="821803" cy="194844"/>
+              <a:off x="7495612" y="2193401"/>
+              <a:ext cx="1810433" cy="266220"/>
             </a:xfrm>
             <a:prstGeom prst="rect">
               <a:avLst/>
@@ -6406,10 +6390,75 @@
           </p:txBody>
         </p:sp>
       </p:grpSp>
+      <p:sp>
+        <p:nvSpPr>
+          <p:cNvPr id="8" name="Rectangle 7">
+            <a:extLst>
+              <a:ext uri="{FF2B5EF4-FFF2-40B4-BE49-F238E27FC236}">
+                <a16:creationId xmlns:a16="http://schemas.microsoft.com/office/drawing/2014/main" id="{AAD6996E-B996-4C38-8612-8DF2FA9C13DB}"/>
+              </a:ext>
+            </a:extLst>
+          </p:cNvPr>
+          <p:cNvSpPr/>
+          <p:nvPr/>
+        </p:nvSpPr>
+        <p:spPr>
+          <a:xfrm rot="19098529">
+            <a:off x="4442645" y="2563135"/>
+            <a:ext cx="3404944" cy="1323439"/>
+          </a:xfrm>
+          <a:prstGeom prst="rect">
+            <a:avLst/>
+          </a:prstGeom>
+          <a:solidFill>
+            <a:schemeClr val="bg1">
+              <a:lumMod val="95000"/>
+            </a:schemeClr>
+          </a:solidFill>
+        </p:spPr>
+        <p:txBody>
+          <a:bodyPr wrap="square" lIns="91440" tIns="45720" rIns="91440" bIns="45720">
+            <a:spAutoFit/>
+          </a:bodyPr>
+          <a:lstStyle/>
+          <a:p>
+            <a:pPr algn="ctr"/>
+            <a:r>
+              <a:rPr lang="en-US" sz="8000" dirty="0">
+                <a:ln w="0"/>
+                <a:solidFill>
+                  <a:srgbClr val="00B050"/>
+                </a:solidFill>
+                <a:effectLst>
+                  <a:outerShdw blurRad="38100" dist="19050" dir="2700000" algn="tl" rotWithShape="0">
+                    <a:schemeClr val="dk1">
+                      <a:alpha val="40000"/>
+                    </a:schemeClr>
+                  </a:outerShdw>
+                </a:effectLst>
+              </a:rPr>
+              <a:t>success</a:t>
+            </a:r>
+            <a:endParaRPr lang="en-US" sz="8000" b="0" cap="none" spc="0" dirty="0">
+              <a:ln w="0"/>
+              <a:solidFill>
+                <a:srgbClr val="00B050"/>
+              </a:solidFill>
+              <a:effectLst>
+                <a:outerShdw blurRad="38100" dist="19050" dir="2700000" algn="tl" rotWithShape="0">
+                  <a:schemeClr val="dk1">
+                    <a:alpha val="40000"/>
+                  </a:schemeClr>
+                </a:outerShdw>
+              </a:effectLst>
+            </a:endParaRPr>
+          </a:p>
+        </p:txBody>
+      </p:sp>
     </p:spTree>
     <p:extLst>
       <p:ext uri="{BB962C8B-B14F-4D97-AF65-F5344CB8AC3E}">
-        <p14:creationId xmlns:p14="http://schemas.microsoft.com/office/powerpoint/2010/main" val="3912190271"/>
+        <p14:creationId xmlns:p14="http://schemas.microsoft.com/office/powerpoint/2010/main" val="1770160516"/>
       </p:ext>
     </p:extLst>
   </p:cSld>
@@ -6437,83 +6486,90 @@
                             </p:stCondLst>
                             <p:childTnLst>
                               <p:par>
-                                <p:cTn id="5" presetID="42" presetClass="entr" presetSubtype="0" fill="hold" nodeType="clickEffect">
+                                <p:cTn id="5" presetID="10" presetClass="exit" presetSubtype="0" fill="hold" grpId="0" nodeType="clickEffect">
                                   <p:stCondLst>
                                     <p:cond delay="0"/>
                                   </p:stCondLst>
                                   <p:childTnLst>
+                                    <p:animEffect transition="out" filter="fade">
+                                      <p:cBhvr>
+                                        <p:cTn id="6" dur="500"/>
+                                        <p:tgtEl>
+                                          <p:spTgt spid="8"/>
+                                        </p:tgtEl>
+                                      </p:cBhvr>
+                                    </p:animEffect>
                                     <p:set>
                                       <p:cBhvr>
-                                        <p:cTn id="6" dur="1" fill="hold">
+                                        <p:cTn id="7" dur="1" fill="hold">
                                           <p:stCondLst>
-                                            <p:cond delay="0"/>
+                                            <p:cond delay="499"/>
                                           </p:stCondLst>
                                         </p:cTn>
                                         <p:tgtEl>
-                                          <p:spTgt spid="9"/>
+                                          <p:spTgt spid="8"/>
                                         </p:tgtEl>
                                         <p:attrNameLst>
                                           <p:attrName>style.visibility</p:attrName>
                                         </p:attrNameLst>
                                       </p:cBhvr>
                                       <p:to>
-                                        <p:strVal val="visible"/>
+                                        <p:strVal val="hidden"/>
                                       </p:to>
                                     </p:set>
-                                    <p:animEffect transition="in" filter="fade">
+                                  </p:childTnLst>
+                                </p:cTn>
+                              </p:par>
+                            </p:childTnLst>
+                          </p:cTn>
+                        </p:par>
+                      </p:childTnLst>
+                    </p:cTn>
+                  </p:par>
+                  <p:par>
+                    <p:cTn id="8" fill="hold">
+                      <p:stCondLst>
+                        <p:cond delay="indefinite"/>
+                      </p:stCondLst>
+                      <p:childTnLst>
+                        <p:par>
+                          <p:cTn id="9" fill="hold">
+                            <p:stCondLst>
+                              <p:cond delay="0"/>
+                            </p:stCondLst>
+                            <p:childTnLst>
+                              <p:par>
+                                <p:cTn id="10" presetID="10" presetClass="exit" presetSubtype="0" fill="hold" nodeType="clickEffect">
+                                  <p:stCondLst>
+                                    <p:cond delay="0"/>
+                                  </p:stCondLst>
+                                  <p:childTnLst>
+                                    <p:animEffect transition="out" filter="fade">
                                       <p:cBhvr>
-                                        <p:cTn id="7" dur="1000"/>
+                                        <p:cTn id="11" dur="500"/>
                                         <p:tgtEl>
-                                          <p:spTgt spid="9"/>
+                                          <p:spTgt spid="10"/>
                                         </p:tgtEl>
                                       </p:cBhvr>
                                     </p:animEffect>
-                                    <p:anim calcmode="lin" valueType="num">
+                                    <p:set>
                                       <p:cBhvr>
-                                        <p:cTn id="8" dur="1000" fill="hold"/>
+                                        <p:cTn id="12" dur="1" fill="hold">
+                                          <p:stCondLst>
+                                            <p:cond delay="499"/>
+                                          </p:stCondLst>
+                                        </p:cTn>
                                         <p:tgtEl>
-                                          <p:spTgt spid="9"/>
+                                          <p:spTgt spid="10"/>
                                         </p:tgtEl>
                                         <p:attrNameLst>
-                                          <p:attrName>ppt_x</p:attrName>
+                                          <p:attrName>style.visibility</p:attrName>
                                         </p:attrNameLst>
                                       </p:cBhvr>
-                                      <p:tavLst>
-                                        <p:tav tm="0">
-                                          <p:val>
-                                            <p:strVal val="#ppt_x"/>
-                                          </p:val>
-                                        </p:tav>
-                                        <p:tav tm="100000">
-                                          <p:val>
-                                            <p:strVal val="#ppt_x"/>
-                                          </p:val>
-                                        </p:tav>
-                                      </p:tavLst>
-                                    </p:anim>
-                                    <p:anim calcmode="lin" valueType="num">
-                                      <p:cBhvr>
-                                        <p:cTn id="9" dur="1000" fill="hold"/>
-                                        <p:tgtEl>
-                                          <p:spTgt spid="9"/>
-                                        </p:tgtEl>
-                                        <p:attrNameLst>
-                                          <p:attrName>ppt_y</p:attrName>
-                                        </p:attrNameLst>
-                                      </p:cBhvr>
-                                      <p:tavLst>
-                                        <p:tav tm="0">
-                                          <p:val>
-                                            <p:strVal val="#ppt_y+.1"/>
-                                          </p:val>
-                                        </p:tav>
-                                        <p:tav tm="100000">
-                                          <p:val>
-                                            <p:strVal val="#ppt_y"/>
-                                          </p:val>
-                                        </p:tav>
-                                      </p:tavLst>
-                                    </p:anim>
+                                      <p:to>
+                                        <p:strVal val="hidden"/>
+                                      </p:to>
+                                    </p:set>
                                   </p:childTnLst>
                                 </p:cTn>
                               </p:par>
@@ -6544,11 +6600,14 @@
         </p:cTn>
       </p:par>
     </p:tnLst>
+    <p:bldLst>
+      <p:bldP spid="8" grpId="0" animBg="1"/>
+    </p:bldLst>
   </p:timing>
 </p:sld>
 </file>
 
-<file path=ppt/slides/slide4.xml><?xml version="1.0" encoding="utf-8"?>
+<file path=ppt/slides/slide14.xml><?xml version="1.0" encoding="utf-8"?>
 <p:sld xmlns:a="http://schemas.openxmlformats.org/drawingml/2006/main" xmlns:r="http://schemas.openxmlformats.org/officeDocument/2006/relationships" xmlns:p="http://schemas.openxmlformats.org/presentationml/2006/main">
   <p:cSld>
     <p:spTree>
@@ -6567,10 +6626,10 @@
       </p:grpSpPr>
       <p:sp>
         <p:nvSpPr>
-          <p:cNvPr id="3" name="TextBox 2">
-            <a:extLst>
-              <a:ext uri="{FF2B5EF4-FFF2-40B4-BE49-F238E27FC236}">
-                <a16:creationId xmlns:a16="http://schemas.microsoft.com/office/drawing/2014/main" id="{E5F4A6BF-088F-4622-812F-DB175DBA31F9}"/>
+          <p:cNvPr id="15" name="TextBox 14">
+            <a:extLst>
+              <a:ext uri="{FF2B5EF4-FFF2-40B4-BE49-F238E27FC236}">
+                <a16:creationId xmlns:a16="http://schemas.microsoft.com/office/drawing/2014/main" id="{56B9D942-067C-4AE2-9539-55BC54258A6E}"/>
               </a:ext>
             </a:extLst>
           </p:cNvPr>
@@ -6579,8 +6638,8 @@
         </p:nvSpPr>
         <p:spPr>
           <a:xfrm>
-            <a:off x="2777356" y="739033"/>
-            <a:ext cx="6158416" cy="523220"/>
+            <a:off x="2662177" y="1223240"/>
+            <a:ext cx="6643867" cy="3170099"/>
           </a:xfrm>
           <a:prstGeom prst="rect">
             <a:avLst/>
@@ -6595,574 +6654,91 @@
           <a:p>
             <a:pPr algn="ctr"/>
             <a:r>
-              <a:rPr lang="en-US" sz="2800" dirty="0">
+              <a:rPr lang="en-US" sz="2000" dirty="0">
                 <a:latin typeface="Maison Neue Book"/>
               </a:rPr>
-              <a:t>Which variables can to into the model?</a:t>
-            </a:r>
-          </a:p>
-        </p:txBody>
-      </p:sp>
-      <p:pic>
-        <p:nvPicPr>
-          <p:cNvPr id="4" name="Picture 3">
-            <a:extLst>
-              <a:ext uri="{FF2B5EF4-FFF2-40B4-BE49-F238E27FC236}">
-                <a16:creationId xmlns:a16="http://schemas.microsoft.com/office/drawing/2014/main" id="{72B0FD7E-8E20-4EBA-AD73-C5A40D3E46AA}"/>
-              </a:ext>
-            </a:extLst>
-          </p:cNvPr>
-          <p:cNvPicPr>
-            <a:picLocks noChangeAspect="1"/>
-          </p:cNvPicPr>
-          <p:nvPr/>
-        </p:nvPicPr>
-        <p:blipFill>
-          <a:blip r:embed="rId3"/>
-          <a:stretch>
-            <a:fillRect/>
-          </a:stretch>
-        </p:blipFill>
-        <p:spPr>
-          <a:xfrm>
-            <a:off x="4078928" y="1998611"/>
-            <a:ext cx="2017072" cy="636970"/>
-          </a:xfrm>
-          <a:prstGeom prst="rect">
-            <a:avLst/>
-          </a:prstGeom>
-        </p:spPr>
-      </p:pic>
-      <p:pic>
-        <p:nvPicPr>
-          <p:cNvPr id="6" name="Picture 5">
-            <a:extLst>
-              <a:ext uri="{FF2B5EF4-FFF2-40B4-BE49-F238E27FC236}">
-                <a16:creationId xmlns:a16="http://schemas.microsoft.com/office/drawing/2014/main" id="{AF26E666-7B6E-4AD4-AE01-BFC79E0AD4AB}"/>
-              </a:ext>
-            </a:extLst>
-          </p:cNvPr>
-          <p:cNvPicPr>
-            <a:picLocks noChangeAspect="1"/>
-          </p:cNvPicPr>
-          <p:nvPr/>
-        </p:nvPicPr>
-        <p:blipFill>
-          <a:blip r:embed="rId4"/>
-          <a:stretch>
-            <a:fillRect/>
-          </a:stretch>
-        </p:blipFill>
-        <p:spPr>
-          <a:xfrm>
-            <a:off x="1464498" y="4870356"/>
-            <a:ext cx="10258425" cy="742950"/>
-          </a:xfrm>
-          <a:prstGeom prst="rect">
-            <a:avLst/>
-          </a:prstGeom>
-        </p:spPr>
-      </p:pic>
-      <p:pic>
-        <p:nvPicPr>
-          <p:cNvPr id="8" name="Picture 7">
-            <a:extLst>
-              <a:ext uri="{FF2B5EF4-FFF2-40B4-BE49-F238E27FC236}">
-                <a16:creationId xmlns:a16="http://schemas.microsoft.com/office/drawing/2014/main" id="{8E60FE69-A92C-4C0D-8745-6F768FE25AEE}"/>
-              </a:ext>
-            </a:extLst>
-          </p:cNvPr>
-          <p:cNvPicPr>
-            <a:picLocks noChangeAspect="1"/>
-          </p:cNvPicPr>
-          <p:nvPr/>
-        </p:nvPicPr>
-        <p:blipFill>
-          <a:blip r:embed="rId5"/>
-          <a:stretch>
-            <a:fillRect/>
-          </a:stretch>
-        </p:blipFill>
-        <p:spPr>
-          <a:xfrm>
-            <a:off x="8086845" y="3182612"/>
-            <a:ext cx="1905548" cy="628831"/>
-          </a:xfrm>
-          <a:prstGeom prst="rect">
-            <a:avLst/>
-          </a:prstGeom>
-        </p:spPr>
-      </p:pic>
-      <p:pic>
-        <p:nvPicPr>
-          <p:cNvPr id="10" name="Picture 9">
-            <a:extLst>
-              <a:ext uri="{FF2B5EF4-FFF2-40B4-BE49-F238E27FC236}">
-                <a16:creationId xmlns:a16="http://schemas.microsoft.com/office/drawing/2014/main" id="{05E3D158-0F70-467A-B3AF-3ABB50CAB533}"/>
-              </a:ext>
-            </a:extLst>
-          </p:cNvPr>
-          <p:cNvPicPr>
-            <a:picLocks noChangeAspect="1"/>
-          </p:cNvPicPr>
-          <p:nvPr/>
-        </p:nvPicPr>
-        <p:blipFill>
-          <a:blip r:embed="rId6"/>
-          <a:stretch>
-            <a:fillRect/>
-          </a:stretch>
-        </p:blipFill>
-        <p:spPr>
-          <a:xfrm>
-            <a:off x="395644" y="3371939"/>
-            <a:ext cx="5187616" cy="742950"/>
-          </a:xfrm>
-          <a:prstGeom prst="rect">
-            <a:avLst/>
-          </a:prstGeom>
-        </p:spPr>
-      </p:pic>
+              <a:t>Go step by step through the fail prediction</a:t>
+            </a:r>
+          </a:p>
+          <a:p>
+            <a:pPr algn="ctr"/>
+            <a:endParaRPr lang="en-US" sz="2000" dirty="0">
+              <a:latin typeface="Maison Neue Book"/>
+            </a:endParaRPr>
+          </a:p>
+          <a:p>
+            <a:pPr algn="ctr"/>
+            <a:r>
+              <a:rPr lang="en-US" sz="2000" dirty="0">
+                <a:latin typeface="Maison Neue Book"/>
+              </a:rPr>
+              <a:t>Certain categories that are more likely to fail</a:t>
+            </a:r>
+          </a:p>
+          <a:p>
+            <a:pPr algn="ctr"/>
+            <a:endParaRPr lang="en-US" sz="2000" dirty="0">
+              <a:latin typeface="Maison Neue Book"/>
+            </a:endParaRPr>
+          </a:p>
+          <a:p>
+            <a:pPr algn="ctr"/>
+            <a:r>
+              <a:rPr lang="en-US" sz="2000" dirty="0">
+                <a:latin typeface="Maison Neue Book"/>
+              </a:rPr>
+              <a:t>Common words in failed projects</a:t>
+            </a:r>
+          </a:p>
+          <a:p>
+            <a:pPr algn="ctr"/>
+            <a:endParaRPr lang="en-US" sz="2000" dirty="0">
+              <a:latin typeface="Maison Neue Book"/>
+            </a:endParaRPr>
+          </a:p>
+          <a:p>
+            <a:pPr algn="ctr"/>
+            <a:r>
+              <a:rPr lang="en-US" sz="2000" dirty="0">
+                <a:latin typeface="Maison Neue Book"/>
+              </a:rPr>
+              <a:t>Goal amounts</a:t>
+            </a:r>
+          </a:p>
+          <a:p>
+            <a:pPr algn="ctr"/>
+            <a:endParaRPr lang="en-US" sz="2000" dirty="0">
+              <a:latin typeface="Maison Neue Book"/>
+            </a:endParaRPr>
+          </a:p>
+          <a:p>
+            <a:pPr algn="ctr"/>
+            <a:endParaRPr lang="en-US" sz="2000" dirty="0">
+              <a:latin typeface="Maison Neue Book"/>
+            </a:endParaRPr>
+          </a:p>
+          <a:p>
+            <a:pPr algn="ctr"/>
+            <a:endParaRPr lang="en-US" sz="2000" dirty="0">
+              <a:latin typeface="Maison Neue Book"/>
+            </a:endParaRPr>
+          </a:p>
+        </p:txBody>
+      </p:sp>
     </p:spTree>
     <p:extLst>
       <p:ext uri="{BB962C8B-B14F-4D97-AF65-F5344CB8AC3E}">
-        <p14:creationId xmlns:p14="http://schemas.microsoft.com/office/powerpoint/2010/main" val="1711838363"/>
+        <p14:creationId xmlns:p14="http://schemas.microsoft.com/office/powerpoint/2010/main" val="3294975252"/>
       </p:ext>
     </p:extLst>
   </p:cSld>
   <p:clrMapOvr>
     <a:masterClrMapping/>
   </p:clrMapOvr>
-  <p:timing>
-    <p:tnLst>
-      <p:par>
-        <p:cTn id="1" dur="indefinite" restart="never" nodeType="tmRoot">
-          <p:childTnLst>
-            <p:seq concurrent="1" nextAc="seek">
-              <p:cTn id="2" dur="indefinite" nodeType="mainSeq">
-                <p:childTnLst>
-                  <p:par>
-                    <p:cTn id="3" fill="hold">
-                      <p:stCondLst>
-                        <p:cond delay="indefinite"/>
-                      </p:stCondLst>
-                      <p:childTnLst>
-                        <p:par>
-                          <p:cTn id="4" fill="hold">
-                            <p:stCondLst>
-                              <p:cond delay="0"/>
-                            </p:stCondLst>
-                            <p:childTnLst>
-                              <p:par>
-                                <p:cTn id="5" presetID="42" presetClass="entr" presetSubtype="0" fill="hold" nodeType="clickEffect">
-                                  <p:stCondLst>
-                                    <p:cond delay="0"/>
-                                  </p:stCondLst>
-                                  <p:childTnLst>
-                                    <p:set>
-                                      <p:cBhvr>
-                                        <p:cTn id="6" dur="1" fill="hold">
-                                          <p:stCondLst>
-                                            <p:cond delay="0"/>
-                                          </p:stCondLst>
-                                        </p:cTn>
-                                        <p:tgtEl>
-                                          <p:spTgt spid="4"/>
-                                        </p:tgtEl>
-                                        <p:attrNameLst>
-                                          <p:attrName>style.visibility</p:attrName>
-                                        </p:attrNameLst>
-                                      </p:cBhvr>
-                                      <p:to>
-                                        <p:strVal val="visible"/>
-                                      </p:to>
-                                    </p:set>
-                                    <p:animEffect transition="in" filter="fade">
-                                      <p:cBhvr>
-                                        <p:cTn id="7" dur="1000"/>
-                                        <p:tgtEl>
-                                          <p:spTgt spid="4"/>
-                                        </p:tgtEl>
-                                      </p:cBhvr>
-                                    </p:animEffect>
-                                    <p:anim calcmode="lin" valueType="num">
-                                      <p:cBhvr>
-                                        <p:cTn id="8" dur="1000" fill="hold"/>
-                                        <p:tgtEl>
-                                          <p:spTgt spid="4"/>
-                                        </p:tgtEl>
-                                        <p:attrNameLst>
-                                          <p:attrName>ppt_x</p:attrName>
-                                        </p:attrNameLst>
-                                      </p:cBhvr>
-                                      <p:tavLst>
-                                        <p:tav tm="0">
-                                          <p:val>
-                                            <p:strVal val="#ppt_x"/>
-                                          </p:val>
-                                        </p:tav>
-                                        <p:tav tm="100000">
-                                          <p:val>
-                                            <p:strVal val="#ppt_x"/>
-                                          </p:val>
-                                        </p:tav>
-                                      </p:tavLst>
-                                    </p:anim>
-                                    <p:anim calcmode="lin" valueType="num">
-                                      <p:cBhvr>
-                                        <p:cTn id="9" dur="1000" fill="hold"/>
-                                        <p:tgtEl>
-                                          <p:spTgt spid="4"/>
-                                        </p:tgtEl>
-                                        <p:attrNameLst>
-                                          <p:attrName>ppt_y</p:attrName>
-                                        </p:attrNameLst>
-                                      </p:cBhvr>
-                                      <p:tavLst>
-                                        <p:tav tm="0">
-                                          <p:val>
-                                            <p:strVal val="#ppt_y+.1"/>
-                                          </p:val>
-                                        </p:tav>
-                                        <p:tav tm="100000">
-                                          <p:val>
-                                            <p:strVal val="#ppt_y"/>
-                                          </p:val>
-                                        </p:tav>
-                                      </p:tavLst>
-                                    </p:anim>
-                                  </p:childTnLst>
-                                </p:cTn>
-                              </p:par>
-                            </p:childTnLst>
-                          </p:cTn>
-                        </p:par>
-                      </p:childTnLst>
-                    </p:cTn>
-                  </p:par>
-                  <p:par>
-                    <p:cTn id="10" fill="hold">
-                      <p:stCondLst>
-                        <p:cond delay="indefinite"/>
-                      </p:stCondLst>
-                      <p:childTnLst>
-                        <p:par>
-                          <p:cTn id="11" fill="hold">
-                            <p:stCondLst>
-                              <p:cond delay="0"/>
-                            </p:stCondLst>
-                            <p:childTnLst>
-                              <p:par>
-                                <p:cTn id="12" presetID="42" presetClass="entr" presetSubtype="0" fill="hold" nodeType="clickEffect">
-                                  <p:stCondLst>
-                                    <p:cond delay="0"/>
-                                  </p:stCondLst>
-                                  <p:childTnLst>
-                                    <p:set>
-                                      <p:cBhvr>
-                                        <p:cTn id="13" dur="1" fill="hold">
-                                          <p:stCondLst>
-                                            <p:cond delay="0"/>
-                                          </p:stCondLst>
-                                        </p:cTn>
-                                        <p:tgtEl>
-                                          <p:spTgt spid="8"/>
-                                        </p:tgtEl>
-                                        <p:attrNameLst>
-                                          <p:attrName>style.visibility</p:attrName>
-                                        </p:attrNameLst>
-                                      </p:cBhvr>
-                                      <p:to>
-                                        <p:strVal val="visible"/>
-                                      </p:to>
-                                    </p:set>
-                                    <p:animEffect transition="in" filter="fade">
-                                      <p:cBhvr>
-                                        <p:cTn id="14" dur="1000"/>
-                                        <p:tgtEl>
-                                          <p:spTgt spid="8"/>
-                                        </p:tgtEl>
-                                      </p:cBhvr>
-                                    </p:animEffect>
-                                    <p:anim calcmode="lin" valueType="num">
-                                      <p:cBhvr>
-                                        <p:cTn id="15" dur="1000" fill="hold"/>
-                                        <p:tgtEl>
-                                          <p:spTgt spid="8"/>
-                                        </p:tgtEl>
-                                        <p:attrNameLst>
-                                          <p:attrName>ppt_x</p:attrName>
-                                        </p:attrNameLst>
-                                      </p:cBhvr>
-                                      <p:tavLst>
-                                        <p:tav tm="0">
-                                          <p:val>
-                                            <p:strVal val="#ppt_x"/>
-                                          </p:val>
-                                        </p:tav>
-                                        <p:tav tm="100000">
-                                          <p:val>
-                                            <p:strVal val="#ppt_x"/>
-                                          </p:val>
-                                        </p:tav>
-                                      </p:tavLst>
-                                    </p:anim>
-                                    <p:anim calcmode="lin" valueType="num">
-                                      <p:cBhvr>
-                                        <p:cTn id="16" dur="1000" fill="hold"/>
-                                        <p:tgtEl>
-                                          <p:spTgt spid="8"/>
-                                        </p:tgtEl>
-                                        <p:attrNameLst>
-                                          <p:attrName>ppt_y</p:attrName>
-                                        </p:attrNameLst>
-                                      </p:cBhvr>
-                                      <p:tavLst>
-                                        <p:tav tm="0">
-                                          <p:val>
-                                            <p:strVal val="#ppt_y+.1"/>
-                                          </p:val>
-                                        </p:tav>
-                                        <p:tav tm="100000">
-                                          <p:val>
-                                            <p:strVal val="#ppt_y"/>
-                                          </p:val>
-                                        </p:tav>
-                                      </p:tavLst>
-                                    </p:anim>
-                                  </p:childTnLst>
-                                </p:cTn>
-                              </p:par>
-                            </p:childTnLst>
-                          </p:cTn>
-                        </p:par>
-                      </p:childTnLst>
-                    </p:cTn>
-                  </p:par>
-                  <p:par>
-                    <p:cTn id="17" fill="hold">
-                      <p:stCondLst>
-                        <p:cond delay="indefinite"/>
-                      </p:stCondLst>
-                      <p:childTnLst>
-                        <p:par>
-                          <p:cTn id="18" fill="hold">
-                            <p:stCondLst>
-                              <p:cond delay="0"/>
-                            </p:stCondLst>
-                            <p:childTnLst>
-                              <p:par>
-                                <p:cTn id="19" presetID="42" presetClass="entr" presetSubtype="0" fill="hold" nodeType="clickEffect">
-                                  <p:stCondLst>
-                                    <p:cond delay="0"/>
-                                  </p:stCondLst>
-                                  <p:childTnLst>
-                                    <p:set>
-                                      <p:cBhvr>
-                                        <p:cTn id="20" dur="1" fill="hold">
-                                          <p:stCondLst>
-                                            <p:cond delay="0"/>
-                                          </p:stCondLst>
-                                        </p:cTn>
-                                        <p:tgtEl>
-                                          <p:spTgt spid="10"/>
-                                        </p:tgtEl>
-                                        <p:attrNameLst>
-                                          <p:attrName>style.visibility</p:attrName>
-                                        </p:attrNameLst>
-                                      </p:cBhvr>
-                                      <p:to>
-                                        <p:strVal val="visible"/>
-                                      </p:to>
-                                    </p:set>
-                                    <p:animEffect transition="in" filter="fade">
-                                      <p:cBhvr>
-                                        <p:cTn id="21" dur="1000"/>
-                                        <p:tgtEl>
-                                          <p:spTgt spid="10"/>
-                                        </p:tgtEl>
-                                      </p:cBhvr>
-                                    </p:animEffect>
-                                    <p:anim calcmode="lin" valueType="num">
-                                      <p:cBhvr>
-                                        <p:cTn id="22" dur="1000" fill="hold"/>
-                                        <p:tgtEl>
-                                          <p:spTgt spid="10"/>
-                                        </p:tgtEl>
-                                        <p:attrNameLst>
-                                          <p:attrName>ppt_x</p:attrName>
-                                        </p:attrNameLst>
-                                      </p:cBhvr>
-                                      <p:tavLst>
-                                        <p:tav tm="0">
-                                          <p:val>
-                                            <p:strVal val="#ppt_x"/>
-                                          </p:val>
-                                        </p:tav>
-                                        <p:tav tm="100000">
-                                          <p:val>
-                                            <p:strVal val="#ppt_x"/>
-                                          </p:val>
-                                        </p:tav>
-                                      </p:tavLst>
-                                    </p:anim>
-                                    <p:anim calcmode="lin" valueType="num">
-                                      <p:cBhvr>
-                                        <p:cTn id="23" dur="1000" fill="hold"/>
-                                        <p:tgtEl>
-                                          <p:spTgt spid="10"/>
-                                        </p:tgtEl>
-                                        <p:attrNameLst>
-                                          <p:attrName>ppt_y</p:attrName>
-                                        </p:attrNameLst>
-                                      </p:cBhvr>
-                                      <p:tavLst>
-                                        <p:tav tm="0">
-                                          <p:val>
-                                            <p:strVal val="#ppt_y+.1"/>
-                                          </p:val>
-                                        </p:tav>
-                                        <p:tav tm="100000">
-                                          <p:val>
-                                            <p:strVal val="#ppt_y"/>
-                                          </p:val>
-                                        </p:tav>
-                                      </p:tavLst>
-                                    </p:anim>
-                                  </p:childTnLst>
-                                </p:cTn>
-                              </p:par>
-                            </p:childTnLst>
-                          </p:cTn>
-                        </p:par>
-                      </p:childTnLst>
-                    </p:cTn>
-                  </p:par>
-                  <p:par>
-                    <p:cTn id="24" fill="hold">
-                      <p:stCondLst>
-                        <p:cond delay="indefinite"/>
-                      </p:stCondLst>
-                      <p:childTnLst>
-                        <p:par>
-                          <p:cTn id="25" fill="hold">
-                            <p:stCondLst>
-                              <p:cond delay="0"/>
-                            </p:stCondLst>
-                            <p:childTnLst>
-                              <p:par>
-                                <p:cTn id="26" presetID="42" presetClass="entr" presetSubtype="0" fill="hold" nodeType="clickEffect">
-                                  <p:stCondLst>
-                                    <p:cond delay="0"/>
-                                  </p:stCondLst>
-                                  <p:childTnLst>
-                                    <p:set>
-                                      <p:cBhvr>
-                                        <p:cTn id="27" dur="1" fill="hold">
-                                          <p:stCondLst>
-                                            <p:cond delay="0"/>
-                                          </p:stCondLst>
-                                        </p:cTn>
-                                        <p:tgtEl>
-                                          <p:spTgt spid="6"/>
-                                        </p:tgtEl>
-                                        <p:attrNameLst>
-                                          <p:attrName>style.visibility</p:attrName>
-                                        </p:attrNameLst>
-                                      </p:cBhvr>
-                                      <p:to>
-                                        <p:strVal val="visible"/>
-                                      </p:to>
-                                    </p:set>
-                                    <p:animEffect transition="in" filter="fade">
-                                      <p:cBhvr>
-                                        <p:cTn id="28" dur="1000"/>
-                                        <p:tgtEl>
-                                          <p:spTgt spid="6"/>
-                                        </p:tgtEl>
-                                      </p:cBhvr>
-                                    </p:animEffect>
-                                    <p:anim calcmode="lin" valueType="num">
-                                      <p:cBhvr>
-                                        <p:cTn id="29" dur="1000" fill="hold"/>
-                                        <p:tgtEl>
-                                          <p:spTgt spid="6"/>
-                                        </p:tgtEl>
-                                        <p:attrNameLst>
-                                          <p:attrName>ppt_x</p:attrName>
-                                        </p:attrNameLst>
-                                      </p:cBhvr>
-                                      <p:tavLst>
-                                        <p:tav tm="0">
-                                          <p:val>
-                                            <p:strVal val="#ppt_x"/>
-                                          </p:val>
-                                        </p:tav>
-                                        <p:tav tm="100000">
-                                          <p:val>
-                                            <p:strVal val="#ppt_x"/>
-                                          </p:val>
-                                        </p:tav>
-                                      </p:tavLst>
-                                    </p:anim>
-                                    <p:anim calcmode="lin" valueType="num">
-                                      <p:cBhvr>
-                                        <p:cTn id="30" dur="1000" fill="hold"/>
-                                        <p:tgtEl>
-                                          <p:spTgt spid="6"/>
-                                        </p:tgtEl>
-                                        <p:attrNameLst>
-                                          <p:attrName>ppt_y</p:attrName>
-                                        </p:attrNameLst>
-                                      </p:cBhvr>
-                                      <p:tavLst>
-                                        <p:tav tm="0">
-                                          <p:val>
-                                            <p:strVal val="#ppt_y+.1"/>
-                                          </p:val>
-                                        </p:tav>
-                                        <p:tav tm="100000">
-                                          <p:val>
-                                            <p:strVal val="#ppt_y"/>
-                                          </p:val>
-                                        </p:tav>
-                                      </p:tavLst>
-                                    </p:anim>
-                                  </p:childTnLst>
-                                </p:cTn>
-                              </p:par>
-                            </p:childTnLst>
-                          </p:cTn>
-                        </p:par>
-                      </p:childTnLst>
-                    </p:cTn>
-                  </p:par>
-                </p:childTnLst>
-              </p:cTn>
-              <p:prevCondLst>
-                <p:cond evt="onPrev" delay="0">
-                  <p:tgtEl>
-                    <p:sldTgt/>
-                  </p:tgtEl>
-                </p:cond>
-              </p:prevCondLst>
-              <p:nextCondLst>
-                <p:cond evt="onNext" delay="0">
-                  <p:tgtEl>
-                    <p:sldTgt/>
-                  </p:tgtEl>
-                </p:cond>
-              </p:nextCondLst>
-            </p:seq>
-          </p:childTnLst>
-        </p:cTn>
-      </p:par>
-    </p:tnLst>
-  </p:timing>
 </p:sld>
 </file>
 
-<file path=ppt/slides/slide5.xml><?xml version="1.0" encoding="utf-8"?>
+<file path=ppt/slides/slide2.xml><?xml version="1.0" encoding="utf-8"?>
 <p:sld xmlns:a="http://schemas.openxmlformats.org/drawingml/2006/main" xmlns:r="http://schemas.openxmlformats.org/officeDocument/2006/relationships" xmlns:p="http://schemas.openxmlformats.org/presentationml/2006/main">
   <p:cSld>
     <p:spTree>
@@ -7181,10 +6757,10 @@
       </p:grpSpPr>
       <p:pic>
         <p:nvPicPr>
-          <p:cNvPr id="3" name="Picture 2">
-            <a:extLst>
-              <a:ext uri="{FF2B5EF4-FFF2-40B4-BE49-F238E27FC236}">
-                <a16:creationId xmlns:a16="http://schemas.microsoft.com/office/drawing/2014/main" id="{0AF34D35-6A5B-46B0-BF9B-504A325ECE5B}"/>
+          <p:cNvPr id="5" name="Picture 4">
+            <a:extLst>
+              <a:ext uri="{FF2B5EF4-FFF2-40B4-BE49-F238E27FC236}">
+                <a16:creationId xmlns:a16="http://schemas.microsoft.com/office/drawing/2014/main" id="{D753DF26-8135-4C60-AAE5-576031F1B958}"/>
               </a:ext>
             </a:extLst>
           </p:cNvPr>
@@ -7201,8 +6777,68 @@
         </p:blipFill>
         <p:spPr>
           <a:xfrm>
-            <a:off x="0" y="459730"/>
-            <a:ext cx="12192000" cy="5938539"/>
+            <a:off x="0" y="545321"/>
+            <a:ext cx="12192000" cy="5767357"/>
+          </a:xfrm>
+          <a:prstGeom prst="rect">
+            <a:avLst/>
+          </a:prstGeom>
+        </p:spPr>
+      </p:pic>
+    </p:spTree>
+    <p:extLst>
+      <p:ext uri="{BB962C8B-B14F-4D97-AF65-F5344CB8AC3E}">
+        <p14:creationId xmlns:p14="http://schemas.microsoft.com/office/powerpoint/2010/main" val="1981460191"/>
+      </p:ext>
+    </p:extLst>
+  </p:cSld>
+  <p:clrMapOvr>
+    <a:masterClrMapping/>
+  </p:clrMapOvr>
+</p:sld>
+</file>
+
+<file path=ppt/slides/slide3.xml><?xml version="1.0" encoding="utf-8"?>
+<p:sld xmlns:a="http://schemas.openxmlformats.org/drawingml/2006/main" xmlns:r="http://schemas.openxmlformats.org/officeDocument/2006/relationships" xmlns:p="http://schemas.openxmlformats.org/presentationml/2006/main">
+  <p:cSld>
+    <p:spTree>
+      <p:nvGrpSpPr>
+        <p:cNvPr id="1" name=""/>
+        <p:cNvGrpSpPr/>
+        <p:nvPr/>
+      </p:nvGrpSpPr>
+      <p:grpSpPr>
+        <a:xfrm>
+          <a:off x="0" y="0"/>
+          <a:ext cx="0" cy="0"/>
+          <a:chOff x="0" y="0"/>
+          <a:chExt cx="0" cy="0"/>
+        </a:xfrm>
+      </p:grpSpPr>
+      <p:pic>
+        <p:nvPicPr>
+          <p:cNvPr id="5" name="Picture 4">
+            <a:extLst>
+              <a:ext uri="{FF2B5EF4-FFF2-40B4-BE49-F238E27FC236}">
+                <a16:creationId xmlns:a16="http://schemas.microsoft.com/office/drawing/2014/main" id="{931805DA-43C8-4849-A8FA-63544F7FD004}"/>
+              </a:ext>
+            </a:extLst>
+          </p:cNvPr>
+          <p:cNvPicPr>
+            <a:picLocks noChangeAspect="1"/>
+          </p:cNvPicPr>
+          <p:nvPr/>
+        </p:nvPicPr>
+        <p:blipFill>
+          <a:blip r:embed="rId3"/>
+          <a:stretch>
+            <a:fillRect/>
+          </a:stretch>
+        </p:blipFill>
+        <p:spPr>
+          <a:xfrm>
+            <a:off x="0" y="789688"/>
+            <a:ext cx="12192000" cy="4870332"/>
           </a:xfrm>
           <a:prstGeom prst="rect">
             <a:avLst/>
@@ -7211,10 +6847,10 @@
       </p:pic>
       <p:grpSp>
         <p:nvGrpSpPr>
-          <p:cNvPr id="9" name="Group 8">
-            <a:extLst>
-              <a:ext uri="{FF2B5EF4-FFF2-40B4-BE49-F238E27FC236}">
-                <a16:creationId xmlns:a16="http://schemas.microsoft.com/office/drawing/2014/main" id="{DDC0C55B-7BF8-4377-8D75-D9F8B6595DCB}"/>
+          <p:cNvPr id="10" name="Group 9">
+            <a:extLst>
+              <a:ext uri="{FF2B5EF4-FFF2-40B4-BE49-F238E27FC236}">
+                <a16:creationId xmlns:a16="http://schemas.microsoft.com/office/drawing/2014/main" id="{D9301857-6AFD-4D55-A95B-6B051EA3C48B}"/>
               </a:ext>
             </a:extLst>
           </p:cNvPr>
@@ -7223,10 +6859,10 @@
         </p:nvGrpSpPr>
         <p:grpSpPr>
           <a:xfrm>
-            <a:off x="2048717" y="1759352"/>
-            <a:ext cx="7214888" cy="3298785"/>
-            <a:chOff x="2048717" y="1759352"/>
-            <a:chExt cx="7214888" cy="3298785"/>
+            <a:off x="2041002" y="2071868"/>
+            <a:ext cx="7265043" cy="3032567"/>
+            <a:chOff x="2041002" y="2071868"/>
+            <a:chExt cx="7265043" cy="3032567"/>
           </a:xfrm>
         </p:grpSpPr>
         <p:sp>
@@ -7243,8 +6879,8 @@
           </p:nvSpPr>
           <p:spPr>
             <a:xfrm>
-              <a:off x="2048719" y="1759352"/>
-              <a:ext cx="5312780" cy="3032567"/>
+              <a:off x="2041002" y="2071868"/>
+              <a:ext cx="5349714" cy="3032567"/>
             </a:xfrm>
             <a:prstGeom prst="rect">
               <a:avLst/>
@@ -7301,8 +6937,8 @@
           </p:nvSpPr>
           <p:spPr>
             <a:xfrm flipH="1">
-              <a:off x="7465671" y="2372809"/>
-              <a:ext cx="625032" cy="266219"/>
+              <a:off x="7495612" y="2685325"/>
+              <a:ext cx="629377" cy="266219"/>
             </a:xfrm>
             <a:prstGeom prst="rect">
               <a:avLst/>
@@ -7359,66 +6995,8 @@
           </p:nvSpPr>
           <p:spPr>
             <a:xfrm flipH="1">
-              <a:off x="7465671" y="1880885"/>
-              <a:ext cx="1797934" cy="266220"/>
-            </a:xfrm>
-            <a:prstGeom prst="rect">
-              <a:avLst/>
-            </a:prstGeom>
-            <a:solidFill>
-              <a:schemeClr val="bg1">
-                <a:lumMod val="75000"/>
-              </a:schemeClr>
-            </a:solidFill>
-            <a:ln w="38100">
-              <a:solidFill>
-                <a:schemeClr val="bg1">
-                  <a:lumMod val="75000"/>
-                </a:schemeClr>
-              </a:solidFill>
-            </a:ln>
-          </p:spPr>
-          <p:style>
-            <a:lnRef idx="2">
-              <a:schemeClr val="accent1">
-                <a:shade val="50000"/>
-              </a:schemeClr>
-            </a:lnRef>
-            <a:fillRef idx="1">
-              <a:schemeClr val="accent1"/>
-            </a:fillRef>
-            <a:effectRef idx="0">
-              <a:schemeClr val="accent1"/>
-            </a:effectRef>
-            <a:fontRef idx="minor">
-              <a:schemeClr val="lt1"/>
-            </a:fontRef>
-          </p:style>
-          <p:txBody>
-            <a:bodyPr rtlCol="0" anchor="ctr"/>
-            <a:lstStyle/>
-            <a:p>
-              <a:pPr algn="ctr"/>
-              <a:endParaRPr lang="en-DE"/>
-            </a:p>
-          </p:txBody>
-        </p:sp>
-        <p:sp>
-          <p:nvSpPr>
-            <p:cNvPr id="8" name="Rectangle 7">
-              <a:extLst>
-                <a:ext uri="{FF2B5EF4-FFF2-40B4-BE49-F238E27FC236}">
-                  <a16:creationId xmlns:a16="http://schemas.microsoft.com/office/drawing/2014/main" id="{D2C8F305-4702-484D-9F24-21707546BE86}"/>
-                </a:ext>
-              </a:extLst>
-            </p:cNvPr>
-            <p:cNvSpPr/>
-            <p:nvPr/>
-          </p:nvSpPr>
-          <p:spPr>
-            <a:xfrm flipH="1">
-              <a:off x="2048717" y="4863293"/>
-              <a:ext cx="821803" cy="194844"/>
+              <a:off x="7495612" y="2193401"/>
+              <a:ext cx="1810433" cy="266220"/>
             </a:xfrm>
             <a:prstGeom prst="rect">
               <a:avLst/>
@@ -7462,62 +7040,228 @@
           </p:txBody>
         </p:sp>
       </p:grpSp>
-      <p:sp>
-        <p:nvSpPr>
-          <p:cNvPr id="11" name="Rectangle 10">
-            <a:extLst>
-              <a:ext uri="{FF2B5EF4-FFF2-40B4-BE49-F238E27FC236}">
-                <a16:creationId xmlns:a16="http://schemas.microsoft.com/office/drawing/2014/main" id="{135614A6-64F8-4B98-B2D7-9ED0290AFDE5}"/>
-              </a:ext>
-            </a:extLst>
-          </p:cNvPr>
-          <p:cNvSpPr/>
+    </p:spTree>
+    <p:extLst>
+      <p:ext uri="{BB962C8B-B14F-4D97-AF65-F5344CB8AC3E}">
+        <p14:creationId xmlns:p14="http://schemas.microsoft.com/office/powerpoint/2010/main" val="3912190271"/>
+      </p:ext>
+    </p:extLst>
+  </p:cSld>
+  <p:clrMapOvr>
+    <a:masterClrMapping/>
+  </p:clrMapOvr>
+</p:sld>
+</file>
+
+<file path=ppt/slides/slide4.xml><?xml version="1.0" encoding="utf-8"?>
+<p:sld xmlns:a="http://schemas.openxmlformats.org/drawingml/2006/main" xmlns:r="http://schemas.openxmlformats.org/officeDocument/2006/relationships" xmlns:p="http://schemas.openxmlformats.org/presentationml/2006/main">
+  <p:cSld>
+    <p:spTree>
+      <p:nvGrpSpPr>
+        <p:cNvPr id="1" name=""/>
+        <p:cNvGrpSpPr/>
+        <p:nvPr/>
+      </p:nvGrpSpPr>
+      <p:grpSpPr>
+        <a:xfrm>
+          <a:off x="0" y="0"/>
+          <a:ext cx="0" cy="0"/>
+          <a:chOff x="0" y="0"/>
+          <a:chExt cx="0" cy="0"/>
+        </a:xfrm>
+      </p:grpSpPr>
+      <p:sp>
+        <p:nvSpPr>
+          <p:cNvPr id="3" name="TextBox 2">
+            <a:extLst>
+              <a:ext uri="{FF2B5EF4-FFF2-40B4-BE49-F238E27FC236}">
+                <a16:creationId xmlns:a16="http://schemas.microsoft.com/office/drawing/2014/main" id="{E5F4A6BF-088F-4622-812F-DB175DBA31F9}"/>
+              </a:ext>
+            </a:extLst>
+          </p:cNvPr>
+          <p:cNvSpPr txBox="1"/>
           <p:nvPr/>
         </p:nvSpPr>
         <p:spPr>
-          <a:xfrm rot="19098529">
-            <a:off x="4954031" y="1977308"/>
-            <a:ext cx="2729697" cy="1323439"/>
+          <a:xfrm>
+            <a:off x="2777356" y="739033"/>
+            <a:ext cx="6158416" cy="523220"/>
           </a:xfrm>
           <a:prstGeom prst="rect">
             <a:avLst/>
           </a:prstGeom>
-          <a:solidFill>
-            <a:schemeClr val="bg1">
-              <a:lumMod val="95000"/>
-            </a:schemeClr>
-          </a:solidFill>
+          <a:noFill/>
         </p:spPr>
         <p:txBody>
-          <a:bodyPr wrap="square" lIns="91440" tIns="45720" rIns="91440" bIns="45720">
+          <a:bodyPr wrap="square" rtlCol="0">
             <a:spAutoFit/>
           </a:bodyPr>
           <a:lstStyle/>
           <a:p>
             <a:pPr algn="ctr"/>
             <a:r>
-              <a:rPr lang="en-US" sz="8000" b="0" cap="none" spc="0" dirty="0">
-                <a:ln w="0"/>
-                <a:solidFill>
-                  <a:srgbClr val="FF0000"/>
-                </a:solidFill>
-                <a:effectLst>
-                  <a:outerShdw blurRad="38100" dist="19050" dir="2700000" algn="tl" rotWithShape="0">
-                    <a:schemeClr val="dk1">
-                      <a:alpha val="40000"/>
-                    </a:schemeClr>
-                  </a:outerShdw>
-                </a:effectLst>
+              <a:rPr lang="en-US" sz="2800" dirty="0">
+                <a:latin typeface="Maison Neue Book"/>
               </a:rPr>
-              <a:t>fail</a:t>
-            </a:r>
-          </a:p>
-        </p:txBody>
-      </p:sp>
+              <a:t>Which variables can to into the model?</a:t>
+            </a:r>
+          </a:p>
+        </p:txBody>
+      </p:sp>
+      <p:pic>
+        <p:nvPicPr>
+          <p:cNvPr id="5" name="Picture 4">
+            <a:extLst>
+              <a:ext uri="{FF2B5EF4-FFF2-40B4-BE49-F238E27FC236}">
+                <a16:creationId xmlns:a16="http://schemas.microsoft.com/office/drawing/2014/main" id="{3D668459-34BE-467B-97AB-69DAFC8A5087}"/>
+              </a:ext>
+            </a:extLst>
+          </p:cNvPr>
+          <p:cNvPicPr>
+            <a:picLocks noChangeAspect="1"/>
+          </p:cNvPicPr>
+          <p:nvPr/>
+        </p:nvPicPr>
+        <p:blipFill>
+          <a:blip r:embed="rId3"/>
+          <a:stretch>
+            <a:fillRect/>
+          </a:stretch>
+        </p:blipFill>
+        <p:spPr>
+          <a:xfrm>
+            <a:off x="982403" y="1811190"/>
+            <a:ext cx="1578625" cy="910745"/>
+          </a:xfrm>
+          <a:prstGeom prst="rect">
+            <a:avLst/>
+          </a:prstGeom>
+        </p:spPr>
+      </p:pic>
+      <p:pic>
+        <p:nvPicPr>
+          <p:cNvPr id="9" name="Picture 8">
+            <a:extLst>
+              <a:ext uri="{FF2B5EF4-FFF2-40B4-BE49-F238E27FC236}">
+                <a16:creationId xmlns:a16="http://schemas.microsoft.com/office/drawing/2014/main" id="{1AB27FC1-9E34-43C5-A041-3A45E0A3A71D}"/>
+              </a:ext>
+            </a:extLst>
+          </p:cNvPr>
+          <p:cNvPicPr>
+            <a:picLocks noChangeAspect="1"/>
+          </p:cNvPicPr>
+          <p:nvPr/>
+        </p:nvPicPr>
+        <p:blipFill>
+          <a:blip r:embed="rId4"/>
+          <a:stretch>
+            <a:fillRect/>
+          </a:stretch>
+        </p:blipFill>
+        <p:spPr>
+          <a:xfrm>
+            <a:off x="8413116" y="1967688"/>
+            <a:ext cx="1734768" cy="754247"/>
+          </a:xfrm>
+          <a:prstGeom prst="rect">
+            <a:avLst/>
+          </a:prstGeom>
+        </p:spPr>
+      </p:pic>
+      <p:pic>
+        <p:nvPicPr>
+          <p:cNvPr id="12" name="Picture 11">
+            <a:extLst>
+              <a:ext uri="{FF2B5EF4-FFF2-40B4-BE49-F238E27FC236}">
+                <a16:creationId xmlns:a16="http://schemas.microsoft.com/office/drawing/2014/main" id="{04731371-D6E1-4A7A-ACE4-5AF58252EAF0}"/>
+              </a:ext>
+            </a:extLst>
+          </p:cNvPr>
+          <p:cNvPicPr>
+            <a:picLocks noChangeAspect="1"/>
+          </p:cNvPicPr>
+          <p:nvPr/>
+        </p:nvPicPr>
+        <p:blipFill>
+          <a:blip r:embed="rId5"/>
+          <a:stretch>
+            <a:fillRect/>
+          </a:stretch>
+        </p:blipFill>
+        <p:spPr>
+          <a:xfrm>
+            <a:off x="706864" y="3182687"/>
+            <a:ext cx="6962694" cy="861887"/>
+          </a:xfrm>
+          <a:prstGeom prst="rect">
+            <a:avLst/>
+          </a:prstGeom>
+        </p:spPr>
+      </p:pic>
+      <p:pic>
+        <p:nvPicPr>
+          <p:cNvPr id="14" name="Picture 13">
+            <a:extLst>
+              <a:ext uri="{FF2B5EF4-FFF2-40B4-BE49-F238E27FC236}">
+                <a16:creationId xmlns:a16="http://schemas.microsoft.com/office/drawing/2014/main" id="{011FCCA8-4DC2-4530-BD2D-757AE5A9DAB2}"/>
+              </a:ext>
+            </a:extLst>
+          </p:cNvPr>
+          <p:cNvPicPr>
+            <a:picLocks noChangeAspect="1"/>
+          </p:cNvPicPr>
+          <p:nvPr/>
+        </p:nvPicPr>
+        <p:blipFill>
+          <a:blip r:embed="rId6"/>
+          <a:stretch>
+            <a:fillRect/>
+          </a:stretch>
+        </p:blipFill>
+        <p:spPr>
+          <a:xfrm>
+            <a:off x="4753145" y="4505002"/>
+            <a:ext cx="7319941" cy="1296521"/>
+          </a:xfrm>
+          <a:prstGeom prst="rect">
+            <a:avLst/>
+          </a:prstGeom>
+        </p:spPr>
+      </p:pic>
+      <p:pic>
+        <p:nvPicPr>
+          <p:cNvPr id="16" name="Picture 15">
+            <a:extLst>
+              <a:ext uri="{FF2B5EF4-FFF2-40B4-BE49-F238E27FC236}">
+                <a16:creationId xmlns:a16="http://schemas.microsoft.com/office/drawing/2014/main" id="{C74308A4-0D80-45B3-A340-E5899FC3794B}"/>
+              </a:ext>
+            </a:extLst>
+          </p:cNvPr>
+          <p:cNvPicPr>
+            <a:picLocks noChangeAspect="1"/>
+          </p:cNvPicPr>
+          <p:nvPr/>
+        </p:nvPicPr>
+        <p:blipFill>
+          <a:blip r:embed="rId7"/>
+          <a:stretch>
+            <a:fillRect/>
+          </a:stretch>
+        </p:blipFill>
+        <p:spPr>
+          <a:xfrm>
+            <a:off x="923192" y="5092537"/>
+            <a:ext cx="1854164" cy="868617"/>
+          </a:xfrm>
+          <a:prstGeom prst="rect">
+            <a:avLst/>
+          </a:prstGeom>
+        </p:spPr>
+      </p:pic>
     </p:spTree>
     <p:extLst>
       <p:ext uri="{BB962C8B-B14F-4D97-AF65-F5344CB8AC3E}">
-        <p14:creationId xmlns:p14="http://schemas.microsoft.com/office/powerpoint/2010/main" val="1122379221"/>
+        <p14:creationId xmlns:p14="http://schemas.microsoft.com/office/powerpoint/2010/main" val="1711838363"/>
       </p:ext>
     </p:extLst>
   </p:cSld>
@@ -7545,7 +7289,7 @@
                             </p:stCondLst>
                             <p:childTnLst>
                               <p:par>
-                                <p:cTn id="5" presetID="31" presetClass="entr" presetSubtype="0" fill="hold" grpId="0" nodeType="clickEffect">
+                                <p:cTn id="5" presetID="16" presetClass="entr" presetSubtype="21" fill="hold" nodeType="clickEffect">
                                   <p:stCondLst>
                                     <p:cond delay="0"/>
                                   </p:stCondLst>
@@ -7558,7 +7302,7 @@
                                           </p:stCondLst>
                                         </p:cTn>
                                         <p:tgtEl>
-                                          <p:spTgt spid="11"/>
+                                          <p:spTgt spid="5"/>
                                         </p:tgtEl>
                                         <p:attrNameLst>
                                           <p:attrName>style.visibility</p:attrName>
@@ -7568,80 +7312,223 @@
                                         <p:strVal val="visible"/>
                                       </p:to>
                                     </p:set>
-                                    <p:anim calcmode="lin" valueType="num">
+                                    <p:animEffect transition="in" filter="barn(inVertical)">
                                       <p:cBhvr>
-                                        <p:cTn id="7" dur="1000" fill="hold"/>
+                                        <p:cTn id="7" dur="500"/>
                                         <p:tgtEl>
-                                          <p:spTgt spid="11"/>
+                                          <p:spTgt spid="5"/>
+                                        </p:tgtEl>
+                                      </p:cBhvr>
+                                    </p:animEffect>
+                                  </p:childTnLst>
+                                </p:cTn>
+                              </p:par>
+                            </p:childTnLst>
+                          </p:cTn>
+                        </p:par>
+                      </p:childTnLst>
+                    </p:cTn>
+                  </p:par>
+                  <p:par>
+                    <p:cTn id="8" fill="hold">
+                      <p:stCondLst>
+                        <p:cond delay="indefinite"/>
+                      </p:stCondLst>
+                      <p:childTnLst>
+                        <p:par>
+                          <p:cTn id="9" fill="hold">
+                            <p:stCondLst>
+                              <p:cond delay="0"/>
+                            </p:stCondLst>
+                            <p:childTnLst>
+                              <p:par>
+                                <p:cTn id="10" presetID="16" presetClass="entr" presetSubtype="21" fill="hold" nodeType="clickEffect">
+                                  <p:stCondLst>
+                                    <p:cond delay="0"/>
+                                  </p:stCondLst>
+                                  <p:childTnLst>
+                                    <p:set>
+                                      <p:cBhvr>
+                                        <p:cTn id="11" dur="1" fill="hold">
+                                          <p:stCondLst>
+                                            <p:cond delay="0"/>
+                                          </p:stCondLst>
+                                        </p:cTn>
+                                        <p:tgtEl>
+                                          <p:spTgt spid="9"/>
                                         </p:tgtEl>
                                         <p:attrNameLst>
-                                          <p:attrName>ppt_w</p:attrName>
+                                          <p:attrName>style.visibility</p:attrName>
                                         </p:attrNameLst>
                                       </p:cBhvr>
-                                      <p:tavLst>
-                                        <p:tav tm="0">
-                                          <p:val>
-                                            <p:fltVal val="0"/>
-                                          </p:val>
-                                        </p:tav>
-                                        <p:tav tm="100000">
-                                          <p:val>
-                                            <p:strVal val="#ppt_w"/>
-                                          </p:val>
-                                        </p:tav>
-                                      </p:tavLst>
-                                    </p:anim>
-                                    <p:anim calcmode="lin" valueType="num">
+                                      <p:to>
+                                        <p:strVal val="visible"/>
+                                      </p:to>
+                                    </p:set>
+                                    <p:animEffect transition="in" filter="barn(inVertical)">
                                       <p:cBhvr>
-                                        <p:cTn id="8" dur="1000" fill="hold"/>
+                                        <p:cTn id="12" dur="500"/>
                                         <p:tgtEl>
-                                          <p:spTgt spid="11"/>
+                                          <p:spTgt spid="9"/>
+                                        </p:tgtEl>
+                                      </p:cBhvr>
+                                    </p:animEffect>
+                                  </p:childTnLst>
+                                </p:cTn>
+                              </p:par>
+                            </p:childTnLst>
+                          </p:cTn>
+                        </p:par>
+                      </p:childTnLst>
+                    </p:cTn>
+                  </p:par>
+                  <p:par>
+                    <p:cTn id="13" fill="hold">
+                      <p:stCondLst>
+                        <p:cond delay="indefinite"/>
+                      </p:stCondLst>
+                      <p:childTnLst>
+                        <p:par>
+                          <p:cTn id="14" fill="hold">
+                            <p:stCondLst>
+                              <p:cond delay="0"/>
+                            </p:stCondLst>
+                            <p:childTnLst>
+                              <p:par>
+                                <p:cTn id="15" presetID="16" presetClass="entr" presetSubtype="21" fill="hold" nodeType="clickEffect">
+                                  <p:stCondLst>
+                                    <p:cond delay="0"/>
+                                  </p:stCondLst>
+                                  <p:childTnLst>
+                                    <p:set>
+                                      <p:cBhvr>
+                                        <p:cTn id="16" dur="1" fill="hold">
+                                          <p:stCondLst>
+                                            <p:cond delay="0"/>
+                                          </p:stCondLst>
+                                        </p:cTn>
+                                        <p:tgtEl>
+                                          <p:spTgt spid="12"/>
                                         </p:tgtEl>
                                         <p:attrNameLst>
-                                          <p:attrName>ppt_h</p:attrName>
+                                          <p:attrName>style.visibility</p:attrName>
                                         </p:attrNameLst>
                                       </p:cBhvr>
-                                      <p:tavLst>
-                                        <p:tav tm="0">
-                                          <p:val>
-                                            <p:fltVal val="0"/>
-                                          </p:val>
-                                        </p:tav>
-                                        <p:tav tm="100000">
-                                          <p:val>
-                                            <p:strVal val="#ppt_h"/>
-                                          </p:val>
-                                        </p:tav>
-                                      </p:tavLst>
-                                    </p:anim>
-                                    <p:anim calcmode="lin" valueType="num">
+                                      <p:to>
+                                        <p:strVal val="visible"/>
+                                      </p:to>
+                                    </p:set>
+                                    <p:animEffect transition="in" filter="barn(inVertical)">
                                       <p:cBhvr>
-                                        <p:cTn id="9" dur="1000" fill="hold"/>
+                                        <p:cTn id="17" dur="500"/>
                                         <p:tgtEl>
-                                          <p:spTgt spid="11"/>
+                                          <p:spTgt spid="12"/>
+                                        </p:tgtEl>
+                                      </p:cBhvr>
+                                    </p:animEffect>
+                                  </p:childTnLst>
+                                </p:cTn>
+                              </p:par>
+                            </p:childTnLst>
+                          </p:cTn>
+                        </p:par>
+                      </p:childTnLst>
+                    </p:cTn>
+                  </p:par>
+                  <p:par>
+                    <p:cTn id="18" fill="hold">
+                      <p:stCondLst>
+                        <p:cond delay="indefinite"/>
+                      </p:stCondLst>
+                      <p:childTnLst>
+                        <p:par>
+                          <p:cTn id="19" fill="hold">
+                            <p:stCondLst>
+                              <p:cond delay="0"/>
+                            </p:stCondLst>
+                            <p:childTnLst>
+                              <p:par>
+                                <p:cTn id="20" presetID="16" presetClass="entr" presetSubtype="21" fill="hold" nodeType="clickEffect">
+                                  <p:stCondLst>
+                                    <p:cond delay="0"/>
+                                  </p:stCondLst>
+                                  <p:childTnLst>
+                                    <p:set>
+                                      <p:cBhvr>
+                                        <p:cTn id="21" dur="1" fill="hold">
+                                          <p:stCondLst>
+                                            <p:cond delay="0"/>
+                                          </p:stCondLst>
+                                        </p:cTn>
+                                        <p:tgtEl>
+                                          <p:spTgt spid="14"/>
                                         </p:tgtEl>
                                         <p:attrNameLst>
-                                          <p:attrName>style.rotation</p:attrName>
+                                          <p:attrName>style.visibility</p:attrName>
                                         </p:attrNameLst>
                                       </p:cBhvr>
-                                      <p:tavLst>
-                                        <p:tav tm="0">
-                                          <p:val>
-                                            <p:fltVal val="90"/>
-                                          </p:val>
-                                        </p:tav>
-                                        <p:tav tm="100000">
-                                          <p:val>
-                                            <p:fltVal val="0"/>
-                                          </p:val>
-                                        </p:tav>
-                                      </p:tavLst>
-                                    </p:anim>
-                                    <p:animEffect transition="in" filter="fade">
+                                      <p:to>
+                                        <p:strVal val="visible"/>
+                                      </p:to>
+                                    </p:set>
+                                    <p:animEffect transition="in" filter="barn(inVertical)">
                                       <p:cBhvr>
-                                        <p:cTn id="10" dur="1000"/>
+                                        <p:cTn id="22" dur="500"/>
                                         <p:tgtEl>
-                                          <p:spTgt spid="11"/>
+                                          <p:spTgt spid="14"/>
+                                        </p:tgtEl>
+                                      </p:cBhvr>
+                                    </p:animEffect>
+                                  </p:childTnLst>
+                                </p:cTn>
+                              </p:par>
+                            </p:childTnLst>
+                          </p:cTn>
+                        </p:par>
+                      </p:childTnLst>
+                    </p:cTn>
+                  </p:par>
+                  <p:par>
+                    <p:cTn id="23" fill="hold">
+                      <p:stCondLst>
+                        <p:cond delay="indefinite"/>
+                      </p:stCondLst>
+                      <p:childTnLst>
+                        <p:par>
+                          <p:cTn id="24" fill="hold">
+                            <p:stCondLst>
+                              <p:cond delay="0"/>
+                            </p:stCondLst>
+                            <p:childTnLst>
+                              <p:par>
+                                <p:cTn id="25" presetID="16" presetClass="entr" presetSubtype="21" fill="hold" nodeType="clickEffect">
+                                  <p:stCondLst>
+                                    <p:cond delay="0"/>
+                                  </p:stCondLst>
+                                  <p:childTnLst>
+                                    <p:set>
+                                      <p:cBhvr>
+                                        <p:cTn id="26" dur="1" fill="hold">
+                                          <p:stCondLst>
+                                            <p:cond delay="0"/>
+                                          </p:stCondLst>
+                                        </p:cTn>
+                                        <p:tgtEl>
+                                          <p:spTgt spid="16"/>
+                                        </p:tgtEl>
+                                        <p:attrNameLst>
+                                          <p:attrName>style.visibility</p:attrName>
+                                        </p:attrNameLst>
+                                      </p:cBhvr>
+                                      <p:to>
+                                        <p:strVal val="visible"/>
+                                      </p:to>
+                                    </p:set>
+                                    <p:animEffect transition="in" filter="barn(inVertical)">
+                                      <p:cBhvr>
+                                        <p:cTn id="27" dur="500"/>
+                                        <p:tgtEl>
+                                          <p:spTgt spid="16"/>
                                         </p:tgtEl>
                                       </p:cBhvr>
                                     </p:animEffect>
@@ -7675,14 +7562,11 @@
         </p:cTn>
       </p:par>
     </p:tnLst>
-    <p:bldLst>
-      <p:bldP spid="11" grpId="0" animBg="1"/>
-    </p:bldLst>
   </p:timing>
 </p:sld>
 </file>
 
-<file path=ppt/slides/slide6.xml><?xml version="1.0" encoding="utf-8"?>
+<file path=ppt/slides/slide5.xml><?xml version="1.0" encoding="utf-8"?>
 <p:sld xmlns:a="http://schemas.openxmlformats.org/drawingml/2006/main" xmlns:r="http://schemas.openxmlformats.org/officeDocument/2006/relationships" xmlns:p="http://schemas.openxmlformats.org/presentationml/2006/main">
   <p:cSld>
     <p:spTree>
@@ -7701,10 +7585,10 @@
       </p:grpSpPr>
       <p:pic>
         <p:nvPicPr>
-          <p:cNvPr id="3" name="Picture 2">
-            <a:extLst>
-              <a:ext uri="{FF2B5EF4-FFF2-40B4-BE49-F238E27FC236}">
-                <a16:creationId xmlns:a16="http://schemas.microsoft.com/office/drawing/2014/main" id="{0AF34D35-6A5B-46B0-BF9B-504A325ECE5B}"/>
+          <p:cNvPr id="5" name="Picture 4">
+            <a:extLst>
+              <a:ext uri="{FF2B5EF4-FFF2-40B4-BE49-F238E27FC236}">
+                <a16:creationId xmlns:a16="http://schemas.microsoft.com/office/drawing/2014/main" id="{931805DA-43C8-4849-A8FA-63544F7FD004}"/>
               </a:ext>
             </a:extLst>
           </p:cNvPr>
@@ -7721,8 +7605,8 @@
         </p:blipFill>
         <p:spPr>
           <a:xfrm>
-            <a:off x="0" y="459730"/>
-            <a:ext cx="12192000" cy="5938539"/>
+            <a:off x="0" y="789688"/>
+            <a:ext cx="12192000" cy="4870332"/>
           </a:xfrm>
           <a:prstGeom prst="rect">
             <a:avLst/>
@@ -7731,10 +7615,10 @@
       </p:pic>
       <p:grpSp>
         <p:nvGrpSpPr>
-          <p:cNvPr id="9" name="Group 8">
-            <a:extLst>
-              <a:ext uri="{FF2B5EF4-FFF2-40B4-BE49-F238E27FC236}">
-                <a16:creationId xmlns:a16="http://schemas.microsoft.com/office/drawing/2014/main" id="{DDC0C55B-7BF8-4377-8D75-D9F8B6595DCB}"/>
+          <p:cNvPr id="10" name="Group 9">
+            <a:extLst>
+              <a:ext uri="{FF2B5EF4-FFF2-40B4-BE49-F238E27FC236}">
+                <a16:creationId xmlns:a16="http://schemas.microsoft.com/office/drawing/2014/main" id="{D9301857-6AFD-4D55-A95B-6B051EA3C48B}"/>
               </a:ext>
             </a:extLst>
           </p:cNvPr>
@@ -7743,10 +7627,10 @@
         </p:nvGrpSpPr>
         <p:grpSpPr>
           <a:xfrm>
-            <a:off x="2048717" y="1759352"/>
-            <a:ext cx="7214888" cy="3298785"/>
-            <a:chOff x="2048717" y="1759352"/>
-            <a:chExt cx="7214888" cy="3298785"/>
+            <a:off x="2041002" y="2071868"/>
+            <a:ext cx="7265043" cy="3032567"/>
+            <a:chOff x="2041002" y="2071868"/>
+            <a:chExt cx="7265043" cy="3032567"/>
           </a:xfrm>
         </p:grpSpPr>
         <p:sp>
@@ -7763,8 +7647,8 @@
           </p:nvSpPr>
           <p:spPr>
             <a:xfrm>
-              <a:off x="2048719" y="1759352"/>
-              <a:ext cx="5312780" cy="3032567"/>
+              <a:off x="2041002" y="2071868"/>
+              <a:ext cx="5349714" cy="3032567"/>
             </a:xfrm>
             <a:prstGeom prst="rect">
               <a:avLst/>
@@ -7821,8 +7705,8 @@
           </p:nvSpPr>
           <p:spPr>
             <a:xfrm flipH="1">
-              <a:off x="7465671" y="2372809"/>
-              <a:ext cx="625032" cy="266219"/>
+              <a:off x="7495612" y="2685325"/>
+              <a:ext cx="629377" cy="266219"/>
             </a:xfrm>
             <a:prstGeom prst="rect">
               <a:avLst/>
@@ -7879,66 +7763,8 @@
           </p:nvSpPr>
           <p:spPr>
             <a:xfrm flipH="1">
-              <a:off x="7465671" y="1880885"/>
-              <a:ext cx="1797934" cy="266220"/>
-            </a:xfrm>
-            <a:prstGeom prst="rect">
-              <a:avLst/>
-            </a:prstGeom>
-            <a:solidFill>
-              <a:schemeClr val="bg1">
-                <a:lumMod val="75000"/>
-              </a:schemeClr>
-            </a:solidFill>
-            <a:ln w="38100">
-              <a:solidFill>
-                <a:schemeClr val="bg1">
-                  <a:lumMod val="75000"/>
-                </a:schemeClr>
-              </a:solidFill>
-            </a:ln>
-          </p:spPr>
-          <p:style>
-            <a:lnRef idx="2">
-              <a:schemeClr val="accent1">
-                <a:shade val="50000"/>
-              </a:schemeClr>
-            </a:lnRef>
-            <a:fillRef idx="1">
-              <a:schemeClr val="accent1"/>
-            </a:fillRef>
-            <a:effectRef idx="0">
-              <a:schemeClr val="accent1"/>
-            </a:effectRef>
-            <a:fontRef idx="minor">
-              <a:schemeClr val="lt1"/>
-            </a:fontRef>
-          </p:style>
-          <p:txBody>
-            <a:bodyPr rtlCol="0" anchor="ctr"/>
-            <a:lstStyle/>
-            <a:p>
-              <a:pPr algn="ctr"/>
-              <a:endParaRPr lang="en-DE"/>
-            </a:p>
-          </p:txBody>
-        </p:sp>
-        <p:sp>
-          <p:nvSpPr>
-            <p:cNvPr id="8" name="Rectangle 7">
-              <a:extLst>
-                <a:ext uri="{FF2B5EF4-FFF2-40B4-BE49-F238E27FC236}">
-                  <a16:creationId xmlns:a16="http://schemas.microsoft.com/office/drawing/2014/main" id="{D2C8F305-4702-484D-9F24-21707546BE86}"/>
-                </a:ext>
-              </a:extLst>
-            </p:cNvPr>
-            <p:cNvSpPr/>
-            <p:nvPr/>
-          </p:nvSpPr>
-          <p:spPr>
-            <a:xfrm flipH="1">
-              <a:off x="2048717" y="4863293"/>
-              <a:ext cx="821803" cy="194844"/>
+              <a:off x="7495612" y="2193401"/>
+              <a:ext cx="1810433" cy="266220"/>
             </a:xfrm>
             <a:prstGeom prst="rect">
               <a:avLst/>
@@ -7984,10 +7810,10 @@
       </p:grpSp>
       <p:sp>
         <p:nvSpPr>
-          <p:cNvPr id="11" name="Rectangle 10">
-            <a:extLst>
-              <a:ext uri="{FF2B5EF4-FFF2-40B4-BE49-F238E27FC236}">
-                <a16:creationId xmlns:a16="http://schemas.microsoft.com/office/drawing/2014/main" id="{135614A6-64F8-4B98-B2D7-9ED0290AFDE5}"/>
+          <p:cNvPr id="8" name="Rectangle 7">
+            <a:extLst>
+              <a:ext uri="{FF2B5EF4-FFF2-40B4-BE49-F238E27FC236}">
+                <a16:creationId xmlns:a16="http://schemas.microsoft.com/office/drawing/2014/main" id="{AAD6996E-B996-4C38-8612-8DF2FA9C13DB}"/>
               </a:ext>
             </a:extLst>
           </p:cNvPr>
@@ -7996,8 +7822,8 @@
         </p:nvSpPr>
         <p:spPr>
           <a:xfrm rot="19098529">
-            <a:off x="4954031" y="1977308"/>
-            <a:ext cx="2729697" cy="1323439"/>
+            <a:off x="4442645" y="2563135"/>
+            <a:ext cx="3404944" cy="1323439"/>
           </a:xfrm>
           <a:prstGeom prst="rect">
             <a:avLst/>
@@ -8016,10 +7842,10 @@
           <a:p>
             <a:pPr algn="ctr"/>
             <a:r>
-              <a:rPr lang="en-US" sz="8000" b="0" cap="none" spc="0" dirty="0">
+              <a:rPr lang="en-US" sz="8000" dirty="0">
                 <a:ln w="0"/>
                 <a:solidFill>
-                  <a:srgbClr val="FF0000"/>
+                  <a:srgbClr val="00B050"/>
                 </a:solidFill>
                 <a:effectLst>
                   <a:outerShdw blurRad="38100" dist="19050" dir="2700000" algn="tl" rotWithShape="0">
@@ -8029,15 +7855,28 @@
                   </a:outerShdw>
                 </a:effectLst>
               </a:rPr>
-              <a:t>fail</a:t>
-            </a:r>
+              <a:t>success</a:t>
+            </a:r>
+            <a:endParaRPr lang="en-US" sz="8000" b="0" cap="none" spc="0" dirty="0">
+              <a:ln w="0"/>
+              <a:solidFill>
+                <a:srgbClr val="00B050"/>
+              </a:solidFill>
+              <a:effectLst>
+                <a:outerShdw blurRad="38100" dist="19050" dir="2700000" algn="tl" rotWithShape="0">
+                  <a:schemeClr val="dk1">
+                    <a:alpha val="40000"/>
+                  </a:schemeClr>
+                </a:outerShdw>
+              </a:effectLst>
+            </a:endParaRPr>
           </a:p>
         </p:txBody>
       </p:sp>
     </p:spTree>
     <p:extLst>
       <p:ext uri="{BB962C8B-B14F-4D97-AF65-F5344CB8AC3E}">
-        <p14:creationId xmlns:p14="http://schemas.microsoft.com/office/powerpoint/2010/main" val="2905800062"/>
+        <p14:creationId xmlns:p14="http://schemas.microsoft.com/office/powerpoint/2010/main" val="633561988"/>
       </p:ext>
     </p:extLst>
   </p:cSld>
@@ -8065,182 +7904,106 @@
                             </p:stCondLst>
                             <p:childTnLst>
                               <p:par>
-                                <p:cTn id="5" presetID="42" presetClass="exit" presetSubtype="0" fill="hold" grpId="0" nodeType="clickEffect">
+                                <p:cTn id="5" presetID="31" presetClass="entr" presetSubtype="0" fill="hold" grpId="0" nodeType="clickEffect">
                                   <p:stCondLst>
                                     <p:cond delay="0"/>
                                   </p:stCondLst>
                                   <p:childTnLst>
-                                    <p:animEffect transition="out" filter="fade">
+                                    <p:set>
                                       <p:cBhvr>
-                                        <p:cTn id="6" dur="1000"/>
+                                        <p:cTn id="6" dur="1" fill="hold">
+                                          <p:stCondLst>
+                                            <p:cond delay="0"/>
+                                          </p:stCondLst>
+                                        </p:cTn>
                                         <p:tgtEl>
-                                          <p:spTgt spid="11"/>
+                                          <p:spTgt spid="8"/>
                                         </p:tgtEl>
+                                        <p:attrNameLst>
+                                          <p:attrName>style.visibility</p:attrName>
+                                        </p:attrNameLst>
                                       </p:cBhvr>
-                                    </p:animEffect>
+                                      <p:to>
+                                        <p:strVal val="visible"/>
+                                      </p:to>
+                                    </p:set>
                                     <p:anim calcmode="lin" valueType="num">
                                       <p:cBhvr>
-                                        <p:cTn id="7" dur="1000"/>
+                                        <p:cTn id="7" dur="1000" fill="hold"/>
                                         <p:tgtEl>
-                                          <p:spTgt spid="11"/>
+                                          <p:spTgt spid="8"/>
                                         </p:tgtEl>
                                         <p:attrNameLst>
-                                          <p:attrName>ppt_x</p:attrName>
+                                          <p:attrName>ppt_w</p:attrName>
                                         </p:attrNameLst>
                                       </p:cBhvr>
                                       <p:tavLst>
                                         <p:tav tm="0">
                                           <p:val>
-                                            <p:strVal val="ppt_x"/>
+                                            <p:fltVal val="0"/>
                                           </p:val>
                                         </p:tav>
                                         <p:tav tm="100000">
                                           <p:val>
-                                            <p:strVal val="ppt_x"/>
+                                            <p:strVal val="#ppt_w"/>
                                           </p:val>
                                         </p:tav>
                                       </p:tavLst>
                                     </p:anim>
                                     <p:anim calcmode="lin" valueType="num">
                                       <p:cBhvr>
-                                        <p:cTn id="8" dur="1000"/>
+                                        <p:cTn id="8" dur="1000" fill="hold"/>
                                         <p:tgtEl>
-                                          <p:spTgt spid="11"/>
+                                          <p:spTgt spid="8"/>
                                         </p:tgtEl>
                                         <p:attrNameLst>
-                                          <p:attrName>ppt_y</p:attrName>
+                                          <p:attrName>ppt_h</p:attrName>
                                         </p:attrNameLst>
                                       </p:cBhvr>
                                       <p:tavLst>
                                         <p:tav tm="0">
                                           <p:val>
-                                            <p:strVal val="ppt_y"/>
+                                            <p:fltVal val="0"/>
                                           </p:val>
                                         </p:tav>
                                         <p:tav tm="100000">
                                           <p:val>
-                                            <p:strVal val="ppt_y+.1"/>
-                                          </p:val>
-                                        </p:tav>
-                                      </p:tavLst>
-                                    </p:anim>
-                                    <p:set>
-                                      <p:cBhvr>
-                                        <p:cTn id="9" dur="1" fill="hold">
-                                          <p:stCondLst>
-                                            <p:cond delay="999"/>
-                                          </p:stCondLst>
-                                        </p:cTn>
-                                        <p:tgtEl>
-                                          <p:spTgt spid="11"/>
-                                        </p:tgtEl>
-                                        <p:attrNameLst>
-                                          <p:attrName>style.visibility</p:attrName>
-                                        </p:attrNameLst>
-                                      </p:cBhvr>
-                                      <p:to>
-                                        <p:strVal val="hidden"/>
-                                      </p:to>
-                                    </p:set>
-                                  </p:childTnLst>
-                                </p:cTn>
-                              </p:par>
-                            </p:childTnLst>
-                          </p:cTn>
-                        </p:par>
-                      </p:childTnLst>
-                    </p:cTn>
-                  </p:par>
-                  <p:par>
-                    <p:cTn id="10" fill="hold">
-                      <p:stCondLst>
-                        <p:cond delay="indefinite"/>
-                      </p:stCondLst>
-                      <p:childTnLst>
-                        <p:par>
-                          <p:cTn id="11" fill="hold">
-                            <p:stCondLst>
-                              <p:cond delay="0"/>
-                            </p:stCondLst>
-                            <p:childTnLst>
-                              <p:par>
-                                <p:cTn id="12" presetID="42" presetClass="exit" presetSubtype="0" fill="hold" nodeType="clickEffect">
-                                  <p:stCondLst>
-                                    <p:cond delay="0"/>
-                                  </p:stCondLst>
-                                  <p:childTnLst>
-                                    <p:animEffect transition="out" filter="fade">
-                                      <p:cBhvr>
-                                        <p:cTn id="13" dur="1000"/>
-                                        <p:tgtEl>
-                                          <p:spTgt spid="9"/>
-                                        </p:tgtEl>
-                                      </p:cBhvr>
-                                    </p:animEffect>
-                                    <p:anim calcmode="lin" valueType="num">
-                                      <p:cBhvr>
-                                        <p:cTn id="14" dur="1000"/>
-                                        <p:tgtEl>
-                                          <p:spTgt spid="9"/>
-                                        </p:tgtEl>
-                                        <p:attrNameLst>
-                                          <p:attrName>ppt_x</p:attrName>
-                                        </p:attrNameLst>
-                                      </p:cBhvr>
-                                      <p:tavLst>
-                                        <p:tav tm="0">
-                                          <p:val>
-                                            <p:strVal val="ppt_x"/>
-                                          </p:val>
-                                        </p:tav>
-                                        <p:tav tm="100000">
-                                          <p:val>
-                                            <p:strVal val="ppt_x"/>
+                                            <p:strVal val="#ppt_h"/>
                                           </p:val>
                                         </p:tav>
                                       </p:tavLst>
                                     </p:anim>
                                     <p:anim calcmode="lin" valueType="num">
                                       <p:cBhvr>
-                                        <p:cTn id="15" dur="1000"/>
+                                        <p:cTn id="9" dur="1000" fill="hold"/>
                                         <p:tgtEl>
-                                          <p:spTgt spid="9"/>
+                                          <p:spTgt spid="8"/>
                                         </p:tgtEl>
                                         <p:attrNameLst>
-                                          <p:attrName>ppt_y</p:attrName>
+                                          <p:attrName>style.rotation</p:attrName>
                                         </p:attrNameLst>
                                       </p:cBhvr>
                                       <p:tavLst>
                                         <p:tav tm="0">
                                           <p:val>
-                                            <p:strVal val="ppt_y"/>
+                                            <p:fltVal val="90"/>
                                           </p:val>
                                         </p:tav>
                                         <p:tav tm="100000">
                                           <p:val>
-                                            <p:strVal val="ppt_y+.1"/>
+                                            <p:fltVal val="0"/>
                                           </p:val>
                                         </p:tav>
                                       </p:tavLst>
                                     </p:anim>
-                                    <p:set>
+                                    <p:animEffect transition="in" filter="fade">
                                       <p:cBhvr>
-                                        <p:cTn id="16" dur="1" fill="hold">
-                                          <p:stCondLst>
-                                            <p:cond delay="999"/>
-                                          </p:stCondLst>
-                                        </p:cTn>
+                                        <p:cTn id="10" dur="1000"/>
                                         <p:tgtEl>
-                                          <p:spTgt spid="9"/>
+                                          <p:spTgt spid="8"/>
                                         </p:tgtEl>
-                                        <p:attrNameLst>
-                                          <p:attrName>style.visibility</p:attrName>
-                                        </p:attrNameLst>
                                       </p:cBhvr>
-                                      <p:to>
-                                        <p:strVal val="hidden"/>
-                                      </p:to>
-                                    </p:set>
+                                    </p:animEffect>
                                   </p:childTnLst>
                                 </p:cTn>
                               </p:par>
@@ -8272,13 +8035,13 @@
       </p:par>
     </p:tnLst>
     <p:bldLst>
-      <p:bldP spid="11" grpId="0" animBg="1"/>
+      <p:bldP spid="8" grpId="0" animBg="1"/>
     </p:bldLst>
   </p:timing>
 </p:sld>
 </file>
 
-<file path=ppt/slides/slide7.xml><?xml version="1.0" encoding="utf-8"?>
+<file path=ppt/slides/slide6.xml><?xml version="1.0" encoding="utf-8"?>
 <p:sld xmlns:a="http://schemas.openxmlformats.org/drawingml/2006/main" xmlns:r="http://schemas.openxmlformats.org/officeDocument/2006/relationships" xmlns:p="http://schemas.openxmlformats.org/presentationml/2006/main">
   <p:cSld>
     <p:spTree>
@@ -8339,7 +8102,7 @@
         </p:nvSpPr>
         <p:spPr>
           <a:xfrm>
-            <a:off x="4409955" y="659757"/>
+            <a:off x="6910086" y="671332"/>
             <a:ext cx="625033" cy="6088283"/>
           </a:xfrm>
           <a:prstGeom prst="rect">
@@ -8476,7 +8239,7 @@
 </p:sld>
 </file>
 
-<file path=ppt/slides/slide8.xml><?xml version="1.0" encoding="utf-8"?>
+<file path=ppt/slides/slide7.xml><?xml version="1.0" encoding="utf-8"?>
 <p:sld xmlns:a="http://schemas.openxmlformats.org/drawingml/2006/main" xmlns:r="http://schemas.openxmlformats.org/officeDocument/2006/relationships" xmlns:p="http://schemas.openxmlformats.org/presentationml/2006/main">
   <p:cSld>
     <p:spTree>
@@ -8537,7 +8300,7 @@
         </p:nvSpPr>
         <p:spPr>
           <a:xfrm>
-            <a:off x="4085859" y="769717"/>
+            <a:off x="6539691" y="769717"/>
             <a:ext cx="625033" cy="6088283"/>
           </a:xfrm>
           <a:prstGeom prst="rect">
@@ -8674,7 +8437,7 @@
 </p:sld>
 </file>
 
-<file path=ppt/slides/slide9.xml><?xml version="1.0" encoding="utf-8"?>
+<file path=ppt/slides/slide8.xml><?xml version="1.0" encoding="utf-8"?>
 <p:sld xmlns:a="http://schemas.openxmlformats.org/drawingml/2006/main" xmlns:r="http://schemas.openxmlformats.org/officeDocument/2006/relationships" xmlns:p="http://schemas.openxmlformats.org/presentationml/2006/main">
   <p:cSld>
     <p:spTree>
@@ -8735,7 +8498,7 @@
         </p:nvSpPr>
         <p:spPr>
           <a:xfrm>
-            <a:off x="10430716" y="769717"/>
+            <a:off x="8280540" y="714736"/>
             <a:ext cx="625033" cy="6088283"/>
           </a:xfrm>
           <a:prstGeom prst="rect">
@@ -8817,7 +8580,7 @@
         </p:nvSpPr>
         <p:spPr>
           <a:xfrm>
-            <a:off x="2183757" y="769716"/>
+            <a:off x="1512425" y="714735"/>
             <a:ext cx="625033" cy="6088283"/>
           </a:xfrm>
           <a:prstGeom prst="rect">
@@ -9033,6 +8796,204 @@
     <p:bldLst>
       <p:bldP spid="10" grpId="0" animBg="1"/>
       <p:bldP spid="9" grpId="0" animBg="1"/>
+    </p:bldLst>
+  </p:timing>
+</p:sld>
+</file>
+
+<file path=ppt/slides/slide9.xml><?xml version="1.0" encoding="utf-8"?>
+<p:sld xmlns:a="http://schemas.openxmlformats.org/drawingml/2006/main" xmlns:r="http://schemas.openxmlformats.org/officeDocument/2006/relationships" xmlns:p="http://schemas.openxmlformats.org/presentationml/2006/main">
+  <p:cSld>
+    <p:spTree>
+      <p:nvGrpSpPr>
+        <p:cNvPr id="1" name=""/>
+        <p:cNvGrpSpPr/>
+        <p:nvPr/>
+      </p:nvGrpSpPr>
+      <p:grpSpPr>
+        <a:xfrm>
+          <a:off x="0" y="0"/>
+          <a:ext cx="0" cy="0"/>
+          <a:chOff x="0" y="0"/>
+          <a:chExt cx="0" cy="0"/>
+        </a:xfrm>
+      </p:grpSpPr>
+      <p:pic>
+        <p:nvPicPr>
+          <p:cNvPr id="5" name="Picture 4">
+            <a:extLst>
+              <a:ext uri="{FF2B5EF4-FFF2-40B4-BE49-F238E27FC236}">
+                <a16:creationId xmlns:a16="http://schemas.microsoft.com/office/drawing/2014/main" id="{2E6D2F49-E1BE-43AA-B199-E0826A25A2A0}"/>
+              </a:ext>
+            </a:extLst>
+          </p:cNvPr>
+          <p:cNvPicPr>
+            <a:picLocks noChangeAspect="1"/>
+          </p:cNvPicPr>
+          <p:nvPr/>
+        </p:nvPicPr>
+        <p:blipFill>
+          <a:blip r:embed="rId3"/>
+          <a:stretch>
+            <a:fillRect/>
+          </a:stretch>
+        </p:blipFill>
+        <p:spPr>
+          <a:xfrm>
+            <a:off x="1654275" y="1109441"/>
+            <a:ext cx="8623959" cy="4006569"/>
+          </a:xfrm>
+          <a:prstGeom prst="rect">
+            <a:avLst/>
+          </a:prstGeom>
+        </p:spPr>
+      </p:pic>
+      <p:sp>
+        <p:nvSpPr>
+          <p:cNvPr id="6" name="Rectangle 5">
+            <a:extLst>
+              <a:ext uri="{FF2B5EF4-FFF2-40B4-BE49-F238E27FC236}">
+                <a16:creationId xmlns:a16="http://schemas.microsoft.com/office/drawing/2014/main" id="{FEBFC3AF-4BC6-4DCB-A665-841C37FC2037}"/>
+              </a:ext>
+            </a:extLst>
+          </p:cNvPr>
+          <p:cNvSpPr/>
+          <p:nvPr/>
+        </p:nvSpPr>
+        <p:spPr>
+          <a:xfrm>
+            <a:off x="7199452" y="3680749"/>
+            <a:ext cx="995423" cy="497711"/>
+          </a:xfrm>
+          <a:prstGeom prst="rect">
+            <a:avLst/>
+          </a:prstGeom>
+          <a:noFill/>
+          <a:ln w="38100">
+            <a:solidFill>
+              <a:schemeClr val="tx1"/>
+            </a:solidFill>
+          </a:ln>
+        </p:spPr>
+        <p:style>
+          <a:lnRef idx="2">
+            <a:schemeClr val="accent1">
+              <a:shade val="50000"/>
+            </a:schemeClr>
+          </a:lnRef>
+          <a:fillRef idx="1">
+            <a:schemeClr val="accent1"/>
+          </a:fillRef>
+          <a:effectRef idx="0">
+            <a:schemeClr val="accent1"/>
+          </a:effectRef>
+          <a:fontRef idx="minor">
+            <a:schemeClr val="lt1"/>
+          </a:fontRef>
+        </p:style>
+        <p:txBody>
+          <a:bodyPr rtlCol="0" anchor="ctr"/>
+          <a:lstStyle/>
+          <a:p>
+            <a:pPr algn="ctr"/>
+            <a:endParaRPr lang="en-DE"/>
+          </a:p>
+        </p:txBody>
+      </p:sp>
+    </p:spTree>
+    <p:extLst>
+      <p:ext uri="{BB962C8B-B14F-4D97-AF65-F5344CB8AC3E}">
+        <p14:creationId xmlns:p14="http://schemas.microsoft.com/office/powerpoint/2010/main" val="930875439"/>
+      </p:ext>
+    </p:extLst>
+  </p:cSld>
+  <p:clrMapOvr>
+    <a:masterClrMapping/>
+  </p:clrMapOvr>
+  <p:timing>
+    <p:tnLst>
+      <p:par>
+        <p:cTn id="1" dur="indefinite" restart="never" nodeType="tmRoot">
+          <p:childTnLst>
+            <p:seq concurrent="1" nextAc="seek">
+              <p:cTn id="2" dur="indefinite" nodeType="mainSeq">
+                <p:childTnLst>
+                  <p:par>
+                    <p:cTn id="3" fill="hold">
+                      <p:stCondLst>
+                        <p:cond delay="indefinite"/>
+                      </p:stCondLst>
+                      <p:childTnLst>
+                        <p:par>
+                          <p:cTn id="4" fill="hold">
+                            <p:stCondLst>
+                              <p:cond delay="0"/>
+                            </p:stCondLst>
+                            <p:childTnLst>
+                              <p:par>
+                                <p:cTn id="5" presetID="6" presetClass="entr" presetSubtype="16" fill="hold" grpId="0" nodeType="clickEffect">
+                                  <p:stCondLst>
+                                    <p:cond delay="0"/>
+                                  </p:stCondLst>
+                                  <p:childTnLst>
+                                    <p:set>
+                                      <p:cBhvr>
+                                        <p:cTn id="6" dur="1" fill="hold">
+                                          <p:stCondLst>
+                                            <p:cond delay="0"/>
+                                          </p:stCondLst>
+                                        </p:cTn>
+                                        <p:tgtEl>
+                                          <p:spTgt spid="6"/>
+                                        </p:tgtEl>
+                                        <p:attrNameLst>
+                                          <p:attrName>style.visibility</p:attrName>
+                                        </p:attrNameLst>
+                                      </p:cBhvr>
+                                      <p:to>
+                                        <p:strVal val="visible"/>
+                                      </p:to>
+                                    </p:set>
+                                    <p:animEffect transition="in" filter="circle(in)">
+                                      <p:cBhvr>
+                                        <p:cTn id="7" dur="2000"/>
+                                        <p:tgtEl>
+                                          <p:spTgt spid="6"/>
+                                        </p:tgtEl>
+                                      </p:cBhvr>
+                                    </p:animEffect>
+                                  </p:childTnLst>
+                                </p:cTn>
+                              </p:par>
+                            </p:childTnLst>
+                          </p:cTn>
+                        </p:par>
+                      </p:childTnLst>
+                    </p:cTn>
+                  </p:par>
+                </p:childTnLst>
+              </p:cTn>
+              <p:prevCondLst>
+                <p:cond evt="onPrev" delay="0">
+                  <p:tgtEl>
+                    <p:sldTgt/>
+                  </p:tgtEl>
+                </p:cond>
+              </p:prevCondLst>
+              <p:nextCondLst>
+                <p:cond evt="onNext" delay="0">
+                  <p:tgtEl>
+                    <p:sldTgt/>
+                  </p:tgtEl>
+                </p:cond>
+              </p:nextCondLst>
+            </p:seq>
+          </p:childTnLst>
+        </p:cTn>
+      </p:par>
+    </p:tnLst>
+    <p:bldLst>
+      <p:bldP spid="6" grpId="0" animBg="1"/>
     </p:bldLst>
   </p:timing>
 </p:sld>

--- a/kickstarter_presentation.pptx
+++ b/kickstarter_presentation.pptx
@@ -15,8 +15,8 @@
     <p:sldId id="280" r:id="rId6"/>
     <p:sldId id="273" r:id="rId7"/>
     <p:sldId id="275" r:id="rId8"/>
-    <p:sldId id="274" r:id="rId9"/>
-    <p:sldId id="276" r:id="rId10"/>
+    <p:sldId id="276" r:id="rId9"/>
+    <p:sldId id="274" r:id="rId10"/>
     <p:sldId id="279" r:id="rId11"/>
     <p:sldId id="277" r:id="rId12"/>
     <p:sldId id="278" r:id="rId13"/>
@@ -523,21 +523,265 @@
           <a:lstStyle/>
           <a:p>
             <a:r>
-              <a:rPr lang="en-GB" dirty="0"/>
-              <a:t>Introduction about the project</a:t>
-            </a:r>
-          </a:p>
-          <a:p>
-            <a:r>
-              <a:rPr lang="en-GB" dirty="0"/>
-              <a:t>Size of data</a:t>
-            </a:r>
-          </a:p>
-          <a:p>
-            <a:r>
-              <a:rPr lang="en-GB" dirty="0"/>
-              <a:t>Timeline of data</a:t>
-            </a:r>
+              <a:rPr lang="en-GB" i="1" dirty="0">
+                <a:solidFill>
+                  <a:srgbClr val="202124"/>
+                </a:solidFill>
+                <a:latin typeface="Maison Neue Book"/>
+              </a:rPr>
+              <a:t>What is Kickstarter? </a:t>
+            </a:r>
+            <a:r>
+              <a:rPr lang="en-GB" b="0" i="1" dirty="0">
+                <a:solidFill>
+                  <a:srgbClr val="202124"/>
+                </a:solidFill>
+                <a:effectLst/>
+                <a:latin typeface="Maison Neue Book"/>
+              </a:rPr>
+              <a:t>‘Kickstarter is </a:t>
+            </a:r>
+            <a:r>
+              <a:rPr lang="en-GB" i="1" dirty="0">
+                <a:solidFill>
+                  <a:srgbClr val="202124"/>
+                </a:solidFill>
+                <a:effectLst/>
+                <a:latin typeface="Maison Neue Book"/>
+              </a:rPr>
+              <a:t>a funding platform for creative projects</a:t>
+            </a:r>
+            <a:r>
+              <a:rPr lang="en-GB" b="0" i="1" dirty="0">
+                <a:solidFill>
+                  <a:srgbClr val="202124"/>
+                </a:solidFill>
+                <a:effectLst/>
+                <a:latin typeface="Maison Neue Book"/>
+              </a:rPr>
+              <a:t>. ... </a:t>
+            </a:r>
+          </a:p>
+          <a:p>
+            <a:pPr marL="171450" indent="-171450">
+              <a:buFont typeface="Arial" panose="020B0604020202020204" pitchFamily="34" charset="0"/>
+              <a:buChar char="•"/>
+            </a:pPr>
+            <a:r>
+              <a:rPr lang="en-GB" b="0" i="1" dirty="0">
+                <a:solidFill>
+                  <a:srgbClr val="202124"/>
+                </a:solidFill>
+                <a:effectLst/>
+                <a:latin typeface="Maison Neue Book"/>
+              </a:rPr>
+              <a:t>There are different categories like … comics, games, movies, art, music, photography, fashion</a:t>
+            </a:r>
+          </a:p>
+          <a:p>
+            <a:pPr marL="171450" indent="-171450">
+              <a:buFont typeface="Arial" panose="020B0604020202020204" pitchFamily="34" charset="0"/>
+              <a:buChar char="•"/>
+            </a:pPr>
+            <a:r>
+              <a:rPr lang="en-GB" b="0" i="1" dirty="0">
+                <a:solidFill>
+                  <a:srgbClr val="202124"/>
+                </a:solidFill>
+                <a:effectLst/>
+                <a:latin typeface="Maison Neue Book"/>
+              </a:rPr>
+              <a:t>Every project creator sets their project's funding goal and deadline. </a:t>
+            </a:r>
+          </a:p>
+          <a:p>
+            <a:pPr marL="171450" indent="-171450">
+              <a:buFont typeface="Arial" panose="020B0604020202020204" pitchFamily="34" charset="0"/>
+              <a:buChar char="•"/>
+            </a:pPr>
+            <a:r>
+              <a:rPr lang="en-GB" b="0" i="1" dirty="0">
+                <a:solidFill>
+                  <a:srgbClr val="202124"/>
+                </a:solidFill>
+                <a:effectLst/>
+                <a:latin typeface="Maison Neue Book"/>
+              </a:rPr>
+              <a:t>If people like the project, they can pledge money to make it happen. </a:t>
+            </a:r>
+          </a:p>
+          <a:p>
+            <a:pPr marL="171450" indent="-171450">
+              <a:buFont typeface="Arial" panose="020B0604020202020204" pitchFamily="34" charset="0"/>
+              <a:buChar char="•"/>
+            </a:pPr>
+            <a:r>
+              <a:rPr lang="en-GB" b="0" i="1" dirty="0">
+                <a:solidFill>
+                  <a:srgbClr val="202124"/>
+                </a:solidFill>
+                <a:effectLst/>
+                <a:latin typeface="Maison Neue Book"/>
+              </a:rPr>
+              <a:t>Only If the project succeeds in reaching its funding goal, all backers' credit cards are charged when time expires.’</a:t>
+            </a:r>
+          </a:p>
+          <a:p>
+            <a:pPr marL="171450" indent="-171450">
+              <a:buFont typeface="Arial" panose="020B0604020202020204" pitchFamily="34" charset="0"/>
+              <a:buChar char="•"/>
+            </a:pPr>
+            <a:r>
+              <a:rPr lang="en-GB" b="0" i="1" dirty="0">
+                <a:solidFill>
+                  <a:srgbClr val="202124"/>
+                </a:solidFill>
+                <a:effectLst/>
+                <a:latin typeface="Maison Neue Book"/>
+              </a:rPr>
+              <a:t>The benefit of predicting success of a project could be on both sides: </a:t>
+            </a:r>
+            <a:r>
+              <a:rPr lang="en-GB" b="0" i="1" dirty="0" err="1">
+                <a:solidFill>
+                  <a:srgbClr val="202124"/>
+                </a:solidFill>
+                <a:effectLst/>
+                <a:latin typeface="Maison Neue Book"/>
+              </a:rPr>
+              <a:t>kickstarter</a:t>
+            </a:r>
+            <a:r>
+              <a:rPr lang="en-GB" b="0" i="1" dirty="0">
+                <a:solidFill>
+                  <a:srgbClr val="202124"/>
+                </a:solidFill>
+                <a:effectLst/>
+                <a:latin typeface="Maison Neue Book"/>
+              </a:rPr>
+              <a:t> and project owners – possibly find ways to improve your project?</a:t>
+            </a:r>
+          </a:p>
+          <a:p>
+            <a:pPr marL="171450" marR="0" lvl="0" indent="-171450" algn="l" defTabSz="914400" rtl="0" eaLnBrk="1" fontAlgn="auto" latinLnBrk="0" hangingPunct="1">
+              <a:lnSpc>
+                <a:spcPct val="100000"/>
+              </a:lnSpc>
+              <a:spcBef>
+                <a:spcPts val="0"/>
+              </a:spcBef>
+              <a:spcAft>
+                <a:spcPts val="0"/>
+              </a:spcAft>
+              <a:buClrTx/>
+              <a:buSzTx/>
+              <a:buFont typeface="Arial" panose="020B0604020202020204" pitchFamily="34" charset="0"/>
+              <a:buChar char="•"/>
+              <a:tabLst/>
+              <a:defRPr/>
+            </a:pPr>
+            <a:r>
+              <a:rPr lang="en-DE" b="1" i="0" dirty="0">
+                <a:solidFill>
+                  <a:srgbClr val="282828"/>
+                </a:solidFill>
+                <a:effectLst/>
+                <a:latin typeface="inherit"/>
+              </a:rPr>
+              <a:t>$6,268,107,713</a:t>
+            </a:r>
+            <a:r>
+              <a:rPr lang="en-GB" b="1" i="0" dirty="0">
+                <a:solidFill>
+                  <a:srgbClr val="282828"/>
+                </a:solidFill>
+                <a:effectLst/>
+                <a:latin typeface="inherit"/>
+              </a:rPr>
+              <a:t> - </a:t>
+            </a:r>
+            <a:r>
+              <a:rPr lang="en-GB" b="0" i="0" dirty="0">
+                <a:solidFill>
+                  <a:srgbClr val="282828"/>
+                </a:solidFill>
+                <a:effectLst/>
+                <a:latin typeface="Maison Neue Book"/>
+              </a:rPr>
+              <a:t>total dollars pledged to Kickstarter projects</a:t>
+            </a:r>
+            <a:endParaRPr lang="en-DE" b="1" i="0" dirty="0">
+              <a:solidFill>
+                <a:srgbClr val="282828"/>
+              </a:solidFill>
+              <a:effectLst/>
+              <a:latin typeface="Maison Neue Book"/>
+            </a:endParaRPr>
+          </a:p>
+          <a:p>
+            <a:pPr marL="171450" marR="0" lvl="0" indent="-171450" algn="l" defTabSz="914400" rtl="0" eaLnBrk="1" fontAlgn="auto" latinLnBrk="0" hangingPunct="1">
+              <a:lnSpc>
+                <a:spcPct val="100000"/>
+              </a:lnSpc>
+              <a:spcBef>
+                <a:spcPts val="0"/>
+              </a:spcBef>
+              <a:spcAft>
+                <a:spcPts val="0"/>
+              </a:spcAft>
+              <a:buClrTx/>
+              <a:buSzTx/>
+              <a:buFont typeface="Arial" panose="020B0604020202020204" pitchFamily="34" charset="0"/>
+              <a:buChar char="•"/>
+              <a:tabLst/>
+              <a:defRPr/>
+            </a:pPr>
+            <a:r>
+              <a:rPr lang="en-DE" b="1" i="0" dirty="0">
+                <a:solidFill>
+                  <a:srgbClr val="282828"/>
+                </a:solidFill>
+                <a:effectLst/>
+                <a:latin typeface="Maison Neue Book"/>
+              </a:rPr>
+              <a:t>212,340</a:t>
+            </a:r>
+            <a:r>
+              <a:rPr lang="en-GB" b="1" i="0" dirty="0">
+                <a:solidFill>
+                  <a:srgbClr val="282828"/>
+                </a:solidFill>
+                <a:effectLst/>
+                <a:latin typeface="Maison Neue Book"/>
+              </a:rPr>
+              <a:t> - </a:t>
+            </a:r>
+            <a:r>
+              <a:rPr lang="en-GB" b="0" i="0" dirty="0">
+                <a:solidFill>
+                  <a:srgbClr val="282828"/>
+                </a:solidFill>
+                <a:effectLst/>
+                <a:latin typeface="Maison Neue Book"/>
+              </a:rPr>
+              <a:t>Successfully funded projects</a:t>
+            </a:r>
+            <a:endParaRPr lang="en-DE" b="1" i="0" dirty="0">
+              <a:solidFill>
+                <a:srgbClr val="282828"/>
+              </a:solidFill>
+              <a:effectLst/>
+              <a:latin typeface="Maison Neue Book"/>
+            </a:endParaRPr>
+          </a:p>
+          <a:p>
+            <a:pPr marL="171450" indent="-171450">
+              <a:buFont typeface="Arial" panose="020B0604020202020204" pitchFamily="34" charset="0"/>
+              <a:buChar char="•"/>
+            </a:pPr>
+            <a:endParaRPr lang="en-DE" i="1" dirty="0">
+              <a:latin typeface="Maison Neue Book"/>
+            </a:endParaRPr>
           </a:p>
           <a:p>
             <a:endParaRPr lang="en-DE" dirty="0"/>
@@ -624,37 +868,50 @@
           <a:bodyPr/>
           <a:lstStyle/>
           <a:p>
-            <a:pPr marL="0" marR="0" lvl="0" indent="0" algn="l" defTabSz="914400" rtl="0" eaLnBrk="1" fontAlgn="auto" latinLnBrk="0" hangingPunct="1">
-              <a:lnSpc>
-                <a:spcPct val="100000"/>
-              </a:lnSpc>
-              <a:spcBef>
-                <a:spcPts val="0"/>
-              </a:spcBef>
-              <a:spcAft>
-                <a:spcPts val="0"/>
-              </a:spcAft>
-              <a:buClrTx/>
-              <a:buSzTx/>
-              <a:buFontTx/>
-              <a:buNone/>
-              <a:tabLst/>
-              <a:defRPr/>
-            </a:pPr>
-            <a:r>
-              <a:rPr lang="en-US" sz="1200" dirty="0">
-                <a:latin typeface="Maison Neue Book"/>
+            <a:r>
+              <a:rPr lang="en-GB" dirty="0"/>
+              <a:t>What are </a:t>
+            </a:r>
+            <a:r>
+              <a:rPr lang="en-GB" dirty="0" err="1"/>
+              <a:t>stopwords</a:t>
+            </a:r>
+            <a:r>
+              <a:rPr lang="en-GB" dirty="0"/>
+              <a:t>:</a:t>
+            </a:r>
+          </a:p>
+          <a:p>
+            <a:r>
+              <a:rPr lang="en-GB" b="0" i="0" dirty="0">
+                <a:solidFill>
+                  <a:srgbClr val="273239"/>
+                </a:solidFill>
+                <a:effectLst/>
+                <a:latin typeface="urw-din"/>
               </a:rPr>
-              <a:t>150 most common words used in successful project &amp; highest score difference between success and failure</a:t>
-            </a:r>
-          </a:p>
-          <a:p>
-            <a:r>
-              <a:rPr lang="en-GB" dirty="0"/>
-              <a:t>What does this actually mean – explain</a:t>
-            </a:r>
-          </a:p>
-          <a:p>
+              <a:t>{‘ourselves’, ‘hers’, ‘between’, ‘yourself’, ‘but’, ‘again’, ‘there’, ‘about’, ‘once’, ‘during’, ‘out’, ‘very’, ‘having’, ‘with’, ‘they’, ‘own’, ‘an’, ‘be’, ‘some’, ‘for’, ‘do’, ‘its’, ‘yours’, ‘such’, ‘into’, ‘of’, ‘most’, ‘itself’, ‘other’, ‘off’, ‘is’, ‘s’, ‘am’, ‘or’, ‘who’, ‘as’, ‘from’, ‘him’, ‘each’, ‘the’, ‘themselves’, ‘until’, ‘below’, ‘are’, ‘we’, ‘these’, ‘your’, ‘his’, ‘through’, ‘don’, ‘nor’, ‘me’, ‘were’, ‘her’, ‘more’, ‘himself’, ‘this’, ‘down’, ‘should’, ‘our’, ‘their’, ‘while’, ‘above’, ‘both’, ‘up’, ‘to’, ‘ours’, ‘had’, ‘she’, ‘all’, ‘no’, ‘when’, ‘at’, ‘any’, ‘before’, ‘them’, ‘same’, ‘and’, ‘been’, ‘have’, ‘in’, ‘will’, ‘on’, ‘does’, ‘yourselves’, ‘then’, ‘that’, ‘because’, ‘what’, ‘over’, ‘why’, ‘so’, ‘can’, ‘did’, ‘not’, ‘now’, ‘under’, ‘he’, ‘you’, ‘herself’, ‘has’, ‘just’, ‘where’, ‘too’, ‘only’, ‘myself’, ‘which’, ‘those’, ‘</a:t>
+            </a:r>
+            <a:r>
+              <a:rPr lang="en-GB" b="0" i="0" dirty="0" err="1">
+                <a:solidFill>
+                  <a:srgbClr val="273239"/>
+                </a:solidFill>
+                <a:effectLst/>
+                <a:latin typeface="urw-din"/>
+              </a:rPr>
+              <a:t>i</a:t>
+            </a:r>
+            <a:r>
+              <a:rPr lang="en-GB" b="0" i="0" dirty="0">
+                <a:solidFill>
+                  <a:srgbClr val="273239"/>
+                </a:solidFill>
+                <a:effectLst/>
+                <a:latin typeface="urw-din"/>
+              </a:rPr>
+              <a:t>’, ‘after’, ‘few’, ‘whom’, ‘t’, ‘being’, ‘if’, ‘theirs’, ‘my’, ‘against’, ‘a’, ‘by’, ‘doing’, ‘it’, ‘how’, ‘further’, ‘was’, ‘here’, ‘than’} </a:t>
+            </a:r>
             <a:endParaRPr lang="en-DE" dirty="0"/>
           </a:p>
         </p:txBody>
@@ -676,7 +933,7 @@
           <a:p>
             <a:fld id="{0B7FCA78-F67D-4C9F-A032-C0A6CEF2EF96}" type="slidenum">
               <a:rPr lang="en-DE" smtClean="0"/>
-              <a:t>11</a:t>
+              <a:t>10</a:t>
             </a:fld>
             <a:endParaRPr lang="en-DE"/>
           </a:p>
@@ -685,7 +942,7 @@
     </p:spTree>
     <p:extLst>
       <p:ext uri="{BB962C8B-B14F-4D97-AF65-F5344CB8AC3E}">
-        <p14:creationId xmlns:p14="http://schemas.microsoft.com/office/powerpoint/2010/main" val="2022364457"/>
+        <p14:creationId xmlns:p14="http://schemas.microsoft.com/office/powerpoint/2010/main" val="1576223828"/>
       </p:ext>
     </p:extLst>
   </p:cSld>
@@ -764,23 +1021,6 @@
             </a:r>
           </a:p>
           <a:p>
-            <a:pPr marL="0" marR="0" lvl="0" indent="0" algn="l" defTabSz="914400" rtl="0" eaLnBrk="1" fontAlgn="auto" latinLnBrk="0" hangingPunct="1">
-              <a:lnSpc>
-                <a:spcPct val="100000"/>
-              </a:lnSpc>
-              <a:spcBef>
-                <a:spcPts val="0"/>
-              </a:spcBef>
-              <a:spcAft>
-                <a:spcPts val="0"/>
-              </a:spcAft>
-              <a:buClrTx/>
-              <a:buSzTx/>
-              <a:buFontTx/>
-              <a:buNone/>
-              <a:tabLst/>
-              <a:defRPr/>
-            </a:pPr>
             <a:r>
               <a:rPr lang="en-GB" dirty="0"/>
               <a:t>What does this actually mean – explain</a:t>
@@ -808,7 +1048,7 @@
           <a:p>
             <a:fld id="{0B7FCA78-F67D-4C9F-A032-C0A6CEF2EF96}" type="slidenum">
               <a:rPr lang="en-DE" smtClean="0"/>
-              <a:t>12</a:t>
+              <a:t>11</a:t>
             </a:fld>
             <a:endParaRPr lang="en-DE"/>
           </a:p>
@@ -817,7 +1057,7 @@
     </p:spTree>
     <p:extLst>
       <p:ext uri="{BB962C8B-B14F-4D97-AF65-F5344CB8AC3E}">
-        <p14:creationId xmlns:p14="http://schemas.microsoft.com/office/powerpoint/2010/main" val="4014157586"/>
+        <p14:creationId xmlns:p14="http://schemas.microsoft.com/office/powerpoint/2010/main" val="2022364457"/>
       </p:ext>
     </p:extLst>
   </p:cSld>
@@ -871,6 +1111,138 @@
           <a:bodyPr/>
           <a:lstStyle/>
           <a:p>
+            <a:pPr marL="0" marR="0" lvl="0" indent="0" algn="l" defTabSz="914400" rtl="0" eaLnBrk="1" fontAlgn="auto" latinLnBrk="0" hangingPunct="1">
+              <a:lnSpc>
+                <a:spcPct val="100000"/>
+              </a:lnSpc>
+              <a:spcBef>
+                <a:spcPts val="0"/>
+              </a:spcBef>
+              <a:spcAft>
+                <a:spcPts val="0"/>
+              </a:spcAft>
+              <a:buClrTx/>
+              <a:buSzTx/>
+              <a:buFontTx/>
+              <a:buNone/>
+              <a:tabLst/>
+              <a:defRPr/>
+            </a:pPr>
+            <a:r>
+              <a:rPr lang="en-US" sz="1200" dirty="0">
+                <a:latin typeface="Maison Neue Book"/>
+              </a:rPr>
+              <a:t>150 most common words used in successful project &amp; highest score difference between success and failure</a:t>
+            </a:r>
+          </a:p>
+          <a:p>
+            <a:pPr marL="0" marR="0" lvl="0" indent="0" algn="l" defTabSz="914400" rtl="0" eaLnBrk="1" fontAlgn="auto" latinLnBrk="0" hangingPunct="1">
+              <a:lnSpc>
+                <a:spcPct val="100000"/>
+              </a:lnSpc>
+              <a:spcBef>
+                <a:spcPts val="0"/>
+              </a:spcBef>
+              <a:spcAft>
+                <a:spcPts val="0"/>
+              </a:spcAft>
+              <a:buClrTx/>
+              <a:buSzTx/>
+              <a:buFontTx/>
+              <a:buNone/>
+              <a:tabLst/>
+              <a:defRPr/>
+            </a:pPr>
+            <a:r>
+              <a:rPr lang="en-GB" dirty="0"/>
+              <a:t>What does this actually mean – explain</a:t>
+            </a:r>
+          </a:p>
+          <a:p>
+            <a:endParaRPr lang="en-DE" dirty="0"/>
+          </a:p>
+        </p:txBody>
+      </p:sp>
+      <p:sp>
+        <p:nvSpPr>
+          <p:cNvPr id="4" name="Slide Number Placeholder 3"/>
+          <p:cNvSpPr>
+            <a:spLocks noGrp="1"/>
+          </p:cNvSpPr>
+          <p:nvPr>
+            <p:ph type="sldNum" sz="quarter" idx="5"/>
+          </p:nvPr>
+        </p:nvSpPr>
+        <p:spPr/>
+        <p:txBody>
+          <a:bodyPr/>
+          <a:lstStyle/>
+          <a:p>
+            <a:fld id="{0B7FCA78-F67D-4C9F-A032-C0A6CEF2EF96}" type="slidenum">
+              <a:rPr lang="en-DE" smtClean="0"/>
+              <a:t>12</a:t>
+            </a:fld>
+            <a:endParaRPr lang="en-DE"/>
+          </a:p>
+        </p:txBody>
+      </p:sp>
+    </p:spTree>
+    <p:extLst>
+      <p:ext uri="{BB962C8B-B14F-4D97-AF65-F5344CB8AC3E}">
+        <p14:creationId xmlns:p14="http://schemas.microsoft.com/office/powerpoint/2010/main" val="4014157586"/>
+      </p:ext>
+    </p:extLst>
+  </p:cSld>
+  <p:clrMapOvr>
+    <a:masterClrMapping/>
+  </p:clrMapOvr>
+</p:notes>
+</file>
+
+<file path=ppt/notesSlides/notesSlide13.xml><?xml version="1.0" encoding="utf-8"?>
+<p:notes xmlns:a="http://schemas.openxmlformats.org/drawingml/2006/main" xmlns:r="http://schemas.openxmlformats.org/officeDocument/2006/relationships" xmlns:p="http://schemas.openxmlformats.org/presentationml/2006/main">
+  <p:cSld>
+    <p:spTree>
+      <p:nvGrpSpPr>
+        <p:cNvPr id="1" name=""/>
+        <p:cNvGrpSpPr/>
+        <p:nvPr/>
+      </p:nvGrpSpPr>
+      <p:grpSpPr>
+        <a:xfrm>
+          <a:off x="0" y="0"/>
+          <a:ext cx="0" cy="0"/>
+          <a:chOff x="0" y="0"/>
+          <a:chExt cx="0" cy="0"/>
+        </a:xfrm>
+      </p:grpSpPr>
+      <p:sp>
+        <p:nvSpPr>
+          <p:cNvPr id="2" name="Slide Image Placeholder 1"/>
+          <p:cNvSpPr>
+            <a:spLocks noGrp="1" noRot="1" noChangeAspect="1"/>
+          </p:cNvSpPr>
+          <p:nvPr>
+            <p:ph type="sldImg"/>
+          </p:nvPr>
+        </p:nvSpPr>
+        <p:spPr/>
+      </p:sp>
+      <p:sp>
+        <p:nvSpPr>
+          <p:cNvPr id="3" name="Notes Placeholder 2"/>
+          <p:cNvSpPr>
+            <a:spLocks noGrp="1"/>
+          </p:cNvSpPr>
+          <p:nvPr>
+            <p:ph type="body" idx="1"/>
+          </p:nvPr>
+        </p:nvSpPr>
+        <p:spPr/>
+        <p:txBody>
+          <a:bodyPr/>
+          <a:lstStyle/>
+          <a:p>
             <a:r>
               <a:rPr lang="en-GB" dirty="0"/>
               <a:t>Now that we know the project failed let’s take a look what could be the factors</a:t>
@@ -905,6 +1277,129 @@
     <p:extLst>
       <p:ext uri="{BB962C8B-B14F-4D97-AF65-F5344CB8AC3E}">
         <p14:creationId xmlns:p14="http://schemas.microsoft.com/office/powerpoint/2010/main" val="1698721565"/>
+      </p:ext>
+    </p:extLst>
+  </p:cSld>
+  <p:clrMapOvr>
+    <a:masterClrMapping/>
+  </p:clrMapOvr>
+</p:notes>
+</file>
+
+<file path=ppt/notesSlides/notesSlide14.xml><?xml version="1.0" encoding="utf-8"?>
+<p:notes xmlns:a="http://schemas.openxmlformats.org/drawingml/2006/main" xmlns:r="http://schemas.openxmlformats.org/officeDocument/2006/relationships" xmlns:p="http://schemas.openxmlformats.org/presentationml/2006/main">
+  <p:cSld>
+    <p:spTree>
+      <p:nvGrpSpPr>
+        <p:cNvPr id="1" name=""/>
+        <p:cNvGrpSpPr/>
+        <p:nvPr/>
+      </p:nvGrpSpPr>
+      <p:grpSpPr>
+        <a:xfrm>
+          <a:off x="0" y="0"/>
+          <a:ext cx="0" cy="0"/>
+          <a:chOff x="0" y="0"/>
+          <a:chExt cx="0" cy="0"/>
+        </a:xfrm>
+      </p:grpSpPr>
+      <p:sp>
+        <p:nvSpPr>
+          <p:cNvPr id="2" name="Slide Image Placeholder 1"/>
+          <p:cNvSpPr>
+            <a:spLocks noGrp="1" noRot="1" noChangeAspect="1"/>
+          </p:cNvSpPr>
+          <p:nvPr>
+            <p:ph type="sldImg"/>
+          </p:nvPr>
+        </p:nvSpPr>
+        <p:spPr/>
+      </p:sp>
+      <p:sp>
+        <p:nvSpPr>
+          <p:cNvPr id="3" name="Notes Placeholder 2"/>
+          <p:cNvSpPr>
+            <a:spLocks noGrp="1"/>
+          </p:cNvSpPr>
+          <p:nvPr>
+            <p:ph type="body" idx="1"/>
+          </p:nvPr>
+        </p:nvSpPr>
+        <p:spPr/>
+        <p:txBody>
+          <a:bodyPr/>
+          <a:lstStyle/>
+          <a:p>
+            <a:r>
+              <a:rPr lang="en-GB" dirty="0"/>
+              <a:t>Final words</a:t>
+            </a:r>
+          </a:p>
+          <a:p>
+            <a:r>
+              <a:rPr lang="en-GB" dirty="0"/>
+              <a:t>Correlation vs causation</a:t>
+            </a:r>
+          </a:p>
+          <a:p>
+            <a:endParaRPr lang="en-GB" dirty="0"/>
+          </a:p>
+          <a:p>
+            <a:r>
+              <a:rPr lang="en-GB" dirty="0"/>
+              <a:t>Do not mix … the word does not bring the success</a:t>
+            </a:r>
+          </a:p>
+          <a:p>
+            <a:r>
+              <a:rPr lang="en-GB" dirty="0"/>
+              <a:t>It’s more of an explanation what kind of projects backers are interested in </a:t>
+            </a:r>
+          </a:p>
+          <a:p>
+            <a:r>
+              <a:rPr lang="en-GB" dirty="0"/>
+              <a:t>If you think about doing a </a:t>
+            </a:r>
+            <a:r>
+              <a:rPr lang="en-GB" dirty="0" err="1"/>
+              <a:t>kickstarter</a:t>
+            </a:r>
+            <a:r>
+              <a:rPr lang="en-GB" dirty="0"/>
+              <a:t> feel free to check my prediction first</a:t>
+            </a:r>
+            <a:endParaRPr lang="en-DE" dirty="0"/>
+          </a:p>
+        </p:txBody>
+      </p:sp>
+      <p:sp>
+        <p:nvSpPr>
+          <p:cNvPr id="4" name="Slide Number Placeholder 3"/>
+          <p:cNvSpPr>
+            <a:spLocks noGrp="1"/>
+          </p:cNvSpPr>
+          <p:nvPr>
+            <p:ph type="sldNum" sz="quarter" idx="5"/>
+          </p:nvPr>
+        </p:nvSpPr>
+        <p:spPr/>
+        <p:txBody>
+          <a:bodyPr/>
+          <a:lstStyle/>
+          <a:p>
+            <a:fld id="{0B7FCA78-F67D-4C9F-A032-C0A6CEF2EF96}" type="slidenum">
+              <a:rPr lang="en-DE" smtClean="0"/>
+              <a:t>14</a:t>
+            </a:fld>
+            <a:endParaRPr lang="en-DE"/>
+          </a:p>
+        </p:txBody>
+      </p:sp>
+    </p:spTree>
+    <p:extLst>
+      <p:ext uri="{BB962C8B-B14F-4D97-AF65-F5344CB8AC3E}">
+        <p14:creationId xmlns:p14="http://schemas.microsoft.com/office/powerpoint/2010/main" val="3006407813"/>
       </p:ext>
     </p:extLst>
   </p:cSld>
@@ -959,172 +1454,84 @@
           <a:lstStyle/>
           <a:p>
             <a:r>
-              <a:rPr lang="en-GB" i="1" dirty="0">
+              <a:rPr lang="en-GB" dirty="0"/>
+              <a:t>This is how the website looks like</a:t>
+            </a:r>
+          </a:p>
+          <a:p>
+            <a:r>
+              <a:rPr lang="en-GB" dirty="0"/>
+              <a:t>I analysed 186.303 unique projects from all categories</a:t>
+            </a:r>
+          </a:p>
+          <a:p>
+            <a:r>
+              <a:rPr lang="en-GB" dirty="0"/>
+              <a:t>Projects are from 2011 to 2021</a:t>
+            </a:r>
+          </a:p>
+          <a:p>
+            <a:pPr marL="0" marR="0" lvl="0" indent="0" algn="l" defTabSz="914400" rtl="0" eaLnBrk="1" fontAlgn="auto" latinLnBrk="0" hangingPunct="1">
+              <a:lnSpc>
+                <a:spcPct val="100000"/>
+              </a:lnSpc>
+              <a:spcBef>
+                <a:spcPts val="0"/>
+              </a:spcBef>
+              <a:spcAft>
+                <a:spcPts val="0"/>
+              </a:spcAft>
+              <a:buClrTx/>
+              <a:buSzTx/>
+              <a:buFontTx/>
+              <a:buNone/>
+              <a:tabLst/>
+              <a:defRPr/>
+            </a:pPr>
+            <a:r>
+              <a:rPr lang="en-GB" sz="1200" kern="1200" dirty="0">
                 <a:solidFill>
-                  <a:srgbClr val="202124"/>
+                  <a:schemeClr val="tx1"/>
                 </a:solidFill>
-                <a:latin typeface="Maison Neue Book"/>
+                <a:latin typeface="+mn-lt"/>
+                <a:ea typeface="+mn-ea"/>
+                <a:cs typeface="+mn-cs"/>
               </a:rPr>
-              <a:t>What is Kickstarter? (in my data roughly 60/40)</a:t>
-            </a:r>
-            <a:endParaRPr lang="en-GB" b="0" i="1" dirty="0">
-              <a:solidFill>
-                <a:srgbClr val="202124"/>
-              </a:solidFill>
-              <a:effectLst/>
-              <a:latin typeface="Maison Neue Book"/>
-            </a:endParaRPr>
-          </a:p>
-          <a:p>
-            <a:r>
-              <a:rPr lang="en-GB" b="0" i="1" dirty="0">
+              <a:t>In my data roughly 60% are funded projects and 40% are failed projects</a:t>
+            </a:r>
+          </a:p>
+          <a:p>
+            <a:pPr marL="0" marR="0" lvl="0" indent="0" algn="l" defTabSz="914400" rtl="0" eaLnBrk="1" fontAlgn="auto" latinLnBrk="0" hangingPunct="1">
+              <a:lnSpc>
+                <a:spcPct val="100000"/>
+              </a:lnSpc>
+              <a:spcBef>
+                <a:spcPts val="0"/>
+              </a:spcBef>
+              <a:spcAft>
+                <a:spcPts val="0"/>
+              </a:spcAft>
+              <a:buClrTx/>
+              <a:buSzTx/>
+              <a:buFontTx/>
+              <a:buNone/>
+              <a:tabLst/>
+              <a:defRPr/>
+            </a:pPr>
+            <a:r>
+              <a:rPr lang="en-GB" sz="1200" kern="1200" dirty="0">
                 <a:solidFill>
-                  <a:srgbClr val="202124"/>
+                  <a:schemeClr val="tx1"/>
                 </a:solidFill>
-                <a:effectLst/>
-                <a:latin typeface="Maison Neue Book"/>
+                <a:latin typeface="+mn-lt"/>
+                <a:ea typeface="+mn-ea"/>
+                <a:cs typeface="+mn-cs"/>
               </a:rPr>
-              <a:t>‘Kickstarter is </a:t>
-            </a:r>
-            <a:r>
-              <a:rPr lang="en-GB" i="1" dirty="0">
-                <a:solidFill>
-                  <a:srgbClr val="202124"/>
-                </a:solidFill>
-                <a:effectLst/>
-                <a:latin typeface="Maison Neue Book"/>
-              </a:rPr>
-              <a:t>a funding platform for creative projects</a:t>
-            </a:r>
-            <a:r>
-              <a:rPr lang="en-GB" b="0" i="1" dirty="0">
-                <a:solidFill>
-                  <a:srgbClr val="202124"/>
-                </a:solidFill>
-                <a:effectLst/>
-                <a:latin typeface="Maison Neue Book"/>
-              </a:rPr>
-              <a:t>. ... </a:t>
-            </a:r>
-          </a:p>
-          <a:p>
-            <a:r>
-              <a:rPr lang="en-GB" b="0" i="1" dirty="0">
-                <a:solidFill>
-                  <a:srgbClr val="202124"/>
-                </a:solidFill>
-                <a:effectLst/>
-                <a:latin typeface="Maison Neue Book"/>
-              </a:rPr>
-              <a:t>There are different categories like … </a:t>
-            </a:r>
-          </a:p>
-          <a:p>
-            <a:endParaRPr lang="en-GB" b="0" i="1" dirty="0">
-              <a:solidFill>
-                <a:srgbClr val="202124"/>
-              </a:solidFill>
-              <a:effectLst/>
-              <a:latin typeface="Maison Neue Book"/>
-            </a:endParaRPr>
-          </a:p>
-          <a:p>
-            <a:r>
-              <a:rPr lang="en-GB" b="0" i="1" dirty="0">
-                <a:solidFill>
-                  <a:srgbClr val="202124"/>
-                </a:solidFill>
-                <a:effectLst/>
-                <a:latin typeface="Maison Neue Book"/>
-              </a:rPr>
-              <a:t>Every project creator sets their project's funding goal and deadline. </a:t>
-            </a:r>
-          </a:p>
-          <a:p>
-            <a:endParaRPr lang="en-GB" b="0" i="1" dirty="0">
-              <a:solidFill>
-                <a:srgbClr val="202124"/>
-              </a:solidFill>
-              <a:effectLst/>
-              <a:latin typeface="Maison Neue Book"/>
-            </a:endParaRPr>
-          </a:p>
-          <a:p>
-            <a:r>
-              <a:rPr lang="en-GB" b="0" i="1" dirty="0">
-                <a:solidFill>
-                  <a:srgbClr val="202124"/>
-                </a:solidFill>
-                <a:effectLst/>
-                <a:latin typeface="Maison Neue Book"/>
-              </a:rPr>
-              <a:t>If people like the project, they can pledge money to make it happen. </a:t>
-            </a:r>
-          </a:p>
-          <a:p>
-            <a:endParaRPr lang="en-GB" b="0" i="1" dirty="0">
-              <a:solidFill>
-                <a:srgbClr val="202124"/>
-              </a:solidFill>
-              <a:effectLst/>
-              <a:latin typeface="Maison Neue Book"/>
-            </a:endParaRPr>
-          </a:p>
-          <a:p>
-            <a:r>
-              <a:rPr lang="en-GB" b="0" i="1" dirty="0">
-                <a:solidFill>
-                  <a:srgbClr val="202124"/>
-                </a:solidFill>
-                <a:effectLst/>
-                <a:latin typeface="Maison Neue Book"/>
-              </a:rPr>
-              <a:t>Only If the project succeeds in reaching its funding goal, all backers' credit cards are charged when time expires.’</a:t>
-            </a:r>
-          </a:p>
-          <a:p>
-            <a:endParaRPr lang="en-GB" b="0" i="1" dirty="0">
-              <a:solidFill>
-                <a:srgbClr val="202124"/>
-              </a:solidFill>
-              <a:effectLst/>
-              <a:latin typeface="Maison Neue Book"/>
-            </a:endParaRPr>
-          </a:p>
-          <a:p>
-            <a:r>
-              <a:rPr lang="en-GB" b="0" i="1" dirty="0">
-                <a:solidFill>
-                  <a:srgbClr val="202124"/>
-                </a:solidFill>
-                <a:effectLst/>
-                <a:latin typeface="Maison Neue Book"/>
-              </a:rPr>
-              <a:t>The benefit of predicting success of a project could be on both sides: </a:t>
-            </a:r>
-            <a:r>
-              <a:rPr lang="en-GB" b="0" i="1" dirty="0" err="1">
-                <a:solidFill>
-                  <a:srgbClr val="202124"/>
-                </a:solidFill>
-                <a:effectLst/>
-                <a:latin typeface="Maison Neue Book"/>
-              </a:rPr>
-              <a:t>kickstarter</a:t>
-            </a:r>
-            <a:r>
-              <a:rPr lang="en-GB" b="0" i="1" dirty="0">
-                <a:solidFill>
-                  <a:srgbClr val="202124"/>
-                </a:solidFill>
-                <a:effectLst/>
-                <a:latin typeface="Maison Neue Book"/>
-              </a:rPr>
-              <a:t> and project owners – possibly find ways to improve your project?</a:t>
-            </a:r>
-            <a:endParaRPr lang="en-DE" i="1" dirty="0">
-              <a:latin typeface="Maison Neue Book"/>
-            </a:endParaRPr>
+              <a:t>Overall 36% get funded (could be also difference in calculation)</a:t>
+            </a:r>
+          </a:p>
+          <a:p>
+            <a:endParaRPr lang="en-GB" dirty="0"/>
           </a:p>
           <a:p>
             <a:endParaRPr lang="en-DE" dirty="0"/>
@@ -1213,6 +1620,12 @@
           <a:p>
             <a:r>
               <a:rPr lang="en-GB" dirty="0"/>
+              <a:t>THE CHALLENGE</a:t>
+            </a:r>
+          </a:p>
+          <a:p>
+            <a:r>
+              <a:rPr lang="en-GB" dirty="0"/>
               <a:t>No pictures</a:t>
             </a:r>
           </a:p>
@@ -1432,13 +1845,13 @@
           <a:p>
             <a:r>
               <a:rPr lang="en-GB" dirty="0"/>
-              <a:t>best accuracy  82.33%</a:t>
+              <a:t>best accuracy  82.37%</a:t>
             </a:r>
           </a:p>
           <a:p>
             <a:r>
               <a:rPr lang="en-GB" dirty="0"/>
-              <a:t>Tree Classifier - </a:t>
+              <a:t>Decision Tree Classifier- </a:t>
             </a:r>
             <a:r>
               <a:rPr lang="en-GB" dirty="0" err="1"/>
@@ -1453,24 +1866,6 @@
               <a:t>MinMaxScaler</a:t>
             </a:r>
             <a:endParaRPr lang="en-GB" dirty="0"/>
-          </a:p>
-          <a:p>
-            <a:endParaRPr lang="en-GB" dirty="0"/>
-          </a:p>
-          <a:p>
-            <a:r>
-              <a:rPr lang="en-GB" dirty="0"/>
-              <a:t>Differentiate on quality depending on success or failure (quality true positives or false negative)</a:t>
-            </a:r>
-          </a:p>
-          <a:p>
-            <a:endParaRPr lang="en-GB" dirty="0"/>
-          </a:p>
-          <a:p>
-            <a:r>
-              <a:rPr lang="en-GB" dirty="0"/>
-              <a:t>Remove boxes to see if we change our mind including the other inputs</a:t>
-            </a:r>
           </a:p>
         </p:txBody>
       </p:sp>
@@ -1759,29 +2154,9 @@
           <a:p>
             <a:r>
               <a:rPr lang="en-GB" dirty="0"/>
-              <a:t>Both graphs show duration in days and goal amount in k USD</a:t>
-            </a:r>
-          </a:p>
-          <a:p>
-            <a:r>
-              <a:rPr lang="en-GB" dirty="0"/>
-              <a:t>21 days</a:t>
-            </a:r>
-          </a:p>
-          <a:p>
-            <a:r>
-              <a:rPr lang="en-GB" dirty="0"/>
-              <a:t>381euro</a:t>
-            </a:r>
-          </a:p>
-          <a:p>
-            <a:r>
-              <a:rPr lang="en-GB" dirty="0"/>
-              <a:t>The higher the goal amount the less likely it is going to be funded – our example project has a very high goal with almost 150kUSD</a:t>
-            </a:r>
-          </a:p>
-          <a:p>
-            <a:endParaRPr lang="en-GB" dirty="0"/>
+              <a:t>It seems that projects are more successful when they are launch and end the same weekday</a:t>
+            </a:r>
+            <a:endParaRPr lang="en-DE" dirty="0"/>
           </a:p>
         </p:txBody>
       </p:sp>
@@ -1811,7 +2186,7 @@
     </p:spTree>
     <p:extLst>
       <p:ext uri="{BB962C8B-B14F-4D97-AF65-F5344CB8AC3E}">
-        <p14:creationId xmlns:p14="http://schemas.microsoft.com/office/powerpoint/2010/main" val="2908534908"/>
+        <p14:creationId xmlns:p14="http://schemas.microsoft.com/office/powerpoint/2010/main" val="1896676141"/>
       </p:ext>
     </p:extLst>
   </p:cSld>
@@ -1867,9 +2242,29 @@
           <a:p>
             <a:r>
               <a:rPr lang="en-GB" dirty="0"/>
-              <a:t>It seems that projects are more successful when they are launch and end the same weekday</a:t>
-            </a:r>
-            <a:endParaRPr lang="en-DE" dirty="0"/>
+              <a:t>Both graphs show duration in days and goal amount in k USD</a:t>
+            </a:r>
+          </a:p>
+          <a:p>
+            <a:r>
+              <a:rPr lang="en-GB" dirty="0"/>
+              <a:t>21 days</a:t>
+            </a:r>
+          </a:p>
+          <a:p>
+            <a:r>
+              <a:rPr lang="en-GB" dirty="0"/>
+              <a:t>381euro</a:t>
+            </a:r>
+          </a:p>
+          <a:p>
+            <a:r>
+              <a:rPr lang="en-GB" dirty="0"/>
+              <a:t>The higher the goal amount the less likely it is going to be funded – our example project has a very high goal with almost 150kUSD</a:t>
+            </a:r>
+          </a:p>
+          <a:p>
+            <a:endParaRPr lang="en-GB" dirty="0"/>
           </a:p>
         </p:txBody>
       </p:sp>
@@ -1899,7 +2294,7 @@
     </p:spTree>
     <p:extLst>
       <p:ext uri="{BB962C8B-B14F-4D97-AF65-F5344CB8AC3E}">
-        <p14:creationId xmlns:p14="http://schemas.microsoft.com/office/powerpoint/2010/main" val="1896676141"/>
+        <p14:creationId xmlns:p14="http://schemas.microsoft.com/office/powerpoint/2010/main" val="2908534908"/>
       </p:ext>
     </p:extLst>
   </p:cSld>
@@ -5358,6 +5753,49 @@
           <a:chExt cx="0" cy="0"/>
         </a:xfrm>
       </p:grpSpPr>
+      <p:pic>
+        <p:nvPicPr>
+          <p:cNvPr id="3" name="Picture 2">
+            <a:extLst>
+              <a:ext uri="{FF2B5EF4-FFF2-40B4-BE49-F238E27FC236}">
+                <a16:creationId xmlns:a16="http://schemas.microsoft.com/office/drawing/2014/main" id="{FEB07C7F-8398-416E-BFE3-FA5AA88F5B19}"/>
+              </a:ext>
+            </a:extLst>
+          </p:cNvPr>
+          <p:cNvPicPr>
+            <a:picLocks noChangeAspect="1"/>
+          </p:cNvPicPr>
+          <p:nvPr/>
+        </p:nvPicPr>
+        <p:blipFill>
+          <a:blip r:embed="rId3">
+            <a:alphaModFix amt="7000"/>
+            <a:extLst>
+              <a:ext uri="{BEBA8EAE-BF5A-486C-A8C5-ECC9F3942E4B}">
+                <a14:imgProps xmlns:a14="http://schemas.microsoft.com/office/drawing/2010/main">
+                  <a14:imgLayer r:embed="rId4">
+                    <a14:imgEffect>
+                      <a14:saturation sat="0"/>
+                    </a14:imgEffect>
+                  </a14:imgLayer>
+                </a14:imgProps>
+              </a:ext>
+            </a:extLst>
+          </a:blip>
+          <a:stretch>
+            <a:fillRect/>
+          </a:stretch>
+        </p:blipFill>
+        <p:spPr>
+          <a:xfrm>
+            <a:off x="0" y="0"/>
+            <a:ext cx="11833095" cy="6176615"/>
+          </a:xfrm>
+          <a:prstGeom prst="rect">
+            <a:avLst/>
+          </a:prstGeom>
+        </p:spPr>
+      </p:pic>
       <p:sp>
         <p:nvSpPr>
           <p:cNvPr id="15" name="TextBox 14">
@@ -5372,8 +5810,8 @@
         </p:nvSpPr>
         <p:spPr>
           <a:xfrm>
-            <a:off x="1782501" y="1223240"/>
-            <a:ext cx="8322198" cy="2862322"/>
+            <a:off x="358905" y="461466"/>
+            <a:ext cx="10776030" cy="4651723"/>
           </a:xfrm>
           <a:prstGeom prst="rect">
             <a:avLst/>
@@ -5388,19 +5826,19 @@
           <a:p>
             <a:pPr algn="ctr"/>
             <a:r>
-              <a:rPr lang="en-US" sz="2000" dirty="0">
+              <a:rPr lang="en-US" sz="2800" b="1" dirty="0">
                 <a:latin typeface="Maison Neue Book"/>
               </a:rPr>
-              <a:t>Keyword base for our project after removing </a:t>
-            </a:r>
-            <a:r>
-              <a:rPr lang="en-US" sz="2000" dirty="0" err="1">
+              <a:t>Keywords after removing </a:t>
+            </a:r>
+            <a:r>
+              <a:rPr lang="en-US" sz="2800" b="1" dirty="0" err="1">
                 <a:latin typeface="Maison Neue Book"/>
               </a:rPr>
               <a:t>stopwords</a:t>
             </a:r>
             <a:r>
-              <a:rPr lang="en-US" sz="2000" dirty="0">
+              <a:rPr lang="en-US" sz="2800" b="1" dirty="0">
                 <a:latin typeface="Maison Neue Book"/>
               </a:rPr>
               <a:t> and punctuation are:</a:t>
@@ -5413,63 +5851,112 @@
             </a:endParaRPr>
           </a:p>
           <a:p>
-            <a:pPr algn="ctr"/>
-            <a:r>
-              <a:rPr lang="en-US" sz="2000" dirty="0">
+            <a:pPr algn="ctr">
+              <a:lnSpc>
+                <a:spcPct val="150000"/>
+              </a:lnSpc>
+            </a:pPr>
+            <a:r>
+              <a:rPr lang="en-US" sz="2400" dirty="0">
+                <a:solidFill>
+                  <a:srgbClr val="00B050"/>
+                </a:solidFill>
                 <a:latin typeface="Maison Neue Book"/>
               </a:rPr>
               <a:t>enamel</a:t>
             </a:r>
           </a:p>
           <a:p>
-            <a:pPr algn="ctr"/>
-            <a:r>
-              <a:rPr lang="en-US" sz="2000" dirty="0">
+            <a:pPr algn="ctr">
+              <a:lnSpc>
+                <a:spcPct val="150000"/>
+              </a:lnSpc>
+            </a:pPr>
+            <a:r>
+              <a:rPr lang="en-US" sz="2400" dirty="0">
+                <a:solidFill>
+                  <a:srgbClr val="00B050"/>
+                </a:solidFill>
                 <a:latin typeface="Maison Neue Book"/>
               </a:rPr>
               <a:t>pin</a:t>
             </a:r>
           </a:p>
           <a:p>
-            <a:pPr algn="ctr"/>
-            <a:r>
-              <a:rPr lang="en-US" sz="2000" dirty="0">
+            <a:pPr algn="ctr">
+              <a:lnSpc>
+                <a:spcPct val="150000"/>
+              </a:lnSpc>
+            </a:pPr>
+            <a:r>
+              <a:rPr lang="en-US" sz="2400" dirty="0">
+                <a:solidFill>
+                  <a:srgbClr val="00B050"/>
+                </a:solidFill>
                 <a:latin typeface="Maison Neue Book"/>
               </a:rPr>
               <a:t>set</a:t>
             </a:r>
           </a:p>
           <a:p>
-            <a:pPr algn="ctr"/>
-            <a:r>
-              <a:rPr lang="en-US" sz="2000" dirty="0">
+            <a:pPr algn="ctr">
+              <a:lnSpc>
+                <a:spcPct val="150000"/>
+              </a:lnSpc>
+            </a:pPr>
+            <a:r>
+              <a:rPr lang="en-US" sz="2400" dirty="0">
+                <a:solidFill>
+                  <a:srgbClr val="00B050"/>
+                </a:solidFill>
                 <a:latin typeface="Maison Neue Book"/>
               </a:rPr>
               <a:t>based</a:t>
             </a:r>
           </a:p>
           <a:p>
-            <a:pPr algn="ctr"/>
-            <a:r>
-              <a:rPr lang="en-US" sz="2000" dirty="0">
+            <a:pPr algn="ctr">
+              <a:lnSpc>
+                <a:spcPct val="150000"/>
+              </a:lnSpc>
+            </a:pPr>
+            <a:r>
+              <a:rPr lang="en-US" sz="2400" dirty="0">
+                <a:solidFill>
+                  <a:srgbClr val="00B050"/>
+                </a:solidFill>
                 <a:latin typeface="Maison Neue Book"/>
               </a:rPr>
               <a:t>new</a:t>
             </a:r>
           </a:p>
           <a:p>
-            <a:pPr algn="ctr"/>
-            <a:r>
-              <a:rPr lang="en-US" sz="2000" dirty="0">
+            <a:pPr algn="ctr">
+              <a:lnSpc>
+                <a:spcPct val="150000"/>
+              </a:lnSpc>
+            </a:pPr>
+            <a:r>
+              <a:rPr lang="en-US" sz="2400" dirty="0">
+                <a:solidFill>
+                  <a:srgbClr val="00B050"/>
+                </a:solidFill>
                 <a:latin typeface="Maison Neue Book"/>
               </a:rPr>
               <a:t>generation</a:t>
             </a:r>
           </a:p>
           <a:p>
-            <a:pPr algn="ctr"/>
-            <a:r>
-              <a:rPr lang="en-US" sz="2000" dirty="0">
+            <a:pPr algn="ctr">
+              <a:lnSpc>
+                <a:spcPct val="150000"/>
+              </a:lnSpc>
+            </a:pPr>
+            <a:r>
+              <a:rPr lang="en-US" sz="2400" dirty="0">
+                <a:solidFill>
+                  <a:srgbClr val="00B050"/>
+                </a:solidFill>
                 <a:latin typeface="Maison Neue Book"/>
               </a:rPr>
               <a:t>ponies </a:t>
@@ -6638,8 +7125,8 @@
         </p:nvSpPr>
         <p:spPr>
           <a:xfrm>
-            <a:off x="2662177" y="1223240"/>
-            <a:ext cx="6643867" cy="3170099"/>
+            <a:off x="2774066" y="2397948"/>
+            <a:ext cx="6643867" cy="2062103"/>
           </a:xfrm>
           <a:prstGeom prst="rect">
             <a:avLst/>
@@ -6654,72 +7141,27 @@
           <a:p>
             <a:pPr algn="ctr"/>
             <a:r>
-              <a:rPr lang="en-US" sz="2000" dirty="0">
+              <a:rPr lang="en-US" sz="3200" b="1" dirty="0">
                 <a:latin typeface="Maison Neue Book"/>
               </a:rPr>
-              <a:t>Go step by step through the fail prediction</a:t>
+              <a:t>THANK YOU!</a:t>
             </a:r>
           </a:p>
           <a:p>
             <a:pPr algn="ctr"/>
-            <a:endParaRPr lang="en-US" sz="2000" dirty="0">
+            <a:endParaRPr lang="en-US" sz="3200" b="1" dirty="0">
               <a:latin typeface="Maison Neue Book"/>
             </a:endParaRPr>
           </a:p>
           <a:p>
             <a:pPr algn="ctr"/>
-            <a:r>
-              <a:rPr lang="en-US" sz="2000" dirty="0">
-                <a:latin typeface="Maison Neue Book"/>
-              </a:rPr>
-              <a:t>Certain categories that are more likely to fail</a:t>
-            </a:r>
-          </a:p>
-          <a:p>
-            <a:pPr algn="ctr"/>
-            <a:endParaRPr lang="en-US" sz="2000" dirty="0">
+            <a:endParaRPr lang="en-US" sz="3200" b="1" dirty="0">
               <a:latin typeface="Maison Neue Book"/>
             </a:endParaRPr>
           </a:p>
           <a:p>
             <a:pPr algn="ctr"/>
-            <a:r>
-              <a:rPr lang="en-US" sz="2000" dirty="0">
-                <a:latin typeface="Maison Neue Book"/>
-              </a:rPr>
-              <a:t>Common words in failed projects</a:t>
-            </a:r>
-          </a:p>
-          <a:p>
-            <a:pPr algn="ctr"/>
-            <a:endParaRPr lang="en-US" sz="2000" dirty="0">
-              <a:latin typeface="Maison Neue Book"/>
-            </a:endParaRPr>
-          </a:p>
-          <a:p>
-            <a:pPr algn="ctr"/>
-            <a:r>
-              <a:rPr lang="en-US" sz="2000" dirty="0">
-                <a:latin typeface="Maison Neue Book"/>
-              </a:rPr>
-              <a:t>Goal amounts</a:t>
-            </a:r>
-          </a:p>
-          <a:p>
-            <a:pPr algn="ctr"/>
-            <a:endParaRPr lang="en-US" sz="2000" dirty="0">
-              <a:latin typeface="Maison Neue Book"/>
-            </a:endParaRPr>
-          </a:p>
-          <a:p>
-            <a:pPr algn="ctr"/>
-            <a:endParaRPr lang="en-US" sz="2000" dirty="0">
-              <a:latin typeface="Maison Neue Book"/>
-            </a:endParaRPr>
-          </a:p>
-          <a:p>
-            <a:pPr algn="ctr"/>
-            <a:endParaRPr lang="en-US" sz="2000" dirty="0">
+            <a:endParaRPr lang="en-US" sz="3200" b="1" dirty="0">
               <a:latin typeface="Maison Neue Book"/>
             </a:endParaRPr>
           </a:p>
@@ -8456,6 +8898,204 @@
       </p:grpSpPr>
       <p:pic>
         <p:nvPicPr>
+          <p:cNvPr id="5" name="Picture 4">
+            <a:extLst>
+              <a:ext uri="{FF2B5EF4-FFF2-40B4-BE49-F238E27FC236}">
+                <a16:creationId xmlns:a16="http://schemas.microsoft.com/office/drawing/2014/main" id="{2E6D2F49-E1BE-43AA-B199-E0826A25A2A0}"/>
+              </a:ext>
+            </a:extLst>
+          </p:cNvPr>
+          <p:cNvPicPr>
+            <a:picLocks noChangeAspect="1"/>
+          </p:cNvPicPr>
+          <p:nvPr/>
+        </p:nvPicPr>
+        <p:blipFill>
+          <a:blip r:embed="rId3"/>
+          <a:stretch>
+            <a:fillRect/>
+          </a:stretch>
+        </p:blipFill>
+        <p:spPr>
+          <a:xfrm>
+            <a:off x="1654275" y="1109441"/>
+            <a:ext cx="8623959" cy="4006569"/>
+          </a:xfrm>
+          <a:prstGeom prst="rect">
+            <a:avLst/>
+          </a:prstGeom>
+        </p:spPr>
+      </p:pic>
+      <p:sp>
+        <p:nvSpPr>
+          <p:cNvPr id="6" name="Rectangle 5">
+            <a:extLst>
+              <a:ext uri="{FF2B5EF4-FFF2-40B4-BE49-F238E27FC236}">
+                <a16:creationId xmlns:a16="http://schemas.microsoft.com/office/drawing/2014/main" id="{FEBFC3AF-4BC6-4DCB-A665-841C37FC2037}"/>
+              </a:ext>
+            </a:extLst>
+          </p:cNvPr>
+          <p:cNvSpPr/>
+          <p:nvPr/>
+        </p:nvSpPr>
+        <p:spPr>
+          <a:xfrm>
+            <a:off x="7199452" y="3680749"/>
+            <a:ext cx="995423" cy="497711"/>
+          </a:xfrm>
+          <a:prstGeom prst="rect">
+            <a:avLst/>
+          </a:prstGeom>
+          <a:noFill/>
+          <a:ln w="38100">
+            <a:solidFill>
+              <a:schemeClr val="tx1"/>
+            </a:solidFill>
+          </a:ln>
+        </p:spPr>
+        <p:style>
+          <a:lnRef idx="2">
+            <a:schemeClr val="accent1">
+              <a:shade val="50000"/>
+            </a:schemeClr>
+          </a:lnRef>
+          <a:fillRef idx="1">
+            <a:schemeClr val="accent1"/>
+          </a:fillRef>
+          <a:effectRef idx="0">
+            <a:schemeClr val="accent1"/>
+          </a:effectRef>
+          <a:fontRef idx="minor">
+            <a:schemeClr val="lt1"/>
+          </a:fontRef>
+        </p:style>
+        <p:txBody>
+          <a:bodyPr rtlCol="0" anchor="ctr"/>
+          <a:lstStyle/>
+          <a:p>
+            <a:pPr algn="ctr"/>
+            <a:endParaRPr lang="en-DE"/>
+          </a:p>
+        </p:txBody>
+      </p:sp>
+    </p:spTree>
+    <p:extLst>
+      <p:ext uri="{BB962C8B-B14F-4D97-AF65-F5344CB8AC3E}">
+        <p14:creationId xmlns:p14="http://schemas.microsoft.com/office/powerpoint/2010/main" val="930875439"/>
+      </p:ext>
+    </p:extLst>
+  </p:cSld>
+  <p:clrMapOvr>
+    <a:masterClrMapping/>
+  </p:clrMapOvr>
+  <p:timing>
+    <p:tnLst>
+      <p:par>
+        <p:cTn id="1" dur="indefinite" restart="never" nodeType="tmRoot">
+          <p:childTnLst>
+            <p:seq concurrent="1" nextAc="seek">
+              <p:cTn id="2" dur="indefinite" nodeType="mainSeq">
+                <p:childTnLst>
+                  <p:par>
+                    <p:cTn id="3" fill="hold">
+                      <p:stCondLst>
+                        <p:cond delay="indefinite"/>
+                      </p:stCondLst>
+                      <p:childTnLst>
+                        <p:par>
+                          <p:cTn id="4" fill="hold">
+                            <p:stCondLst>
+                              <p:cond delay="0"/>
+                            </p:stCondLst>
+                            <p:childTnLst>
+                              <p:par>
+                                <p:cTn id="5" presetID="6" presetClass="entr" presetSubtype="16" fill="hold" grpId="0" nodeType="clickEffect">
+                                  <p:stCondLst>
+                                    <p:cond delay="0"/>
+                                  </p:stCondLst>
+                                  <p:childTnLst>
+                                    <p:set>
+                                      <p:cBhvr>
+                                        <p:cTn id="6" dur="1" fill="hold">
+                                          <p:stCondLst>
+                                            <p:cond delay="0"/>
+                                          </p:stCondLst>
+                                        </p:cTn>
+                                        <p:tgtEl>
+                                          <p:spTgt spid="6"/>
+                                        </p:tgtEl>
+                                        <p:attrNameLst>
+                                          <p:attrName>style.visibility</p:attrName>
+                                        </p:attrNameLst>
+                                      </p:cBhvr>
+                                      <p:to>
+                                        <p:strVal val="visible"/>
+                                      </p:to>
+                                    </p:set>
+                                    <p:animEffect transition="in" filter="circle(in)">
+                                      <p:cBhvr>
+                                        <p:cTn id="7" dur="2000"/>
+                                        <p:tgtEl>
+                                          <p:spTgt spid="6"/>
+                                        </p:tgtEl>
+                                      </p:cBhvr>
+                                    </p:animEffect>
+                                  </p:childTnLst>
+                                </p:cTn>
+                              </p:par>
+                            </p:childTnLst>
+                          </p:cTn>
+                        </p:par>
+                      </p:childTnLst>
+                    </p:cTn>
+                  </p:par>
+                </p:childTnLst>
+              </p:cTn>
+              <p:prevCondLst>
+                <p:cond evt="onPrev" delay="0">
+                  <p:tgtEl>
+                    <p:sldTgt/>
+                  </p:tgtEl>
+                </p:cond>
+              </p:prevCondLst>
+              <p:nextCondLst>
+                <p:cond evt="onNext" delay="0">
+                  <p:tgtEl>
+                    <p:sldTgt/>
+                  </p:tgtEl>
+                </p:cond>
+              </p:nextCondLst>
+            </p:seq>
+          </p:childTnLst>
+        </p:cTn>
+      </p:par>
+    </p:tnLst>
+    <p:bldLst>
+      <p:bldP spid="6" grpId="0" animBg="1"/>
+    </p:bldLst>
+  </p:timing>
+</p:sld>
+</file>
+
+<file path=ppt/slides/slide9.xml><?xml version="1.0" encoding="utf-8"?>
+<p:sld xmlns:a="http://schemas.openxmlformats.org/drawingml/2006/main" xmlns:r="http://schemas.openxmlformats.org/officeDocument/2006/relationships" xmlns:p="http://schemas.openxmlformats.org/presentationml/2006/main">
+  <p:cSld>
+    <p:spTree>
+      <p:nvGrpSpPr>
+        <p:cNvPr id="1" name=""/>
+        <p:cNvGrpSpPr/>
+        <p:nvPr/>
+      </p:nvGrpSpPr>
+      <p:grpSpPr>
+        <a:xfrm>
+          <a:off x="0" y="0"/>
+          <a:ext cx="0" cy="0"/>
+          <a:chOff x="0" y="0"/>
+          <a:chExt cx="0" cy="0"/>
+        </a:xfrm>
+      </p:grpSpPr>
+      <p:pic>
+        <p:nvPicPr>
           <p:cNvPr id="14" name="Picture 13">
             <a:extLst>
               <a:ext uri="{FF2B5EF4-FFF2-40B4-BE49-F238E27FC236}">
@@ -8796,204 +9436,6 @@
     <p:bldLst>
       <p:bldP spid="10" grpId="0" animBg="1"/>
       <p:bldP spid="9" grpId="0" animBg="1"/>
-    </p:bldLst>
-  </p:timing>
-</p:sld>
-</file>
-
-<file path=ppt/slides/slide9.xml><?xml version="1.0" encoding="utf-8"?>
-<p:sld xmlns:a="http://schemas.openxmlformats.org/drawingml/2006/main" xmlns:r="http://schemas.openxmlformats.org/officeDocument/2006/relationships" xmlns:p="http://schemas.openxmlformats.org/presentationml/2006/main">
-  <p:cSld>
-    <p:spTree>
-      <p:nvGrpSpPr>
-        <p:cNvPr id="1" name=""/>
-        <p:cNvGrpSpPr/>
-        <p:nvPr/>
-      </p:nvGrpSpPr>
-      <p:grpSpPr>
-        <a:xfrm>
-          <a:off x="0" y="0"/>
-          <a:ext cx="0" cy="0"/>
-          <a:chOff x="0" y="0"/>
-          <a:chExt cx="0" cy="0"/>
-        </a:xfrm>
-      </p:grpSpPr>
-      <p:pic>
-        <p:nvPicPr>
-          <p:cNvPr id="5" name="Picture 4">
-            <a:extLst>
-              <a:ext uri="{FF2B5EF4-FFF2-40B4-BE49-F238E27FC236}">
-                <a16:creationId xmlns:a16="http://schemas.microsoft.com/office/drawing/2014/main" id="{2E6D2F49-E1BE-43AA-B199-E0826A25A2A0}"/>
-              </a:ext>
-            </a:extLst>
-          </p:cNvPr>
-          <p:cNvPicPr>
-            <a:picLocks noChangeAspect="1"/>
-          </p:cNvPicPr>
-          <p:nvPr/>
-        </p:nvPicPr>
-        <p:blipFill>
-          <a:blip r:embed="rId3"/>
-          <a:stretch>
-            <a:fillRect/>
-          </a:stretch>
-        </p:blipFill>
-        <p:spPr>
-          <a:xfrm>
-            <a:off x="1654275" y="1109441"/>
-            <a:ext cx="8623959" cy="4006569"/>
-          </a:xfrm>
-          <a:prstGeom prst="rect">
-            <a:avLst/>
-          </a:prstGeom>
-        </p:spPr>
-      </p:pic>
-      <p:sp>
-        <p:nvSpPr>
-          <p:cNvPr id="6" name="Rectangle 5">
-            <a:extLst>
-              <a:ext uri="{FF2B5EF4-FFF2-40B4-BE49-F238E27FC236}">
-                <a16:creationId xmlns:a16="http://schemas.microsoft.com/office/drawing/2014/main" id="{FEBFC3AF-4BC6-4DCB-A665-841C37FC2037}"/>
-              </a:ext>
-            </a:extLst>
-          </p:cNvPr>
-          <p:cNvSpPr/>
-          <p:nvPr/>
-        </p:nvSpPr>
-        <p:spPr>
-          <a:xfrm>
-            <a:off x="7199452" y="3680749"/>
-            <a:ext cx="995423" cy="497711"/>
-          </a:xfrm>
-          <a:prstGeom prst="rect">
-            <a:avLst/>
-          </a:prstGeom>
-          <a:noFill/>
-          <a:ln w="38100">
-            <a:solidFill>
-              <a:schemeClr val="tx1"/>
-            </a:solidFill>
-          </a:ln>
-        </p:spPr>
-        <p:style>
-          <a:lnRef idx="2">
-            <a:schemeClr val="accent1">
-              <a:shade val="50000"/>
-            </a:schemeClr>
-          </a:lnRef>
-          <a:fillRef idx="1">
-            <a:schemeClr val="accent1"/>
-          </a:fillRef>
-          <a:effectRef idx="0">
-            <a:schemeClr val="accent1"/>
-          </a:effectRef>
-          <a:fontRef idx="minor">
-            <a:schemeClr val="lt1"/>
-          </a:fontRef>
-        </p:style>
-        <p:txBody>
-          <a:bodyPr rtlCol="0" anchor="ctr"/>
-          <a:lstStyle/>
-          <a:p>
-            <a:pPr algn="ctr"/>
-            <a:endParaRPr lang="en-DE"/>
-          </a:p>
-        </p:txBody>
-      </p:sp>
-    </p:spTree>
-    <p:extLst>
-      <p:ext uri="{BB962C8B-B14F-4D97-AF65-F5344CB8AC3E}">
-        <p14:creationId xmlns:p14="http://schemas.microsoft.com/office/powerpoint/2010/main" val="930875439"/>
-      </p:ext>
-    </p:extLst>
-  </p:cSld>
-  <p:clrMapOvr>
-    <a:masterClrMapping/>
-  </p:clrMapOvr>
-  <p:timing>
-    <p:tnLst>
-      <p:par>
-        <p:cTn id="1" dur="indefinite" restart="never" nodeType="tmRoot">
-          <p:childTnLst>
-            <p:seq concurrent="1" nextAc="seek">
-              <p:cTn id="2" dur="indefinite" nodeType="mainSeq">
-                <p:childTnLst>
-                  <p:par>
-                    <p:cTn id="3" fill="hold">
-                      <p:stCondLst>
-                        <p:cond delay="indefinite"/>
-                      </p:stCondLst>
-                      <p:childTnLst>
-                        <p:par>
-                          <p:cTn id="4" fill="hold">
-                            <p:stCondLst>
-                              <p:cond delay="0"/>
-                            </p:stCondLst>
-                            <p:childTnLst>
-                              <p:par>
-                                <p:cTn id="5" presetID="6" presetClass="entr" presetSubtype="16" fill="hold" grpId="0" nodeType="clickEffect">
-                                  <p:stCondLst>
-                                    <p:cond delay="0"/>
-                                  </p:stCondLst>
-                                  <p:childTnLst>
-                                    <p:set>
-                                      <p:cBhvr>
-                                        <p:cTn id="6" dur="1" fill="hold">
-                                          <p:stCondLst>
-                                            <p:cond delay="0"/>
-                                          </p:stCondLst>
-                                        </p:cTn>
-                                        <p:tgtEl>
-                                          <p:spTgt spid="6"/>
-                                        </p:tgtEl>
-                                        <p:attrNameLst>
-                                          <p:attrName>style.visibility</p:attrName>
-                                        </p:attrNameLst>
-                                      </p:cBhvr>
-                                      <p:to>
-                                        <p:strVal val="visible"/>
-                                      </p:to>
-                                    </p:set>
-                                    <p:animEffect transition="in" filter="circle(in)">
-                                      <p:cBhvr>
-                                        <p:cTn id="7" dur="2000"/>
-                                        <p:tgtEl>
-                                          <p:spTgt spid="6"/>
-                                        </p:tgtEl>
-                                      </p:cBhvr>
-                                    </p:animEffect>
-                                  </p:childTnLst>
-                                </p:cTn>
-                              </p:par>
-                            </p:childTnLst>
-                          </p:cTn>
-                        </p:par>
-                      </p:childTnLst>
-                    </p:cTn>
-                  </p:par>
-                </p:childTnLst>
-              </p:cTn>
-              <p:prevCondLst>
-                <p:cond evt="onPrev" delay="0">
-                  <p:tgtEl>
-                    <p:sldTgt/>
-                  </p:tgtEl>
-                </p:cond>
-              </p:prevCondLst>
-              <p:nextCondLst>
-                <p:cond evt="onNext" delay="0">
-                  <p:tgtEl>
-                    <p:sldTgt/>
-                  </p:tgtEl>
-                </p:cond>
-              </p:nextCondLst>
-            </p:seq>
-          </p:childTnLst>
-        </p:cTn>
-      </p:par>
-    </p:tnLst>
-    <p:bldLst>
-      <p:bldP spid="6" grpId="0" animBg="1"/>
     </p:bldLst>
   </p:timing>
 </p:sld>
